--- a/XYGraphDesign1.pptx
+++ b/XYGraphDesign1.pptx
@@ -6,8 +6,11 @@
   </p:sldMasterIdLst>
   <p:sldIdLst>
     <p:sldId id="256" r:id="rId2"/>
-    <p:sldId id="257" r:id="rId3"/>
-    <p:sldId id="258" r:id="rId4"/>
+    <p:sldId id="258" r:id="rId3"/>
+    <p:sldId id="260" r:id="rId4"/>
+    <p:sldId id="261" r:id="rId5"/>
+    <p:sldId id="259" r:id="rId6"/>
+    <p:sldId id="257" r:id="rId7"/>
   </p:sldIdLst>
   <p:sldSz cx="9144000" cy="6858000" type="screen4x3"/>
   <p:notesSz cx="6858000" cy="9144000"/>
@@ -290,7 +293,7 @@
           <a:p>
             <a:fld id="{15CEDA6D-348F-46A3-831A-93AFDBC0634A}" type="datetimeFigureOut">
               <a:rPr lang="en-SG" smtClean="0"/>
-              <a:t>31/10/2014</a:t>
+              <a:t>6/8/2024</a:t>
             </a:fld>
             <a:endParaRPr lang="en-SG"/>
           </a:p>
@@ -460,7 +463,7 @@
           <a:p>
             <a:fld id="{15CEDA6D-348F-46A3-831A-93AFDBC0634A}" type="datetimeFigureOut">
               <a:rPr lang="en-SG" smtClean="0"/>
-              <a:t>31/10/2014</a:t>
+              <a:t>6/8/2024</a:t>
             </a:fld>
             <a:endParaRPr lang="en-SG"/>
           </a:p>
@@ -640,7 +643,7 @@
           <a:p>
             <a:fld id="{15CEDA6D-348F-46A3-831A-93AFDBC0634A}" type="datetimeFigureOut">
               <a:rPr lang="en-SG" smtClean="0"/>
-              <a:t>31/10/2014</a:t>
+              <a:t>6/8/2024</a:t>
             </a:fld>
             <a:endParaRPr lang="en-SG"/>
           </a:p>
@@ -810,7 +813,7 @@
           <a:p>
             <a:fld id="{15CEDA6D-348F-46A3-831A-93AFDBC0634A}" type="datetimeFigureOut">
               <a:rPr lang="en-SG" smtClean="0"/>
-              <a:t>31/10/2014</a:t>
+              <a:t>6/8/2024</a:t>
             </a:fld>
             <a:endParaRPr lang="en-SG"/>
           </a:p>
@@ -1056,7 +1059,7 @@
           <a:p>
             <a:fld id="{15CEDA6D-348F-46A3-831A-93AFDBC0634A}" type="datetimeFigureOut">
               <a:rPr lang="en-SG" smtClean="0"/>
-              <a:t>31/10/2014</a:t>
+              <a:t>6/8/2024</a:t>
             </a:fld>
             <a:endParaRPr lang="en-SG"/>
           </a:p>
@@ -1344,7 +1347,7 @@
           <a:p>
             <a:fld id="{15CEDA6D-348F-46A3-831A-93AFDBC0634A}" type="datetimeFigureOut">
               <a:rPr lang="en-SG" smtClean="0"/>
-              <a:t>31/10/2014</a:t>
+              <a:t>6/8/2024</a:t>
             </a:fld>
             <a:endParaRPr lang="en-SG"/>
           </a:p>
@@ -1766,7 +1769,7 @@
           <a:p>
             <a:fld id="{15CEDA6D-348F-46A3-831A-93AFDBC0634A}" type="datetimeFigureOut">
               <a:rPr lang="en-SG" smtClean="0"/>
-              <a:t>31/10/2014</a:t>
+              <a:t>6/8/2024</a:t>
             </a:fld>
             <a:endParaRPr lang="en-SG"/>
           </a:p>
@@ -1884,7 +1887,7 @@
           <a:p>
             <a:fld id="{15CEDA6D-348F-46A3-831A-93AFDBC0634A}" type="datetimeFigureOut">
               <a:rPr lang="en-SG" smtClean="0"/>
-              <a:t>31/10/2014</a:t>
+              <a:t>6/8/2024</a:t>
             </a:fld>
             <a:endParaRPr lang="en-SG"/>
           </a:p>
@@ -1979,7 +1982,7 @@
           <a:p>
             <a:fld id="{15CEDA6D-348F-46A3-831A-93AFDBC0634A}" type="datetimeFigureOut">
               <a:rPr lang="en-SG" smtClean="0"/>
-              <a:t>31/10/2014</a:t>
+              <a:t>6/8/2024</a:t>
             </a:fld>
             <a:endParaRPr lang="en-SG"/>
           </a:p>
@@ -2256,7 +2259,7 @@
           <a:p>
             <a:fld id="{15CEDA6D-348F-46A3-831A-93AFDBC0634A}" type="datetimeFigureOut">
               <a:rPr lang="en-SG" smtClean="0"/>
-              <a:t>31/10/2014</a:t>
+              <a:t>6/8/2024</a:t>
             </a:fld>
             <a:endParaRPr lang="en-SG"/>
           </a:p>
@@ -2509,7 +2512,7 @@
           <a:p>
             <a:fld id="{15CEDA6D-348F-46A3-831A-93AFDBC0634A}" type="datetimeFigureOut">
               <a:rPr lang="en-SG" smtClean="0"/>
-              <a:t>31/10/2014</a:t>
+              <a:t>6/8/2024</a:t>
             </a:fld>
             <a:endParaRPr lang="en-SG"/>
           </a:p>
@@ -2722,7 +2725,7 @@
           <a:p>
             <a:fld id="{15CEDA6D-348F-46A3-831A-93AFDBC0634A}" type="datetimeFigureOut">
               <a:rPr lang="en-SG" smtClean="0"/>
-              <a:t>31/10/2014</a:t>
+              <a:t>6/8/2024</a:t>
             </a:fld>
             <a:endParaRPr lang="en-SG"/>
           </a:p>
@@ -3291,7 +3294,7 @@
         <p:spPr>
           <a:xfrm>
             <a:off x="50835" y="66110"/>
-            <a:ext cx="920765" cy="338554"/>
+            <a:ext cx="2318392" cy="338554"/>
           </a:xfrm>
           <a:prstGeom prst="rect">
             <a:avLst/>
@@ -3305,8 +3308,8 @@
           <a:lstStyle/>
           <a:p>
             <a:r>
-              <a:rPr lang="en-US" sz="1600" b="1" dirty="0" err="1" smtClean="0"/>
-              <a:t>XYGraph</a:t>
+              <a:rPr lang="en-US" sz="1600" b="1" dirty="0" smtClean="0"/>
+              <a:t>Example for simple Chart</a:t>
             </a:r>
             <a:endParaRPr lang="en-SG" sz="1600" b="1" dirty="0"/>
           </a:p>
@@ -4132,6 +4135,5579 @@
 </file>
 
 <file path=ppt/slides/slide2.xml><?xml version="1.0" encoding="utf-8"?>
+<p:sld xmlns:a="http://schemas.openxmlformats.org/drawingml/2006/main" xmlns:r="http://schemas.openxmlformats.org/officeDocument/2006/relationships" xmlns:p="http://schemas.openxmlformats.org/presentationml/2006/main">
+  <p:cSld>
+    <p:bg>
+      <p:bgPr>
+        <a:solidFill>
+          <a:schemeClr val="bg1">
+            <a:lumMod val="95000"/>
+          </a:schemeClr>
+        </a:solidFill>
+        <a:effectLst/>
+      </p:bgPr>
+    </p:bg>
+    <p:spTree>
+      <p:nvGrpSpPr>
+        <p:cNvPr id="1" name=""/>
+        <p:cNvGrpSpPr/>
+        <p:nvPr/>
+      </p:nvGrpSpPr>
+      <p:grpSpPr>
+        <a:xfrm>
+          <a:off x="0" y="0"/>
+          <a:ext cx="0" cy="0"/>
+          <a:chOff x="0" y="0"/>
+          <a:chExt cx="0" cy="0"/>
+        </a:xfrm>
+      </p:grpSpPr>
+      <p:sp>
+        <p:nvSpPr>
+          <p:cNvPr id="2" name="TextBox 1"/>
+          <p:cNvSpPr txBox="1"/>
+          <p:nvPr/>
+        </p:nvSpPr>
+        <p:spPr>
+          <a:xfrm>
+            <a:off x="192677" y="598170"/>
+            <a:ext cx="1672253" cy="2246769"/>
+          </a:xfrm>
+          <a:prstGeom prst="rect">
+            <a:avLst/>
+          </a:prstGeom>
+          <a:solidFill>
+            <a:schemeClr val="bg1"/>
+          </a:solidFill>
+          <a:ln>
+            <a:solidFill>
+              <a:schemeClr val="tx1">
+                <a:lumMod val="75000"/>
+                <a:lumOff val="25000"/>
+              </a:schemeClr>
+            </a:solidFill>
+          </a:ln>
+          <a:effectLst>
+            <a:outerShdw blurRad="50800" dist="38100" dir="2700000" algn="tl" rotWithShape="0">
+              <a:prstClr val="black">
+                <a:alpha val="40000"/>
+              </a:prstClr>
+            </a:outerShdw>
+          </a:effectLst>
+        </p:spPr>
+        <p:txBody>
+          <a:bodyPr wrap="none" rtlCol="0">
+            <a:spAutoFit/>
+          </a:bodyPr>
+          <a:lstStyle/>
+          <a:p>
+            <a:r>
+              <a:rPr lang="en-US" sz="1000" b="1" dirty="0" smtClean="0"/>
+              <a:t>Chart</a:t>
+            </a:r>
+          </a:p>
+          <a:p>
+            <a:r>
+              <a:rPr lang="en-SG" sz="1000" dirty="0" err="1" smtClean="0"/>
+              <a:t>PlotAreas</a:t>
+            </a:r>
+            <a:endParaRPr lang="en-SG" sz="1000" dirty="0" smtClean="0"/>
+          </a:p>
+          <a:p>
+            <a:r>
+              <a:rPr lang="en-SG" sz="1000" dirty="0" err="1" smtClean="0"/>
+              <a:t>LegendScrollerYs</a:t>
+            </a:r>
+            <a:endParaRPr lang="en-SG" sz="1000" dirty="0" smtClean="0"/>
+          </a:p>
+          <a:p>
+            <a:r>
+              <a:rPr lang="en-SG" sz="1000" dirty="0" err="1" smtClean="0"/>
+              <a:t>LegendScrollerXs</a:t>
+            </a:r>
+            <a:endParaRPr lang="en-SG" sz="1000" dirty="0" smtClean="0"/>
+          </a:p>
+          <a:p>
+            <a:r>
+              <a:rPr lang="en-SG" sz="1000" dirty="0" err="1" smtClean="0"/>
+              <a:t>Zoomers</a:t>
+            </a:r>
+            <a:endParaRPr lang="en-SG" sz="1000" dirty="0" smtClean="0"/>
+          </a:p>
+          <a:p>
+            <a:endParaRPr lang="en-US" sz="1000" dirty="0"/>
+          </a:p>
+          <a:p>
+            <a:r>
+              <a:rPr lang="en-SG" sz="1000" dirty="0"/>
+              <a:t>double[][,]? </a:t>
+            </a:r>
+            <a:r>
+              <a:rPr lang="en-SG" sz="1000" dirty="0" err="1" smtClean="0"/>
+              <a:t>DataSeries</a:t>
+            </a:r>
+            <a:endParaRPr lang="en-SG" sz="1000" dirty="0" smtClean="0"/>
+          </a:p>
+          <a:p>
+            <a:r>
+              <a:rPr lang="en-SG" sz="1000" dirty="0" err="1"/>
+              <a:t>SerieStyleEnum</a:t>
+            </a:r>
+            <a:r>
+              <a:rPr lang="en-SG" sz="1000" dirty="0"/>
+              <a:t>[]? </a:t>
+            </a:r>
+            <a:r>
+              <a:rPr lang="en-SG" sz="1000" dirty="0" err="1" smtClean="0"/>
+              <a:t>serieStyle</a:t>
+            </a:r>
+            <a:endParaRPr lang="en-SG" sz="1000" dirty="0" smtClean="0"/>
+          </a:p>
+          <a:p>
+            <a:endParaRPr lang="en-US" sz="1000" dirty="0"/>
+          </a:p>
+          <a:p>
+            <a:r>
+              <a:rPr lang="en-US" sz="1000" dirty="0" err="1"/>
+              <a:t>FillData</a:t>
+            </a:r>
+            <a:r>
+              <a:rPr lang="en-US" sz="1000" dirty="0"/>
+              <a:t>&lt;</a:t>
+            </a:r>
+            <a:r>
+              <a:rPr lang="en-US" sz="1000" dirty="0" err="1"/>
+              <a:t>TRecord</a:t>
+            </a:r>
+            <a:r>
+              <a:rPr lang="en-US" sz="1000" dirty="0" smtClean="0"/>
+              <a:t>&gt;(</a:t>
+            </a:r>
+          </a:p>
+          <a:p>
+            <a:r>
+              <a:rPr lang="en-US" sz="1000" dirty="0" smtClean="0"/>
+              <a:t>  </a:t>
+            </a:r>
+            <a:r>
+              <a:rPr lang="en-US" sz="1000" dirty="0" err="1" smtClean="0"/>
+              <a:t>IEnumerable</a:t>
+            </a:r>
+            <a:r>
+              <a:rPr lang="en-US" sz="1000" dirty="0" smtClean="0"/>
+              <a:t>&lt;</a:t>
+            </a:r>
+            <a:r>
+              <a:rPr lang="en-US" sz="1000" dirty="0" err="1" smtClean="0"/>
+              <a:t>TRecord</a:t>
+            </a:r>
+            <a:r>
+              <a:rPr lang="en-US" sz="1000" dirty="0"/>
+              <a:t>&gt; </a:t>
+            </a:r>
+            <a:endParaRPr lang="en-US" sz="1000" dirty="0" smtClean="0"/>
+          </a:p>
+          <a:p>
+            <a:r>
+              <a:rPr lang="en-US" sz="1000" dirty="0" smtClean="0"/>
+              <a:t>  </a:t>
+            </a:r>
+            <a:r>
+              <a:rPr lang="en-US" sz="1000" dirty="0" err="1" smtClean="0"/>
+              <a:t>newRecords</a:t>
+            </a:r>
+            <a:r>
+              <a:rPr lang="en-US" sz="1000" dirty="0"/>
+              <a:t>, </a:t>
+            </a:r>
+            <a:endParaRPr lang="en-US" sz="1000" dirty="0" smtClean="0"/>
+          </a:p>
+          <a:p>
+            <a:r>
+              <a:rPr lang="en-US" sz="1000" dirty="0" smtClean="0"/>
+              <a:t>  </a:t>
+            </a:r>
+            <a:r>
+              <a:rPr lang="en-US" sz="1000" dirty="0" err="1" smtClean="0"/>
+              <a:t>SerieSetting</a:t>
+            </a:r>
+            <a:r>
+              <a:rPr lang="en-US" sz="1000" dirty="0" smtClean="0"/>
+              <a:t>&lt;</a:t>
+            </a:r>
+            <a:r>
+              <a:rPr lang="en-US" sz="1000" dirty="0" err="1" smtClean="0"/>
+              <a:t>TRecord</a:t>
+            </a:r>
+            <a:r>
+              <a:rPr lang="en-US" sz="1000" dirty="0"/>
+              <a:t>&gt;[] </a:t>
+            </a:r>
+            <a:endParaRPr lang="en-US" sz="1000" dirty="0" smtClean="0"/>
+          </a:p>
+          <a:p>
+            <a:r>
+              <a:rPr lang="en-US" sz="1000" dirty="0" smtClean="0"/>
+              <a:t>  </a:t>
+            </a:r>
+            <a:r>
+              <a:rPr lang="en-US" sz="1000" dirty="0" err="1" smtClean="0"/>
+              <a:t>newSerieSettings</a:t>
+            </a:r>
+            <a:r>
+              <a:rPr lang="en-US" sz="1000" dirty="0"/>
+              <a:t>)</a:t>
+            </a:r>
+            <a:endParaRPr lang="en-US" sz="1000" dirty="0" smtClean="0"/>
+          </a:p>
+        </p:txBody>
+      </p:sp>
+      <p:sp>
+        <p:nvSpPr>
+          <p:cNvPr id="3" name="TextBox 2"/>
+          <p:cNvSpPr txBox="1"/>
+          <p:nvPr/>
+        </p:nvSpPr>
+        <p:spPr>
+          <a:xfrm>
+            <a:off x="2101487" y="598170"/>
+            <a:ext cx="1771639" cy="553998"/>
+          </a:xfrm>
+          <a:prstGeom prst="rect">
+            <a:avLst/>
+          </a:prstGeom>
+          <a:solidFill>
+            <a:schemeClr val="bg1"/>
+          </a:solidFill>
+          <a:ln>
+            <a:solidFill>
+              <a:schemeClr val="tx1">
+                <a:lumMod val="75000"/>
+                <a:lumOff val="25000"/>
+              </a:schemeClr>
+            </a:solidFill>
+          </a:ln>
+          <a:effectLst>
+            <a:outerShdw blurRad="50800" dist="38100" dir="2700000" algn="tl" rotWithShape="0">
+              <a:prstClr val="black">
+                <a:alpha val="40000"/>
+              </a:prstClr>
+            </a:outerShdw>
+          </a:effectLst>
+        </p:spPr>
+        <p:txBody>
+          <a:bodyPr wrap="none" rtlCol="0">
+            <a:spAutoFit/>
+          </a:bodyPr>
+          <a:lstStyle/>
+          <a:p>
+            <a:r>
+              <a:rPr lang="en-SG" sz="1000" b="1" dirty="0" err="1"/>
+              <a:t>PlotArea</a:t>
+            </a:r>
+            <a:endParaRPr lang="en-US" sz="1000" b="1" dirty="0" smtClean="0"/>
+          </a:p>
+          <a:p>
+            <a:r>
+              <a:rPr lang="en-US" sz="1000" i="1" dirty="0" smtClean="0"/>
+              <a:t>Asks renderer to create Visuals</a:t>
+            </a:r>
+            <a:endParaRPr lang="en-SG" sz="1000" i="1" dirty="0" smtClean="0"/>
+          </a:p>
+          <a:p>
+            <a:r>
+              <a:rPr lang="en-SG" sz="1000" dirty="0" smtClean="0"/>
+              <a:t>Renderers</a:t>
+            </a:r>
+          </a:p>
+        </p:txBody>
+      </p:sp>
+      <p:sp>
+        <p:nvSpPr>
+          <p:cNvPr id="4" name="TextBox 3"/>
+          <p:cNvSpPr txBox="1"/>
+          <p:nvPr/>
+        </p:nvSpPr>
+        <p:spPr>
+          <a:xfrm>
+            <a:off x="2101487" y="1306800"/>
+            <a:ext cx="1754006" cy="1169551"/>
+          </a:xfrm>
+          <a:prstGeom prst="rect">
+            <a:avLst/>
+          </a:prstGeom>
+          <a:solidFill>
+            <a:schemeClr val="bg1"/>
+          </a:solidFill>
+          <a:ln>
+            <a:solidFill>
+              <a:schemeClr val="tx1">
+                <a:lumMod val="75000"/>
+                <a:lumOff val="25000"/>
+              </a:schemeClr>
+            </a:solidFill>
+          </a:ln>
+          <a:effectLst>
+            <a:outerShdw blurRad="50800" dist="38100" dir="2700000" algn="tl" rotWithShape="0">
+              <a:prstClr val="black">
+                <a:alpha val="40000"/>
+              </a:prstClr>
+            </a:outerShdw>
+          </a:effectLst>
+        </p:spPr>
+        <p:txBody>
+          <a:bodyPr wrap="none" rtlCol="0">
+            <a:spAutoFit/>
+          </a:bodyPr>
+          <a:lstStyle/>
+          <a:p>
+            <a:r>
+              <a:rPr lang="en-SG" sz="1000" b="1" dirty="0" smtClean="0"/>
+              <a:t>Renderer</a:t>
+            </a:r>
+            <a:endParaRPr lang="en-US" sz="1000" b="1" dirty="0" smtClean="0"/>
+          </a:p>
+          <a:p>
+            <a:r>
+              <a:rPr lang="en-SG" sz="1000" dirty="0" smtClean="0"/>
+              <a:t>event </a:t>
+            </a:r>
+            <a:r>
+              <a:rPr lang="en-SG" sz="1000" dirty="0"/>
+              <a:t>Action&lt;Renderer&gt;? </a:t>
+            </a:r>
+            <a:endParaRPr lang="en-SG" sz="1000" dirty="0" smtClean="0"/>
+          </a:p>
+          <a:p>
+            <a:r>
+              <a:rPr lang="en-SG" sz="1000" dirty="0"/>
+              <a:t> </a:t>
+            </a:r>
+            <a:r>
+              <a:rPr lang="en-SG" sz="1000" dirty="0" smtClean="0"/>
+              <a:t> </a:t>
+            </a:r>
+            <a:r>
+              <a:rPr lang="en-SG" sz="1000" dirty="0" err="1" smtClean="0"/>
+              <a:t>RenderingRequested</a:t>
+            </a:r>
+            <a:endParaRPr lang="en-SG" sz="1000" dirty="0" smtClean="0"/>
+          </a:p>
+          <a:p>
+            <a:r>
+              <a:rPr lang="en-SG" sz="1000" dirty="0"/>
+              <a:t>double </a:t>
+            </a:r>
+            <a:r>
+              <a:rPr lang="en-SG" sz="1000" dirty="0" err="1" smtClean="0"/>
+              <a:t>ScaleX</a:t>
+            </a:r>
+            <a:endParaRPr lang="en-SG" sz="1000" dirty="0" smtClean="0"/>
+          </a:p>
+          <a:p>
+            <a:r>
+              <a:rPr lang="en-SG" sz="1000" dirty="0"/>
+              <a:t>double </a:t>
+            </a:r>
+            <a:r>
+              <a:rPr lang="en-SG" sz="1000" dirty="0" err="1" smtClean="0"/>
+              <a:t>ScaleY</a:t>
+            </a:r>
+            <a:endParaRPr lang="en-SG" sz="1000" dirty="0" smtClean="0"/>
+          </a:p>
+          <a:p>
+            <a:r>
+              <a:rPr lang="en-US" sz="1000" dirty="0" smtClean="0"/>
+              <a:t>Visual </a:t>
+            </a:r>
+            <a:r>
+              <a:rPr lang="en-US" sz="1000" dirty="0" err="1"/>
+              <a:t>CreateVisual</a:t>
+            </a:r>
+            <a:r>
+              <a:rPr lang="en-US" sz="1000" dirty="0" smtClean="0"/>
+              <a:t>(</a:t>
+            </a:r>
+          </a:p>
+          <a:p>
+            <a:r>
+              <a:rPr lang="en-US" sz="1000" dirty="0"/>
+              <a:t> </a:t>
+            </a:r>
+            <a:r>
+              <a:rPr lang="en-US" sz="1000" dirty="0" smtClean="0"/>
+              <a:t> double </a:t>
+            </a:r>
+            <a:r>
+              <a:rPr lang="en-US" sz="1000" dirty="0"/>
+              <a:t>width, double height)</a:t>
+            </a:r>
+            <a:endParaRPr lang="en-SG" sz="1000" dirty="0" smtClean="0"/>
+          </a:p>
+        </p:txBody>
+      </p:sp>
+      <p:cxnSp>
+        <p:nvCxnSpPr>
+          <p:cNvPr id="6" name="Straight Arrow Connector 5"/>
+          <p:cNvCxnSpPr/>
+          <p:nvPr/>
+        </p:nvCxnSpPr>
+        <p:spPr>
+          <a:xfrm>
+            <a:off x="2449830" y="1078230"/>
+            <a:ext cx="0" cy="274320"/>
+          </a:xfrm>
+          <a:prstGeom prst="straightConnector1">
+            <a:avLst/>
+          </a:prstGeom>
+          <a:ln>
+            <a:tailEnd type="arrow"/>
+          </a:ln>
+        </p:spPr>
+        <p:style>
+          <a:lnRef idx="1">
+            <a:schemeClr val="accent1"/>
+          </a:lnRef>
+          <a:fillRef idx="0">
+            <a:schemeClr val="accent1"/>
+          </a:fillRef>
+          <a:effectRef idx="0">
+            <a:schemeClr val="accent1"/>
+          </a:effectRef>
+          <a:fontRef idx="minor">
+            <a:schemeClr val="tx1"/>
+          </a:fontRef>
+        </p:style>
+      </p:cxnSp>
+      <p:sp>
+        <p:nvSpPr>
+          <p:cNvPr id="9" name="TextBox 8"/>
+          <p:cNvSpPr txBox="1"/>
+          <p:nvPr/>
+        </p:nvSpPr>
+        <p:spPr>
+          <a:xfrm>
+            <a:off x="4165779" y="620463"/>
+            <a:ext cx="1322798" cy="707886"/>
+          </a:xfrm>
+          <a:prstGeom prst="rect">
+            <a:avLst/>
+          </a:prstGeom>
+          <a:solidFill>
+            <a:schemeClr val="bg1"/>
+          </a:solidFill>
+          <a:ln>
+            <a:solidFill>
+              <a:schemeClr val="tx1">
+                <a:lumMod val="75000"/>
+                <a:lumOff val="25000"/>
+              </a:schemeClr>
+            </a:solidFill>
+          </a:ln>
+          <a:effectLst>
+            <a:outerShdw blurRad="50800" dist="38100" dir="2700000" algn="tl" rotWithShape="0">
+              <a:prstClr val="black">
+                <a:alpha val="40000"/>
+              </a:prstClr>
+            </a:outerShdw>
+          </a:effectLst>
+        </p:spPr>
+        <p:txBody>
+          <a:bodyPr wrap="none" rtlCol="0">
+            <a:spAutoFit/>
+          </a:bodyPr>
+          <a:lstStyle/>
+          <a:p>
+            <a:r>
+              <a:rPr lang="en-SG" sz="1000" b="1" dirty="0" err="1"/>
+              <a:t>RendererDataSeries</a:t>
+            </a:r>
+            <a:endParaRPr lang="en-US" sz="1000" b="1" dirty="0" smtClean="0"/>
+          </a:p>
+          <a:p>
+            <a:r>
+              <a:rPr lang="en-SG" sz="1000" dirty="0"/>
+              <a:t>double[] </a:t>
+            </a:r>
+            <a:r>
+              <a:rPr lang="en-SG" sz="1000" dirty="0" err="1" smtClean="0"/>
+              <a:t>MinValues</a:t>
+            </a:r>
+            <a:endParaRPr lang="en-SG" sz="1000" dirty="0" smtClean="0"/>
+          </a:p>
+          <a:p>
+            <a:r>
+              <a:rPr lang="en-SG" sz="1000" dirty="0"/>
+              <a:t>double[] </a:t>
+            </a:r>
+            <a:r>
+              <a:rPr lang="en-SG" sz="1000" dirty="0" err="1" smtClean="0"/>
+              <a:t>MaxValues</a:t>
+            </a:r>
+            <a:endParaRPr lang="en-SG" sz="1000" dirty="0" smtClean="0"/>
+          </a:p>
+          <a:p>
+            <a:r>
+              <a:rPr lang="en-SG" sz="1000" dirty="0"/>
+              <a:t>double[][,] </a:t>
+            </a:r>
+            <a:r>
+              <a:rPr lang="en-SG" sz="1000" dirty="0" err="1"/>
+              <a:t>DataSeries</a:t>
+            </a:r>
+            <a:endParaRPr lang="en-SG" sz="1000" dirty="0" smtClean="0"/>
+          </a:p>
+        </p:txBody>
+      </p:sp>
+      <p:sp>
+        <p:nvSpPr>
+          <p:cNvPr id="10" name="TextBox 9"/>
+          <p:cNvSpPr txBox="1"/>
+          <p:nvPr/>
+        </p:nvSpPr>
+        <p:spPr>
+          <a:xfrm>
+            <a:off x="5781947" y="620463"/>
+            <a:ext cx="1576072" cy="400110"/>
+          </a:xfrm>
+          <a:prstGeom prst="rect">
+            <a:avLst/>
+          </a:prstGeom>
+          <a:solidFill>
+            <a:schemeClr val="bg1"/>
+          </a:solidFill>
+          <a:ln>
+            <a:solidFill>
+              <a:schemeClr val="tx1">
+                <a:lumMod val="75000"/>
+                <a:lumOff val="25000"/>
+              </a:schemeClr>
+            </a:solidFill>
+          </a:ln>
+          <a:effectLst>
+            <a:outerShdw blurRad="50800" dist="38100" dir="2700000" algn="tl" rotWithShape="0">
+              <a:prstClr val="black">
+                <a:alpha val="40000"/>
+              </a:prstClr>
+            </a:outerShdw>
+          </a:effectLst>
+        </p:spPr>
+        <p:txBody>
+          <a:bodyPr wrap="none" rtlCol="0">
+            <a:spAutoFit/>
+          </a:bodyPr>
+          <a:lstStyle/>
+          <a:p>
+            <a:r>
+              <a:rPr lang="en-SG" sz="1000" b="1" dirty="0"/>
+              <a:t>Renderer1Line</a:t>
+            </a:r>
+            <a:endParaRPr lang="en-US" sz="1000" b="1" dirty="0" smtClean="0"/>
+          </a:p>
+          <a:p>
+            <a:r>
+              <a:rPr lang="en-US" sz="1000" i="1" dirty="0"/>
+              <a:t>Creates a Visual </a:t>
+            </a:r>
+            <a:r>
+              <a:rPr lang="en-US" sz="1000" i="1" dirty="0" smtClean="0"/>
+              <a:t>with </a:t>
+            </a:r>
+            <a:r>
+              <a:rPr lang="en-US" sz="1000" i="1" dirty="0"/>
+              <a:t>1 </a:t>
+            </a:r>
+            <a:r>
+              <a:rPr lang="en-US" sz="1000" i="1" dirty="0" smtClean="0"/>
+              <a:t>line</a:t>
+            </a:r>
+            <a:endParaRPr lang="en-SG" sz="1000" dirty="0" smtClean="0"/>
+          </a:p>
+        </p:txBody>
+      </p:sp>
+      <p:sp>
+        <p:nvSpPr>
+          <p:cNvPr id="11" name="TextBox 10"/>
+          <p:cNvSpPr txBox="1"/>
+          <p:nvPr/>
+        </p:nvSpPr>
+        <p:spPr>
+          <a:xfrm>
+            <a:off x="5781947" y="1161276"/>
+            <a:ext cx="1576072" cy="400110"/>
+          </a:xfrm>
+          <a:prstGeom prst="rect">
+            <a:avLst/>
+          </a:prstGeom>
+          <a:solidFill>
+            <a:schemeClr val="bg1"/>
+          </a:solidFill>
+          <a:ln>
+            <a:solidFill>
+              <a:schemeClr val="tx1">
+                <a:lumMod val="75000"/>
+                <a:lumOff val="25000"/>
+              </a:schemeClr>
+            </a:solidFill>
+          </a:ln>
+          <a:effectLst>
+            <a:outerShdw blurRad="50800" dist="38100" dir="2700000" algn="tl" rotWithShape="0">
+              <a:prstClr val="black">
+                <a:alpha val="40000"/>
+              </a:prstClr>
+            </a:outerShdw>
+          </a:effectLst>
+        </p:spPr>
+        <p:txBody>
+          <a:bodyPr wrap="none" rtlCol="0">
+            <a:spAutoFit/>
+          </a:bodyPr>
+          <a:lstStyle/>
+          <a:p>
+            <a:r>
+              <a:rPr lang="en-SG" sz="1000" b="1" dirty="0"/>
+              <a:t>Renderer2Lines</a:t>
+            </a:r>
+            <a:endParaRPr lang="en-US" sz="1000" b="1" dirty="0" smtClean="0"/>
+          </a:p>
+          <a:p>
+            <a:r>
+              <a:rPr lang="en-US" sz="1000" i="1" dirty="0"/>
+              <a:t>Creates a Visual </a:t>
+            </a:r>
+            <a:r>
+              <a:rPr lang="en-US" sz="1000" i="1" dirty="0" smtClean="0"/>
+              <a:t>with 2 line</a:t>
+            </a:r>
+            <a:endParaRPr lang="en-SG" sz="1000" dirty="0" smtClean="0"/>
+          </a:p>
+        </p:txBody>
+      </p:sp>
+      <p:sp>
+        <p:nvSpPr>
+          <p:cNvPr id="12" name="TextBox 11"/>
+          <p:cNvSpPr txBox="1"/>
+          <p:nvPr/>
+        </p:nvSpPr>
+        <p:spPr>
+          <a:xfrm>
+            <a:off x="4165779" y="1751052"/>
+            <a:ext cx="2444900" cy="553998"/>
+          </a:xfrm>
+          <a:prstGeom prst="rect">
+            <a:avLst/>
+          </a:prstGeom>
+          <a:solidFill>
+            <a:schemeClr val="bg1"/>
+          </a:solidFill>
+          <a:ln>
+            <a:solidFill>
+              <a:schemeClr val="tx1">
+                <a:lumMod val="75000"/>
+                <a:lumOff val="25000"/>
+              </a:schemeClr>
+            </a:solidFill>
+          </a:ln>
+          <a:effectLst>
+            <a:outerShdw blurRad="50800" dist="38100" dir="2700000" algn="tl" rotWithShape="0">
+              <a:prstClr val="black">
+                <a:alpha val="40000"/>
+              </a:prstClr>
+            </a:outerShdw>
+          </a:effectLst>
+        </p:spPr>
+        <p:txBody>
+          <a:bodyPr wrap="none" rtlCol="0">
+            <a:spAutoFit/>
+          </a:bodyPr>
+          <a:lstStyle/>
+          <a:p>
+            <a:r>
+              <a:rPr lang="en-SG" sz="1000" b="1" dirty="0" err="1"/>
+              <a:t>RendererGridLineX</a:t>
+            </a:r>
+            <a:endParaRPr lang="en-US" sz="1000" b="1" dirty="0" smtClean="0"/>
+          </a:p>
+          <a:p>
+            <a:r>
+              <a:rPr lang="en-US" sz="1000" i="1" dirty="0"/>
+              <a:t>Creates a Visual for the horizontal grid </a:t>
+            </a:r>
+            <a:r>
+              <a:rPr lang="en-US" sz="1000" i="1" dirty="0" smtClean="0"/>
+              <a:t>lines</a:t>
+            </a:r>
+          </a:p>
+          <a:p>
+            <a:r>
+              <a:rPr lang="en-SG" sz="1000" dirty="0" err="1" smtClean="0"/>
+              <a:t>LegendScrollerY</a:t>
+            </a:r>
+            <a:r>
+              <a:rPr lang="en-SG" sz="1000" dirty="0" smtClean="0"/>
+              <a:t> </a:t>
+            </a:r>
+            <a:r>
+              <a:rPr lang="en-SG" sz="1000" dirty="0" err="1"/>
+              <a:t>LegendScrollerY</a:t>
+            </a:r>
+            <a:endParaRPr lang="en-SG" sz="1000" dirty="0" smtClean="0"/>
+          </a:p>
+        </p:txBody>
+      </p:sp>
+      <p:sp>
+        <p:nvSpPr>
+          <p:cNvPr id="13" name="TextBox 12"/>
+          <p:cNvSpPr txBox="1"/>
+          <p:nvPr/>
+        </p:nvSpPr>
+        <p:spPr>
+          <a:xfrm>
+            <a:off x="4179805" y="2495640"/>
+            <a:ext cx="2291012" cy="553998"/>
+          </a:xfrm>
+          <a:prstGeom prst="rect">
+            <a:avLst/>
+          </a:prstGeom>
+          <a:solidFill>
+            <a:schemeClr val="bg1"/>
+          </a:solidFill>
+          <a:ln>
+            <a:solidFill>
+              <a:schemeClr val="tx1">
+                <a:lumMod val="75000"/>
+                <a:lumOff val="25000"/>
+              </a:schemeClr>
+            </a:solidFill>
+          </a:ln>
+          <a:effectLst>
+            <a:outerShdw blurRad="50800" dist="38100" dir="2700000" algn="tl" rotWithShape="0">
+              <a:prstClr val="black">
+                <a:alpha val="40000"/>
+              </a:prstClr>
+            </a:outerShdw>
+          </a:effectLst>
+        </p:spPr>
+        <p:txBody>
+          <a:bodyPr wrap="none" rtlCol="0">
+            <a:spAutoFit/>
+          </a:bodyPr>
+          <a:lstStyle/>
+          <a:p>
+            <a:r>
+              <a:rPr lang="en-SG" sz="1000" b="1" dirty="0" err="1"/>
+              <a:t>RendererGridLineY</a:t>
+            </a:r>
+            <a:endParaRPr lang="en-US" sz="1000" b="1" dirty="0" smtClean="0"/>
+          </a:p>
+          <a:p>
+            <a:r>
+              <a:rPr lang="en-US" sz="1000" i="1" dirty="0"/>
+              <a:t>Creates a Visual for the </a:t>
+            </a:r>
+            <a:r>
+              <a:rPr lang="en-SG" sz="1000" i="1" dirty="0" smtClean="0"/>
+              <a:t>vertical </a:t>
+            </a:r>
+            <a:r>
+              <a:rPr lang="en-US" sz="1000" i="1" dirty="0" smtClean="0"/>
+              <a:t>grid lines</a:t>
+            </a:r>
+          </a:p>
+          <a:p>
+            <a:r>
+              <a:rPr lang="en-SG" sz="1000" dirty="0" err="1"/>
+              <a:t>LegendScrollerX</a:t>
+            </a:r>
+            <a:r>
+              <a:rPr lang="en-SG" sz="1000" dirty="0"/>
+              <a:t> </a:t>
+            </a:r>
+            <a:r>
+              <a:rPr lang="en-SG" sz="1000" dirty="0" err="1"/>
+              <a:t>LegendScrollerX</a:t>
+            </a:r>
+            <a:endParaRPr lang="en-SG" sz="1000" dirty="0" smtClean="0"/>
+          </a:p>
+        </p:txBody>
+      </p:sp>
+      <p:sp>
+        <p:nvSpPr>
+          <p:cNvPr id="14" name="TextBox 13"/>
+          <p:cNvSpPr txBox="1"/>
+          <p:nvPr/>
+        </p:nvSpPr>
+        <p:spPr>
+          <a:xfrm>
+            <a:off x="4179805" y="3272853"/>
+            <a:ext cx="2387192" cy="707886"/>
+          </a:xfrm>
+          <a:prstGeom prst="rect">
+            <a:avLst/>
+          </a:prstGeom>
+          <a:solidFill>
+            <a:schemeClr val="bg1"/>
+          </a:solidFill>
+          <a:ln>
+            <a:solidFill>
+              <a:schemeClr val="tx1">
+                <a:lumMod val="75000"/>
+                <a:lumOff val="25000"/>
+              </a:schemeClr>
+            </a:solidFill>
+          </a:ln>
+          <a:effectLst>
+            <a:outerShdw blurRad="50800" dist="38100" dir="2700000" algn="tl" rotWithShape="0">
+              <a:prstClr val="black">
+                <a:alpha val="40000"/>
+              </a:prstClr>
+            </a:outerShdw>
+          </a:effectLst>
+        </p:spPr>
+        <p:txBody>
+          <a:bodyPr wrap="none" rtlCol="0">
+            <a:spAutoFit/>
+          </a:bodyPr>
+          <a:lstStyle/>
+          <a:p>
+            <a:r>
+              <a:rPr lang="en-SG" sz="1000" b="1" dirty="0" err="1"/>
+              <a:t>RendererNotes</a:t>
+            </a:r>
+            <a:endParaRPr lang="en-US" sz="1000" b="1" dirty="0" smtClean="0"/>
+          </a:p>
+          <a:p>
+            <a:r>
+              <a:rPr lang="en-US" sz="1000" i="1" dirty="0"/>
+              <a:t>Creates a Visual for annotations displayed </a:t>
+            </a:r>
+            <a:endParaRPr lang="en-US" sz="1000" i="1" dirty="0" smtClean="0"/>
+          </a:p>
+          <a:p>
+            <a:r>
+              <a:rPr lang="en-US" sz="1000" i="1" dirty="0" smtClean="0"/>
+              <a:t>over </a:t>
+            </a:r>
+            <a:r>
+              <a:rPr lang="en-US" sz="1000" i="1" dirty="0"/>
+              <a:t>the </a:t>
+            </a:r>
+            <a:r>
+              <a:rPr lang="en-US" sz="1000" i="1" dirty="0" smtClean="0"/>
+              <a:t>graphics</a:t>
+            </a:r>
+          </a:p>
+          <a:p>
+            <a:r>
+              <a:rPr lang="en-SG" sz="1000" dirty="0" err="1" smtClean="0"/>
+              <a:t>LegendScrollerX</a:t>
+            </a:r>
+            <a:r>
+              <a:rPr lang="en-SG" sz="1000" dirty="0" smtClean="0"/>
+              <a:t> </a:t>
+            </a:r>
+            <a:r>
+              <a:rPr lang="en-SG" sz="1000" dirty="0" err="1"/>
+              <a:t>LegendScrollerX</a:t>
+            </a:r>
+            <a:endParaRPr lang="en-SG" sz="1000" dirty="0" smtClean="0"/>
+          </a:p>
+        </p:txBody>
+      </p:sp>
+      <p:cxnSp>
+        <p:nvCxnSpPr>
+          <p:cNvPr id="17" name="Straight Arrow Connector 16"/>
+          <p:cNvCxnSpPr/>
+          <p:nvPr/>
+        </p:nvCxnSpPr>
+        <p:spPr>
+          <a:xfrm flipV="1">
+            <a:off x="815340" y="708660"/>
+            <a:ext cx="1348740" cy="166509"/>
+          </a:xfrm>
+          <a:prstGeom prst="straightConnector1">
+            <a:avLst/>
+          </a:prstGeom>
+          <a:ln>
+            <a:tailEnd type="arrow"/>
+          </a:ln>
+        </p:spPr>
+        <p:style>
+          <a:lnRef idx="1">
+            <a:schemeClr val="accent1"/>
+          </a:lnRef>
+          <a:fillRef idx="0">
+            <a:schemeClr val="accent1"/>
+          </a:fillRef>
+          <a:effectRef idx="0">
+            <a:schemeClr val="accent1"/>
+          </a:effectRef>
+          <a:fontRef idx="minor">
+            <a:schemeClr val="tx1"/>
+          </a:fontRef>
+        </p:style>
+      </p:cxnSp>
+      <p:cxnSp>
+        <p:nvCxnSpPr>
+          <p:cNvPr id="20" name="Straight Arrow Connector 19"/>
+          <p:cNvCxnSpPr/>
+          <p:nvPr/>
+        </p:nvCxnSpPr>
+        <p:spPr>
+          <a:xfrm flipV="1">
+            <a:off x="3855493" y="791914"/>
+            <a:ext cx="310286" cy="629216"/>
+          </a:xfrm>
+          <a:prstGeom prst="straightConnector1">
+            <a:avLst/>
+          </a:prstGeom>
+          <a:ln w="19050">
+            <a:tailEnd type="arrow"/>
+          </a:ln>
+        </p:spPr>
+        <p:style>
+          <a:lnRef idx="1">
+            <a:schemeClr val="accent1"/>
+          </a:lnRef>
+          <a:fillRef idx="0">
+            <a:schemeClr val="accent1"/>
+          </a:fillRef>
+          <a:effectRef idx="0">
+            <a:schemeClr val="accent1"/>
+          </a:effectRef>
+          <a:fontRef idx="minor">
+            <a:schemeClr val="tx1"/>
+          </a:fontRef>
+        </p:style>
+      </p:cxnSp>
+      <p:cxnSp>
+        <p:nvCxnSpPr>
+          <p:cNvPr id="22" name="Straight Arrow Connector 21"/>
+          <p:cNvCxnSpPr/>
+          <p:nvPr/>
+        </p:nvCxnSpPr>
+        <p:spPr>
+          <a:xfrm>
+            <a:off x="3855493" y="1421130"/>
+            <a:ext cx="310286" cy="470445"/>
+          </a:xfrm>
+          <a:prstGeom prst="straightConnector1">
+            <a:avLst/>
+          </a:prstGeom>
+          <a:ln w="19050">
+            <a:tailEnd type="arrow"/>
+          </a:ln>
+        </p:spPr>
+        <p:style>
+          <a:lnRef idx="1">
+            <a:schemeClr val="accent1"/>
+          </a:lnRef>
+          <a:fillRef idx="0">
+            <a:schemeClr val="accent1"/>
+          </a:fillRef>
+          <a:effectRef idx="0">
+            <a:schemeClr val="accent1"/>
+          </a:effectRef>
+          <a:fontRef idx="minor">
+            <a:schemeClr val="tx1"/>
+          </a:fontRef>
+        </p:style>
+      </p:cxnSp>
+      <p:cxnSp>
+        <p:nvCxnSpPr>
+          <p:cNvPr id="26" name="Straight Arrow Connector 25"/>
+          <p:cNvCxnSpPr/>
+          <p:nvPr/>
+        </p:nvCxnSpPr>
+        <p:spPr>
+          <a:xfrm>
+            <a:off x="3855493" y="1421130"/>
+            <a:ext cx="310286" cy="1188720"/>
+          </a:xfrm>
+          <a:prstGeom prst="straightConnector1">
+            <a:avLst/>
+          </a:prstGeom>
+          <a:ln w="19050">
+            <a:tailEnd type="arrow"/>
+          </a:ln>
+        </p:spPr>
+        <p:style>
+          <a:lnRef idx="1">
+            <a:schemeClr val="accent1"/>
+          </a:lnRef>
+          <a:fillRef idx="0">
+            <a:schemeClr val="accent1"/>
+          </a:fillRef>
+          <a:effectRef idx="0">
+            <a:schemeClr val="accent1"/>
+          </a:effectRef>
+          <a:fontRef idx="minor">
+            <a:schemeClr val="tx1"/>
+          </a:fontRef>
+        </p:style>
+      </p:cxnSp>
+      <p:cxnSp>
+        <p:nvCxnSpPr>
+          <p:cNvPr id="29" name="Straight Arrow Connector 28"/>
+          <p:cNvCxnSpPr/>
+          <p:nvPr/>
+        </p:nvCxnSpPr>
+        <p:spPr>
+          <a:xfrm>
+            <a:off x="3855493" y="1421130"/>
+            <a:ext cx="324312" cy="1997872"/>
+          </a:xfrm>
+          <a:prstGeom prst="straightConnector1">
+            <a:avLst/>
+          </a:prstGeom>
+          <a:ln w="19050">
+            <a:tailEnd type="arrow"/>
+          </a:ln>
+        </p:spPr>
+        <p:style>
+          <a:lnRef idx="1">
+            <a:schemeClr val="accent1"/>
+          </a:lnRef>
+          <a:fillRef idx="0">
+            <a:schemeClr val="accent1"/>
+          </a:fillRef>
+          <a:effectRef idx="0">
+            <a:schemeClr val="accent1"/>
+          </a:effectRef>
+          <a:fontRef idx="minor">
+            <a:schemeClr val="tx1"/>
+          </a:fontRef>
+        </p:style>
+      </p:cxnSp>
+      <p:cxnSp>
+        <p:nvCxnSpPr>
+          <p:cNvPr id="32" name="Straight Arrow Connector 31"/>
+          <p:cNvCxnSpPr/>
+          <p:nvPr/>
+        </p:nvCxnSpPr>
+        <p:spPr>
+          <a:xfrm flipV="1">
+            <a:off x="5488577" y="708660"/>
+            <a:ext cx="293370" cy="49530"/>
+          </a:xfrm>
+          <a:prstGeom prst="straightConnector1">
+            <a:avLst/>
+          </a:prstGeom>
+          <a:ln w="19050">
+            <a:tailEnd type="arrow"/>
+          </a:ln>
+        </p:spPr>
+        <p:style>
+          <a:lnRef idx="1">
+            <a:schemeClr val="accent1"/>
+          </a:lnRef>
+          <a:fillRef idx="0">
+            <a:schemeClr val="accent1"/>
+          </a:fillRef>
+          <a:effectRef idx="0">
+            <a:schemeClr val="accent1"/>
+          </a:effectRef>
+          <a:fontRef idx="minor">
+            <a:schemeClr val="tx1"/>
+          </a:fontRef>
+        </p:style>
+      </p:cxnSp>
+      <p:cxnSp>
+        <p:nvCxnSpPr>
+          <p:cNvPr id="35" name="Straight Arrow Connector 34"/>
+          <p:cNvCxnSpPr/>
+          <p:nvPr/>
+        </p:nvCxnSpPr>
+        <p:spPr>
+          <a:xfrm>
+            <a:off x="5488577" y="758190"/>
+            <a:ext cx="293370" cy="494169"/>
+          </a:xfrm>
+          <a:prstGeom prst="straightConnector1">
+            <a:avLst/>
+          </a:prstGeom>
+          <a:ln w="19050">
+            <a:tailEnd type="arrow"/>
+          </a:ln>
+        </p:spPr>
+        <p:style>
+          <a:lnRef idx="1">
+            <a:schemeClr val="accent1"/>
+          </a:lnRef>
+          <a:fillRef idx="0">
+            <a:schemeClr val="accent1"/>
+          </a:fillRef>
+          <a:effectRef idx="0">
+            <a:schemeClr val="accent1"/>
+          </a:effectRef>
+          <a:fontRef idx="minor">
+            <a:schemeClr val="tx1"/>
+          </a:fontRef>
+        </p:style>
+      </p:cxnSp>
+      <p:cxnSp>
+        <p:nvCxnSpPr>
+          <p:cNvPr id="39" name="Straight Arrow Connector 38"/>
+          <p:cNvCxnSpPr/>
+          <p:nvPr/>
+        </p:nvCxnSpPr>
+        <p:spPr>
+          <a:xfrm flipV="1">
+            <a:off x="293370" y="3429000"/>
+            <a:ext cx="552450" cy="1"/>
+          </a:xfrm>
+          <a:prstGeom prst="straightConnector1">
+            <a:avLst/>
+          </a:prstGeom>
+          <a:ln>
+            <a:tailEnd type="arrow"/>
+          </a:ln>
+        </p:spPr>
+        <p:style>
+          <a:lnRef idx="1">
+            <a:schemeClr val="accent1"/>
+          </a:lnRef>
+          <a:fillRef idx="0">
+            <a:schemeClr val="accent1"/>
+          </a:fillRef>
+          <a:effectRef idx="0">
+            <a:schemeClr val="accent1"/>
+          </a:effectRef>
+          <a:fontRef idx="minor">
+            <a:schemeClr val="tx1"/>
+          </a:fontRef>
+        </p:style>
+      </p:cxnSp>
+      <p:sp>
+        <p:nvSpPr>
+          <p:cNvPr id="41" name="Rectangle 40"/>
+          <p:cNvSpPr/>
+          <p:nvPr/>
+        </p:nvSpPr>
+        <p:spPr>
+          <a:xfrm>
+            <a:off x="888298" y="3295892"/>
+            <a:ext cx="689612" cy="246221"/>
+          </a:xfrm>
+          <a:prstGeom prst="rect">
+            <a:avLst/>
+          </a:prstGeom>
+        </p:spPr>
+        <p:txBody>
+          <a:bodyPr wrap="none">
+            <a:spAutoFit/>
+          </a:bodyPr>
+          <a:lstStyle/>
+          <a:p>
+            <a:r>
+              <a:rPr lang="en-SG" sz="1000" dirty="0" smtClean="0"/>
+              <a:t>collection</a:t>
+            </a:r>
+            <a:endParaRPr lang="en-SG" sz="1000" dirty="0"/>
+          </a:p>
+        </p:txBody>
+      </p:sp>
+      <p:cxnSp>
+        <p:nvCxnSpPr>
+          <p:cNvPr id="42" name="Straight Arrow Connector 41"/>
+          <p:cNvCxnSpPr/>
+          <p:nvPr/>
+        </p:nvCxnSpPr>
+        <p:spPr>
+          <a:xfrm flipV="1">
+            <a:off x="304800" y="3642360"/>
+            <a:ext cx="552450" cy="1"/>
+          </a:xfrm>
+          <a:prstGeom prst="straightConnector1">
+            <a:avLst/>
+          </a:prstGeom>
+          <a:ln w="19050">
+            <a:tailEnd type="arrow"/>
+          </a:ln>
+        </p:spPr>
+        <p:style>
+          <a:lnRef idx="1">
+            <a:schemeClr val="accent1"/>
+          </a:lnRef>
+          <a:fillRef idx="0">
+            <a:schemeClr val="accent1"/>
+          </a:fillRef>
+          <a:effectRef idx="0">
+            <a:schemeClr val="accent1"/>
+          </a:effectRef>
+          <a:fontRef idx="minor">
+            <a:schemeClr val="tx1"/>
+          </a:fontRef>
+        </p:style>
+      </p:cxnSp>
+      <p:sp>
+        <p:nvSpPr>
+          <p:cNvPr id="43" name="Rectangle 42"/>
+          <p:cNvSpPr/>
+          <p:nvPr/>
+        </p:nvSpPr>
+        <p:spPr>
+          <a:xfrm>
+            <a:off x="899728" y="3509252"/>
+            <a:ext cx="776175" cy="246221"/>
+          </a:xfrm>
+          <a:prstGeom prst="rect">
+            <a:avLst/>
+          </a:prstGeom>
+        </p:spPr>
+        <p:txBody>
+          <a:bodyPr wrap="none">
+            <a:spAutoFit/>
+          </a:bodyPr>
+          <a:lstStyle/>
+          <a:p>
+            <a:r>
+              <a:rPr lang="en-SG" sz="1000" dirty="0" smtClean="0"/>
+              <a:t>inheritance</a:t>
+            </a:r>
+            <a:endParaRPr lang="en-SG" sz="1000" dirty="0"/>
+          </a:p>
+        </p:txBody>
+      </p:sp>
+    </p:spTree>
+    <p:extLst>
+      <p:ext uri="{BB962C8B-B14F-4D97-AF65-F5344CB8AC3E}">
+        <p14:creationId xmlns:p14="http://schemas.microsoft.com/office/powerpoint/2010/main" val="2595625911"/>
+      </p:ext>
+    </p:extLst>
+  </p:cSld>
+  <p:clrMapOvr>
+    <a:masterClrMapping/>
+  </p:clrMapOvr>
+  <p:timing>
+    <p:tnLst>
+      <p:par>
+        <p:cTn id="1" dur="indefinite" restart="never" nodeType="tmRoot"/>
+      </p:par>
+    </p:tnLst>
+  </p:timing>
+</p:sld>
+</file>
+
+<file path=ppt/slides/slide3.xml><?xml version="1.0" encoding="utf-8"?>
+<p:sld xmlns:a="http://schemas.openxmlformats.org/drawingml/2006/main" xmlns:r="http://schemas.openxmlformats.org/officeDocument/2006/relationships" xmlns:p="http://schemas.openxmlformats.org/presentationml/2006/main">
+  <p:cSld>
+    <p:bg>
+      <p:bgPr>
+        <a:solidFill>
+          <a:schemeClr val="bg1">
+            <a:lumMod val="95000"/>
+          </a:schemeClr>
+        </a:solidFill>
+        <a:effectLst/>
+      </p:bgPr>
+    </p:bg>
+    <p:spTree>
+      <p:nvGrpSpPr>
+        <p:cNvPr id="1" name=""/>
+        <p:cNvGrpSpPr/>
+        <p:nvPr/>
+      </p:nvGrpSpPr>
+      <p:grpSpPr>
+        <a:xfrm>
+          <a:off x="0" y="0"/>
+          <a:ext cx="0" cy="0"/>
+          <a:chOff x="0" y="0"/>
+          <a:chExt cx="0" cy="0"/>
+        </a:xfrm>
+      </p:grpSpPr>
+      <p:sp>
+        <p:nvSpPr>
+          <p:cNvPr id="2" name="TextBox 1"/>
+          <p:cNvSpPr txBox="1"/>
+          <p:nvPr/>
+        </p:nvSpPr>
+        <p:spPr>
+          <a:xfrm>
+            <a:off x="192677" y="598170"/>
+            <a:ext cx="1672253" cy="2246769"/>
+          </a:xfrm>
+          <a:prstGeom prst="rect">
+            <a:avLst/>
+          </a:prstGeom>
+          <a:solidFill>
+            <a:schemeClr val="bg1"/>
+          </a:solidFill>
+          <a:ln>
+            <a:solidFill>
+              <a:schemeClr val="tx1">
+                <a:lumMod val="75000"/>
+                <a:lumOff val="25000"/>
+              </a:schemeClr>
+            </a:solidFill>
+          </a:ln>
+          <a:effectLst>
+            <a:outerShdw blurRad="50800" dist="38100" dir="2700000" algn="tl" rotWithShape="0">
+              <a:prstClr val="black">
+                <a:alpha val="40000"/>
+              </a:prstClr>
+            </a:outerShdw>
+          </a:effectLst>
+        </p:spPr>
+        <p:txBody>
+          <a:bodyPr wrap="none" rtlCol="0">
+            <a:spAutoFit/>
+          </a:bodyPr>
+          <a:lstStyle/>
+          <a:p>
+            <a:r>
+              <a:rPr lang="en-US" sz="1000" b="1" dirty="0" smtClean="0"/>
+              <a:t>Chart</a:t>
+            </a:r>
+          </a:p>
+          <a:p>
+            <a:r>
+              <a:rPr lang="en-SG" sz="1000" dirty="0" err="1" smtClean="0"/>
+              <a:t>PlotAreas</a:t>
+            </a:r>
+            <a:endParaRPr lang="en-SG" sz="1000" dirty="0" smtClean="0"/>
+          </a:p>
+          <a:p>
+            <a:r>
+              <a:rPr lang="en-SG" sz="1000" dirty="0" err="1" smtClean="0"/>
+              <a:t>LegendScrollerYs</a:t>
+            </a:r>
+            <a:endParaRPr lang="en-SG" sz="1000" dirty="0" smtClean="0"/>
+          </a:p>
+          <a:p>
+            <a:r>
+              <a:rPr lang="en-SG" sz="1000" dirty="0" err="1" smtClean="0"/>
+              <a:t>LegendScrollerXs</a:t>
+            </a:r>
+            <a:endParaRPr lang="en-SG" sz="1000" dirty="0" smtClean="0"/>
+          </a:p>
+          <a:p>
+            <a:r>
+              <a:rPr lang="en-SG" sz="1000" dirty="0" err="1" smtClean="0"/>
+              <a:t>Zoomers</a:t>
+            </a:r>
+            <a:endParaRPr lang="en-SG" sz="1000" dirty="0" smtClean="0"/>
+          </a:p>
+          <a:p>
+            <a:endParaRPr lang="en-US" sz="1000" dirty="0"/>
+          </a:p>
+          <a:p>
+            <a:r>
+              <a:rPr lang="en-SG" sz="1000" dirty="0"/>
+              <a:t>double[][,]? </a:t>
+            </a:r>
+            <a:r>
+              <a:rPr lang="en-SG" sz="1000" dirty="0" err="1" smtClean="0"/>
+              <a:t>DataSeries</a:t>
+            </a:r>
+            <a:endParaRPr lang="en-SG" sz="1000" dirty="0" smtClean="0"/>
+          </a:p>
+          <a:p>
+            <a:r>
+              <a:rPr lang="en-SG" sz="1000" dirty="0" err="1"/>
+              <a:t>SerieStyleEnum</a:t>
+            </a:r>
+            <a:r>
+              <a:rPr lang="en-SG" sz="1000" dirty="0"/>
+              <a:t>[]? </a:t>
+            </a:r>
+            <a:r>
+              <a:rPr lang="en-SG" sz="1000" dirty="0" err="1" smtClean="0"/>
+              <a:t>serieStyle</a:t>
+            </a:r>
+            <a:endParaRPr lang="en-SG" sz="1000" dirty="0" smtClean="0"/>
+          </a:p>
+          <a:p>
+            <a:endParaRPr lang="en-US" sz="1000" dirty="0"/>
+          </a:p>
+          <a:p>
+            <a:r>
+              <a:rPr lang="en-US" sz="1000" dirty="0" err="1"/>
+              <a:t>FillData</a:t>
+            </a:r>
+            <a:r>
+              <a:rPr lang="en-US" sz="1000" dirty="0"/>
+              <a:t>&lt;</a:t>
+            </a:r>
+            <a:r>
+              <a:rPr lang="en-US" sz="1000" dirty="0" err="1"/>
+              <a:t>TRecord</a:t>
+            </a:r>
+            <a:r>
+              <a:rPr lang="en-US" sz="1000" dirty="0" smtClean="0"/>
+              <a:t>&gt;(</a:t>
+            </a:r>
+          </a:p>
+          <a:p>
+            <a:r>
+              <a:rPr lang="en-US" sz="1000" dirty="0" smtClean="0"/>
+              <a:t>  </a:t>
+            </a:r>
+            <a:r>
+              <a:rPr lang="en-US" sz="1000" dirty="0" err="1" smtClean="0"/>
+              <a:t>IEnumerable</a:t>
+            </a:r>
+            <a:r>
+              <a:rPr lang="en-US" sz="1000" dirty="0" smtClean="0"/>
+              <a:t>&lt;</a:t>
+            </a:r>
+            <a:r>
+              <a:rPr lang="en-US" sz="1000" dirty="0" err="1" smtClean="0"/>
+              <a:t>TRecord</a:t>
+            </a:r>
+            <a:r>
+              <a:rPr lang="en-US" sz="1000" dirty="0"/>
+              <a:t>&gt; </a:t>
+            </a:r>
+            <a:endParaRPr lang="en-US" sz="1000" dirty="0" smtClean="0"/>
+          </a:p>
+          <a:p>
+            <a:r>
+              <a:rPr lang="en-US" sz="1000" dirty="0" smtClean="0"/>
+              <a:t>  </a:t>
+            </a:r>
+            <a:r>
+              <a:rPr lang="en-US" sz="1000" dirty="0" err="1" smtClean="0"/>
+              <a:t>newRecords</a:t>
+            </a:r>
+            <a:r>
+              <a:rPr lang="en-US" sz="1000" dirty="0"/>
+              <a:t>, </a:t>
+            </a:r>
+            <a:endParaRPr lang="en-US" sz="1000" dirty="0" smtClean="0"/>
+          </a:p>
+          <a:p>
+            <a:r>
+              <a:rPr lang="en-US" sz="1000" dirty="0" smtClean="0"/>
+              <a:t>  </a:t>
+            </a:r>
+            <a:r>
+              <a:rPr lang="en-US" sz="1000" dirty="0" err="1" smtClean="0"/>
+              <a:t>SerieSetting</a:t>
+            </a:r>
+            <a:r>
+              <a:rPr lang="en-US" sz="1000" dirty="0" smtClean="0"/>
+              <a:t>&lt;</a:t>
+            </a:r>
+            <a:r>
+              <a:rPr lang="en-US" sz="1000" dirty="0" err="1" smtClean="0"/>
+              <a:t>TRecord</a:t>
+            </a:r>
+            <a:r>
+              <a:rPr lang="en-US" sz="1000" dirty="0"/>
+              <a:t>&gt;[] </a:t>
+            </a:r>
+            <a:endParaRPr lang="en-US" sz="1000" dirty="0" smtClean="0"/>
+          </a:p>
+          <a:p>
+            <a:r>
+              <a:rPr lang="en-US" sz="1000" dirty="0" smtClean="0"/>
+              <a:t>  </a:t>
+            </a:r>
+            <a:r>
+              <a:rPr lang="en-US" sz="1000" dirty="0" err="1" smtClean="0"/>
+              <a:t>newSerieSettings</a:t>
+            </a:r>
+            <a:r>
+              <a:rPr lang="en-US" sz="1000" dirty="0"/>
+              <a:t>)</a:t>
+            </a:r>
+            <a:endParaRPr lang="en-US" sz="1000" dirty="0" smtClean="0"/>
+          </a:p>
+        </p:txBody>
+      </p:sp>
+      <p:sp>
+        <p:nvSpPr>
+          <p:cNvPr id="3" name="TextBox 2"/>
+          <p:cNvSpPr txBox="1"/>
+          <p:nvPr/>
+        </p:nvSpPr>
+        <p:spPr>
+          <a:xfrm>
+            <a:off x="2101487" y="598170"/>
+            <a:ext cx="1931939" cy="2092881"/>
+          </a:xfrm>
+          <a:prstGeom prst="rect">
+            <a:avLst/>
+          </a:prstGeom>
+          <a:solidFill>
+            <a:schemeClr val="bg1"/>
+          </a:solidFill>
+          <a:ln>
+            <a:solidFill>
+              <a:schemeClr val="tx1">
+                <a:lumMod val="75000"/>
+                <a:lumOff val="25000"/>
+              </a:schemeClr>
+            </a:solidFill>
+          </a:ln>
+          <a:effectLst>
+            <a:outerShdw blurRad="50800" dist="38100" dir="2700000" algn="tl" rotWithShape="0">
+              <a:prstClr val="black">
+                <a:alpha val="40000"/>
+              </a:prstClr>
+            </a:outerShdw>
+          </a:effectLst>
+        </p:spPr>
+        <p:txBody>
+          <a:bodyPr wrap="none" rtlCol="0">
+            <a:spAutoFit/>
+          </a:bodyPr>
+          <a:lstStyle/>
+          <a:p>
+            <a:r>
+              <a:rPr lang="en-SG" sz="1000" b="1" dirty="0" err="1" smtClean="0"/>
+              <a:t>LegendScroller</a:t>
+            </a:r>
+            <a:endParaRPr lang="en-US" sz="1000" b="1" dirty="0" smtClean="0"/>
+          </a:p>
+          <a:p>
+            <a:r>
+              <a:rPr lang="en-SG" sz="1000" dirty="0"/>
+              <a:t>double </a:t>
+            </a:r>
+            <a:r>
+              <a:rPr lang="en-SG" sz="1000" dirty="0" err="1" smtClean="0"/>
+              <a:t>MinValue</a:t>
+            </a:r>
+            <a:endParaRPr lang="en-SG" sz="1000" dirty="0" smtClean="0"/>
+          </a:p>
+          <a:p>
+            <a:r>
+              <a:rPr lang="en-SG" sz="1000" dirty="0"/>
+              <a:t>double </a:t>
+            </a:r>
+            <a:r>
+              <a:rPr lang="en-SG" sz="1000" dirty="0" err="1" smtClean="0"/>
+              <a:t>DisplayValue</a:t>
+            </a:r>
+            <a:endParaRPr lang="en-SG" sz="1000" dirty="0" smtClean="0"/>
+          </a:p>
+          <a:p>
+            <a:r>
+              <a:rPr lang="en-SG" sz="1000" dirty="0"/>
+              <a:t>double </a:t>
+            </a:r>
+            <a:r>
+              <a:rPr lang="en-SG" sz="1000" dirty="0" err="1" smtClean="0"/>
+              <a:t>DisplayValueRange</a:t>
+            </a:r>
+            <a:endParaRPr lang="en-SG" sz="1000" dirty="0" smtClean="0"/>
+          </a:p>
+          <a:p>
+            <a:r>
+              <a:rPr lang="en-SG" sz="1000" dirty="0"/>
+              <a:t>double </a:t>
+            </a:r>
+            <a:r>
+              <a:rPr lang="en-SG" sz="1000" dirty="0" err="1" smtClean="0"/>
+              <a:t>MaxValue</a:t>
+            </a:r>
+            <a:endParaRPr lang="en-SG" sz="1000" dirty="0" smtClean="0"/>
+          </a:p>
+          <a:p>
+            <a:r>
+              <a:rPr lang="en-SG" sz="1000" dirty="0"/>
+              <a:t>double </a:t>
+            </a:r>
+            <a:r>
+              <a:rPr lang="en-SG" sz="1000" dirty="0" err="1" smtClean="0"/>
+              <a:t>ZoomFactor</a:t>
+            </a:r>
+            <a:endParaRPr lang="en-SG" sz="1000" dirty="0" smtClean="0"/>
+          </a:p>
+          <a:p>
+            <a:r>
+              <a:rPr lang="en-SG" sz="1000" dirty="0"/>
+              <a:t>Legend </a:t>
+            </a:r>
+            <a:r>
+              <a:rPr lang="en-SG" sz="1000" dirty="0" err="1" smtClean="0"/>
+              <a:t>Legend</a:t>
+            </a:r>
+            <a:endParaRPr lang="en-SG" sz="1000" dirty="0" smtClean="0"/>
+          </a:p>
+          <a:p>
+            <a:r>
+              <a:rPr lang="en-SG" sz="1000" dirty="0" err="1"/>
+              <a:t>ZoomButton</a:t>
+            </a:r>
+            <a:r>
+              <a:rPr lang="en-SG" sz="1000" dirty="0"/>
+              <a:t> </a:t>
+            </a:r>
+            <a:r>
+              <a:rPr lang="en-SG" sz="1000" dirty="0" err="1" smtClean="0"/>
+              <a:t>ZoomInButton</a:t>
+            </a:r>
+            <a:endParaRPr lang="en-SG" sz="1000" dirty="0" smtClean="0"/>
+          </a:p>
+          <a:p>
+            <a:r>
+              <a:rPr lang="en-SG" sz="1000" dirty="0" err="1"/>
+              <a:t>ScrollBar</a:t>
+            </a:r>
+            <a:r>
+              <a:rPr lang="en-SG" sz="1000" dirty="0"/>
+              <a:t> </a:t>
+            </a:r>
+            <a:r>
+              <a:rPr lang="en-SG" sz="1000" dirty="0" err="1" smtClean="0"/>
+              <a:t>ScrollBar</a:t>
+            </a:r>
+            <a:endParaRPr lang="en-SG" sz="1000" dirty="0" smtClean="0"/>
+          </a:p>
+          <a:p>
+            <a:r>
+              <a:rPr lang="en-SG" sz="1000" dirty="0" err="1"/>
+              <a:t>ZoomButton</a:t>
+            </a:r>
+            <a:r>
+              <a:rPr lang="en-SG" sz="1000" dirty="0"/>
+              <a:t> </a:t>
+            </a:r>
+            <a:r>
+              <a:rPr lang="en-SG" sz="1000" dirty="0" err="1" smtClean="0"/>
+              <a:t>ZoomOutButton</a:t>
+            </a:r>
+            <a:endParaRPr lang="en-SG" sz="1000" dirty="0" smtClean="0"/>
+          </a:p>
+          <a:p>
+            <a:endParaRPr lang="en-SG" sz="1000" dirty="0" smtClean="0"/>
+          </a:p>
+          <a:p>
+            <a:r>
+              <a:rPr lang="en-SG" sz="1000" dirty="0" err="1"/>
+              <a:t>OnButtonScrollbarCreated</a:t>
+            </a:r>
+            <a:r>
+              <a:rPr lang="en-SG" sz="1000" dirty="0" smtClean="0"/>
+              <a:t>()</a:t>
+            </a:r>
+          </a:p>
+          <a:p>
+            <a:r>
+              <a:rPr lang="en-SG" sz="1000" dirty="0" err="1"/>
+              <a:t>AddRenderer</a:t>
+            </a:r>
+            <a:r>
+              <a:rPr lang="en-SG" sz="1000" dirty="0"/>
+              <a:t>(Renderer renderer</a:t>
+            </a:r>
+            <a:r>
+              <a:rPr lang="en-SG" sz="1000" dirty="0" smtClean="0"/>
+              <a:t>)</a:t>
+            </a:r>
+          </a:p>
+        </p:txBody>
+      </p:sp>
+      <p:sp>
+        <p:nvSpPr>
+          <p:cNvPr id="11" name="TextBox 10"/>
+          <p:cNvSpPr txBox="1"/>
+          <p:nvPr/>
+        </p:nvSpPr>
+        <p:spPr>
+          <a:xfrm>
+            <a:off x="4467497" y="631686"/>
+            <a:ext cx="1380506" cy="1169551"/>
+          </a:xfrm>
+          <a:prstGeom prst="rect">
+            <a:avLst/>
+          </a:prstGeom>
+          <a:solidFill>
+            <a:schemeClr val="bg1"/>
+          </a:solidFill>
+          <a:ln>
+            <a:solidFill>
+              <a:schemeClr val="tx1">
+                <a:lumMod val="75000"/>
+                <a:lumOff val="25000"/>
+              </a:schemeClr>
+            </a:solidFill>
+          </a:ln>
+          <a:effectLst>
+            <a:outerShdw blurRad="50800" dist="38100" dir="2700000" algn="tl" rotWithShape="0">
+              <a:prstClr val="black">
+                <a:alpha val="40000"/>
+              </a:prstClr>
+            </a:outerShdw>
+          </a:effectLst>
+        </p:spPr>
+        <p:txBody>
+          <a:bodyPr wrap="none" rtlCol="0">
+            <a:spAutoFit/>
+          </a:bodyPr>
+          <a:lstStyle/>
+          <a:p>
+            <a:r>
+              <a:rPr lang="en-SG" sz="1000" b="1" dirty="0" err="1"/>
+              <a:t>LegendScrollerX</a:t>
+            </a:r>
+            <a:endParaRPr lang="en-US" sz="1000" b="1" dirty="0" smtClean="0"/>
+          </a:p>
+          <a:p>
+            <a:r>
+              <a:rPr lang="en-SG" sz="1000" i="1" dirty="0" smtClean="0"/>
+              <a:t>Works with </a:t>
+            </a:r>
+            <a:r>
+              <a:rPr lang="en-SG" sz="1000" i="1" dirty="0" err="1" smtClean="0"/>
+              <a:t>LegendX</a:t>
+            </a:r>
+            <a:endParaRPr lang="en-SG" sz="1000" i="1" dirty="0" smtClean="0"/>
+          </a:p>
+          <a:p>
+            <a:r>
+              <a:rPr lang="en-US" sz="1000" i="1" dirty="0" smtClean="0"/>
+              <a:t>Controls </a:t>
+            </a:r>
+            <a:r>
+              <a:rPr lang="en-SG" sz="1000" i="1" dirty="0" smtClean="0"/>
+              <a:t>Legend, </a:t>
+            </a:r>
+          </a:p>
+          <a:p>
+            <a:r>
+              <a:rPr lang="en-SG" sz="1000" i="1" dirty="0" err="1" smtClean="0"/>
+              <a:t>ZoomInButton</a:t>
+            </a:r>
+            <a:r>
+              <a:rPr lang="en-SG" sz="1000" i="1" dirty="0" smtClean="0"/>
+              <a:t>, </a:t>
+            </a:r>
+            <a:endParaRPr lang="en-SG" sz="1000" i="1" dirty="0"/>
+          </a:p>
+          <a:p>
+            <a:r>
+              <a:rPr lang="en-SG" sz="1000" i="1" dirty="0" err="1" smtClean="0"/>
+              <a:t>ScrollBar</a:t>
+            </a:r>
+            <a:r>
+              <a:rPr lang="en-SG" sz="1000" i="1" dirty="0" smtClean="0"/>
+              <a:t> and</a:t>
+            </a:r>
+            <a:endParaRPr lang="en-SG" sz="1000" i="1" dirty="0"/>
+          </a:p>
+          <a:p>
+            <a:r>
+              <a:rPr lang="en-SG" sz="1000" i="1" dirty="0" err="1" smtClean="0"/>
+              <a:t>ZoomOutButton</a:t>
+            </a:r>
+            <a:endParaRPr lang="en-SG" sz="1000" i="1" dirty="0"/>
+          </a:p>
+          <a:p>
+            <a:r>
+              <a:rPr lang="en-SG" sz="1000" dirty="0" smtClean="0"/>
+              <a:t>double </a:t>
+            </a:r>
+            <a:r>
+              <a:rPr lang="en-SG" sz="1000" dirty="0" err="1" smtClean="0"/>
+              <a:t>ScrollBarHeight</a:t>
+            </a:r>
+            <a:endParaRPr lang="en-SG" sz="1000" dirty="0" smtClean="0"/>
+          </a:p>
+        </p:txBody>
+      </p:sp>
+      <p:cxnSp>
+        <p:nvCxnSpPr>
+          <p:cNvPr id="17" name="Straight Arrow Connector 16"/>
+          <p:cNvCxnSpPr/>
+          <p:nvPr/>
+        </p:nvCxnSpPr>
+        <p:spPr>
+          <a:xfrm flipV="1">
+            <a:off x="1190626" y="708662"/>
+            <a:ext cx="973454" cy="415288"/>
+          </a:xfrm>
+          <a:prstGeom prst="straightConnector1">
+            <a:avLst/>
+          </a:prstGeom>
+          <a:ln>
+            <a:tailEnd type="arrow"/>
+          </a:ln>
+        </p:spPr>
+        <p:style>
+          <a:lnRef idx="1">
+            <a:schemeClr val="accent1"/>
+          </a:lnRef>
+          <a:fillRef idx="0">
+            <a:schemeClr val="accent1"/>
+          </a:fillRef>
+          <a:effectRef idx="0">
+            <a:schemeClr val="accent1"/>
+          </a:effectRef>
+          <a:fontRef idx="minor">
+            <a:schemeClr val="tx1"/>
+          </a:fontRef>
+        </p:style>
+      </p:cxnSp>
+      <p:cxnSp>
+        <p:nvCxnSpPr>
+          <p:cNvPr id="20" name="Straight Arrow Connector 19"/>
+          <p:cNvCxnSpPr/>
+          <p:nvPr/>
+        </p:nvCxnSpPr>
+        <p:spPr>
+          <a:xfrm>
+            <a:off x="3128010" y="735330"/>
+            <a:ext cx="1339487" cy="56584"/>
+          </a:xfrm>
+          <a:prstGeom prst="straightConnector1">
+            <a:avLst/>
+          </a:prstGeom>
+          <a:ln w="19050">
+            <a:tailEnd type="arrow"/>
+          </a:ln>
+        </p:spPr>
+        <p:style>
+          <a:lnRef idx="1">
+            <a:schemeClr val="accent1"/>
+          </a:lnRef>
+          <a:fillRef idx="0">
+            <a:schemeClr val="accent1"/>
+          </a:fillRef>
+          <a:effectRef idx="0">
+            <a:schemeClr val="accent1"/>
+          </a:effectRef>
+          <a:fontRef idx="minor">
+            <a:schemeClr val="tx1"/>
+          </a:fontRef>
+        </p:style>
+      </p:cxnSp>
+      <p:cxnSp>
+        <p:nvCxnSpPr>
+          <p:cNvPr id="39" name="Straight Arrow Connector 38"/>
+          <p:cNvCxnSpPr/>
+          <p:nvPr/>
+        </p:nvCxnSpPr>
+        <p:spPr>
+          <a:xfrm flipV="1">
+            <a:off x="250892" y="6358890"/>
+            <a:ext cx="552450" cy="1"/>
+          </a:xfrm>
+          <a:prstGeom prst="straightConnector1">
+            <a:avLst/>
+          </a:prstGeom>
+          <a:ln>
+            <a:tailEnd type="arrow"/>
+          </a:ln>
+        </p:spPr>
+        <p:style>
+          <a:lnRef idx="1">
+            <a:schemeClr val="accent1"/>
+          </a:lnRef>
+          <a:fillRef idx="0">
+            <a:schemeClr val="accent1"/>
+          </a:fillRef>
+          <a:effectRef idx="0">
+            <a:schemeClr val="accent1"/>
+          </a:effectRef>
+          <a:fontRef idx="minor">
+            <a:schemeClr val="tx1"/>
+          </a:fontRef>
+        </p:style>
+      </p:cxnSp>
+      <p:sp>
+        <p:nvSpPr>
+          <p:cNvPr id="41" name="Rectangle 40"/>
+          <p:cNvSpPr/>
+          <p:nvPr/>
+        </p:nvSpPr>
+        <p:spPr>
+          <a:xfrm>
+            <a:off x="845820" y="6225782"/>
+            <a:ext cx="689612" cy="246221"/>
+          </a:xfrm>
+          <a:prstGeom prst="rect">
+            <a:avLst/>
+          </a:prstGeom>
+        </p:spPr>
+        <p:txBody>
+          <a:bodyPr wrap="none">
+            <a:spAutoFit/>
+          </a:bodyPr>
+          <a:lstStyle/>
+          <a:p>
+            <a:r>
+              <a:rPr lang="en-SG" sz="1000" dirty="0" smtClean="0"/>
+              <a:t>collection</a:t>
+            </a:r>
+            <a:endParaRPr lang="en-SG" sz="1000" dirty="0"/>
+          </a:p>
+        </p:txBody>
+      </p:sp>
+      <p:cxnSp>
+        <p:nvCxnSpPr>
+          <p:cNvPr id="42" name="Straight Arrow Connector 41"/>
+          <p:cNvCxnSpPr/>
+          <p:nvPr/>
+        </p:nvCxnSpPr>
+        <p:spPr>
+          <a:xfrm flipV="1">
+            <a:off x="262322" y="6572250"/>
+            <a:ext cx="552450" cy="1"/>
+          </a:xfrm>
+          <a:prstGeom prst="straightConnector1">
+            <a:avLst/>
+          </a:prstGeom>
+          <a:ln w="19050">
+            <a:tailEnd type="arrow"/>
+          </a:ln>
+        </p:spPr>
+        <p:style>
+          <a:lnRef idx="1">
+            <a:schemeClr val="accent1"/>
+          </a:lnRef>
+          <a:fillRef idx="0">
+            <a:schemeClr val="accent1"/>
+          </a:fillRef>
+          <a:effectRef idx="0">
+            <a:schemeClr val="accent1"/>
+          </a:effectRef>
+          <a:fontRef idx="minor">
+            <a:schemeClr val="tx1"/>
+          </a:fontRef>
+        </p:style>
+      </p:cxnSp>
+      <p:sp>
+        <p:nvSpPr>
+          <p:cNvPr id="43" name="Rectangle 42"/>
+          <p:cNvSpPr/>
+          <p:nvPr/>
+        </p:nvSpPr>
+        <p:spPr>
+          <a:xfrm>
+            <a:off x="857250" y="6439142"/>
+            <a:ext cx="776175" cy="246221"/>
+          </a:xfrm>
+          <a:prstGeom prst="rect">
+            <a:avLst/>
+          </a:prstGeom>
+        </p:spPr>
+        <p:txBody>
+          <a:bodyPr wrap="none">
+            <a:spAutoFit/>
+          </a:bodyPr>
+          <a:lstStyle/>
+          <a:p>
+            <a:r>
+              <a:rPr lang="en-SG" sz="1000" dirty="0" smtClean="0"/>
+              <a:t>inheritance</a:t>
+            </a:r>
+            <a:endParaRPr lang="en-SG" sz="1000" dirty="0"/>
+          </a:p>
+        </p:txBody>
+      </p:sp>
+      <p:sp>
+        <p:nvSpPr>
+          <p:cNvPr id="30" name="TextBox 29"/>
+          <p:cNvSpPr txBox="1"/>
+          <p:nvPr/>
+        </p:nvSpPr>
+        <p:spPr>
+          <a:xfrm>
+            <a:off x="218485" y="3104617"/>
+            <a:ext cx="3292889" cy="2554545"/>
+          </a:xfrm>
+          <a:prstGeom prst="rect">
+            <a:avLst/>
+          </a:prstGeom>
+          <a:solidFill>
+            <a:schemeClr val="bg1"/>
+          </a:solidFill>
+          <a:ln>
+            <a:solidFill>
+              <a:schemeClr val="tx1">
+                <a:lumMod val="75000"/>
+                <a:lumOff val="25000"/>
+              </a:schemeClr>
+            </a:solidFill>
+          </a:ln>
+          <a:effectLst>
+            <a:outerShdw blurRad="50800" dist="38100" dir="2700000" algn="tl" rotWithShape="0">
+              <a:prstClr val="black">
+                <a:alpha val="40000"/>
+              </a:prstClr>
+            </a:outerShdw>
+          </a:effectLst>
+        </p:spPr>
+        <p:txBody>
+          <a:bodyPr wrap="none" rtlCol="0">
+            <a:spAutoFit/>
+          </a:bodyPr>
+          <a:lstStyle/>
+          <a:p>
+            <a:r>
+              <a:rPr lang="en-SG" sz="1000" b="1" dirty="0" smtClean="0"/>
+              <a:t>Legend</a:t>
+            </a:r>
+            <a:endParaRPr lang="en-US" sz="1000" b="1" dirty="0" smtClean="0"/>
+          </a:p>
+          <a:p>
+            <a:r>
+              <a:rPr lang="en-SG" sz="1000" dirty="0"/>
+              <a:t>double </a:t>
+            </a:r>
+            <a:r>
+              <a:rPr lang="en-SG" sz="1000" dirty="0" err="1"/>
+              <a:t>MinValue</a:t>
+            </a:r>
+            <a:endParaRPr lang="en-SG" sz="1000" dirty="0"/>
+          </a:p>
+          <a:p>
+            <a:r>
+              <a:rPr lang="en-SG" sz="1000" dirty="0"/>
+              <a:t>double </a:t>
+            </a:r>
+            <a:r>
+              <a:rPr lang="en-SG" sz="1000" dirty="0" err="1"/>
+              <a:t>DisplayValue</a:t>
+            </a:r>
+            <a:endParaRPr lang="en-SG" sz="1000" dirty="0"/>
+          </a:p>
+          <a:p>
+            <a:r>
+              <a:rPr lang="en-SG" sz="1000" dirty="0"/>
+              <a:t>double </a:t>
+            </a:r>
+            <a:r>
+              <a:rPr lang="en-SG" sz="1000" dirty="0" err="1"/>
+              <a:t>DisplayValueRange</a:t>
+            </a:r>
+            <a:endParaRPr lang="en-SG" sz="1000" dirty="0"/>
+          </a:p>
+          <a:p>
+            <a:r>
+              <a:rPr lang="en-SG" sz="1000" dirty="0"/>
+              <a:t>double </a:t>
+            </a:r>
+            <a:r>
+              <a:rPr lang="en-SG" sz="1000" dirty="0" err="1"/>
+              <a:t>MaxValue</a:t>
+            </a:r>
+            <a:endParaRPr lang="en-SG" sz="1000" dirty="0"/>
+          </a:p>
+          <a:p>
+            <a:endParaRPr lang="en-SG" sz="1000" dirty="0" smtClean="0"/>
+          </a:p>
+          <a:p>
+            <a:r>
+              <a:rPr lang="en-SG" sz="1000" dirty="0"/>
+              <a:t>void Reset</a:t>
+            </a:r>
+            <a:r>
+              <a:rPr lang="en-SG" sz="1000" dirty="0" smtClean="0"/>
+              <a:t>()</a:t>
+            </a:r>
+          </a:p>
+          <a:p>
+            <a:r>
+              <a:rPr lang="en-SG" sz="1000" dirty="0"/>
+              <a:t>virtual void </a:t>
+            </a:r>
+            <a:r>
+              <a:rPr lang="en-SG" sz="1000" dirty="0" err="1"/>
+              <a:t>OnReset</a:t>
+            </a:r>
+            <a:r>
+              <a:rPr lang="en-SG" sz="1000" dirty="0" smtClean="0"/>
+              <a:t>()</a:t>
+            </a:r>
+          </a:p>
+          <a:p>
+            <a:r>
+              <a:rPr lang="en-SG" sz="1000" dirty="0"/>
+              <a:t>override Size </a:t>
+            </a:r>
+            <a:r>
+              <a:rPr lang="en-SG" sz="1000" dirty="0" err="1" smtClean="0"/>
+              <a:t>ArrangeContentOverride</a:t>
+            </a:r>
+            <a:r>
+              <a:rPr lang="en-SG" sz="1000" dirty="0" smtClean="0"/>
+              <a:t> (</a:t>
+            </a:r>
+            <a:r>
+              <a:rPr lang="en-SG" sz="1000" dirty="0" err="1"/>
+              <a:t>Rect</a:t>
+            </a:r>
+            <a:r>
+              <a:rPr lang="en-SG" sz="1000" dirty="0"/>
+              <a:t> </a:t>
+            </a:r>
+            <a:r>
+              <a:rPr lang="en-SG" sz="1000" dirty="0" err="1"/>
+              <a:t>arrangeRect</a:t>
+            </a:r>
+            <a:r>
+              <a:rPr lang="en-SG" sz="1000" dirty="0"/>
+              <a:t>)</a:t>
+            </a:r>
+            <a:endParaRPr lang="en-SG" sz="1000" dirty="0" smtClean="0"/>
+          </a:p>
+          <a:p>
+            <a:r>
+              <a:rPr lang="en-SG" sz="1000" dirty="0"/>
+              <a:t>virtual Size </a:t>
+            </a:r>
+            <a:r>
+              <a:rPr lang="en-SG" sz="1000" dirty="0" err="1" smtClean="0"/>
+              <a:t>OnLegendArrange</a:t>
+            </a:r>
+            <a:r>
+              <a:rPr lang="en-SG" sz="1000" dirty="0" smtClean="0"/>
+              <a:t> (</a:t>
+            </a:r>
+            <a:r>
+              <a:rPr lang="en-SG" sz="1000" dirty="0" err="1" smtClean="0"/>
+              <a:t>Rect</a:t>
+            </a:r>
+            <a:r>
+              <a:rPr lang="en-SG" sz="1000" dirty="0" smtClean="0"/>
+              <a:t> </a:t>
+            </a:r>
+            <a:r>
+              <a:rPr lang="en-SG" sz="1000" dirty="0" err="1"/>
+              <a:t>arrangeRect</a:t>
+            </a:r>
+            <a:r>
+              <a:rPr lang="en-SG" sz="1000" dirty="0" smtClean="0"/>
+              <a:t>)</a:t>
+            </a:r>
+          </a:p>
+          <a:p>
+            <a:r>
+              <a:rPr lang="en-SG" sz="1000" dirty="0"/>
+              <a:t>override Size </a:t>
+            </a:r>
+            <a:r>
+              <a:rPr lang="en-SG" sz="1000" dirty="0" err="1"/>
+              <a:t>MeasureContentOverride</a:t>
+            </a:r>
+            <a:r>
+              <a:rPr lang="en-SG" sz="1000" dirty="0"/>
+              <a:t>(Size </a:t>
+            </a:r>
+            <a:r>
+              <a:rPr lang="en-SG" sz="1000" dirty="0" err="1"/>
+              <a:t>availableSize</a:t>
+            </a:r>
+            <a:r>
+              <a:rPr lang="en-SG" sz="1000" dirty="0" smtClean="0"/>
+              <a:t>)</a:t>
+            </a:r>
+          </a:p>
+          <a:p>
+            <a:r>
+              <a:rPr lang="en-SG" sz="1000" dirty="0"/>
+              <a:t>virtual void </a:t>
+            </a:r>
+            <a:r>
+              <a:rPr lang="en-SG" sz="1000" dirty="0" err="1"/>
+              <a:t>OnFontChanged</a:t>
+            </a:r>
+            <a:r>
+              <a:rPr lang="en-SG" sz="1000" dirty="0"/>
+              <a:t>(bool </a:t>
+            </a:r>
+            <a:r>
+              <a:rPr lang="en-SG" sz="1000" dirty="0" err="1"/>
+              <a:t>hasOnlyFontSizeChanged</a:t>
+            </a:r>
+            <a:r>
+              <a:rPr lang="en-SG" sz="1000" dirty="0" smtClean="0"/>
+              <a:t>)</a:t>
+            </a:r>
+          </a:p>
+          <a:p>
+            <a:r>
+              <a:rPr lang="en-SG" sz="1000" dirty="0"/>
+              <a:t>virtual Size </a:t>
+            </a:r>
+            <a:r>
+              <a:rPr lang="en-SG" sz="1000" dirty="0" err="1"/>
+              <a:t>OnLegendMeasurement</a:t>
+            </a:r>
+            <a:r>
+              <a:rPr lang="en-SG" sz="1000" dirty="0"/>
+              <a:t>(Size </a:t>
+            </a:r>
+            <a:r>
+              <a:rPr lang="en-SG" sz="1000" dirty="0" err="1"/>
+              <a:t>requiredSize</a:t>
+            </a:r>
+            <a:r>
+              <a:rPr lang="en-SG" sz="1000" dirty="0" smtClean="0"/>
+              <a:t>)</a:t>
+            </a:r>
+          </a:p>
+          <a:p>
+            <a:r>
+              <a:rPr lang="en-SG" sz="1000" dirty="0"/>
+              <a:t>override void </a:t>
+            </a:r>
+            <a:r>
+              <a:rPr lang="en-SG" sz="1000" dirty="0" err="1" smtClean="0"/>
+              <a:t>OnRenderContent</a:t>
+            </a:r>
+            <a:r>
+              <a:rPr lang="en-SG" sz="1000" dirty="0" smtClean="0"/>
+              <a:t>(…)</a:t>
+            </a:r>
+          </a:p>
+          <a:p>
+            <a:r>
+              <a:rPr lang="en-SG" sz="1000" dirty="0"/>
+              <a:t>virtual void </a:t>
+            </a:r>
+            <a:r>
+              <a:rPr lang="en-SG" sz="1000" dirty="0" err="1"/>
+              <a:t>OnProvideDefaultValues</a:t>
+            </a:r>
+            <a:r>
+              <a:rPr lang="en-SG" sz="1000" dirty="0" smtClean="0"/>
+              <a:t>(…)</a:t>
+            </a:r>
+          </a:p>
+          <a:p>
+            <a:r>
+              <a:rPr lang="en-SG" sz="1000" dirty="0"/>
+              <a:t>virtual Point </a:t>
+            </a:r>
+            <a:r>
+              <a:rPr lang="en-SG" sz="1000" dirty="0" err="1"/>
+              <a:t>OnContentAlignment</a:t>
+            </a:r>
+            <a:r>
+              <a:rPr lang="en-SG" sz="1000" dirty="0"/>
+              <a:t>(Size </a:t>
+            </a:r>
+            <a:r>
+              <a:rPr lang="en-SG" sz="1000" dirty="0" err="1"/>
+              <a:t>renderContentSize</a:t>
+            </a:r>
+            <a:r>
+              <a:rPr lang="en-SG" sz="1000" dirty="0" smtClean="0"/>
+              <a:t>)</a:t>
+            </a:r>
+          </a:p>
+        </p:txBody>
+      </p:sp>
+      <p:sp>
+        <p:nvSpPr>
+          <p:cNvPr id="31" name="TextBox 30"/>
+          <p:cNvSpPr txBox="1"/>
+          <p:nvPr/>
+        </p:nvSpPr>
+        <p:spPr>
+          <a:xfrm>
+            <a:off x="4467497" y="1953637"/>
+            <a:ext cx="1356462" cy="1169551"/>
+          </a:xfrm>
+          <a:prstGeom prst="rect">
+            <a:avLst/>
+          </a:prstGeom>
+          <a:solidFill>
+            <a:schemeClr val="bg1"/>
+          </a:solidFill>
+          <a:ln>
+            <a:solidFill>
+              <a:schemeClr val="tx1">
+                <a:lumMod val="75000"/>
+                <a:lumOff val="25000"/>
+              </a:schemeClr>
+            </a:solidFill>
+          </a:ln>
+          <a:effectLst>
+            <a:outerShdw blurRad="50800" dist="38100" dir="2700000" algn="tl" rotWithShape="0">
+              <a:prstClr val="black">
+                <a:alpha val="40000"/>
+              </a:prstClr>
+            </a:outerShdw>
+          </a:effectLst>
+        </p:spPr>
+        <p:txBody>
+          <a:bodyPr wrap="none" rtlCol="0">
+            <a:spAutoFit/>
+          </a:bodyPr>
+          <a:lstStyle/>
+          <a:p>
+            <a:r>
+              <a:rPr lang="en-SG" sz="1000" b="1" dirty="0" err="1"/>
+              <a:t>LegendScrollerY</a:t>
+            </a:r>
+            <a:endParaRPr lang="en-US" sz="1000" b="1" dirty="0" smtClean="0"/>
+          </a:p>
+          <a:p>
+            <a:r>
+              <a:rPr lang="en-SG" sz="1000" i="1" dirty="0" smtClean="0"/>
+              <a:t>Works with </a:t>
+            </a:r>
+            <a:r>
+              <a:rPr lang="en-SG" sz="1000" i="1" dirty="0" err="1" smtClean="0"/>
+              <a:t>LegendY</a:t>
+            </a:r>
+            <a:endParaRPr lang="en-SG" sz="1000" i="1" dirty="0" smtClean="0"/>
+          </a:p>
+          <a:p>
+            <a:r>
+              <a:rPr lang="en-US" sz="1000" i="1" dirty="0" smtClean="0"/>
+              <a:t>Controls </a:t>
+            </a:r>
+            <a:r>
+              <a:rPr lang="en-SG" sz="1000" i="1" dirty="0" smtClean="0"/>
+              <a:t>Legend, </a:t>
+            </a:r>
+          </a:p>
+          <a:p>
+            <a:r>
+              <a:rPr lang="en-SG" sz="1000" i="1" dirty="0" err="1" smtClean="0"/>
+              <a:t>ZoomInButton</a:t>
+            </a:r>
+            <a:r>
+              <a:rPr lang="en-SG" sz="1000" i="1" dirty="0" smtClean="0"/>
+              <a:t>, </a:t>
+            </a:r>
+            <a:endParaRPr lang="en-SG" sz="1000" i="1" dirty="0"/>
+          </a:p>
+          <a:p>
+            <a:r>
+              <a:rPr lang="en-SG" sz="1000" i="1" dirty="0" err="1" smtClean="0"/>
+              <a:t>ScrollBar</a:t>
+            </a:r>
+            <a:r>
+              <a:rPr lang="en-SG" sz="1000" i="1" dirty="0" smtClean="0"/>
+              <a:t> and</a:t>
+            </a:r>
+            <a:endParaRPr lang="en-SG" sz="1000" i="1" dirty="0"/>
+          </a:p>
+          <a:p>
+            <a:r>
+              <a:rPr lang="en-SG" sz="1000" i="1" dirty="0" err="1" smtClean="0"/>
+              <a:t>ZoomOutButton</a:t>
+            </a:r>
+            <a:endParaRPr lang="en-SG" sz="1000" i="1" dirty="0"/>
+          </a:p>
+          <a:p>
+            <a:r>
+              <a:rPr lang="en-SG" sz="1000" dirty="0" smtClean="0"/>
+              <a:t>double </a:t>
+            </a:r>
+            <a:r>
+              <a:rPr lang="en-SG" sz="1000" dirty="0" err="1"/>
+              <a:t>ScrollBarWidth</a:t>
+            </a:r>
+            <a:endParaRPr lang="en-SG" sz="1000" dirty="0" smtClean="0"/>
+          </a:p>
+        </p:txBody>
+      </p:sp>
+      <p:cxnSp>
+        <p:nvCxnSpPr>
+          <p:cNvPr id="33" name="Straight Arrow Connector 32"/>
+          <p:cNvCxnSpPr/>
+          <p:nvPr/>
+        </p:nvCxnSpPr>
+        <p:spPr>
+          <a:xfrm>
+            <a:off x="3128010" y="763622"/>
+            <a:ext cx="1339487" cy="1316638"/>
+          </a:xfrm>
+          <a:prstGeom prst="straightConnector1">
+            <a:avLst/>
+          </a:prstGeom>
+          <a:ln w="19050">
+            <a:tailEnd type="arrow"/>
+          </a:ln>
+        </p:spPr>
+        <p:style>
+          <a:lnRef idx="1">
+            <a:schemeClr val="accent1"/>
+          </a:lnRef>
+          <a:fillRef idx="0">
+            <a:schemeClr val="accent1"/>
+          </a:fillRef>
+          <a:effectRef idx="0">
+            <a:schemeClr val="accent1"/>
+          </a:effectRef>
+          <a:fontRef idx="minor">
+            <a:schemeClr val="tx1"/>
+          </a:fontRef>
+        </p:style>
+      </p:cxnSp>
+      <p:cxnSp>
+        <p:nvCxnSpPr>
+          <p:cNvPr id="36" name="Straight Arrow Connector 35"/>
+          <p:cNvCxnSpPr>
+            <a:endCxn id="30" idx="0"/>
+          </p:cNvCxnSpPr>
+          <p:nvPr/>
+        </p:nvCxnSpPr>
+        <p:spPr>
+          <a:xfrm flipH="1">
+            <a:off x="1864930" y="1644611"/>
+            <a:ext cx="356464" cy="1460006"/>
+          </a:xfrm>
+          <a:prstGeom prst="straightConnector1">
+            <a:avLst/>
+          </a:prstGeom>
+          <a:ln>
+            <a:tailEnd type="arrow"/>
+          </a:ln>
+        </p:spPr>
+        <p:style>
+          <a:lnRef idx="1">
+            <a:schemeClr val="accent1"/>
+          </a:lnRef>
+          <a:fillRef idx="0">
+            <a:schemeClr val="accent1"/>
+          </a:fillRef>
+          <a:effectRef idx="0">
+            <a:schemeClr val="accent1"/>
+          </a:effectRef>
+          <a:fontRef idx="minor">
+            <a:schemeClr val="tx1"/>
+          </a:fontRef>
+        </p:style>
+      </p:cxnSp>
+      <p:sp>
+        <p:nvSpPr>
+          <p:cNvPr id="37" name="TextBox 36"/>
+          <p:cNvSpPr txBox="1"/>
+          <p:nvPr/>
+        </p:nvSpPr>
+        <p:spPr>
+          <a:xfrm>
+            <a:off x="4033426" y="3344286"/>
+            <a:ext cx="1433406" cy="1015663"/>
+          </a:xfrm>
+          <a:prstGeom prst="rect">
+            <a:avLst/>
+          </a:prstGeom>
+          <a:solidFill>
+            <a:schemeClr val="bg1"/>
+          </a:solidFill>
+          <a:ln>
+            <a:solidFill>
+              <a:schemeClr val="tx1">
+                <a:lumMod val="75000"/>
+                <a:lumOff val="25000"/>
+              </a:schemeClr>
+            </a:solidFill>
+          </a:ln>
+          <a:effectLst>
+            <a:outerShdw blurRad="50800" dist="38100" dir="2700000" algn="tl" rotWithShape="0">
+              <a:prstClr val="black">
+                <a:alpha val="40000"/>
+              </a:prstClr>
+            </a:outerShdw>
+          </a:effectLst>
+        </p:spPr>
+        <p:txBody>
+          <a:bodyPr wrap="none" rtlCol="0">
+            <a:spAutoFit/>
+          </a:bodyPr>
+          <a:lstStyle/>
+          <a:p>
+            <a:r>
+              <a:rPr lang="en-SG" sz="1000" b="1" dirty="0" err="1" smtClean="0"/>
+              <a:t>LegendX</a:t>
+            </a:r>
+            <a:endParaRPr lang="en-US" sz="1000" b="1" dirty="0" smtClean="0"/>
+          </a:p>
+          <a:p>
+            <a:r>
+              <a:rPr lang="en-US" sz="1000" i="1" dirty="0" smtClean="0"/>
+              <a:t>Calculates which values </a:t>
+            </a:r>
+          </a:p>
+          <a:p>
+            <a:r>
+              <a:rPr lang="en-US" sz="1000" i="1" dirty="0" smtClean="0"/>
+              <a:t>get displayed in a </a:t>
+            </a:r>
+          </a:p>
+          <a:p>
+            <a:r>
+              <a:rPr lang="en-US" sz="1000" i="1" dirty="0" smtClean="0"/>
+              <a:t>horizontal </a:t>
+            </a:r>
+            <a:r>
+              <a:rPr lang="en-US" sz="1000" i="1" dirty="0"/>
+              <a:t>legend </a:t>
+            </a:r>
+            <a:r>
+              <a:rPr lang="en-US" sz="1000" i="1" dirty="0" smtClean="0"/>
+              <a:t>and </a:t>
+            </a:r>
+          </a:p>
+          <a:p>
+            <a:r>
+              <a:rPr lang="en-US" sz="1000" i="1" dirty="0" smtClean="0"/>
+              <a:t>the size needed. </a:t>
+            </a:r>
+            <a:r>
+              <a:rPr lang="en-US" sz="1000" i="1" dirty="0"/>
+              <a:t>Used </a:t>
+            </a:r>
+            <a:endParaRPr lang="en-US" sz="1000" i="1" dirty="0" smtClean="0"/>
+          </a:p>
+          <a:p>
+            <a:r>
+              <a:rPr lang="en-US" sz="1000" i="1" dirty="0" smtClean="0"/>
+              <a:t>for </a:t>
+            </a:r>
+            <a:r>
+              <a:rPr lang="en-US" sz="1000" i="1" dirty="0"/>
+              <a:t>doubles. </a:t>
+            </a:r>
+            <a:endParaRPr lang="en-SG" sz="1000" dirty="0" smtClean="0"/>
+          </a:p>
+        </p:txBody>
+      </p:sp>
+      <p:cxnSp>
+        <p:nvCxnSpPr>
+          <p:cNvPr id="38" name="Straight Arrow Connector 37"/>
+          <p:cNvCxnSpPr/>
+          <p:nvPr/>
+        </p:nvCxnSpPr>
+        <p:spPr>
+          <a:xfrm>
+            <a:off x="803342" y="3238500"/>
+            <a:ext cx="3270800" cy="238165"/>
+          </a:xfrm>
+          <a:prstGeom prst="straightConnector1">
+            <a:avLst/>
+          </a:prstGeom>
+          <a:ln w="19050">
+            <a:tailEnd type="arrow"/>
+          </a:ln>
+        </p:spPr>
+        <p:style>
+          <a:lnRef idx="1">
+            <a:schemeClr val="accent1"/>
+          </a:lnRef>
+          <a:fillRef idx="0">
+            <a:schemeClr val="accent1"/>
+          </a:fillRef>
+          <a:effectRef idx="0">
+            <a:schemeClr val="accent1"/>
+          </a:effectRef>
+          <a:fontRef idx="minor">
+            <a:schemeClr val="tx1"/>
+          </a:fontRef>
+        </p:style>
+      </p:cxnSp>
+      <p:sp>
+        <p:nvSpPr>
+          <p:cNvPr id="40" name="TextBox 39"/>
+          <p:cNvSpPr txBox="1"/>
+          <p:nvPr/>
+        </p:nvSpPr>
+        <p:spPr>
+          <a:xfrm>
+            <a:off x="4052916" y="4498716"/>
+            <a:ext cx="1433406" cy="1015663"/>
+          </a:xfrm>
+          <a:prstGeom prst="rect">
+            <a:avLst/>
+          </a:prstGeom>
+          <a:solidFill>
+            <a:schemeClr val="bg1"/>
+          </a:solidFill>
+          <a:ln>
+            <a:solidFill>
+              <a:schemeClr val="tx1">
+                <a:lumMod val="75000"/>
+                <a:lumOff val="25000"/>
+              </a:schemeClr>
+            </a:solidFill>
+          </a:ln>
+          <a:effectLst>
+            <a:outerShdw blurRad="50800" dist="38100" dir="2700000" algn="tl" rotWithShape="0">
+              <a:prstClr val="black">
+                <a:alpha val="40000"/>
+              </a:prstClr>
+            </a:outerShdw>
+          </a:effectLst>
+        </p:spPr>
+        <p:txBody>
+          <a:bodyPr wrap="none" rtlCol="0">
+            <a:spAutoFit/>
+          </a:bodyPr>
+          <a:lstStyle/>
+          <a:p>
+            <a:r>
+              <a:rPr lang="en-SG" sz="1000" b="1" dirty="0" err="1" smtClean="0"/>
+              <a:t>LegendY</a:t>
+            </a:r>
+            <a:endParaRPr lang="en-US" sz="1000" b="1" dirty="0" smtClean="0"/>
+          </a:p>
+          <a:p>
+            <a:r>
+              <a:rPr lang="en-US" sz="1000" i="1" dirty="0"/>
+              <a:t>Calculates which values </a:t>
+            </a:r>
+          </a:p>
+          <a:p>
+            <a:r>
+              <a:rPr lang="en-US" sz="1000" i="1" dirty="0"/>
+              <a:t>get displayed in </a:t>
+            </a:r>
+            <a:r>
+              <a:rPr lang="en-US" sz="1000" i="1" dirty="0" smtClean="0"/>
+              <a:t>a </a:t>
+            </a:r>
+            <a:endParaRPr lang="en-US" sz="1000" i="1" dirty="0"/>
+          </a:p>
+          <a:p>
+            <a:r>
+              <a:rPr lang="en-US" sz="1000" i="1" dirty="0" smtClean="0"/>
+              <a:t>Vertical legend </a:t>
+            </a:r>
+            <a:r>
+              <a:rPr lang="en-US" sz="1000" i="1" dirty="0"/>
+              <a:t>and </a:t>
+            </a:r>
+          </a:p>
+          <a:p>
+            <a:r>
+              <a:rPr lang="en-US" sz="1000" i="1" dirty="0"/>
+              <a:t>the size needed. Used </a:t>
+            </a:r>
+          </a:p>
+          <a:p>
+            <a:r>
+              <a:rPr lang="en-US" sz="1000" i="1" dirty="0"/>
+              <a:t>for doubles. </a:t>
+            </a:r>
+            <a:endParaRPr lang="en-SG" sz="1000" dirty="0"/>
+          </a:p>
+        </p:txBody>
+      </p:sp>
+      <p:cxnSp>
+        <p:nvCxnSpPr>
+          <p:cNvPr id="44" name="Straight Arrow Connector 43"/>
+          <p:cNvCxnSpPr/>
+          <p:nvPr/>
+        </p:nvCxnSpPr>
+        <p:spPr>
+          <a:xfrm>
+            <a:off x="762000" y="3238500"/>
+            <a:ext cx="3345180" cy="1352550"/>
+          </a:xfrm>
+          <a:prstGeom prst="straightConnector1">
+            <a:avLst/>
+          </a:prstGeom>
+          <a:ln w="19050">
+            <a:tailEnd type="arrow"/>
+          </a:ln>
+        </p:spPr>
+        <p:style>
+          <a:lnRef idx="1">
+            <a:schemeClr val="accent1"/>
+          </a:lnRef>
+          <a:fillRef idx="0">
+            <a:schemeClr val="accent1"/>
+          </a:fillRef>
+          <a:effectRef idx="0">
+            <a:schemeClr val="accent1"/>
+          </a:effectRef>
+          <a:fontRef idx="minor">
+            <a:schemeClr val="tx1"/>
+          </a:fontRef>
+        </p:style>
+      </p:cxnSp>
+      <p:sp>
+        <p:nvSpPr>
+          <p:cNvPr id="45" name="TextBox 44"/>
+          <p:cNvSpPr txBox="1"/>
+          <p:nvPr/>
+        </p:nvSpPr>
+        <p:spPr>
+          <a:xfrm>
+            <a:off x="5848003" y="3366226"/>
+            <a:ext cx="1667444" cy="1169551"/>
+          </a:xfrm>
+          <a:prstGeom prst="rect">
+            <a:avLst/>
+          </a:prstGeom>
+          <a:solidFill>
+            <a:schemeClr val="bg1"/>
+          </a:solidFill>
+          <a:ln>
+            <a:solidFill>
+              <a:schemeClr val="tx1">
+                <a:lumMod val="75000"/>
+                <a:lumOff val="25000"/>
+              </a:schemeClr>
+            </a:solidFill>
+          </a:ln>
+          <a:effectLst>
+            <a:outerShdw blurRad="50800" dist="38100" dir="2700000" algn="tl" rotWithShape="0">
+              <a:prstClr val="black">
+                <a:alpha val="40000"/>
+              </a:prstClr>
+            </a:outerShdw>
+          </a:effectLst>
+        </p:spPr>
+        <p:txBody>
+          <a:bodyPr wrap="none" rtlCol="0">
+            <a:spAutoFit/>
+          </a:bodyPr>
+          <a:lstStyle/>
+          <a:p>
+            <a:r>
+              <a:rPr lang="en-SG" sz="1000" b="1" dirty="0" err="1"/>
+              <a:t>LegendXDate</a:t>
+            </a:r>
+            <a:endParaRPr lang="en-US" sz="1000" b="1" dirty="0" smtClean="0"/>
+          </a:p>
+          <a:p>
+            <a:r>
+              <a:rPr lang="en-US" sz="1000" i="1" dirty="0" smtClean="0"/>
+              <a:t>Calculates which dates</a:t>
+            </a:r>
+          </a:p>
+          <a:p>
+            <a:r>
+              <a:rPr lang="en-US" sz="1000" i="1" dirty="0" smtClean="0"/>
+              <a:t>get displayed in a </a:t>
+            </a:r>
+          </a:p>
+          <a:p>
+            <a:r>
+              <a:rPr lang="en-US" sz="1000" i="1" dirty="0" smtClean="0"/>
+              <a:t>horizontal </a:t>
+            </a:r>
+            <a:r>
+              <a:rPr lang="en-US" sz="1000" i="1" dirty="0"/>
+              <a:t>legend </a:t>
+            </a:r>
+            <a:r>
+              <a:rPr lang="en-US" sz="1000" i="1" dirty="0" smtClean="0"/>
+              <a:t>and </a:t>
+            </a:r>
+          </a:p>
+          <a:p>
+            <a:r>
+              <a:rPr lang="en-US" sz="1000" i="1" dirty="0" smtClean="0"/>
+              <a:t>the size needed. </a:t>
+            </a:r>
+          </a:p>
+          <a:p>
+            <a:r>
+              <a:rPr lang="en-SG" sz="1000" dirty="0" err="1" smtClean="0"/>
+              <a:t>DateTime</a:t>
+            </a:r>
+            <a:r>
+              <a:rPr lang="en-SG" sz="1000" dirty="0" smtClean="0"/>
+              <a:t> </a:t>
+            </a:r>
+            <a:r>
+              <a:rPr lang="en-SG" sz="1000" dirty="0" err="1" smtClean="0"/>
+              <a:t>DisplayDate</a:t>
+            </a:r>
+            <a:endParaRPr lang="en-SG" sz="1000" dirty="0" smtClean="0"/>
+          </a:p>
+          <a:p>
+            <a:r>
+              <a:rPr lang="en-SG" sz="1000" dirty="0" err="1"/>
+              <a:t>TimeSpan</a:t>
+            </a:r>
+            <a:r>
+              <a:rPr lang="en-SG" sz="1000" dirty="0"/>
+              <a:t> </a:t>
+            </a:r>
+            <a:r>
+              <a:rPr lang="en-SG" sz="1000" dirty="0" err="1"/>
+              <a:t>DisplayDateRange</a:t>
+            </a:r>
+            <a:endParaRPr lang="en-SG" sz="1000" dirty="0" smtClean="0"/>
+          </a:p>
+        </p:txBody>
+      </p:sp>
+      <p:cxnSp>
+        <p:nvCxnSpPr>
+          <p:cNvPr id="46" name="Straight Arrow Connector 45"/>
+          <p:cNvCxnSpPr/>
+          <p:nvPr/>
+        </p:nvCxnSpPr>
+        <p:spPr>
+          <a:xfrm>
+            <a:off x="4659062" y="3476666"/>
+            <a:ext cx="1188941" cy="28534"/>
+          </a:xfrm>
+          <a:prstGeom prst="straightConnector1">
+            <a:avLst/>
+          </a:prstGeom>
+          <a:ln w="19050">
+            <a:tailEnd type="arrow"/>
+          </a:ln>
+        </p:spPr>
+        <p:style>
+          <a:lnRef idx="1">
+            <a:schemeClr val="accent1"/>
+          </a:lnRef>
+          <a:fillRef idx="0">
+            <a:schemeClr val="accent1"/>
+          </a:fillRef>
+          <a:effectRef idx="0">
+            <a:schemeClr val="accent1"/>
+          </a:effectRef>
+          <a:fontRef idx="minor">
+            <a:schemeClr val="tx1"/>
+          </a:fontRef>
+        </p:style>
+      </p:cxnSp>
+      <p:sp>
+        <p:nvSpPr>
+          <p:cNvPr id="47" name="TextBox 46"/>
+          <p:cNvSpPr txBox="1"/>
+          <p:nvPr/>
+        </p:nvSpPr>
+        <p:spPr>
+          <a:xfrm>
+            <a:off x="5848003" y="4756876"/>
+            <a:ext cx="1422184" cy="1015663"/>
+          </a:xfrm>
+          <a:prstGeom prst="rect">
+            <a:avLst/>
+          </a:prstGeom>
+          <a:solidFill>
+            <a:schemeClr val="bg1"/>
+          </a:solidFill>
+          <a:ln>
+            <a:solidFill>
+              <a:schemeClr val="tx1">
+                <a:lumMod val="75000"/>
+                <a:lumOff val="25000"/>
+              </a:schemeClr>
+            </a:solidFill>
+          </a:ln>
+          <a:effectLst>
+            <a:outerShdw blurRad="50800" dist="38100" dir="2700000" algn="tl" rotWithShape="0">
+              <a:prstClr val="black">
+                <a:alpha val="40000"/>
+              </a:prstClr>
+            </a:outerShdw>
+          </a:effectLst>
+        </p:spPr>
+        <p:txBody>
+          <a:bodyPr wrap="none" rtlCol="0">
+            <a:spAutoFit/>
+          </a:bodyPr>
+          <a:lstStyle/>
+          <a:p>
+            <a:r>
+              <a:rPr lang="en-SG" sz="1000" b="1" dirty="0" err="1" smtClean="0"/>
+              <a:t>LegendXString</a:t>
+            </a:r>
+            <a:endParaRPr lang="en-US" sz="1000" b="1" dirty="0" smtClean="0"/>
+          </a:p>
+          <a:p>
+            <a:r>
+              <a:rPr lang="en-US" sz="1000" i="1" dirty="0" smtClean="0"/>
+              <a:t>Calculates which strings</a:t>
+            </a:r>
+          </a:p>
+          <a:p>
+            <a:r>
+              <a:rPr lang="en-US" sz="1000" i="1" dirty="0" smtClean="0"/>
+              <a:t>get displayed in a </a:t>
+            </a:r>
+          </a:p>
+          <a:p>
+            <a:r>
+              <a:rPr lang="en-US" sz="1000" i="1" dirty="0" smtClean="0"/>
+              <a:t>horizontal </a:t>
+            </a:r>
+            <a:r>
+              <a:rPr lang="en-US" sz="1000" i="1" dirty="0"/>
+              <a:t>legend </a:t>
+            </a:r>
+            <a:r>
+              <a:rPr lang="en-US" sz="1000" i="1" dirty="0" smtClean="0"/>
+              <a:t>and </a:t>
+            </a:r>
+          </a:p>
+          <a:p>
+            <a:r>
+              <a:rPr lang="en-US" sz="1000" i="1" dirty="0" smtClean="0"/>
+              <a:t>the size needed. </a:t>
+            </a:r>
+          </a:p>
+          <a:p>
+            <a:r>
+              <a:rPr lang="en-SG" sz="1000" dirty="0" smtClean="0"/>
+              <a:t>String[] Strings</a:t>
+            </a:r>
+          </a:p>
+        </p:txBody>
+      </p:sp>
+      <p:cxnSp>
+        <p:nvCxnSpPr>
+          <p:cNvPr id="48" name="Straight Arrow Connector 47"/>
+          <p:cNvCxnSpPr/>
+          <p:nvPr/>
+        </p:nvCxnSpPr>
+        <p:spPr>
+          <a:xfrm>
+            <a:off x="4659062" y="3476665"/>
+            <a:ext cx="1242628" cy="1362035"/>
+          </a:xfrm>
+          <a:prstGeom prst="straightConnector1">
+            <a:avLst/>
+          </a:prstGeom>
+          <a:ln w="19050">
+            <a:tailEnd type="arrow"/>
+          </a:ln>
+        </p:spPr>
+        <p:style>
+          <a:lnRef idx="1">
+            <a:schemeClr val="accent1"/>
+          </a:lnRef>
+          <a:fillRef idx="0">
+            <a:schemeClr val="accent1"/>
+          </a:fillRef>
+          <a:effectRef idx="0">
+            <a:schemeClr val="accent1"/>
+          </a:effectRef>
+          <a:fontRef idx="minor">
+            <a:schemeClr val="tx1"/>
+          </a:fontRef>
+        </p:style>
+      </p:cxnSp>
+    </p:spTree>
+    <p:extLst>
+      <p:ext uri="{BB962C8B-B14F-4D97-AF65-F5344CB8AC3E}">
+        <p14:creationId xmlns:p14="http://schemas.microsoft.com/office/powerpoint/2010/main" val="1163185197"/>
+      </p:ext>
+    </p:extLst>
+  </p:cSld>
+  <p:clrMapOvr>
+    <a:masterClrMapping/>
+  </p:clrMapOvr>
+  <p:timing>
+    <p:tnLst>
+      <p:par>
+        <p:cTn id="1" dur="indefinite" restart="never" nodeType="tmRoot"/>
+      </p:par>
+    </p:tnLst>
+  </p:timing>
+</p:sld>
+</file>
+
+<file path=ppt/slides/slide4.xml><?xml version="1.0" encoding="utf-8"?>
+<p:sld xmlns:a="http://schemas.openxmlformats.org/drawingml/2006/main" xmlns:r="http://schemas.openxmlformats.org/officeDocument/2006/relationships" xmlns:p="http://schemas.openxmlformats.org/presentationml/2006/main">
+  <p:cSld>
+    <p:spTree>
+      <p:nvGrpSpPr>
+        <p:cNvPr id="1" name=""/>
+        <p:cNvGrpSpPr/>
+        <p:nvPr/>
+      </p:nvGrpSpPr>
+      <p:grpSpPr>
+        <a:xfrm>
+          <a:off x="0" y="0"/>
+          <a:ext cx="0" cy="0"/>
+          <a:chOff x="0" y="0"/>
+          <a:chExt cx="0" cy="0"/>
+        </a:xfrm>
+      </p:grpSpPr>
+      <p:sp>
+        <p:nvSpPr>
+          <p:cNvPr id="14" name="TextBox 13"/>
+          <p:cNvSpPr txBox="1"/>
+          <p:nvPr/>
+        </p:nvSpPr>
+        <p:spPr>
+          <a:xfrm>
+            <a:off x="160019" y="2054551"/>
+            <a:ext cx="5817872" cy="1569660"/>
+          </a:xfrm>
+          <a:prstGeom prst="rect">
+            <a:avLst/>
+          </a:prstGeom>
+        </p:spPr>
+        <p:style>
+          <a:lnRef idx="1">
+            <a:schemeClr val="accent1"/>
+          </a:lnRef>
+          <a:fillRef idx="2">
+            <a:schemeClr val="accent1"/>
+          </a:fillRef>
+          <a:effectRef idx="1">
+            <a:schemeClr val="accent1"/>
+          </a:effectRef>
+          <a:fontRef idx="minor">
+            <a:schemeClr val="dk1"/>
+          </a:fontRef>
+        </p:style>
+        <p:txBody>
+          <a:bodyPr wrap="square" rtlCol="0">
+            <a:spAutoFit/>
+          </a:bodyPr>
+          <a:lstStyle/>
+          <a:p>
+            <a:r>
+              <a:rPr lang="en-US" sz="1200" b="1" dirty="0" smtClean="0"/>
+              <a:t>Chart</a:t>
+            </a:r>
+          </a:p>
+          <a:p>
+            <a:r>
+              <a:rPr lang="en-SG" sz="1200" i="1" dirty="0" smtClean="0"/>
+              <a:t>Stores the data to be drawn in </a:t>
+            </a:r>
+            <a:r>
+              <a:rPr lang="en-SG" sz="1200" b="1" dirty="0" err="1" smtClean="0"/>
+              <a:t>DataSeries</a:t>
+            </a:r>
+            <a:r>
+              <a:rPr lang="en-SG" sz="1200" dirty="0" smtClean="0"/>
+              <a:t>:</a:t>
+            </a:r>
+            <a:endParaRPr lang="en-SG" sz="1200" i="1" dirty="0" smtClean="0"/>
+          </a:p>
+          <a:p>
+            <a:r>
+              <a:rPr lang="en-SG" sz="1200" dirty="0"/>
+              <a:t>double[</a:t>
+            </a:r>
+            <a:r>
+              <a:rPr lang="en-SG" sz="1200" dirty="0" err="1"/>
+              <a:t>SerieIndex</a:t>
+            </a:r>
+            <a:r>
+              <a:rPr lang="en-SG" sz="1200" dirty="0"/>
+              <a:t>][</a:t>
+            </a:r>
+            <a:r>
+              <a:rPr lang="en-SG" sz="1200" dirty="0" err="1"/>
+              <a:t>RecordIndex</a:t>
+            </a:r>
+            <a:r>
+              <a:rPr lang="en-SG" sz="1200" dirty="0"/>
+              <a:t>, </a:t>
+            </a:r>
+            <a:r>
+              <a:rPr lang="en-SG" sz="1200" dirty="0" err="1"/>
+              <a:t>ValueIndex</a:t>
+            </a:r>
+            <a:r>
+              <a:rPr lang="en-SG" sz="1200" dirty="0" smtClean="0"/>
+              <a:t>] </a:t>
+            </a:r>
+          </a:p>
+          <a:p>
+            <a:endParaRPr lang="en-SG" sz="1200" b="1" dirty="0" smtClean="0"/>
+          </a:p>
+          <a:p>
+            <a:r>
+              <a:rPr lang="en-SG" sz="1200" dirty="0" err="1" smtClean="0"/>
+              <a:t>ValueIndex</a:t>
+            </a:r>
+            <a:r>
+              <a:rPr lang="en-SG" sz="1200" dirty="0" smtClean="0"/>
+              <a:t>==0 </a:t>
+            </a:r>
+            <a:r>
+              <a:rPr lang="en-SG" sz="1200" i="1" dirty="0" smtClean="0"/>
+              <a:t>is always the </a:t>
+            </a:r>
+            <a:r>
+              <a:rPr lang="en-SG" sz="1200" dirty="0" err="1" smtClean="0"/>
+              <a:t>TimeStamp</a:t>
+            </a:r>
+            <a:r>
+              <a:rPr lang="en-SG" sz="1200" dirty="0" smtClean="0"/>
+              <a:t> (X) </a:t>
+            </a:r>
+            <a:r>
+              <a:rPr lang="en-SG" sz="1200" i="1" dirty="0" smtClean="0"/>
+              <a:t>and</a:t>
+            </a:r>
+          </a:p>
+          <a:p>
+            <a:r>
+              <a:rPr lang="en-SG" sz="1200" i="1" dirty="0" smtClean="0"/>
+              <a:t>the other indices retrieve one or several</a:t>
+            </a:r>
+            <a:r>
+              <a:rPr lang="en-SG" sz="1200" dirty="0" smtClean="0"/>
+              <a:t> Y </a:t>
+            </a:r>
+          </a:p>
+          <a:p>
+            <a:r>
+              <a:rPr lang="en-SG" sz="1200" i="1" dirty="0" smtClean="0"/>
+              <a:t>values.</a:t>
+            </a:r>
+          </a:p>
+          <a:p>
+            <a:r>
+              <a:rPr lang="en-US" sz="1200" i="1" dirty="0" smtClean="0"/>
+              <a:t>It’s easier to draw a line if the line’s data (</a:t>
+            </a:r>
+            <a:r>
+              <a:rPr lang="en-US" sz="1200" i="1" dirty="0" err="1" smtClean="0"/>
+              <a:t>DataSerie</a:t>
+            </a:r>
+            <a:r>
+              <a:rPr lang="en-US" sz="1200" i="1" dirty="0" smtClean="0"/>
+              <a:t>) is stored in one array.</a:t>
+            </a:r>
+            <a:endParaRPr lang="en-SG" sz="1200" i="1" dirty="0"/>
+          </a:p>
+        </p:txBody>
+      </p:sp>
+      <p:sp>
+        <p:nvSpPr>
+          <p:cNvPr id="7" name="Rectangle 6"/>
+          <p:cNvSpPr/>
+          <p:nvPr/>
+        </p:nvSpPr>
+        <p:spPr>
+          <a:xfrm>
+            <a:off x="152400" y="449580"/>
+            <a:ext cx="5303520" cy="1203960"/>
+          </a:xfrm>
+          <a:prstGeom prst="rect">
+            <a:avLst/>
+          </a:prstGeom>
+        </p:spPr>
+        <p:style>
+          <a:lnRef idx="1">
+            <a:schemeClr val="accent3"/>
+          </a:lnRef>
+          <a:fillRef idx="2">
+            <a:schemeClr val="accent3"/>
+          </a:fillRef>
+          <a:effectRef idx="1">
+            <a:schemeClr val="accent3"/>
+          </a:effectRef>
+          <a:fontRef idx="minor">
+            <a:schemeClr val="dk1"/>
+          </a:fontRef>
+        </p:style>
+        <p:txBody>
+          <a:bodyPr rtlCol="0" anchor="ctr"/>
+          <a:lstStyle/>
+          <a:p>
+            <a:pPr algn="ctr"/>
+            <a:endParaRPr lang="en-SG"/>
+          </a:p>
+        </p:txBody>
+      </p:sp>
+      <p:sp>
+        <p:nvSpPr>
+          <p:cNvPr id="4" name="TextBox 3"/>
+          <p:cNvSpPr txBox="1"/>
+          <p:nvPr/>
+        </p:nvSpPr>
+        <p:spPr>
+          <a:xfrm>
+            <a:off x="50835" y="66110"/>
+            <a:ext cx="1935145" cy="338554"/>
+          </a:xfrm>
+          <a:prstGeom prst="rect">
+            <a:avLst/>
+          </a:prstGeom>
+          <a:noFill/>
+        </p:spPr>
+        <p:txBody>
+          <a:bodyPr wrap="none" rtlCol="0">
+            <a:spAutoFit/>
+          </a:bodyPr>
+          <a:lstStyle/>
+          <a:p>
+            <a:r>
+              <a:rPr lang="en-SG" sz="1600" b="1" dirty="0" smtClean="0"/>
+              <a:t>Data Transformation</a:t>
+            </a:r>
+            <a:endParaRPr lang="en-SG" sz="1600" b="1" dirty="0"/>
+          </a:p>
+        </p:txBody>
+      </p:sp>
+      <p:sp>
+        <p:nvSpPr>
+          <p:cNvPr id="5" name="TextBox 4"/>
+          <p:cNvSpPr txBox="1"/>
+          <p:nvPr/>
+        </p:nvSpPr>
+        <p:spPr>
+          <a:xfrm>
+            <a:off x="152400" y="449580"/>
+            <a:ext cx="3387090" cy="1146810"/>
+          </a:xfrm>
+          <a:prstGeom prst="rect">
+            <a:avLst/>
+          </a:prstGeom>
+          <a:noFill/>
+        </p:spPr>
+        <p:txBody>
+          <a:bodyPr wrap="none" rtlCol="0">
+            <a:noAutofit/>
+          </a:bodyPr>
+          <a:lstStyle/>
+          <a:p>
+            <a:r>
+              <a:rPr lang="en-US" sz="1200" b="1" dirty="0" smtClean="0"/>
+              <a:t>Host Application</a:t>
+            </a:r>
+          </a:p>
+          <a:p>
+            <a:r>
+              <a:rPr lang="en-US" sz="1200" i="1" dirty="0" smtClean="0"/>
+              <a:t>Creates 1 data sample (measurements) at a time </a:t>
+            </a:r>
+          </a:p>
+          <a:p>
+            <a:r>
+              <a:rPr lang="en-US" sz="1200" i="1" dirty="0" smtClean="0"/>
+              <a:t>consisting of an x value (often time stamp) and </a:t>
+            </a:r>
+          </a:p>
+          <a:p>
+            <a:r>
+              <a:rPr lang="en-US" sz="1200" i="1" dirty="0" smtClean="0"/>
+              <a:t>several Y values (measurements). It’s up to the </a:t>
+            </a:r>
+          </a:p>
+          <a:p>
+            <a:r>
+              <a:rPr lang="en-US" sz="1200" i="1" dirty="0" smtClean="0"/>
+              <a:t>host app how to store the data.</a:t>
+            </a:r>
+          </a:p>
+          <a:p>
+            <a:endParaRPr lang="en-SG" sz="1200" i="1" dirty="0"/>
+          </a:p>
+        </p:txBody>
+      </p:sp>
+      <p:graphicFrame>
+        <p:nvGraphicFramePr>
+          <p:cNvPr id="6" name="Table 5"/>
+          <p:cNvGraphicFramePr>
+            <a:graphicFrameLocks noGrp="1"/>
+          </p:cNvGraphicFramePr>
+          <p:nvPr>
+            <p:extLst>
+              <p:ext uri="{D42A27DB-BD31-4B8C-83A1-F6EECF244321}">
+                <p14:modId xmlns:p14="http://schemas.microsoft.com/office/powerpoint/2010/main" val="953838514"/>
+              </p:ext>
+            </p:extLst>
+          </p:nvPr>
+        </p:nvGraphicFramePr>
+        <p:xfrm>
+          <a:off x="3310890" y="542290"/>
+          <a:ext cx="2076450" cy="914400"/>
+        </p:xfrm>
+        <a:graphic>
+          <a:graphicData uri="http://schemas.openxmlformats.org/drawingml/2006/table">
+            <a:tbl>
+              <a:tblPr firstRow="1" bandRow="1">
+                <a:tableStyleId>{5C22544A-7EE6-4342-B048-85BDC9FD1C3A}</a:tableStyleId>
+              </a:tblPr>
+              <a:tblGrid>
+                <a:gridCol w="510540"/>
+                <a:gridCol w="556260"/>
+                <a:gridCol w="491490"/>
+                <a:gridCol w="518160"/>
+              </a:tblGrid>
+              <a:tr h="0">
+                <a:tc>
+                  <a:txBody>
+                    <a:bodyPr/>
+                    <a:lstStyle/>
+                    <a:p>
+                      <a:r>
+                        <a:rPr lang="en-US" sz="1200" dirty="0" smtClean="0"/>
+                        <a:t>Record</a:t>
+                      </a:r>
+                    </a:p>
+                    <a:p>
+                      <a:r>
+                        <a:rPr lang="en-US" sz="1200" dirty="0" smtClean="0"/>
+                        <a:t>Index</a:t>
+                      </a:r>
+                      <a:endParaRPr lang="en-SG" sz="1200" dirty="0"/>
+                    </a:p>
+                  </a:txBody>
+                  <a:tcPr marL="0" marR="0" marT="0" marB="0">
+                    <a:lnL w="12700" cap="flat" cmpd="sng" algn="ctr">
+                      <a:solidFill>
+                        <a:schemeClr val="tx1"/>
+                      </a:solidFill>
+                      <a:prstDash val="solid"/>
+                      <a:round/>
+                      <a:headEnd type="none" w="med" len="med"/>
+                      <a:tailEnd type="none" w="med" len="med"/>
+                    </a:lnL>
+                    <a:lnR w="12700" cap="flat" cmpd="sng" algn="ctr">
+                      <a:solidFill>
+                        <a:schemeClr val="tx1"/>
+                      </a:solidFill>
+                      <a:prstDash val="solid"/>
+                      <a:round/>
+                      <a:headEnd type="none" w="med" len="med"/>
+                      <a:tailEnd type="none" w="med" len="med"/>
+                    </a:lnR>
+                    <a:lnT w="12700" cap="flat" cmpd="sng" algn="ctr">
+                      <a:solidFill>
+                        <a:schemeClr val="tx1"/>
+                      </a:solidFill>
+                      <a:prstDash val="solid"/>
+                      <a:round/>
+                      <a:headEnd type="none" w="med" len="med"/>
+                      <a:tailEnd type="none" w="med" len="med"/>
+                    </a:lnT>
+                    <a:lnB w="12700" cap="flat" cmpd="sng" algn="ctr">
+                      <a:solidFill>
+                        <a:schemeClr val="tx1"/>
+                      </a:solidFill>
+                      <a:prstDash val="solid"/>
+                      <a:round/>
+                      <a:headEnd type="none" w="med" len="med"/>
+                      <a:tailEnd type="none" w="med" len="med"/>
+                    </a:lnB>
+                  </a:tcPr>
+                </a:tc>
+                <a:tc>
+                  <a:txBody>
+                    <a:bodyPr/>
+                    <a:lstStyle/>
+                    <a:p>
+                      <a:r>
+                        <a:rPr lang="en-US" sz="1200" dirty="0" smtClean="0"/>
+                        <a:t>Time-</a:t>
+                      </a:r>
+                    </a:p>
+                    <a:p>
+                      <a:r>
+                        <a:rPr lang="en-US" sz="1200" dirty="0" smtClean="0"/>
+                        <a:t>Stamp</a:t>
+                      </a:r>
+                      <a:endParaRPr lang="en-SG" sz="1200" dirty="0"/>
+                    </a:p>
+                  </a:txBody>
+                  <a:tcPr marL="0" marR="0" marT="0" marB="0">
+                    <a:lnL w="12700" cap="flat" cmpd="sng" algn="ctr">
+                      <a:solidFill>
+                        <a:schemeClr val="tx1"/>
+                      </a:solidFill>
+                      <a:prstDash val="solid"/>
+                      <a:round/>
+                      <a:headEnd type="none" w="med" len="med"/>
+                      <a:tailEnd type="none" w="med" len="med"/>
+                    </a:lnL>
+                    <a:lnR w="12700" cap="flat" cmpd="sng" algn="ctr">
+                      <a:solidFill>
+                        <a:schemeClr val="tx1"/>
+                      </a:solidFill>
+                      <a:prstDash val="solid"/>
+                      <a:round/>
+                      <a:headEnd type="none" w="med" len="med"/>
+                      <a:tailEnd type="none" w="med" len="med"/>
+                    </a:lnR>
+                    <a:lnT w="12700" cap="flat" cmpd="sng" algn="ctr">
+                      <a:solidFill>
+                        <a:schemeClr val="tx1"/>
+                      </a:solidFill>
+                      <a:prstDash val="solid"/>
+                      <a:round/>
+                      <a:headEnd type="none" w="med" len="med"/>
+                      <a:tailEnd type="none" w="med" len="med"/>
+                    </a:lnT>
+                    <a:lnB w="12700" cap="flat" cmpd="sng" algn="ctr">
+                      <a:solidFill>
+                        <a:schemeClr val="tx1"/>
+                      </a:solidFill>
+                      <a:prstDash val="solid"/>
+                      <a:round/>
+                      <a:headEnd type="none" w="med" len="med"/>
+                      <a:tailEnd type="none" w="med" len="med"/>
+                    </a:lnB>
+                  </a:tcPr>
+                </a:tc>
+                <a:tc>
+                  <a:txBody>
+                    <a:bodyPr/>
+                    <a:lstStyle/>
+                    <a:p>
+                      <a:r>
+                        <a:rPr lang="en-US" sz="1200" dirty="0" smtClean="0"/>
+                        <a:t>Value1</a:t>
+                      </a:r>
+                      <a:endParaRPr lang="en-SG" sz="1200" dirty="0"/>
+                    </a:p>
+                  </a:txBody>
+                  <a:tcPr marL="0" marR="0" marT="0" marB="0">
+                    <a:lnL w="12700" cap="flat" cmpd="sng" algn="ctr">
+                      <a:solidFill>
+                        <a:schemeClr val="tx1"/>
+                      </a:solidFill>
+                      <a:prstDash val="solid"/>
+                      <a:round/>
+                      <a:headEnd type="none" w="med" len="med"/>
+                      <a:tailEnd type="none" w="med" len="med"/>
+                    </a:lnL>
+                    <a:lnR w="12700" cap="flat" cmpd="sng" algn="ctr">
+                      <a:solidFill>
+                        <a:schemeClr val="tx1"/>
+                      </a:solidFill>
+                      <a:prstDash val="solid"/>
+                      <a:round/>
+                      <a:headEnd type="none" w="med" len="med"/>
+                      <a:tailEnd type="none" w="med" len="med"/>
+                    </a:lnR>
+                    <a:lnT w="12700" cap="flat" cmpd="sng" algn="ctr">
+                      <a:solidFill>
+                        <a:schemeClr val="tx1"/>
+                      </a:solidFill>
+                      <a:prstDash val="solid"/>
+                      <a:round/>
+                      <a:headEnd type="none" w="med" len="med"/>
+                      <a:tailEnd type="none" w="med" len="med"/>
+                    </a:lnT>
+                    <a:lnB w="12700" cap="flat" cmpd="sng" algn="ctr">
+                      <a:solidFill>
+                        <a:schemeClr val="tx1"/>
+                      </a:solidFill>
+                      <a:prstDash val="solid"/>
+                      <a:round/>
+                      <a:headEnd type="none" w="med" len="med"/>
+                      <a:tailEnd type="none" w="med" len="med"/>
+                    </a:lnB>
+                  </a:tcPr>
+                </a:tc>
+                <a:tc>
+                  <a:txBody>
+                    <a:bodyPr/>
+                    <a:lstStyle/>
+                    <a:p>
+                      <a:r>
+                        <a:rPr lang="en-US" sz="1200" dirty="0" smtClean="0"/>
+                        <a:t>Value2</a:t>
+                      </a:r>
+                      <a:endParaRPr lang="en-SG" sz="1200" dirty="0"/>
+                    </a:p>
+                  </a:txBody>
+                  <a:tcPr marL="0" marR="0" marT="0" marB="0">
+                    <a:lnL w="12700" cap="flat" cmpd="sng" algn="ctr">
+                      <a:solidFill>
+                        <a:schemeClr val="tx1"/>
+                      </a:solidFill>
+                      <a:prstDash val="solid"/>
+                      <a:round/>
+                      <a:headEnd type="none" w="med" len="med"/>
+                      <a:tailEnd type="none" w="med" len="med"/>
+                    </a:lnL>
+                    <a:lnR w="12700" cap="flat" cmpd="sng" algn="ctr">
+                      <a:solidFill>
+                        <a:schemeClr val="tx1"/>
+                      </a:solidFill>
+                      <a:prstDash val="solid"/>
+                      <a:round/>
+                      <a:headEnd type="none" w="med" len="med"/>
+                      <a:tailEnd type="none" w="med" len="med"/>
+                    </a:lnR>
+                    <a:lnT w="12700" cap="flat" cmpd="sng" algn="ctr">
+                      <a:solidFill>
+                        <a:schemeClr val="tx1"/>
+                      </a:solidFill>
+                      <a:prstDash val="solid"/>
+                      <a:round/>
+                      <a:headEnd type="none" w="med" len="med"/>
+                      <a:tailEnd type="none" w="med" len="med"/>
+                    </a:lnT>
+                    <a:lnB w="12700" cap="flat" cmpd="sng" algn="ctr">
+                      <a:solidFill>
+                        <a:schemeClr val="tx1"/>
+                      </a:solidFill>
+                      <a:prstDash val="solid"/>
+                      <a:round/>
+                      <a:headEnd type="none" w="med" len="med"/>
+                      <a:tailEnd type="none" w="med" len="med"/>
+                    </a:lnB>
+                  </a:tcPr>
+                </a:tc>
+              </a:tr>
+              <a:tr h="0">
+                <a:tc>
+                  <a:txBody>
+                    <a:bodyPr/>
+                    <a:lstStyle/>
+                    <a:p>
+                      <a:r>
+                        <a:rPr lang="en-US" sz="1200" dirty="0" smtClean="0"/>
+                        <a:t>0</a:t>
+                      </a:r>
+                      <a:endParaRPr lang="en-SG" sz="1200" dirty="0"/>
+                    </a:p>
+                  </a:txBody>
+                  <a:tcPr marL="0" marR="0" marT="0" marB="0">
+                    <a:lnL w="12700" cap="flat" cmpd="sng" algn="ctr">
+                      <a:solidFill>
+                        <a:schemeClr val="tx1"/>
+                      </a:solidFill>
+                      <a:prstDash val="solid"/>
+                      <a:round/>
+                      <a:headEnd type="none" w="med" len="med"/>
+                      <a:tailEnd type="none" w="med" len="med"/>
+                    </a:lnL>
+                    <a:lnR w="12700" cap="flat" cmpd="sng" algn="ctr">
+                      <a:solidFill>
+                        <a:schemeClr val="tx1"/>
+                      </a:solidFill>
+                      <a:prstDash val="solid"/>
+                      <a:round/>
+                      <a:headEnd type="none" w="med" len="med"/>
+                      <a:tailEnd type="none" w="med" len="med"/>
+                    </a:lnR>
+                    <a:lnT w="12700" cap="flat" cmpd="sng" algn="ctr">
+                      <a:solidFill>
+                        <a:schemeClr val="tx1"/>
+                      </a:solidFill>
+                      <a:prstDash val="solid"/>
+                      <a:round/>
+                      <a:headEnd type="none" w="med" len="med"/>
+                      <a:tailEnd type="none" w="med" len="med"/>
+                    </a:lnT>
+                    <a:lnB w="12700" cap="flat" cmpd="sng" algn="ctr">
+                      <a:solidFill>
+                        <a:schemeClr val="tx1"/>
+                      </a:solidFill>
+                      <a:prstDash val="solid"/>
+                      <a:round/>
+                      <a:headEnd type="none" w="med" len="med"/>
+                      <a:tailEnd type="none" w="med" len="med"/>
+                    </a:lnB>
+                  </a:tcPr>
+                </a:tc>
+                <a:tc>
+                  <a:txBody>
+                    <a:bodyPr/>
+                    <a:lstStyle/>
+                    <a:p>
+                      <a:r>
+                        <a:rPr lang="en-US" sz="1200" dirty="0" smtClean="0"/>
+                        <a:t>08:00</a:t>
+                      </a:r>
+                      <a:endParaRPr lang="en-SG" sz="1200" dirty="0"/>
+                    </a:p>
+                  </a:txBody>
+                  <a:tcPr marL="0" marR="0" marT="0" marB="0">
+                    <a:lnL w="12700" cap="flat" cmpd="sng" algn="ctr">
+                      <a:solidFill>
+                        <a:schemeClr val="tx1"/>
+                      </a:solidFill>
+                      <a:prstDash val="solid"/>
+                      <a:round/>
+                      <a:headEnd type="none" w="med" len="med"/>
+                      <a:tailEnd type="none" w="med" len="med"/>
+                    </a:lnL>
+                    <a:lnR w="12700" cap="flat" cmpd="sng" algn="ctr">
+                      <a:solidFill>
+                        <a:schemeClr val="tx1"/>
+                      </a:solidFill>
+                      <a:prstDash val="solid"/>
+                      <a:round/>
+                      <a:headEnd type="none" w="med" len="med"/>
+                      <a:tailEnd type="none" w="med" len="med"/>
+                    </a:lnR>
+                    <a:lnT w="12700" cap="flat" cmpd="sng" algn="ctr">
+                      <a:solidFill>
+                        <a:schemeClr val="tx1"/>
+                      </a:solidFill>
+                      <a:prstDash val="solid"/>
+                      <a:round/>
+                      <a:headEnd type="none" w="med" len="med"/>
+                      <a:tailEnd type="none" w="med" len="med"/>
+                    </a:lnT>
+                    <a:lnB w="12700" cap="flat" cmpd="sng" algn="ctr">
+                      <a:solidFill>
+                        <a:schemeClr val="tx1"/>
+                      </a:solidFill>
+                      <a:prstDash val="solid"/>
+                      <a:round/>
+                      <a:headEnd type="none" w="med" len="med"/>
+                      <a:tailEnd type="none" w="med" len="med"/>
+                    </a:lnB>
+                  </a:tcPr>
+                </a:tc>
+                <a:tc>
+                  <a:txBody>
+                    <a:bodyPr/>
+                    <a:lstStyle/>
+                    <a:p>
+                      <a:r>
+                        <a:rPr lang="en-US" sz="1200" dirty="0" smtClean="0"/>
+                        <a:t>10</a:t>
+                      </a:r>
+                      <a:endParaRPr lang="en-SG" sz="1200" dirty="0"/>
+                    </a:p>
+                  </a:txBody>
+                  <a:tcPr marL="0" marR="0" marT="0" marB="0">
+                    <a:lnL w="12700" cap="flat" cmpd="sng" algn="ctr">
+                      <a:solidFill>
+                        <a:schemeClr val="tx1"/>
+                      </a:solidFill>
+                      <a:prstDash val="solid"/>
+                      <a:round/>
+                      <a:headEnd type="none" w="med" len="med"/>
+                      <a:tailEnd type="none" w="med" len="med"/>
+                    </a:lnL>
+                    <a:lnR w="12700" cap="flat" cmpd="sng" algn="ctr">
+                      <a:solidFill>
+                        <a:schemeClr val="tx1"/>
+                      </a:solidFill>
+                      <a:prstDash val="solid"/>
+                      <a:round/>
+                      <a:headEnd type="none" w="med" len="med"/>
+                      <a:tailEnd type="none" w="med" len="med"/>
+                    </a:lnR>
+                    <a:lnT w="12700" cap="flat" cmpd="sng" algn="ctr">
+                      <a:solidFill>
+                        <a:schemeClr val="tx1"/>
+                      </a:solidFill>
+                      <a:prstDash val="solid"/>
+                      <a:round/>
+                      <a:headEnd type="none" w="med" len="med"/>
+                      <a:tailEnd type="none" w="med" len="med"/>
+                    </a:lnT>
+                    <a:lnB w="12700" cap="flat" cmpd="sng" algn="ctr">
+                      <a:solidFill>
+                        <a:schemeClr val="tx1"/>
+                      </a:solidFill>
+                      <a:prstDash val="solid"/>
+                      <a:round/>
+                      <a:headEnd type="none" w="med" len="med"/>
+                      <a:tailEnd type="none" w="med" len="med"/>
+                    </a:lnB>
+                  </a:tcPr>
+                </a:tc>
+                <a:tc>
+                  <a:txBody>
+                    <a:bodyPr/>
+                    <a:lstStyle/>
+                    <a:p>
+                      <a:r>
+                        <a:rPr lang="en-US" sz="1200" dirty="0" smtClean="0"/>
+                        <a:t>20</a:t>
+                      </a:r>
+                      <a:endParaRPr lang="en-SG" sz="1200" dirty="0"/>
+                    </a:p>
+                  </a:txBody>
+                  <a:tcPr marL="0" marR="0" marT="0" marB="0">
+                    <a:lnL w="12700" cap="flat" cmpd="sng" algn="ctr">
+                      <a:solidFill>
+                        <a:schemeClr val="tx1"/>
+                      </a:solidFill>
+                      <a:prstDash val="solid"/>
+                      <a:round/>
+                      <a:headEnd type="none" w="med" len="med"/>
+                      <a:tailEnd type="none" w="med" len="med"/>
+                    </a:lnL>
+                    <a:lnR w="12700" cap="flat" cmpd="sng" algn="ctr">
+                      <a:solidFill>
+                        <a:schemeClr val="tx1"/>
+                      </a:solidFill>
+                      <a:prstDash val="solid"/>
+                      <a:round/>
+                      <a:headEnd type="none" w="med" len="med"/>
+                      <a:tailEnd type="none" w="med" len="med"/>
+                    </a:lnR>
+                    <a:lnT w="12700" cap="flat" cmpd="sng" algn="ctr">
+                      <a:solidFill>
+                        <a:schemeClr val="tx1"/>
+                      </a:solidFill>
+                      <a:prstDash val="solid"/>
+                      <a:round/>
+                      <a:headEnd type="none" w="med" len="med"/>
+                      <a:tailEnd type="none" w="med" len="med"/>
+                    </a:lnT>
+                    <a:lnB w="12700" cap="flat" cmpd="sng" algn="ctr">
+                      <a:solidFill>
+                        <a:schemeClr val="tx1"/>
+                      </a:solidFill>
+                      <a:prstDash val="solid"/>
+                      <a:round/>
+                      <a:headEnd type="none" w="med" len="med"/>
+                      <a:tailEnd type="none" w="med" len="med"/>
+                    </a:lnB>
+                  </a:tcPr>
+                </a:tc>
+              </a:tr>
+              <a:tr h="0">
+                <a:tc>
+                  <a:txBody>
+                    <a:bodyPr/>
+                    <a:lstStyle/>
+                    <a:p>
+                      <a:r>
+                        <a:rPr lang="en-US" sz="1200" dirty="0" smtClean="0"/>
+                        <a:t>1</a:t>
+                      </a:r>
+                      <a:endParaRPr lang="en-SG" sz="1200" dirty="0"/>
+                    </a:p>
+                  </a:txBody>
+                  <a:tcPr marL="0" marR="0" marT="0" marB="0">
+                    <a:lnL w="12700" cap="flat" cmpd="sng" algn="ctr">
+                      <a:solidFill>
+                        <a:schemeClr val="tx1"/>
+                      </a:solidFill>
+                      <a:prstDash val="solid"/>
+                      <a:round/>
+                      <a:headEnd type="none" w="med" len="med"/>
+                      <a:tailEnd type="none" w="med" len="med"/>
+                    </a:lnL>
+                    <a:lnR w="12700" cap="flat" cmpd="sng" algn="ctr">
+                      <a:solidFill>
+                        <a:schemeClr val="tx1"/>
+                      </a:solidFill>
+                      <a:prstDash val="solid"/>
+                      <a:round/>
+                      <a:headEnd type="none" w="med" len="med"/>
+                      <a:tailEnd type="none" w="med" len="med"/>
+                    </a:lnR>
+                    <a:lnT w="12700" cap="flat" cmpd="sng" algn="ctr">
+                      <a:solidFill>
+                        <a:schemeClr val="tx1"/>
+                      </a:solidFill>
+                      <a:prstDash val="solid"/>
+                      <a:round/>
+                      <a:headEnd type="none" w="med" len="med"/>
+                      <a:tailEnd type="none" w="med" len="med"/>
+                    </a:lnT>
+                    <a:lnB w="12700" cap="flat" cmpd="sng" algn="ctr">
+                      <a:solidFill>
+                        <a:schemeClr val="tx1"/>
+                      </a:solidFill>
+                      <a:prstDash val="solid"/>
+                      <a:round/>
+                      <a:headEnd type="none" w="med" len="med"/>
+                      <a:tailEnd type="none" w="med" len="med"/>
+                    </a:lnB>
+                  </a:tcPr>
+                </a:tc>
+                <a:tc>
+                  <a:txBody>
+                    <a:bodyPr/>
+                    <a:lstStyle/>
+                    <a:p>
+                      <a:r>
+                        <a:rPr lang="en-US" sz="1200" dirty="0" smtClean="0"/>
+                        <a:t>09:00</a:t>
+                      </a:r>
+                      <a:endParaRPr lang="en-SG" sz="1200" dirty="0"/>
+                    </a:p>
+                  </a:txBody>
+                  <a:tcPr marL="0" marR="0" marT="0" marB="0">
+                    <a:lnL w="12700" cap="flat" cmpd="sng" algn="ctr">
+                      <a:solidFill>
+                        <a:schemeClr val="tx1"/>
+                      </a:solidFill>
+                      <a:prstDash val="solid"/>
+                      <a:round/>
+                      <a:headEnd type="none" w="med" len="med"/>
+                      <a:tailEnd type="none" w="med" len="med"/>
+                    </a:lnL>
+                    <a:lnR w="12700" cap="flat" cmpd="sng" algn="ctr">
+                      <a:solidFill>
+                        <a:schemeClr val="tx1"/>
+                      </a:solidFill>
+                      <a:prstDash val="solid"/>
+                      <a:round/>
+                      <a:headEnd type="none" w="med" len="med"/>
+                      <a:tailEnd type="none" w="med" len="med"/>
+                    </a:lnR>
+                    <a:lnT w="12700" cap="flat" cmpd="sng" algn="ctr">
+                      <a:solidFill>
+                        <a:schemeClr val="tx1"/>
+                      </a:solidFill>
+                      <a:prstDash val="solid"/>
+                      <a:round/>
+                      <a:headEnd type="none" w="med" len="med"/>
+                      <a:tailEnd type="none" w="med" len="med"/>
+                    </a:lnT>
+                    <a:lnB w="12700" cap="flat" cmpd="sng" algn="ctr">
+                      <a:solidFill>
+                        <a:schemeClr val="tx1"/>
+                      </a:solidFill>
+                      <a:prstDash val="solid"/>
+                      <a:round/>
+                      <a:headEnd type="none" w="med" len="med"/>
+                      <a:tailEnd type="none" w="med" len="med"/>
+                    </a:lnB>
+                  </a:tcPr>
+                </a:tc>
+                <a:tc>
+                  <a:txBody>
+                    <a:bodyPr/>
+                    <a:lstStyle/>
+                    <a:p>
+                      <a:r>
+                        <a:rPr lang="en-US" sz="1200" dirty="0" smtClean="0"/>
+                        <a:t>12</a:t>
+                      </a:r>
+                      <a:endParaRPr lang="en-SG" sz="1200" dirty="0"/>
+                    </a:p>
+                  </a:txBody>
+                  <a:tcPr marL="0" marR="0" marT="0" marB="0">
+                    <a:lnL w="12700" cap="flat" cmpd="sng" algn="ctr">
+                      <a:solidFill>
+                        <a:schemeClr val="tx1"/>
+                      </a:solidFill>
+                      <a:prstDash val="solid"/>
+                      <a:round/>
+                      <a:headEnd type="none" w="med" len="med"/>
+                      <a:tailEnd type="none" w="med" len="med"/>
+                    </a:lnL>
+                    <a:lnR w="12700" cap="flat" cmpd="sng" algn="ctr">
+                      <a:solidFill>
+                        <a:schemeClr val="tx1"/>
+                      </a:solidFill>
+                      <a:prstDash val="solid"/>
+                      <a:round/>
+                      <a:headEnd type="none" w="med" len="med"/>
+                      <a:tailEnd type="none" w="med" len="med"/>
+                    </a:lnR>
+                    <a:lnT w="12700" cap="flat" cmpd="sng" algn="ctr">
+                      <a:solidFill>
+                        <a:schemeClr val="tx1"/>
+                      </a:solidFill>
+                      <a:prstDash val="solid"/>
+                      <a:round/>
+                      <a:headEnd type="none" w="med" len="med"/>
+                      <a:tailEnd type="none" w="med" len="med"/>
+                    </a:lnT>
+                    <a:lnB w="12700" cap="flat" cmpd="sng" algn="ctr">
+                      <a:solidFill>
+                        <a:schemeClr val="tx1"/>
+                      </a:solidFill>
+                      <a:prstDash val="solid"/>
+                      <a:round/>
+                      <a:headEnd type="none" w="med" len="med"/>
+                      <a:tailEnd type="none" w="med" len="med"/>
+                    </a:lnB>
+                  </a:tcPr>
+                </a:tc>
+                <a:tc>
+                  <a:txBody>
+                    <a:bodyPr/>
+                    <a:lstStyle/>
+                    <a:p>
+                      <a:r>
+                        <a:rPr lang="en-US" sz="1200" dirty="0" smtClean="0"/>
+                        <a:t>25</a:t>
+                      </a:r>
+                      <a:endParaRPr lang="en-SG" sz="1200" dirty="0"/>
+                    </a:p>
+                  </a:txBody>
+                  <a:tcPr marL="0" marR="0" marT="0" marB="0">
+                    <a:lnL w="12700" cap="flat" cmpd="sng" algn="ctr">
+                      <a:solidFill>
+                        <a:schemeClr val="tx1"/>
+                      </a:solidFill>
+                      <a:prstDash val="solid"/>
+                      <a:round/>
+                      <a:headEnd type="none" w="med" len="med"/>
+                      <a:tailEnd type="none" w="med" len="med"/>
+                    </a:lnL>
+                    <a:lnR w="12700" cap="flat" cmpd="sng" algn="ctr">
+                      <a:solidFill>
+                        <a:schemeClr val="tx1"/>
+                      </a:solidFill>
+                      <a:prstDash val="solid"/>
+                      <a:round/>
+                      <a:headEnd type="none" w="med" len="med"/>
+                      <a:tailEnd type="none" w="med" len="med"/>
+                    </a:lnR>
+                    <a:lnT w="12700" cap="flat" cmpd="sng" algn="ctr">
+                      <a:solidFill>
+                        <a:schemeClr val="tx1"/>
+                      </a:solidFill>
+                      <a:prstDash val="solid"/>
+                      <a:round/>
+                      <a:headEnd type="none" w="med" len="med"/>
+                      <a:tailEnd type="none" w="med" len="med"/>
+                    </a:lnT>
+                    <a:lnB w="12700" cap="flat" cmpd="sng" algn="ctr">
+                      <a:solidFill>
+                        <a:schemeClr val="tx1"/>
+                      </a:solidFill>
+                      <a:prstDash val="solid"/>
+                      <a:round/>
+                      <a:headEnd type="none" w="med" len="med"/>
+                      <a:tailEnd type="none" w="med" len="med"/>
+                    </a:lnB>
+                  </a:tcPr>
+                </a:tc>
+              </a:tr>
+              <a:tr h="0">
+                <a:tc>
+                  <a:txBody>
+                    <a:bodyPr/>
+                    <a:lstStyle/>
+                    <a:p>
+                      <a:r>
+                        <a:rPr lang="en-US" sz="1200" dirty="0" smtClean="0"/>
+                        <a:t>2</a:t>
+                      </a:r>
+                      <a:endParaRPr lang="en-SG" sz="1200" dirty="0"/>
+                    </a:p>
+                  </a:txBody>
+                  <a:tcPr marL="0" marR="0" marT="0" marB="0">
+                    <a:lnL w="12700" cap="flat" cmpd="sng" algn="ctr">
+                      <a:solidFill>
+                        <a:schemeClr val="tx1"/>
+                      </a:solidFill>
+                      <a:prstDash val="solid"/>
+                      <a:round/>
+                      <a:headEnd type="none" w="med" len="med"/>
+                      <a:tailEnd type="none" w="med" len="med"/>
+                    </a:lnL>
+                    <a:lnR w="12700" cap="flat" cmpd="sng" algn="ctr">
+                      <a:solidFill>
+                        <a:schemeClr val="tx1"/>
+                      </a:solidFill>
+                      <a:prstDash val="solid"/>
+                      <a:round/>
+                      <a:headEnd type="none" w="med" len="med"/>
+                      <a:tailEnd type="none" w="med" len="med"/>
+                    </a:lnR>
+                    <a:lnT w="12700" cap="flat" cmpd="sng" algn="ctr">
+                      <a:solidFill>
+                        <a:schemeClr val="tx1"/>
+                      </a:solidFill>
+                      <a:prstDash val="solid"/>
+                      <a:round/>
+                      <a:headEnd type="none" w="med" len="med"/>
+                      <a:tailEnd type="none" w="med" len="med"/>
+                    </a:lnT>
+                    <a:lnB w="12700" cap="flat" cmpd="sng" algn="ctr">
+                      <a:solidFill>
+                        <a:schemeClr val="tx1"/>
+                      </a:solidFill>
+                      <a:prstDash val="solid"/>
+                      <a:round/>
+                      <a:headEnd type="none" w="med" len="med"/>
+                      <a:tailEnd type="none" w="med" len="med"/>
+                    </a:lnB>
+                  </a:tcPr>
+                </a:tc>
+                <a:tc>
+                  <a:txBody>
+                    <a:bodyPr/>
+                    <a:lstStyle/>
+                    <a:p>
+                      <a:r>
+                        <a:rPr lang="en-US" sz="1200" dirty="0" smtClean="0"/>
+                        <a:t>10:00</a:t>
+                      </a:r>
+                      <a:endParaRPr lang="en-SG" sz="1200" dirty="0"/>
+                    </a:p>
+                  </a:txBody>
+                  <a:tcPr marL="0" marR="0" marT="0" marB="0">
+                    <a:lnL w="12700" cap="flat" cmpd="sng" algn="ctr">
+                      <a:solidFill>
+                        <a:schemeClr val="tx1"/>
+                      </a:solidFill>
+                      <a:prstDash val="solid"/>
+                      <a:round/>
+                      <a:headEnd type="none" w="med" len="med"/>
+                      <a:tailEnd type="none" w="med" len="med"/>
+                    </a:lnL>
+                    <a:lnR w="12700" cap="flat" cmpd="sng" algn="ctr">
+                      <a:solidFill>
+                        <a:schemeClr val="tx1"/>
+                      </a:solidFill>
+                      <a:prstDash val="solid"/>
+                      <a:round/>
+                      <a:headEnd type="none" w="med" len="med"/>
+                      <a:tailEnd type="none" w="med" len="med"/>
+                    </a:lnR>
+                    <a:lnT w="12700" cap="flat" cmpd="sng" algn="ctr">
+                      <a:solidFill>
+                        <a:schemeClr val="tx1"/>
+                      </a:solidFill>
+                      <a:prstDash val="solid"/>
+                      <a:round/>
+                      <a:headEnd type="none" w="med" len="med"/>
+                      <a:tailEnd type="none" w="med" len="med"/>
+                    </a:lnT>
+                    <a:lnB w="12700" cap="flat" cmpd="sng" algn="ctr">
+                      <a:solidFill>
+                        <a:schemeClr val="tx1"/>
+                      </a:solidFill>
+                      <a:prstDash val="solid"/>
+                      <a:round/>
+                      <a:headEnd type="none" w="med" len="med"/>
+                      <a:tailEnd type="none" w="med" len="med"/>
+                    </a:lnB>
+                  </a:tcPr>
+                </a:tc>
+                <a:tc>
+                  <a:txBody>
+                    <a:bodyPr/>
+                    <a:lstStyle/>
+                    <a:p>
+                      <a:r>
+                        <a:rPr lang="en-US" sz="1200" dirty="0" smtClean="0"/>
+                        <a:t>16</a:t>
+                      </a:r>
+                      <a:endParaRPr lang="en-SG" sz="1200" dirty="0"/>
+                    </a:p>
+                  </a:txBody>
+                  <a:tcPr marL="0" marR="0" marT="0" marB="0">
+                    <a:lnL w="12700" cap="flat" cmpd="sng" algn="ctr">
+                      <a:solidFill>
+                        <a:schemeClr val="tx1"/>
+                      </a:solidFill>
+                      <a:prstDash val="solid"/>
+                      <a:round/>
+                      <a:headEnd type="none" w="med" len="med"/>
+                      <a:tailEnd type="none" w="med" len="med"/>
+                    </a:lnL>
+                    <a:lnR w="12700" cap="flat" cmpd="sng" algn="ctr">
+                      <a:solidFill>
+                        <a:schemeClr val="tx1"/>
+                      </a:solidFill>
+                      <a:prstDash val="solid"/>
+                      <a:round/>
+                      <a:headEnd type="none" w="med" len="med"/>
+                      <a:tailEnd type="none" w="med" len="med"/>
+                    </a:lnR>
+                    <a:lnT w="12700" cap="flat" cmpd="sng" algn="ctr">
+                      <a:solidFill>
+                        <a:schemeClr val="tx1"/>
+                      </a:solidFill>
+                      <a:prstDash val="solid"/>
+                      <a:round/>
+                      <a:headEnd type="none" w="med" len="med"/>
+                      <a:tailEnd type="none" w="med" len="med"/>
+                    </a:lnT>
+                    <a:lnB w="12700" cap="flat" cmpd="sng" algn="ctr">
+                      <a:solidFill>
+                        <a:schemeClr val="tx1"/>
+                      </a:solidFill>
+                      <a:prstDash val="solid"/>
+                      <a:round/>
+                      <a:headEnd type="none" w="med" len="med"/>
+                      <a:tailEnd type="none" w="med" len="med"/>
+                    </a:lnB>
+                  </a:tcPr>
+                </a:tc>
+                <a:tc>
+                  <a:txBody>
+                    <a:bodyPr/>
+                    <a:lstStyle/>
+                    <a:p>
+                      <a:r>
+                        <a:rPr lang="en-US" sz="1200" dirty="0" smtClean="0"/>
+                        <a:t>18</a:t>
+                      </a:r>
+                      <a:endParaRPr lang="en-SG" sz="1200" dirty="0"/>
+                    </a:p>
+                  </a:txBody>
+                  <a:tcPr marL="0" marR="0" marT="0" marB="0">
+                    <a:lnL w="12700" cap="flat" cmpd="sng" algn="ctr">
+                      <a:solidFill>
+                        <a:schemeClr val="tx1"/>
+                      </a:solidFill>
+                      <a:prstDash val="solid"/>
+                      <a:round/>
+                      <a:headEnd type="none" w="med" len="med"/>
+                      <a:tailEnd type="none" w="med" len="med"/>
+                    </a:lnL>
+                    <a:lnR w="12700" cap="flat" cmpd="sng" algn="ctr">
+                      <a:solidFill>
+                        <a:schemeClr val="tx1"/>
+                      </a:solidFill>
+                      <a:prstDash val="solid"/>
+                      <a:round/>
+                      <a:headEnd type="none" w="med" len="med"/>
+                      <a:tailEnd type="none" w="med" len="med"/>
+                    </a:lnR>
+                    <a:lnT w="12700" cap="flat" cmpd="sng" algn="ctr">
+                      <a:solidFill>
+                        <a:schemeClr val="tx1"/>
+                      </a:solidFill>
+                      <a:prstDash val="solid"/>
+                      <a:round/>
+                      <a:headEnd type="none" w="med" len="med"/>
+                      <a:tailEnd type="none" w="med" len="med"/>
+                    </a:lnT>
+                    <a:lnB w="12700" cap="flat" cmpd="sng" algn="ctr">
+                      <a:solidFill>
+                        <a:schemeClr val="tx1"/>
+                      </a:solidFill>
+                      <a:prstDash val="solid"/>
+                      <a:round/>
+                      <a:headEnd type="none" w="med" len="med"/>
+                      <a:tailEnd type="none" w="med" len="med"/>
+                    </a:lnB>
+                  </a:tcPr>
+                </a:tc>
+              </a:tr>
+            </a:tbl>
+          </a:graphicData>
+        </a:graphic>
+      </p:graphicFrame>
+      <p:sp>
+        <p:nvSpPr>
+          <p:cNvPr id="8" name="TextBox 7"/>
+          <p:cNvSpPr txBox="1"/>
+          <p:nvPr/>
+        </p:nvSpPr>
+        <p:spPr>
+          <a:xfrm>
+            <a:off x="5341620" y="896451"/>
+            <a:ext cx="2461260" cy="276999"/>
+          </a:xfrm>
+          <a:prstGeom prst="rect">
+            <a:avLst/>
+          </a:prstGeom>
+          <a:noFill/>
+        </p:spPr>
+        <p:txBody>
+          <a:bodyPr wrap="square" rtlCol="0">
+            <a:spAutoFit/>
+          </a:bodyPr>
+          <a:lstStyle/>
+          <a:p>
+            <a:r>
+              <a:rPr lang="en-SG" sz="1200" dirty="0" smtClean="0"/>
+              <a:t>← </a:t>
+            </a:r>
+            <a:r>
+              <a:rPr lang="en-US" sz="1200" dirty="0" err="1" smtClean="0"/>
+              <a:t>TRecord</a:t>
+            </a:r>
+            <a:r>
+              <a:rPr lang="en-SG" sz="1200" dirty="0"/>
+              <a:t>,</a:t>
+            </a:r>
+            <a:r>
+              <a:rPr lang="en-SG" sz="1200" dirty="0" smtClean="0"/>
+              <a:t> </a:t>
+            </a:r>
+            <a:r>
+              <a:rPr lang="en-US" sz="1200" dirty="0"/>
+              <a:t>data sample </a:t>
+            </a:r>
+            <a:r>
+              <a:rPr lang="en-SG" sz="1200" dirty="0" smtClean="0"/>
+              <a:t>0</a:t>
+            </a:r>
+            <a:endParaRPr lang="en-SG" sz="1200" dirty="0"/>
+          </a:p>
+        </p:txBody>
+      </p:sp>
+      <p:sp>
+        <p:nvSpPr>
+          <p:cNvPr id="9" name="TextBox 8"/>
+          <p:cNvSpPr txBox="1"/>
+          <p:nvPr/>
+        </p:nvSpPr>
+        <p:spPr>
+          <a:xfrm>
+            <a:off x="5337810" y="1090761"/>
+            <a:ext cx="1867755" cy="276999"/>
+          </a:xfrm>
+          <a:prstGeom prst="rect">
+            <a:avLst/>
+          </a:prstGeom>
+          <a:noFill/>
+        </p:spPr>
+        <p:txBody>
+          <a:bodyPr wrap="none" rtlCol="0">
+            <a:spAutoFit/>
+          </a:bodyPr>
+          <a:lstStyle/>
+          <a:p>
+            <a:r>
+              <a:rPr lang="en-SG" sz="1200" dirty="0" smtClean="0"/>
+              <a:t>← </a:t>
+            </a:r>
+            <a:r>
+              <a:rPr lang="en-SG" sz="1200" dirty="0" err="1" smtClean="0"/>
+              <a:t>TRecord</a:t>
+            </a:r>
+            <a:r>
+              <a:rPr lang="en-SG" sz="1200" dirty="0"/>
+              <a:t> , </a:t>
+            </a:r>
+            <a:r>
+              <a:rPr lang="en-US" sz="1200" dirty="0"/>
+              <a:t>data sample </a:t>
+            </a:r>
+            <a:r>
+              <a:rPr lang="en-SG" sz="1200" dirty="0" smtClean="0"/>
+              <a:t>1</a:t>
+            </a:r>
+            <a:endParaRPr lang="en-SG" sz="1200" dirty="0"/>
+          </a:p>
+        </p:txBody>
+      </p:sp>
+      <p:sp>
+        <p:nvSpPr>
+          <p:cNvPr id="10" name="TextBox 9"/>
+          <p:cNvSpPr txBox="1"/>
+          <p:nvPr/>
+        </p:nvSpPr>
+        <p:spPr>
+          <a:xfrm>
+            <a:off x="5334000" y="1292691"/>
+            <a:ext cx="1867755" cy="276999"/>
+          </a:xfrm>
+          <a:prstGeom prst="rect">
+            <a:avLst/>
+          </a:prstGeom>
+          <a:noFill/>
+        </p:spPr>
+        <p:txBody>
+          <a:bodyPr wrap="none" rtlCol="0">
+            <a:spAutoFit/>
+          </a:bodyPr>
+          <a:lstStyle/>
+          <a:p>
+            <a:r>
+              <a:rPr lang="en-SG" sz="1200" dirty="0" smtClean="0"/>
+              <a:t>← </a:t>
+            </a:r>
+            <a:r>
+              <a:rPr lang="en-SG" sz="1200" dirty="0" err="1" smtClean="0"/>
+              <a:t>TRecord</a:t>
+            </a:r>
+            <a:r>
+              <a:rPr lang="en-SG" sz="1200" dirty="0"/>
+              <a:t> , </a:t>
+            </a:r>
+            <a:r>
+              <a:rPr lang="en-US" sz="1200" dirty="0"/>
+              <a:t>data sample </a:t>
+            </a:r>
+            <a:r>
+              <a:rPr lang="en-SG" sz="1200" dirty="0" smtClean="0"/>
+              <a:t>2</a:t>
+            </a:r>
+            <a:endParaRPr lang="en-SG" sz="1200" dirty="0"/>
+          </a:p>
+        </p:txBody>
+      </p:sp>
+      <p:graphicFrame>
+        <p:nvGraphicFramePr>
+          <p:cNvPr id="11" name="Table 10"/>
+          <p:cNvGraphicFramePr>
+            <a:graphicFrameLocks noGrp="1"/>
+          </p:cNvGraphicFramePr>
+          <p:nvPr>
+            <p:extLst>
+              <p:ext uri="{D42A27DB-BD31-4B8C-83A1-F6EECF244321}">
+                <p14:modId xmlns:p14="http://schemas.microsoft.com/office/powerpoint/2010/main" val="2979478162"/>
+              </p:ext>
+            </p:extLst>
+          </p:nvPr>
+        </p:nvGraphicFramePr>
+        <p:xfrm>
+          <a:off x="3329940" y="2180798"/>
+          <a:ext cx="2476500" cy="1112520"/>
+        </p:xfrm>
+        <a:graphic>
+          <a:graphicData uri="http://schemas.openxmlformats.org/drawingml/2006/table">
+            <a:tbl>
+              <a:tblPr firstRow="1" firstCol="1" bandRow="1">
+                <a:tableStyleId>{5C22544A-7EE6-4342-B048-85BDC9FD1C3A}</a:tableStyleId>
+              </a:tblPr>
+              <a:tblGrid>
+                <a:gridCol w="826770"/>
+                <a:gridCol w="552450"/>
+                <a:gridCol w="521970"/>
+                <a:gridCol w="575310"/>
+              </a:tblGrid>
+              <a:tr h="370840">
+                <a:tc>
+                  <a:txBody>
+                    <a:bodyPr/>
+                    <a:lstStyle/>
+                    <a:p>
+                      <a:r>
+                        <a:rPr lang="en-US" sz="1200" dirty="0" smtClean="0"/>
+                        <a:t>Record</a:t>
+                      </a:r>
+                    </a:p>
+                    <a:p>
+                      <a:r>
+                        <a:rPr lang="en-US" sz="1200" dirty="0" smtClean="0"/>
+                        <a:t>Index</a:t>
+                      </a:r>
+                      <a:endParaRPr lang="en-SG" sz="1200" dirty="0"/>
+                    </a:p>
+                  </a:txBody>
+                  <a:tcPr marL="0" marR="0" marT="0" marB="0">
+                    <a:lnL w="12700" cap="flat" cmpd="sng" algn="ctr">
+                      <a:solidFill>
+                        <a:schemeClr val="tx1"/>
+                      </a:solidFill>
+                      <a:prstDash val="solid"/>
+                      <a:round/>
+                      <a:headEnd type="none" w="med" len="med"/>
+                      <a:tailEnd type="none" w="med" len="med"/>
+                    </a:lnL>
+                    <a:lnR w="12700" cap="flat" cmpd="sng" algn="ctr">
+                      <a:solidFill>
+                        <a:schemeClr val="tx1"/>
+                      </a:solidFill>
+                      <a:prstDash val="solid"/>
+                      <a:round/>
+                      <a:headEnd type="none" w="med" len="med"/>
+                      <a:tailEnd type="none" w="med" len="med"/>
+                    </a:lnR>
+                    <a:lnT w="12700" cap="flat" cmpd="sng" algn="ctr">
+                      <a:solidFill>
+                        <a:schemeClr val="tx1"/>
+                      </a:solidFill>
+                      <a:prstDash val="solid"/>
+                      <a:round/>
+                      <a:headEnd type="none" w="med" len="med"/>
+                      <a:tailEnd type="none" w="med" len="med"/>
+                    </a:lnT>
+                    <a:lnB w="12700" cap="flat" cmpd="sng" algn="ctr">
+                      <a:solidFill>
+                        <a:schemeClr val="tx1"/>
+                      </a:solidFill>
+                      <a:prstDash val="solid"/>
+                      <a:round/>
+                      <a:headEnd type="none" w="med" len="med"/>
+                      <a:tailEnd type="none" w="med" len="med"/>
+                    </a:lnB>
+                  </a:tcPr>
+                </a:tc>
+                <a:tc>
+                  <a:txBody>
+                    <a:bodyPr/>
+                    <a:lstStyle/>
+                    <a:p>
+                      <a:r>
+                        <a:rPr lang="en-US" sz="1200" baseline="0" dirty="0" smtClean="0"/>
+                        <a:t> </a:t>
+                      </a:r>
+                      <a:r>
+                        <a:rPr lang="en-US" sz="1200" dirty="0" smtClean="0"/>
+                        <a:t>0</a:t>
+                      </a:r>
+                      <a:endParaRPr lang="en-SG" sz="1200" dirty="0" smtClean="0"/>
+                    </a:p>
+                  </a:txBody>
+                  <a:tcPr marL="0" marR="0" marT="0" marB="0">
+                    <a:lnL w="12700" cap="flat" cmpd="sng" algn="ctr">
+                      <a:solidFill>
+                        <a:schemeClr val="tx1"/>
+                      </a:solidFill>
+                      <a:prstDash val="solid"/>
+                      <a:round/>
+                      <a:headEnd type="none" w="med" len="med"/>
+                      <a:tailEnd type="none" w="med" len="med"/>
+                    </a:lnL>
+                    <a:lnR w="12700" cap="flat" cmpd="sng" algn="ctr">
+                      <a:solidFill>
+                        <a:schemeClr val="tx1"/>
+                      </a:solidFill>
+                      <a:prstDash val="solid"/>
+                      <a:round/>
+                      <a:headEnd type="none" w="med" len="med"/>
+                      <a:tailEnd type="none" w="med" len="med"/>
+                    </a:lnR>
+                    <a:lnT w="12700" cap="flat" cmpd="sng" algn="ctr">
+                      <a:solidFill>
+                        <a:schemeClr val="tx1"/>
+                      </a:solidFill>
+                      <a:prstDash val="solid"/>
+                      <a:round/>
+                      <a:headEnd type="none" w="med" len="med"/>
+                      <a:tailEnd type="none" w="med" len="med"/>
+                    </a:lnT>
+                    <a:lnB w="12700" cap="flat" cmpd="sng" algn="ctr">
+                      <a:solidFill>
+                        <a:schemeClr val="tx1"/>
+                      </a:solidFill>
+                      <a:prstDash val="solid"/>
+                      <a:round/>
+                      <a:headEnd type="none" w="med" len="med"/>
+                      <a:tailEnd type="none" w="med" len="med"/>
+                    </a:lnB>
+                  </a:tcPr>
+                </a:tc>
+                <a:tc>
+                  <a:txBody>
+                    <a:bodyPr/>
+                    <a:lstStyle/>
+                    <a:p>
+                      <a:r>
+                        <a:rPr lang="en-US" sz="1200" dirty="0" smtClean="0"/>
+                        <a:t> 1</a:t>
+                      </a:r>
+                      <a:endParaRPr lang="en-SG" sz="1200" dirty="0" smtClean="0"/>
+                    </a:p>
+                  </a:txBody>
+                  <a:tcPr marL="0" marR="0" marT="0" marB="0">
+                    <a:lnL w="12700" cap="flat" cmpd="sng" algn="ctr">
+                      <a:solidFill>
+                        <a:schemeClr val="tx1"/>
+                      </a:solidFill>
+                      <a:prstDash val="solid"/>
+                      <a:round/>
+                      <a:headEnd type="none" w="med" len="med"/>
+                      <a:tailEnd type="none" w="med" len="med"/>
+                    </a:lnL>
+                    <a:lnR w="12700" cap="flat" cmpd="sng" algn="ctr">
+                      <a:solidFill>
+                        <a:schemeClr val="tx1"/>
+                      </a:solidFill>
+                      <a:prstDash val="solid"/>
+                      <a:round/>
+                      <a:headEnd type="none" w="med" len="med"/>
+                      <a:tailEnd type="none" w="med" len="med"/>
+                    </a:lnR>
+                    <a:lnT w="12700" cap="flat" cmpd="sng" algn="ctr">
+                      <a:solidFill>
+                        <a:schemeClr val="tx1"/>
+                      </a:solidFill>
+                      <a:prstDash val="solid"/>
+                      <a:round/>
+                      <a:headEnd type="none" w="med" len="med"/>
+                      <a:tailEnd type="none" w="med" len="med"/>
+                    </a:lnT>
+                    <a:lnB w="12700" cap="flat" cmpd="sng" algn="ctr">
+                      <a:solidFill>
+                        <a:schemeClr val="tx1"/>
+                      </a:solidFill>
+                      <a:prstDash val="solid"/>
+                      <a:round/>
+                      <a:headEnd type="none" w="med" len="med"/>
+                      <a:tailEnd type="none" w="med" len="med"/>
+                    </a:lnB>
+                  </a:tcPr>
+                </a:tc>
+                <a:tc>
+                  <a:txBody>
+                    <a:bodyPr/>
+                    <a:lstStyle/>
+                    <a:p>
+                      <a:r>
+                        <a:rPr lang="en-US" sz="1200" baseline="0" dirty="0" smtClean="0"/>
+                        <a:t> 2</a:t>
+                      </a:r>
+                      <a:endParaRPr lang="en-SG" sz="1200" dirty="0" smtClean="0"/>
+                    </a:p>
+                  </a:txBody>
+                  <a:tcPr marL="0" marR="0" marT="0" marB="0">
+                    <a:lnL w="12700" cap="flat" cmpd="sng" algn="ctr">
+                      <a:solidFill>
+                        <a:schemeClr val="tx1"/>
+                      </a:solidFill>
+                      <a:prstDash val="solid"/>
+                      <a:round/>
+                      <a:headEnd type="none" w="med" len="med"/>
+                      <a:tailEnd type="none" w="med" len="med"/>
+                    </a:lnL>
+                    <a:lnR w="12700" cap="flat" cmpd="sng" algn="ctr">
+                      <a:solidFill>
+                        <a:schemeClr val="tx1"/>
+                      </a:solidFill>
+                      <a:prstDash val="solid"/>
+                      <a:round/>
+                      <a:headEnd type="none" w="med" len="med"/>
+                      <a:tailEnd type="none" w="med" len="med"/>
+                    </a:lnR>
+                    <a:lnT w="12700" cap="flat" cmpd="sng" algn="ctr">
+                      <a:solidFill>
+                        <a:schemeClr val="tx1"/>
+                      </a:solidFill>
+                      <a:prstDash val="solid"/>
+                      <a:round/>
+                      <a:headEnd type="none" w="med" len="med"/>
+                      <a:tailEnd type="none" w="med" len="med"/>
+                    </a:lnT>
+                    <a:lnB w="12700" cap="flat" cmpd="sng" algn="ctr">
+                      <a:solidFill>
+                        <a:schemeClr val="tx1"/>
+                      </a:solidFill>
+                      <a:prstDash val="solid"/>
+                      <a:round/>
+                      <a:headEnd type="none" w="med" len="med"/>
+                      <a:tailEnd type="none" w="med" len="med"/>
+                    </a:lnB>
+                  </a:tcPr>
+                </a:tc>
+              </a:tr>
+              <a:tr h="370840">
+                <a:tc>
+                  <a:txBody>
+                    <a:bodyPr/>
+                    <a:lstStyle/>
+                    <a:p>
+                      <a:r>
+                        <a:rPr lang="en-SG" sz="1200" dirty="0" err="1" smtClean="0"/>
+                        <a:t>DataSerie</a:t>
+                      </a:r>
+                      <a:r>
+                        <a:rPr lang="en-US" sz="1200" dirty="0" smtClean="0"/>
+                        <a:t> Values 1</a:t>
+                      </a:r>
+                      <a:endParaRPr lang="en-SG" sz="1200" dirty="0"/>
+                    </a:p>
+                  </a:txBody>
+                  <a:tcPr marL="0" marR="0" marT="0" marB="0">
+                    <a:lnL w="12700" cap="flat" cmpd="sng" algn="ctr">
+                      <a:solidFill>
+                        <a:schemeClr val="tx1"/>
+                      </a:solidFill>
+                      <a:prstDash val="solid"/>
+                      <a:round/>
+                      <a:headEnd type="none" w="med" len="med"/>
+                      <a:tailEnd type="none" w="med" len="med"/>
+                    </a:lnL>
+                    <a:lnR w="12700" cap="flat" cmpd="sng" algn="ctr">
+                      <a:solidFill>
+                        <a:schemeClr val="tx1"/>
+                      </a:solidFill>
+                      <a:prstDash val="solid"/>
+                      <a:round/>
+                      <a:headEnd type="none" w="med" len="med"/>
+                      <a:tailEnd type="none" w="med" len="med"/>
+                    </a:lnR>
+                    <a:lnT w="12700" cap="flat" cmpd="sng" algn="ctr">
+                      <a:solidFill>
+                        <a:schemeClr val="tx1"/>
+                      </a:solidFill>
+                      <a:prstDash val="solid"/>
+                      <a:round/>
+                      <a:headEnd type="none" w="med" len="med"/>
+                      <a:tailEnd type="none" w="med" len="med"/>
+                    </a:lnT>
+                    <a:lnB w="12700" cap="flat" cmpd="sng" algn="ctr">
+                      <a:solidFill>
+                        <a:schemeClr val="tx1"/>
+                      </a:solidFill>
+                      <a:prstDash val="solid"/>
+                      <a:round/>
+                      <a:headEnd type="none" w="med" len="med"/>
+                      <a:tailEnd type="none" w="med" len="med"/>
+                    </a:lnB>
+                  </a:tcPr>
+                </a:tc>
+                <a:tc>
+                  <a:txBody>
+                    <a:bodyPr/>
+                    <a:lstStyle/>
+                    <a:p>
+                      <a:r>
+                        <a:rPr lang="en-US" sz="1200" dirty="0" smtClean="0"/>
+                        <a:t>X: 08:00</a:t>
+                      </a:r>
+                    </a:p>
+                    <a:p>
+                      <a:r>
+                        <a:rPr lang="en-US" sz="1200" dirty="0" smtClean="0"/>
+                        <a:t>Y: 10</a:t>
+                      </a:r>
+                      <a:endParaRPr lang="en-SG" sz="1200" dirty="0" smtClean="0"/>
+                    </a:p>
+                  </a:txBody>
+                  <a:tcPr marL="0" marR="0" marT="0" marB="0">
+                    <a:lnL w="12700" cap="flat" cmpd="sng" algn="ctr">
+                      <a:solidFill>
+                        <a:schemeClr val="tx1"/>
+                      </a:solidFill>
+                      <a:prstDash val="solid"/>
+                      <a:round/>
+                      <a:headEnd type="none" w="med" len="med"/>
+                      <a:tailEnd type="none" w="med" len="med"/>
+                    </a:lnL>
+                    <a:lnR w="12700" cap="flat" cmpd="sng" algn="ctr">
+                      <a:solidFill>
+                        <a:schemeClr val="tx1"/>
+                      </a:solidFill>
+                      <a:prstDash val="solid"/>
+                      <a:round/>
+                      <a:headEnd type="none" w="med" len="med"/>
+                      <a:tailEnd type="none" w="med" len="med"/>
+                    </a:lnR>
+                    <a:lnT w="12700" cap="flat" cmpd="sng" algn="ctr">
+                      <a:solidFill>
+                        <a:schemeClr val="tx1"/>
+                      </a:solidFill>
+                      <a:prstDash val="solid"/>
+                      <a:round/>
+                      <a:headEnd type="none" w="med" len="med"/>
+                      <a:tailEnd type="none" w="med" len="med"/>
+                    </a:lnT>
+                    <a:lnB w="12700" cap="flat" cmpd="sng" algn="ctr">
+                      <a:solidFill>
+                        <a:schemeClr val="tx1"/>
+                      </a:solidFill>
+                      <a:prstDash val="solid"/>
+                      <a:round/>
+                      <a:headEnd type="none" w="med" len="med"/>
+                      <a:tailEnd type="none" w="med" len="med"/>
+                    </a:lnB>
+                  </a:tcPr>
+                </a:tc>
+                <a:tc>
+                  <a:txBody>
+                    <a:bodyPr/>
+                    <a:lstStyle/>
+                    <a:p>
+                      <a:r>
+                        <a:rPr lang="en-US" sz="1200" dirty="0" smtClean="0"/>
+                        <a:t>X: 09:00</a:t>
+                      </a:r>
+                    </a:p>
+                    <a:p>
+                      <a:r>
+                        <a:rPr lang="en-US" sz="1200" dirty="0" smtClean="0"/>
+                        <a:t>Y: 12</a:t>
+                      </a:r>
+                      <a:endParaRPr lang="en-SG" sz="1200" dirty="0" smtClean="0"/>
+                    </a:p>
+                  </a:txBody>
+                  <a:tcPr marL="0" marR="0" marT="0" marB="0">
+                    <a:lnL w="12700" cap="flat" cmpd="sng" algn="ctr">
+                      <a:solidFill>
+                        <a:schemeClr val="tx1"/>
+                      </a:solidFill>
+                      <a:prstDash val="solid"/>
+                      <a:round/>
+                      <a:headEnd type="none" w="med" len="med"/>
+                      <a:tailEnd type="none" w="med" len="med"/>
+                    </a:lnL>
+                    <a:lnR w="12700" cap="flat" cmpd="sng" algn="ctr">
+                      <a:solidFill>
+                        <a:schemeClr val="tx1"/>
+                      </a:solidFill>
+                      <a:prstDash val="solid"/>
+                      <a:round/>
+                      <a:headEnd type="none" w="med" len="med"/>
+                      <a:tailEnd type="none" w="med" len="med"/>
+                    </a:lnR>
+                    <a:lnT w="12700" cap="flat" cmpd="sng" algn="ctr">
+                      <a:solidFill>
+                        <a:schemeClr val="tx1"/>
+                      </a:solidFill>
+                      <a:prstDash val="solid"/>
+                      <a:round/>
+                      <a:headEnd type="none" w="med" len="med"/>
+                      <a:tailEnd type="none" w="med" len="med"/>
+                    </a:lnT>
+                    <a:lnB w="12700" cap="flat" cmpd="sng" algn="ctr">
+                      <a:solidFill>
+                        <a:schemeClr val="tx1"/>
+                      </a:solidFill>
+                      <a:prstDash val="solid"/>
+                      <a:round/>
+                      <a:headEnd type="none" w="med" len="med"/>
+                      <a:tailEnd type="none" w="med" len="med"/>
+                    </a:lnB>
+                  </a:tcPr>
+                </a:tc>
+                <a:tc>
+                  <a:txBody>
+                    <a:bodyPr/>
+                    <a:lstStyle/>
+                    <a:p>
+                      <a:r>
+                        <a:rPr lang="en-US" sz="1200" dirty="0" smtClean="0"/>
+                        <a:t>X: 10:00</a:t>
+                      </a:r>
+                    </a:p>
+                    <a:p>
+                      <a:r>
+                        <a:rPr lang="en-US" sz="1200" dirty="0" smtClean="0"/>
+                        <a:t>Y: 16</a:t>
+                      </a:r>
+                      <a:endParaRPr lang="en-SG" sz="1200" dirty="0" smtClean="0"/>
+                    </a:p>
+                  </a:txBody>
+                  <a:tcPr marL="0" marR="0" marT="0" marB="0">
+                    <a:lnL w="12700" cap="flat" cmpd="sng" algn="ctr">
+                      <a:solidFill>
+                        <a:schemeClr val="tx1"/>
+                      </a:solidFill>
+                      <a:prstDash val="solid"/>
+                      <a:round/>
+                      <a:headEnd type="none" w="med" len="med"/>
+                      <a:tailEnd type="none" w="med" len="med"/>
+                    </a:lnL>
+                    <a:lnR w="12700" cap="flat" cmpd="sng" algn="ctr">
+                      <a:solidFill>
+                        <a:schemeClr val="tx1"/>
+                      </a:solidFill>
+                      <a:prstDash val="solid"/>
+                      <a:round/>
+                      <a:headEnd type="none" w="med" len="med"/>
+                      <a:tailEnd type="none" w="med" len="med"/>
+                    </a:lnR>
+                    <a:lnT w="12700" cap="flat" cmpd="sng" algn="ctr">
+                      <a:solidFill>
+                        <a:schemeClr val="tx1"/>
+                      </a:solidFill>
+                      <a:prstDash val="solid"/>
+                      <a:round/>
+                      <a:headEnd type="none" w="med" len="med"/>
+                      <a:tailEnd type="none" w="med" len="med"/>
+                    </a:lnT>
+                    <a:lnB w="12700" cap="flat" cmpd="sng" algn="ctr">
+                      <a:solidFill>
+                        <a:schemeClr val="tx1"/>
+                      </a:solidFill>
+                      <a:prstDash val="solid"/>
+                      <a:round/>
+                      <a:headEnd type="none" w="med" len="med"/>
+                      <a:tailEnd type="none" w="med" len="med"/>
+                    </a:lnB>
+                  </a:tcPr>
+                </a:tc>
+              </a:tr>
+              <a:tr h="370840">
+                <a:tc>
+                  <a:txBody>
+                    <a:bodyPr/>
+                    <a:lstStyle/>
+                    <a:p>
+                      <a:r>
+                        <a:rPr lang="en-SG" sz="1200" dirty="0" err="1" smtClean="0"/>
+                        <a:t>DataSerie</a:t>
+                      </a:r>
+                      <a:r>
+                        <a:rPr lang="en-US" sz="1200" dirty="0" smtClean="0"/>
+                        <a:t>Values 2</a:t>
+                      </a:r>
+                      <a:endParaRPr lang="en-SG" sz="1200" dirty="0"/>
+                    </a:p>
+                  </a:txBody>
+                  <a:tcPr marL="0" marR="0" marT="0" marB="0">
+                    <a:lnL w="12700" cap="flat" cmpd="sng" algn="ctr">
+                      <a:solidFill>
+                        <a:schemeClr val="tx1"/>
+                      </a:solidFill>
+                      <a:prstDash val="solid"/>
+                      <a:round/>
+                      <a:headEnd type="none" w="med" len="med"/>
+                      <a:tailEnd type="none" w="med" len="med"/>
+                    </a:lnL>
+                    <a:lnR w="12700" cap="flat" cmpd="sng" algn="ctr">
+                      <a:solidFill>
+                        <a:schemeClr val="tx1"/>
+                      </a:solidFill>
+                      <a:prstDash val="solid"/>
+                      <a:round/>
+                      <a:headEnd type="none" w="med" len="med"/>
+                      <a:tailEnd type="none" w="med" len="med"/>
+                    </a:lnR>
+                    <a:lnT w="12700" cap="flat" cmpd="sng" algn="ctr">
+                      <a:solidFill>
+                        <a:schemeClr val="tx1"/>
+                      </a:solidFill>
+                      <a:prstDash val="solid"/>
+                      <a:round/>
+                      <a:headEnd type="none" w="med" len="med"/>
+                      <a:tailEnd type="none" w="med" len="med"/>
+                    </a:lnT>
+                    <a:lnB w="12700" cap="flat" cmpd="sng" algn="ctr">
+                      <a:solidFill>
+                        <a:schemeClr val="tx1"/>
+                      </a:solidFill>
+                      <a:prstDash val="solid"/>
+                      <a:round/>
+                      <a:headEnd type="none" w="med" len="med"/>
+                      <a:tailEnd type="none" w="med" len="med"/>
+                    </a:lnB>
+                  </a:tcPr>
+                </a:tc>
+                <a:tc>
+                  <a:txBody>
+                    <a:bodyPr/>
+                    <a:lstStyle/>
+                    <a:p>
+                      <a:r>
+                        <a:rPr lang="en-US" sz="1200" dirty="0" smtClean="0"/>
+                        <a:t>X: </a:t>
+                      </a:r>
+                      <a:r>
+                        <a:rPr lang="en-US" sz="1200" dirty="0" smtClean="0"/>
+                        <a:t>08:00</a:t>
+                      </a:r>
+                    </a:p>
+                    <a:p>
+                      <a:r>
+                        <a:rPr lang="en-US" sz="1200" dirty="0" smtClean="0"/>
+                        <a:t>Y: </a:t>
+                      </a:r>
+                      <a:r>
+                        <a:rPr lang="en-US" sz="1200" dirty="0" smtClean="0"/>
+                        <a:t>20</a:t>
+                      </a:r>
+                      <a:endParaRPr lang="en-SG" sz="1200" dirty="0"/>
+                    </a:p>
+                  </a:txBody>
+                  <a:tcPr marL="0" marR="0" marT="0" marB="0">
+                    <a:lnL w="12700" cap="flat" cmpd="sng" algn="ctr">
+                      <a:solidFill>
+                        <a:schemeClr val="tx1"/>
+                      </a:solidFill>
+                      <a:prstDash val="solid"/>
+                      <a:round/>
+                      <a:headEnd type="none" w="med" len="med"/>
+                      <a:tailEnd type="none" w="med" len="med"/>
+                    </a:lnL>
+                    <a:lnR w="12700" cap="flat" cmpd="sng" algn="ctr">
+                      <a:solidFill>
+                        <a:schemeClr val="tx1"/>
+                      </a:solidFill>
+                      <a:prstDash val="solid"/>
+                      <a:round/>
+                      <a:headEnd type="none" w="med" len="med"/>
+                      <a:tailEnd type="none" w="med" len="med"/>
+                    </a:lnR>
+                    <a:lnT w="12700" cap="flat" cmpd="sng" algn="ctr">
+                      <a:solidFill>
+                        <a:schemeClr val="tx1"/>
+                      </a:solidFill>
+                      <a:prstDash val="solid"/>
+                      <a:round/>
+                      <a:headEnd type="none" w="med" len="med"/>
+                      <a:tailEnd type="none" w="med" len="med"/>
+                    </a:lnT>
+                    <a:lnB w="12700" cap="flat" cmpd="sng" algn="ctr">
+                      <a:solidFill>
+                        <a:schemeClr val="tx1"/>
+                      </a:solidFill>
+                      <a:prstDash val="solid"/>
+                      <a:round/>
+                      <a:headEnd type="none" w="med" len="med"/>
+                      <a:tailEnd type="none" w="med" len="med"/>
+                    </a:lnB>
+                  </a:tcPr>
+                </a:tc>
+                <a:tc>
+                  <a:txBody>
+                    <a:bodyPr/>
+                    <a:lstStyle/>
+                    <a:p>
+                      <a:r>
+                        <a:rPr lang="en-US" sz="1200" dirty="0" smtClean="0"/>
+                        <a:t>X: </a:t>
+                      </a:r>
+                      <a:r>
+                        <a:rPr lang="en-US" sz="1200" dirty="0" smtClean="0"/>
+                        <a:t>09:00</a:t>
+                      </a:r>
+                    </a:p>
+                    <a:p>
+                      <a:r>
+                        <a:rPr lang="en-US" sz="1200" dirty="0" smtClean="0"/>
+                        <a:t>Y: </a:t>
+                      </a:r>
+                      <a:r>
+                        <a:rPr lang="en-US" sz="1200" dirty="0" smtClean="0"/>
+                        <a:t>25</a:t>
+                      </a:r>
+                      <a:endParaRPr lang="en-SG" sz="1200" dirty="0"/>
+                    </a:p>
+                  </a:txBody>
+                  <a:tcPr marL="0" marR="0" marT="0" marB="0">
+                    <a:lnL w="12700" cap="flat" cmpd="sng" algn="ctr">
+                      <a:solidFill>
+                        <a:schemeClr val="tx1"/>
+                      </a:solidFill>
+                      <a:prstDash val="solid"/>
+                      <a:round/>
+                      <a:headEnd type="none" w="med" len="med"/>
+                      <a:tailEnd type="none" w="med" len="med"/>
+                    </a:lnL>
+                    <a:lnR w="12700" cap="flat" cmpd="sng" algn="ctr">
+                      <a:solidFill>
+                        <a:schemeClr val="tx1"/>
+                      </a:solidFill>
+                      <a:prstDash val="solid"/>
+                      <a:round/>
+                      <a:headEnd type="none" w="med" len="med"/>
+                      <a:tailEnd type="none" w="med" len="med"/>
+                    </a:lnR>
+                    <a:lnT w="12700" cap="flat" cmpd="sng" algn="ctr">
+                      <a:solidFill>
+                        <a:schemeClr val="tx1"/>
+                      </a:solidFill>
+                      <a:prstDash val="solid"/>
+                      <a:round/>
+                      <a:headEnd type="none" w="med" len="med"/>
+                      <a:tailEnd type="none" w="med" len="med"/>
+                    </a:lnT>
+                    <a:lnB w="12700" cap="flat" cmpd="sng" algn="ctr">
+                      <a:solidFill>
+                        <a:schemeClr val="tx1"/>
+                      </a:solidFill>
+                      <a:prstDash val="solid"/>
+                      <a:round/>
+                      <a:headEnd type="none" w="med" len="med"/>
+                      <a:tailEnd type="none" w="med" len="med"/>
+                    </a:lnB>
+                  </a:tcPr>
+                </a:tc>
+                <a:tc>
+                  <a:txBody>
+                    <a:bodyPr/>
+                    <a:lstStyle/>
+                    <a:p>
+                      <a:r>
+                        <a:rPr lang="en-US" sz="1200" dirty="0" smtClean="0"/>
+                        <a:t>X: </a:t>
+                      </a:r>
+                      <a:r>
+                        <a:rPr lang="en-US" sz="1200" dirty="0" smtClean="0"/>
+                        <a:t>10:00</a:t>
+                      </a:r>
+                    </a:p>
+                    <a:p>
+                      <a:r>
+                        <a:rPr lang="en-US" sz="1200" dirty="0" smtClean="0"/>
+                        <a:t>Y: </a:t>
+                      </a:r>
+                      <a:r>
+                        <a:rPr lang="en-US" sz="1200" dirty="0" smtClean="0"/>
+                        <a:t>18</a:t>
+                      </a:r>
+                      <a:endParaRPr lang="en-SG" sz="1200" dirty="0"/>
+                    </a:p>
+                  </a:txBody>
+                  <a:tcPr marL="0" marR="0" marT="0" marB="0">
+                    <a:lnL w="12700" cap="flat" cmpd="sng" algn="ctr">
+                      <a:solidFill>
+                        <a:schemeClr val="tx1"/>
+                      </a:solidFill>
+                      <a:prstDash val="solid"/>
+                      <a:round/>
+                      <a:headEnd type="none" w="med" len="med"/>
+                      <a:tailEnd type="none" w="med" len="med"/>
+                    </a:lnL>
+                    <a:lnR w="12700" cap="flat" cmpd="sng" algn="ctr">
+                      <a:solidFill>
+                        <a:schemeClr val="tx1"/>
+                      </a:solidFill>
+                      <a:prstDash val="solid"/>
+                      <a:round/>
+                      <a:headEnd type="none" w="med" len="med"/>
+                      <a:tailEnd type="none" w="med" len="med"/>
+                    </a:lnR>
+                    <a:lnT w="12700" cap="flat" cmpd="sng" algn="ctr">
+                      <a:solidFill>
+                        <a:schemeClr val="tx1"/>
+                      </a:solidFill>
+                      <a:prstDash val="solid"/>
+                      <a:round/>
+                      <a:headEnd type="none" w="med" len="med"/>
+                      <a:tailEnd type="none" w="med" len="med"/>
+                    </a:lnT>
+                    <a:lnB w="12700" cap="flat" cmpd="sng" algn="ctr">
+                      <a:solidFill>
+                        <a:schemeClr val="tx1"/>
+                      </a:solidFill>
+                      <a:prstDash val="solid"/>
+                      <a:round/>
+                      <a:headEnd type="none" w="med" len="med"/>
+                      <a:tailEnd type="none" w="med" len="med"/>
+                    </a:lnB>
+                  </a:tcPr>
+                </a:tc>
+              </a:tr>
+            </a:tbl>
+          </a:graphicData>
+        </a:graphic>
+      </p:graphicFrame>
+      <p:sp>
+        <p:nvSpPr>
+          <p:cNvPr id="12" name="TextBox 11"/>
+          <p:cNvSpPr txBox="1"/>
+          <p:nvPr/>
+        </p:nvSpPr>
+        <p:spPr>
+          <a:xfrm>
+            <a:off x="5759775" y="2499915"/>
+            <a:ext cx="1056315" cy="276999"/>
+          </a:xfrm>
+          <a:prstGeom prst="rect">
+            <a:avLst/>
+          </a:prstGeom>
+          <a:noFill/>
+        </p:spPr>
+        <p:txBody>
+          <a:bodyPr wrap="none" rtlCol="0">
+            <a:spAutoFit/>
+          </a:bodyPr>
+          <a:lstStyle/>
+          <a:p>
+            <a:r>
+              <a:rPr lang="en-SG" sz="1200" dirty="0" smtClean="0"/>
+              <a:t>← Timestamp</a:t>
+            </a:r>
+            <a:endParaRPr lang="en-SG" sz="1200" dirty="0"/>
+          </a:p>
+        </p:txBody>
+      </p:sp>
+      <p:sp>
+        <p:nvSpPr>
+          <p:cNvPr id="13" name="TextBox 12"/>
+          <p:cNvSpPr txBox="1"/>
+          <p:nvPr/>
+        </p:nvSpPr>
+        <p:spPr>
+          <a:xfrm>
+            <a:off x="5755965" y="2682795"/>
+            <a:ext cx="817275" cy="276999"/>
+          </a:xfrm>
+          <a:prstGeom prst="rect">
+            <a:avLst/>
+          </a:prstGeom>
+          <a:noFill/>
+        </p:spPr>
+        <p:txBody>
+          <a:bodyPr wrap="none" rtlCol="0">
+            <a:spAutoFit/>
+          </a:bodyPr>
+          <a:lstStyle/>
+          <a:p>
+            <a:r>
+              <a:rPr lang="en-SG" sz="1200" dirty="0" smtClean="0"/>
+              <a:t>← Value 1</a:t>
+            </a:r>
+            <a:endParaRPr lang="en-SG" sz="1200" dirty="0"/>
+          </a:p>
+        </p:txBody>
+      </p:sp>
+      <p:sp>
+        <p:nvSpPr>
+          <p:cNvPr id="15" name="Rectangle 14"/>
+          <p:cNvSpPr/>
+          <p:nvPr/>
+        </p:nvSpPr>
+        <p:spPr>
+          <a:xfrm>
+            <a:off x="160019" y="3844974"/>
+            <a:ext cx="6609898" cy="2677656"/>
+          </a:xfrm>
+          <a:prstGeom prst="rect">
+            <a:avLst/>
+          </a:prstGeom>
+        </p:spPr>
+        <p:txBody>
+          <a:bodyPr wrap="square">
+            <a:spAutoFit/>
+          </a:bodyPr>
+          <a:lstStyle/>
+          <a:p>
+            <a:r>
+              <a:rPr lang="en-US" sz="1200" b="1" dirty="0" err="1" smtClean="0"/>
+              <a:t>Chart.FillData</a:t>
+            </a:r>
+            <a:r>
+              <a:rPr lang="en-US" sz="1200" b="1" dirty="0" smtClean="0"/>
+              <a:t>()</a:t>
+            </a:r>
+          </a:p>
+          <a:p>
+            <a:r>
+              <a:rPr lang="en-US" sz="1200" i="1" dirty="0" smtClean="0"/>
+              <a:t>Rearranges data stored as data sample (measurement) arrays into arrays where the data is stored per </a:t>
+            </a:r>
+            <a:r>
+              <a:rPr lang="en-US" sz="1200" i="1" dirty="0" err="1" smtClean="0"/>
+              <a:t>DataSerie</a:t>
+            </a:r>
+            <a:r>
+              <a:rPr lang="en-US" sz="1200" i="1" dirty="0" smtClean="0"/>
+              <a:t>. </a:t>
+            </a:r>
+            <a:r>
+              <a:rPr lang="en-US" sz="1200" dirty="0" err="1"/>
+              <a:t>Chart.FillData</a:t>
+            </a:r>
+            <a:r>
+              <a:rPr lang="en-US" sz="1200" dirty="0" smtClean="0"/>
+              <a:t>() h</a:t>
+            </a:r>
+            <a:r>
+              <a:rPr lang="en-US" sz="1200" i="1" dirty="0" smtClean="0"/>
+              <a:t>as 2 parameters:</a:t>
+            </a:r>
+          </a:p>
+          <a:p>
+            <a:r>
+              <a:rPr lang="en-US" sz="1200" dirty="0" err="1" smtClean="0"/>
+              <a:t>IEnumerable</a:t>
+            </a:r>
+            <a:r>
+              <a:rPr lang="en-US" sz="1200" dirty="0" smtClean="0"/>
+              <a:t>&lt;</a:t>
+            </a:r>
+            <a:r>
+              <a:rPr lang="en-US" sz="1200" dirty="0" err="1" smtClean="0"/>
+              <a:t>TRecord</a:t>
+            </a:r>
+            <a:r>
+              <a:rPr lang="en-US" sz="1200" dirty="0"/>
+              <a:t>&gt; </a:t>
+            </a:r>
+            <a:r>
+              <a:rPr lang="en-US" sz="1200" dirty="0" err="1" smtClean="0"/>
+              <a:t>newRecords</a:t>
+            </a:r>
+            <a:r>
+              <a:rPr lang="en-US" sz="1200" dirty="0" smtClean="0"/>
+              <a:t> </a:t>
+            </a:r>
+            <a:r>
+              <a:rPr lang="en-US" sz="1200" i="1" dirty="0" smtClean="0"/>
+              <a:t>//loops over the </a:t>
+            </a:r>
+            <a:r>
+              <a:rPr lang="en-US" sz="1200" i="1" dirty="0"/>
+              <a:t>data sample (measurements) </a:t>
+            </a:r>
+            <a:endParaRPr lang="en-US" sz="1200" i="1" dirty="0" smtClean="0"/>
+          </a:p>
+          <a:p>
+            <a:r>
+              <a:rPr lang="en-US" sz="1200" dirty="0" err="1" smtClean="0"/>
+              <a:t>SerieSetting</a:t>
+            </a:r>
+            <a:r>
+              <a:rPr lang="en-US" sz="1200" dirty="0" smtClean="0"/>
+              <a:t>&lt;</a:t>
+            </a:r>
+            <a:r>
+              <a:rPr lang="en-US" sz="1200" dirty="0" err="1" smtClean="0"/>
+              <a:t>TRecord</a:t>
+            </a:r>
+            <a:r>
+              <a:rPr lang="en-US" sz="1200" dirty="0"/>
+              <a:t>&gt;[] </a:t>
+            </a:r>
+            <a:r>
+              <a:rPr lang="en-US" sz="1200" dirty="0" err="1" smtClean="0"/>
+              <a:t>newSerieSettings</a:t>
+            </a:r>
+            <a:r>
+              <a:rPr lang="en-US" sz="1200" dirty="0" smtClean="0"/>
+              <a:t> </a:t>
+            </a:r>
+            <a:r>
+              <a:rPr lang="en-US" sz="1200" i="1" dirty="0" smtClean="0"/>
+              <a:t>//contains some instructions how to get the data:</a:t>
+            </a:r>
+          </a:p>
+          <a:p>
+            <a:endParaRPr lang="en-US" sz="1200" dirty="0"/>
+          </a:p>
+          <a:p>
+            <a:r>
+              <a:rPr lang="en-US" sz="1200" dirty="0"/>
+              <a:t> public class </a:t>
+            </a:r>
+            <a:r>
+              <a:rPr lang="en-US" sz="1200" dirty="0" err="1"/>
+              <a:t>SerieSetting</a:t>
+            </a:r>
+            <a:r>
+              <a:rPr lang="en-US" sz="1200" dirty="0"/>
+              <a:t>&lt;</a:t>
+            </a:r>
+            <a:r>
+              <a:rPr lang="en-US" sz="1200" dirty="0" err="1"/>
+              <a:t>TRecord</a:t>
+            </a:r>
+            <a:r>
+              <a:rPr lang="en-US" sz="1200" dirty="0"/>
+              <a:t>&gt; {</a:t>
+            </a:r>
+          </a:p>
+          <a:p>
+            <a:r>
+              <a:rPr lang="en-US" sz="1200" dirty="0"/>
+              <a:t>   public </a:t>
+            </a:r>
+            <a:r>
+              <a:rPr lang="en-US" sz="1200" dirty="0" err="1"/>
+              <a:t>Func</a:t>
+            </a:r>
+            <a:r>
+              <a:rPr lang="en-US" sz="1200" dirty="0"/>
+              <a:t>&lt;</a:t>
+            </a:r>
+            <a:r>
+              <a:rPr lang="en-US" sz="1200" dirty="0" err="1"/>
+              <a:t>TRecord</a:t>
+            </a:r>
+            <a:r>
+              <a:rPr lang="en-US" sz="1200" dirty="0"/>
+              <a:t>, double[]&gt; Getter { get; set; </a:t>
+            </a:r>
+            <a:r>
+              <a:rPr lang="en-US" sz="1200" dirty="0" smtClean="0"/>
+              <a:t>}</a:t>
+            </a:r>
+          </a:p>
+          <a:p>
+            <a:r>
+              <a:rPr lang="en-US" sz="1200" dirty="0" smtClean="0"/>
+              <a:t>}</a:t>
+            </a:r>
+          </a:p>
+          <a:p>
+            <a:endParaRPr lang="en-US" sz="1200" dirty="0"/>
+          </a:p>
+          <a:p>
+            <a:r>
+              <a:rPr lang="en-US" sz="1200" dirty="0" smtClean="0"/>
+              <a:t>Getter</a:t>
+            </a:r>
+            <a:r>
+              <a:rPr lang="en-US" sz="1200" i="1" dirty="0" smtClean="0"/>
+              <a:t> is a function delegate which takes the X (timestamp) and one particular Y from the </a:t>
+            </a:r>
+            <a:r>
+              <a:rPr lang="en-US" sz="1200" dirty="0" err="1" smtClean="0"/>
+              <a:t>TRecord</a:t>
+            </a:r>
+            <a:r>
+              <a:rPr lang="en-US" sz="1200" i="1" dirty="0" smtClean="0"/>
+              <a:t> and returns an array with X and Y. </a:t>
+            </a:r>
+            <a:r>
+              <a:rPr lang="en-US" sz="1200" dirty="0" err="1" smtClean="0"/>
+              <a:t>FillData</a:t>
+            </a:r>
+            <a:r>
+              <a:rPr lang="en-US" sz="1200" dirty="0" smtClean="0"/>
+              <a:t>() </a:t>
+            </a:r>
+            <a:r>
+              <a:rPr lang="en-US" sz="1200" i="1" dirty="0" smtClean="0"/>
+              <a:t>uses </a:t>
+            </a:r>
+            <a:r>
+              <a:rPr lang="en-US" sz="1200" dirty="0" smtClean="0"/>
+              <a:t>Getter()</a:t>
+            </a:r>
+            <a:r>
+              <a:rPr lang="en-US" sz="1200" i="1" dirty="0" smtClean="0"/>
+              <a:t> to copy to data from </a:t>
+            </a:r>
+            <a:r>
+              <a:rPr lang="en-US" sz="1200" dirty="0" err="1"/>
+              <a:t>IEnumerable</a:t>
+            </a:r>
+            <a:r>
+              <a:rPr lang="en-US" sz="1200" dirty="0"/>
+              <a:t>&lt;</a:t>
+            </a:r>
+            <a:r>
+              <a:rPr lang="en-US" sz="1200" dirty="0" err="1"/>
+              <a:t>TRecord</a:t>
+            </a:r>
+            <a:r>
+              <a:rPr lang="en-US" sz="1200" dirty="0" smtClean="0"/>
+              <a:t>&gt;</a:t>
+            </a:r>
+            <a:r>
+              <a:rPr lang="en-US" sz="1200" i="1" dirty="0" smtClean="0"/>
+              <a:t> to</a:t>
+            </a:r>
+          </a:p>
+          <a:p>
+            <a:r>
+              <a:rPr lang="en-SG" sz="1200" dirty="0" err="1" smtClean="0"/>
+              <a:t>DataSeries</a:t>
+            </a:r>
+            <a:r>
+              <a:rPr lang="en-SG" sz="1200" i="1" dirty="0" smtClean="0"/>
+              <a:t>.</a:t>
+            </a:r>
+            <a:endParaRPr lang="en-US" sz="1200" i="1" dirty="0"/>
+          </a:p>
+          <a:p>
+            <a:endParaRPr lang="en-SG" sz="1200" i="1" dirty="0"/>
+          </a:p>
+        </p:txBody>
+      </p:sp>
+      <p:sp>
+        <p:nvSpPr>
+          <p:cNvPr id="17" name="Down Arrow 16"/>
+          <p:cNvSpPr/>
+          <p:nvPr/>
+        </p:nvSpPr>
+        <p:spPr>
+          <a:xfrm>
+            <a:off x="4187190" y="1737360"/>
+            <a:ext cx="190500" cy="232410"/>
+          </a:xfrm>
+          <a:prstGeom prst="downArrow">
+            <a:avLst/>
+          </a:prstGeom>
+        </p:spPr>
+        <p:style>
+          <a:lnRef idx="2">
+            <a:schemeClr val="accent1">
+              <a:shade val="50000"/>
+            </a:schemeClr>
+          </a:lnRef>
+          <a:fillRef idx="1">
+            <a:schemeClr val="accent1"/>
+          </a:fillRef>
+          <a:effectRef idx="0">
+            <a:schemeClr val="accent1"/>
+          </a:effectRef>
+          <a:fontRef idx="minor">
+            <a:schemeClr val="lt1"/>
+          </a:fontRef>
+        </p:style>
+        <p:txBody>
+          <a:bodyPr rtlCol="0" anchor="ctr"/>
+          <a:lstStyle/>
+          <a:p>
+            <a:pPr algn="ctr"/>
+            <a:endParaRPr lang="en-SG"/>
+          </a:p>
+        </p:txBody>
+      </p:sp>
+      <p:sp>
+        <p:nvSpPr>
+          <p:cNvPr id="18" name="Rectangle 17"/>
+          <p:cNvSpPr/>
+          <p:nvPr/>
+        </p:nvSpPr>
+        <p:spPr>
+          <a:xfrm>
+            <a:off x="4471034" y="1715065"/>
+            <a:ext cx="1171576" cy="276999"/>
+          </a:xfrm>
+          <a:prstGeom prst="rect">
+            <a:avLst/>
+          </a:prstGeom>
+        </p:spPr>
+        <p:txBody>
+          <a:bodyPr wrap="square">
+            <a:spAutoFit/>
+          </a:bodyPr>
+          <a:lstStyle/>
+          <a:p>
+            <a:r>
+              <a:rPr lang="en-US" sz="1200" dirty="0" err="1" smtClean="0"/>
+              <a:t>Chart.FillData</a:t>
+            </a:r>
+            <a:r>
+              <a:rPr lang="en-US" sz="1200" dirty="0" smtClean="0"/>
+              <a:t>()</a:t>
+            </a:r>
+            <a:endParaRPr lang="en-SG" sz="1200" dirty="0"/>
+          </a:p>
+        </p:txBody>
+      </p:sp>
+      <p:sp>
+        <p:nvSpPr>
+          <p:cNvPr id="19" name="Rectangle 18"/>
+          <p:cNvSpPr/>
+          <p:nvPr/>
+        </p:nvSpPr>
+        <p:spPr>
+          <a:xfrm>
+            <a:off x="3079269" y="1423898"/>
+            <a:ext cx="2436821" cy="276999"/>
+          </a:xfrm>
+          <a:prstGeom prst="rect">
+            <a:avLst/>
+          </a:prstGeom>
+        </p:spPr>
+        <p:txBody>
+          <a:bodyPr wrap="none">
+            <a:spAutoFit/>
+          </a:bodyPr>
+          <a:lstStyle/>
+          <a:p>
+            <a:r>
+              <a:rPr lang="en-US" sz="1200" dirty="0" err="1"/>
+              <a:t>IEnumerable</a:t>
+            </a:r>
+            <a:r>
+              <a:rPr lang="en-US" sz="1200" dirty="0"/>
+              <a:t>&lt;</a:t>
+            </a:r>
+            <a:r>
+              <a:rPr lang="en-US" sz="1200" dirty="0" err="1"/>
+              <a:t>TRecord</a:t>
+            </a:r>
+            <a:r>
+              <a:rPr lang="en-US" sz="1200" dirty="0"/>
+              <a:t>&gt; </a:t>
+            </a:r>
+            <a:r>
+              <a:rPr lang="en-US" sz="1200" dirty="0" err="1"/>
+              <a:t>newRecords</a:t>
+            </a:r>
+            <a:endParaRPr lang="en-SG" sz="1200" dirty="0"/>
+          </a:p>
+        </p:txBody>
+      </p:sp>
+      <p:sp>
+        <p:nvSpPr>
+          <p:cNvPr id="21" name="TextBox 20"/>
+          <p:cNvSpPr txBox="1"/>
+          <p:nvPr/>
+        </p:nvSpPr>
+        <p:spPr>
+          <a:xfrm>
+            <a:off x="5752155" y="2888535"/>
+            <a:ext cx="1056315" cy="276999"/>
+          </a:xfrm>
+          <a:prstGeom prst="rect">
+            <a:avLst/>
+          </a:prstGeom>
+          <a:noFill/>
+        </p:spPr>
+        <p:txBody>
+          <a:bodyPr wrap="none" rtlCol="0">
+            <a:spAutoFit/>
+          </a:bodyPr>
+          <a:lstStyle/>
+          <a:p>
+            <a:r>
+              <a:rPr lang="en-SG" sz="1200" dirty="0" smtClean="0"/>
+              <a:t>← Timestamp</a:t>
+            </a:r>
+            <a:endParaRPr lang="en-SG" sz="1200" dirty="0"/>
+          </a:p>
+        </p:txBody>
+      </p:sp>
+      <p:sp>
+        <p:nvSpPr>
+          <p:cNvPr id="22" name="TextBox 21"/>
+          <p:cNvSpPr txBox="1"/>
+          <p:nvPr/>
+        </p:nvSpPr>
+        <p:spPr>
+          <a:xfrm>
+            <a:off x="5748345" y="3071415"/>
+            <a:ext cx="817275" cy="276999"/>
+          </a:xfrm>
+          <a:prstGeom prst="rect">
+            <a:avLst/>
+          </a:prstGeom>
+          <a:noFill/>
+        </p:spPr>
+        <p:txBody>
+          <a:bodyPr wrap="none" rtlCol="0">
+            <a:spAutoFit/>
+          </a:bodyPr>
+          <a:lstStyle/>
+          <a:p>
+            <a:r>
+              <a:rPr lang="en-SG" sz="1200" dirty="0" smtClean="0"/>
+              <a:t>← Value 2</a:t>
+            </a:r>
+            <a:endParaRPr lang="en-SG" sz="1200" dirty="0"/>
+          </a:p>
+        </p:txBody>
+      </p:sp>
+    </p:spTree>
+    <p:extLst>
+      <p:ext uri="{BB962C8B-B14F-4D97-AF65-F5344CB8AC3E}">
+        <p14:creationId xmlns:p14="http://schemas.microsoft.com/office/powerpoint/2010/main" val="2806334761"/>
+      </p:ext>
+    </p:extLst>
+  </p:cSld>
+  <p:clrMapOvr>
+    <a:masterClrMapping/>
+  </p:clrMapOvr>
+  <p:timing>
+    <p:tnLst>
+      <p:par>
+        <p:cTn id="1" dur="indefinite" restart="never" nodeType="tmRoot"/>
+      </p:par>
+    </p:tnLst>
+  </p:timing>
+</p:sld>
+</file>
+
+<file path=ppt/slides/slide5.xml><?xml version="1.0" encoding="utf-8"?>
+<p:sld xmlns:a="http://schemas.openxmlformats.org/drawingml/2006/main" xmlns:r="http://schemas.openxmlformats.org/officeDocument/2006/relationships" xmlns:p="http://schemas.openxmlformats.org/presentationml/2006/main">
+  <p:cSld>
+    <p:spTree>
+      <p:nvGrpSpPr>
+        <p:cNvPr id="1" name=""/>
+        <p:cNvGrpSpPr/>
+        <p:nvPr/>
+      </p:nvGrpSpPr>
+      <p:grpSpPr>
+        <a:xfrm>
+          <a:off x="0" y="0"/>
+          <a:ext cx="0" cy="0"/>
+          <a:chOff x="0" y="0"/>
+          <a:chExt cx="0" cy="0"/>
+        </a:xfrm>
+      </p:grpSpPr>
+      <p:sp>
+        <p:nvSpPr>
+          <p:cNvPr id="4" name="TextBox 3"/>
+          <p:cNvSpPr txBox="1"/>
+          <p:nvPr/>
+        </p:nvSpPr>
+        <p:spPr>
+          <a:xfrm>
+            <a:off x="50835" y="66110"/>
+            <a:ext cx="2474460" cy="338554"/>
+          </a:xfrm>
+          <a:prstGeom prst="rect">
+            <a:avLst/>
+          </a:prstGeom>
+          <a:noFill/>
+        </p:spPr>
+        <p:txBody>
+          <a:bodyPr wrap="none" rtlCol="0">
+            <a:spAutoFit/>
+          </a:bodyPr>
+          <a:lstStyle/>
+          <a:p>
+            <a:r>
+              <a:rPr lang="en-US" sz="1600" b="1" dirty="0" smtClean="0"/>
+              <a:t>Example for complex Chart</a:t>
+            </a:r>
+            <a:endParaRPr lang="en-SG" sz="1600" b="1" dirty="0"/>
+          </a:p>
+        </p:txBody>
+      </p:sp>
+    </p:spTree>
+    <p:extLst>
+      <p:ext uri="{BB962C8B-B14F-4D97-AF65-F5344CB8AC3E}">
+        <p14:creationId xmlns:p14="http://schemas.microsoft.com/office/powerpoint/2010/main" val="3193171261"/>
+      </p:ext>
+    </p:extLst>
+  </p:cSld>
+  <p:clrMapOvr>
+    <a:masterClrMapping/>
+  </p:clrMapOvr>
+  <p:timing>
+    <p:tnLst>
+      <p:par>
+        <p:cTn id="1" dur="indefinite" restart="never" nodeType="tmRoot"/>
+      </p:par>
+    </p:tnLst>
+  </p:timing>
+</p:sld>
+</file>
+
+<file path=ppt/slides/slide6.xml><?xml version="1.0" encoding="utf-8"?>
 <p:sld xmlns:a="http://schemas.openxmlformats.org/drawingml/2006/main" xmlns:r="http://schemas.openxmlformats.org/officeDocument/2006/relationships" xmlns:p="http://schemas.openxmlformats.org/presentationml/2006/main">
   <p:cSld>
     <p:spTree>
@@ -5276,43 +10852,6 @@
     <p:extLst>
       <p:ext uri="{BB962C8B-B14F-4D97-AF65-F5344CB8AC3E}">
         <p14:creationId xmlns:p14="http://schemas.microsoft.com/office/powerpoint/2010/main" val="3053005558"/>
-      </p:ext>
-    </p:extLst>
-  </p:cSld>
-  <p:clrMapOvr>
-    <a:masterClrMapping/>
-  </p:clrMapOvr>
-  <p:timing>
-    <p:tnLst>
-      <p:par>
-        <p:cTn id="1" dur="indefinite" restart="never" nodeType="tmRoot"/>
-      </p:par>
-    </p:tnLst>
-  </p:timing>
-</p:sld>
-</file>
-
-<file path=ppt/slides/slide3.xml><?xml version="1.0" encoding="utf-8"?>
-<p:sld xmlns:a="http://schemas.openxmlformats.org/drawingml/2006/main" xmlns:r="http://schemas.openxmlformats.org/officeDocument/2006/relationships" xmlns:p="http://schemas.openxmlformats.org/presentationml/2006/main">
-  <p:cSld>
-    <p:spTree>
-      <p:nvGrpSpPr>
-        <p:cNvPr id="1" name=""/>
-        <p:cNvGrpSpPr/>
-        <p:nvPr/>
-      </p:nvGrpSpPr>
-      <p:grpSpPr>
-        <a:xfrm>
-          <a:off x="0" y="0"/>
-          <a:ext cx="0" cy="0"/>
-          <a:chOff x="0" y="0"/>
-          <a:chExt cx="0" cy="0"/>
-        </a:xfrm>
-      </p:grpSpPr>
-    </p:spTree>
-    <p:extLst>
-      <p:ext uri="{BB962C8B-B14F-4D97-AF65-F5344CB8AC3E}">
-        <p14:creationId xmlns:p14="http://schemas.microsoft.com/office/powerpoint/2010/main" val="2595625911"/>
       </p:ext>
     </p:extLst>
   </p:cSld>

--- a/XYGraphDesign1.pptx
+++ b/XYGraphDesign1.pptx
@@ -16,8 +16,11 @@
     <p:sldId id="262" r:id="rId10"/>
     <p:sldId id="268" r:id="rId11"/>
     <p:sldId id="265" r:id="rId12"/>
-    <p:sldId id="261" r:id="rId13"/>
-    <p:sldId id="259" r:id="rId14"/>
+    <p:sldId id="271" r:id="rId13"/>
+    <p:sldId id="270" r:id="rId14"/>
+    <p:sldId id="269" r:id="rId15"/>
+    <p:sldId id="261" r:id="rId16"/>
+    <p:sldId id="259" r:id="rId17"/>
   </p:sldIdLst>
   <p:sldSz cx="9144000" cy="6858000" type="screen4x3"/>
   <p:notesSz cx="6858000" cy="9144000"/>
@@ -300,7 +303,7 @@
           <a:p>
             <a:fld id="{15CEDA6D-348F-46A3-831A-93AFDBC0634A}" type="datetimeFigureOut">
               <a:rPr lang="en-SG" smtClean="0"/>
-              <a:t>26/10/2024</a:t>
+              <a:t>27/10/2024</a:t>
             </a:fld>
             <a:endParaRPr lang="en-SG"/>
           </a:p>
@@ -470,7 +473,7 @@
           <a:p>
             <a:fld id="{15CEDA6D-348F-46A3-831A-93AFDBC0634A}" type="datetimeFigureOut">
               <a:rPr lang="en-SG" smtClean="0"/>
-              <a:t>26/10/2024</a:t>
+              <a:t>27/10/2024</a:t>
             </a:fld>
             <a:endParaRPr lang="en-SG"/>
           </a:p>
@@ -650,7 +653,7 @@
           <a:p>
             <a:fld id="{15CEDA6D-348F-46A3-831A-93AFDBC0634A}" type="datetimeFigureOut">
               <a:rPr lang="en-SG" smtClean="0"/>
-              <a:t>26/10/2024</a:t>
+              <a:t>27/10/2024</a:t>
             </a:fld>
             <a:endParaRPr lang="en-SG"/>
           </a:p>
@@ -820,7 +823,7 @@
           <a:p>
             <a:fld id="{15CEDA6D-348F-46A3-831A-93AFDBC0634A}" type="datetimeFigureOut">
               <a:rPr lang="en-SG" smtClean="0"/>
-              <a:t>26/10/2024</a:t>
+              <a:t>27/10/2024</a:t>
             </a:fld>
             <a:endParaRPr lang="en-SG"/>
           </a:p>
@@ -1066,7 +1069,7 @@
           <a:p>
             <a:fld id="{15CEDA6D-348F-46A3-831A-93AFDBC0634A}" type="datetimeFigureOut">
               <a:rPr lang="en-SG" smtClean="0"/>
-              <a:t>26/10/2024</a:t>
+              <a:t>27/10/2024</a:t>
             </a:fld>
             <a:endParaRPr lang="en-SG"/>
           </a:p>
@@ -1354,7 +1357,7 @@
           <a:p>
             <a:fld id="{15CEDA6D-348F-46A3-831A-93AFDBC0634A}" type="datetimeFigureOut">
               <a:rPr lang="en-SG" smtClean="0"/>
-              <a:t>26/10/2024</a:t>
+              <a:t>27/10/2024</a:t>
             </a:fld>
             <a:endParaRPr lang="en-SG"/>
           </a:p>
@@ -1776,7 +1779,7 @@
           <a:p>
             <a:fld id="{15CEDA6D-348F-46A3-831A-93AFDBC0634A}" type="datetimeFigureOut">
               <a:rPr lang="en-SG" smtClean="0"/>
-              <a:t>26/10/2024</a:t>
+              <a:t>27/10/2024</a:t>
             </a:fld>
             <a:endParaRPr lang="en-SG"/>
           </a:p>
@@ -1894,7 +1897,7 @@
           <a:p>
             <a:fld id="{15CEDA6D-348F-46A3-831A-93AFDBC0634A}" type="datetimeFigureOut">
               <a:rPr lang="en-SG" smtClean="0"/>
-              <a:t>26/10/2024</a:t>
+              <a:t>27/10/2024</a:t>
             </a:fld>
             <a:endParaRPr lang="en-SG"/>
           </a:p>
@@ -1989,7 +1992,7 @@
           <a:p>
             <a:fld id="{15CEDA6D-348F-46A3-831A-93AFDBC0634A}" type="datetimeFigureOut">
               <a:rPr lang="en-SG" smtClean="0"/>
-              <a:t>26/10/2024</a:t>
+              <a:t>27/10/2024</a:t>
             </a:fld>
             <a:endParaRPr lang="en-SG"/>
           </a:p>
@@ -2266,7 +2269,7 @@
           <a:p>
             <a:fld id="{15CEDA6D-348F-46A3-831A-93AFDBC0634A}" type="datetimeFigureOut">
               <a:rPr lang="en-SG" smtClean="0"/>
-              <a:t>26/10/2024</a:t>
+              <a:t>27/10/2024</a:t>
             </a:fld>
             <a:endParaRPr lang="en-SG"/>
           </a:p>
@@ -2519,7 +2522,7 @@
           <a:p>
             <a:fld id="{15CEDA6D-348F-46A3-831A-93AFDBC0634A}" type="datetimeFigureOut">
               <a:rPr lang="en-SG" smtClean="0"/>
-              <a:t>26/10/2024</a:t>
+              <a:t>27/10/2024</a:t>
             </a:fld>
             <a:endParaRPr lang="en-SG"/>
           </a:p>
@@ -2732,7 +2735,7 @@
           <a:p>
             <a:fld id="{15CEDA6D-348F-46A3-831A-93AFDBC0634A}" type="datetimeFigureOut">
               <a:rPr lang="en-SG" smtClean="0"/>
-              <a:t>26/10/2024</a:t>
+              <a:t>27/10/2024</a:t>
             </a:fld>
             <a:endParaRPr lang="en-SG"/>
           </a:p>
@@ -4833,7 +4836,7 @@
         <p:spPr>
           <a:xfrm>
             <a:off x="50835" y="66110"/>
-            <a:ext cx="6138219" cy="507831"/>
+            <a:ext cx="4495141" cy="507831"/>
           </a:xfrm>
           <a:prstGeom prst="rect">
             <a:avLst/>
@@ -4847,18 +4850,19 @@
           <a:lstStyle/>
           <a:p>
             <a:r>
-              <a:rPr lang="en-US" sz="1600" b="1" dirty="0" err="1" smtClean="0"/>
-              <a:t>FillData</a:t>
-            </a:r>
-            <a:r>
               <a:rPr lang="en-US" sz="1600" b="1" dirty="0" smtClean="0"/>
-              <a:t>() Control Interaction</a:t>
-            </a:r>
-          </a:p>
-          <a:p>
-            <a:r>
-              <a:rPr lang="en-US" sz="1100" dirty="0" smtClean="0"/>
-              <a:t>When user scrolls or zooms, those controls have to instruct the other controls what they need to display.</a:t>
+              <a:t>Program Flow Chart Creation</a:t>
+            </a:r>
+            <a:endParaRPr lang="en-US" sz="1600" b="1" dirty="0" smtClean="0"/>
+          </a:p>
+          <a:p>
+            <a:r>
+              <a:rPr lang="en-US" sz="1100" dirty="0"/>
+              <a:t>Example used is </a:t>
+            </a:r>
+            <a:r>
+              <a:rPr lang="en-SG" sz="1100" dirty="0"/>
+              <a:t>Chart1Plot1X1YLegend. It also applies for other chart types</a:t>
             </a:r>
             <a:endParaRPr lang="en-SG" sz="1100" dirty="0"/>
           </a:p>
@@ -4872,8 +4876,8 @@
         </p:nvSpPr>
         <p:spPr>
           <a:xfrm>
-            <a:off x="162197" y="857250"/>
-            <a:ext cx="2385589" cy="3170099"/>
+            <a:off x="1904670" y="3042511"/>
+            <a:ext cx="2071401" cy="2708434"/>
           </a:xfrm>
           <a:prstGeom prst="rect">
             <a:avLst/>
@@ -4910,12 +4914,46 @@
             <a:endParaRPr lang="en-US" sz="1000" dirty="0" smtClean="0"/>
           </a:p>
           <a:p>
+            <a:r>
+              <a:rPr lang="en-SG" sz="1000" dirty="0" err="1" smtClean="0"/>
+              <a:t>PlotAreas</a:t>
+            </a:r>
+            <a:endParaRPr lang="en-SG" sz="1000" dirty="0" smtClean="0"/>
+          </a:p>
+          <a:p>
+            <a:r>
+              <a:rPr lang="en-SG" sz="1000" dirty="0" err="1"/>
+              <a:t>Zoomers</a:t>
+            </a:r>
+            <a:endParaRPr lang="en-SG" sz="1000" dirty="0"/>
+          </a:p>
+          <a:p>
+            <a:r>
+              <a:rPr lang="en-SG" sz="1000" dirty="0" err="1" smtClean="0"/>
+              <a:t>TotalZoomInButton</a:t>
+            </a:r>
+            <a:endParaRPr lang="en-SG" sz="1000" dirty="0" smtClean="0"/>
+          </a:p>
+          <a:p>
+            <a:r>
+              <a:rPr lang="en-SG" sz="1000" dirty="0" err="1" smtClean="0"/>
+              <a:t>TotalZoomOutButton</a:t>
+            </a:r>
+            <a:endParaRPr lang="en-SG" sz="1000" dirty="0" smtClean="0"/>
+          </a:p>
+          <a:p>
+            <a:r>
+              <a:rPr lang="en-SG" sz="1000" dirty="0" smtClean="0"/>
+              <a:t>TotalZoom100Button</a:t>
+            </a:r>
+          </a:p>
+          <a:p>
             <a:endParaRPr lang="en-US" sz="1000" dirty="0"/>
           </a:p>
           <a:p>
             <a:r>
-              <a:rPr lang="en-US" sz="1000" dirty="0" err="1" smtClean="0"/>
-              <a:t>ZoomButtonClick</a:t>
+              <a:rPr lang="en-US" sz="1000" b="1" dirty="0" smtClean="0"/>
+              <a:t>Chart</a:t>
             </a:r>
             <a:r>
               <a:rPr lang="en-US" sz="1000" dirty="0" smtClean="0"/>
@@ -4924,100 +4962,65 @@
           </a:p>
           <a:p>
             <a:r>
-              <a:rPr lang="en-US" sz="1000" i="1" dirty="0" smtClean="0"/>
-              <a:t>  </a:t>
-            </a:r>
-            <a:r>
-              <a:rPr lang="en-US" sz="1000" dirty="0" smtClean="0"/>
-              <a:t>update </a:t>
-            </a:r>
-            <a:r>
-              <a:rPr lang="en-US" sz="1000" dirty="0" err="1" smtClean="0"/>
-              <a:t>Zoomers</a:t>
-            </a:r>
-            <a:r>
-              <a:rPr lang="en-US" sz="1000" dirty="0" smtClean="0"/>
-              <a:t> </a:t>
-            </a:r>
-            <a:r>
-              <a:rPr lang="en-US" sz="1000" dirty="0" err="1" smtClean="0"/>
-              <a:t>DisplayRange</a:t>
-            </a:r>
-            <a:endParaRPr lang="en-US" sz="1000" dirty="0"/>
+              <a:rPr lang="en-US" sz="1000" dirty="0"/>
+              <a:t> Create total zoom buttons</a:t>
+            </a:r>
+            <a:endParaRPr lang="en-US" sz="1000" dirty="0" smtClean="0"/>
           </a:p>
           <a:p>
             <a:r>
               <a:rPr lang="en-US" sz="1000" dirty="0" smtClean="0"/>
               <a:t>}</a:t>
             </a:r>
-            <a:endParaRPr lang="en-US" sz="1000" dirty="0"/>
-          </a:p>
-          <a:p>
+          </a:p>
+          <a:p>
+            <a:r>
+              <a:rPr lang="en-SG" sz="1000" dirty="0" err="1"/>
+              <a:t>PlotArea</a:t>
+            </a:r>
+            <a:r>
+              <a:rPr lang="en-SG" sz="1000" dirty="0"/>
+              <a:t> </a:t>
+            </a:r>
+            <a:r>
+              <a:rPr lang="en-SG" sz="1000" b="1" dirty="0" smtClean="0"/>
+              <a:t>Add</a:t>
+            </a:r>
+            <a:r>
+              <a:rPr lang="en-SG" sz="1000" dirty="0" smtClean="0"/>
+              <a:t>(</a:t>
+            </a:r>
+            <a:r>
+              <a:rPr lang="en-SG" sz="1000" dirty="0" err="1" smtClean="0"/>
+              <a:t>plotArea</a:t>
+            </a:r>
+            <a:r>
+              <a:rPr lang="en-SG" sz="1000" dirty="0"/>
+              <a:t>) {</a:t>
+            </a:r>
+          </a:p>
+          <a:p>
+            <a:r>
+              <a:rPr lang="en-SG" sz="1000" dirty="0"/>
+              <a:t>  </a:t>
+            </a:r>
+            <a:r>
+              <a:rPr lang="en-SG" sz="1000" dirty="0" err="1" smtClean="0"/>
+              <a:t>PlotAreas.Add</a:t>
+            </a:r>
+            <a:r>
+              <a:rPr lang="en-SG" sz="1000" dirty="0" smtClean="0"/>
+              <a:t>(</a:t>
+            </a:r>
+            <a:r>
+              <a:rPr lang="en-SG" sz="1000" dirty="0" err="1" smtClean="0"/>
+              <a:t>plotArea</a:t>
+            </a:r>
+            <a:r>
+              <a:rPr lang="en-SG" sz="1000" dirty="0" smtClean="0"/>
+              <a:t>)</a:t>
+            </a:r>
             <a:endParaRPr lang="en-US" sz="1000" dirty="0" smtClean="0"/>
-          </a:p>
-          <a:p>
-            <a:r>
-              <a:rPr lang="en-US" sz="1000" dirty="0"/>
-              <a:t>void </a:t>
-            </a:r>
-            <a:r>
-              <a:rPr lang="en-US" sz="1000" dirty="0" err="1"/>
-              <a:t>legendScroller_</a:t>
-            </a:r>
-            <a:r>
-              <a:rPr lang="en-US" sz="1000" b="1" dirty="0" err="1"/>
-              <a:t>ZoomStateChanged</a:t>
-            </a:r>
-            <a:r>
-              <a:rPr lang="en-US" sz="1000" dirty="0" smtClean="0"/>
-              <a:t>(){</a:t>
-            </a:r>
-          </a:p>
-          <a:p>
-            <a:r>
-              <a:rPr lang="en-US" sz="1000" dirty="0"/>
-              <a:t> </a:t>
-            </a:r>
-            <a:r>
-              <a:rPr lang="en-US" sz="1000" dirty="0" smtClean="0"/>
-              <a:t> loop through all </a:t>
-            </a:r>
-            <a:r>
-              <a:rPr lang="en-US" sz="1000" dirty="0" err="1" smtClean="0"/>
-              <a:t>Zoomers</a:t>
-            </a:r>
-            <a:r>
-              <a:rPr lang="en-US" sz="1000" dirty="0" smtClean="0"/>
-              <a:t> and </a:t>
-            </a:r>
-          </a:p>
-          <a:p>
-            <a:r>
-              <a:rPr lang="en-US" sz="1000" dirty="0"/>
-              <a:t> </a:t>
-            </a:r>
-            <a:r>
-              <a:rPr lang="en-US" sz="1000" dirty="0" smtClean="0"/>
-              <a:t> enable/disable the total zoom buttons</a:t>
-            </a:r>
-          </a:p>
-          <a:p>
-            <a:r>
-              <a:rPr lang="en-US" sz="1000" dirty="0"/>
-              <a:t> </a:t>
-            </a:r>
-            <a:r>
-              <a:rPr lang="en-US" sz="1000" dirty="0" smtClean="0"/>
-              <a:t> depending on the </a:t>
-            </a:r>
-            <a:r>
-              <a:rPr lang="en-US" sz="1000" dirty="0" err="1" smtClean="0"/>
-              <a:t>Zoomers</a:t>
-            </a:r>
-            <a:r>
-              <a:rPr lang="en-US" sz="1000" dirty="0" smtClean="0"/>
-              <a:t> state</a:t>
-            </a:r>
           </a:p>
           <a:p>
             <a:r>
@@ -5026,16 +5029,13 @@
             </a:r>
           </a:p>
           <a:p>
-            <a:endParaRPr lang="en-US" sz="1000" dirty="0"/>
-          </a:p>
-          <a:p>
-            <a:r>
-              <a:rPr lang="en-SG" sz="1000" dirty="0"/>
-              <a:t>Size </a:t>
-            </a:r>
-            <a:r>
-              <a:rPr lang="en-SG" sz="1000" dirty="0" err="1" smtClean="0"/>
-              <a:t>ArrangeOverride</a:t>
+            <a:r>
+              <a:rPr lang="en-SG" sz="1000" b="1" dirty="0"/>
+              <a:t>A</a:t>
+            </a:r>
+            <a:r>
+              <a:rPr lang="en-SG" sz="1000" b="1" dirty="0" smtClean="0"/>
+              <a:t>dd</a:t>
             </a:r>
             <a:r>
               <a:rPr lang="en-SG" sz="1000" dirty="0" smtClean="0"/>
@@ -5043,79 +5043,64 @@
             </a:r>
             <a:r>
               <a:rPr lang="en-SG" sz="1000" dirty="0" err="1" smtClean="0"/>
-              <a:t>arrangeRect</a:t>
-            </a:r>
-            <a:r>
-              <a:rPr lang="en-SG" sz="1000" dirty="0"/>
-              <a:t>) </a:t>
-            </a:r>
-            <a:r>
-              <a:rPr lang="en-SG" sz="1000" dirty="0" smtClean="0"/>
-              <a:t>{</a:t>
-            </a:r>
-          </a:p>
-          <a:p>
-            <a:r>
-              <a:rPr lang="en-SG" sz="1000" dirty="0"/>
-              <a:t> </a:t>
-            </a:r>
-            <a:r>
-              <a:rPr lang="en-SG" sz="1000" dirty="0" err="1"/>
-              <a:t>plotArea.Arrange</a:t>
-            </a:r>
-            <a:r>
-              <a:rPr lang="en-SG" sz="1000" dirty="0"/>
-              <a:t> </a:t>
-            </a:r>
-            <a:r>
-              <a:rPr lang="en-SG" sz="1000" dirty="0" smtClean="0"/>
-              <a:t>(…)</a:t>
-            </a:r>
-          </a:p>
-          <a:p>
+              <a:t>LegendScroller</a:t>
+            </a:r>
             <a:r>
               <a:rPr lang="en-SG" sz="1000" dirty="0" smtClean="0"/>
               <a:t> </a:t>
             </a:r>
             <a:r>
+              <a:rPr lang="en-SG" sz="1000" dirty="0" err="1"/>
+              <a:t>legendScroller</a:t>
+            </a:r>
+            <a:r>
+              <a:rPr lang="en-SG" sz="1000" dirty="0"/>
+              <a:t>) {</a:t>
+            </a:r>
+          </a:p>
+          <a:p>
+            <a:r>
+              <a:rPr lang="en-SG" sz="1000" dirty="0"/>
+              <a:t>  </a:t>
+            </a:r>
+            <a:r>
               <a:rPr lang="en-SG" sz="1000" dirty="0" err="1" smtClean="0"/>
-              <a:t>legendScrollerY.Arrange</a:t>
+              <a:t>legendScroller.Add</a:t>
             </a:r>
             <a:r>
               <a:rPr lang="en-SG" sz="1000" dirty="0" smtClean="0"/>
-              <a:t>(…)</a:t>
-            </a:r>
-            <a:endParaRPr lang="en-SG" sz="1000" dirty="0"/>
-          </a:p>
-          <a:p>
+              <a:t>(this</a:t>
+            </a:r>
+            <a:r>
+              <a:rPr lang="en-SG" sz="1000" dirty="0"/>
+              <a:t>);</a:t>
+            </a:r>
+          </a:p>
+          <a:p>
+            <a:r>
+              <a:rPr lang="en-SG" sz="1000" dirty="0"/>
+              <a:t>  </a:t>
+            </a:r>
+            <a:r>
+              <a:rPr lang="en-SG" sz="1000" dirty="0" err="1" smtClean="0"/>
+              <a:t>Zoomers.Add</a:t>
+            </a:r>
             <a:r>
               <a:rPr lang="en-SG" sz="1000" dirty="0" smtClean="0"/>
-              <a:t> </a:t>
+              <a:t>(</a:t>
             </a:r>
             <a:r>
               <a:rPr lang="en-SG" sz="1000" dirty="0" err="1" smtClean="0"/>
-              <a:t>legendScrollerX.Arrange</a:t>
-            </a:r>
-            <a:r>
-              <a:rPr lang="en-SG" sz="1000" dirty="0" smtClean="0"/>
-              <a:t> (…)</a:t>
-            </a:r>
-          </a:p>
-          <a:p>
-            <a:r>
-              <a:rPr lang="en-US" sz="1000" dirty="0" smtClean="0"/>
-              <a:t>}</a:t>
+              <a:t>legendScroller</a:t>
+            </a:r>
+            <a:r>
+              <a:rPr lang="en-SG" sz="1000" dirty="0"/>
+              <a:t>);</a:t>
             </a:r>
             <a:endParaRPr lang="en-US" sz="1000" dirty="0"/>
           </a:p>
           <a:p>
-            <a:endParaRPr lang="en-US" sz="1000" dirty="0" smtClean="0"/>
-          </a:p>
-          <a:p>
-            <a:endParaRPr lang="en-US" sz="1000" dirty="0"/>
-          </a:p>
-          <a:p>
-            <a:endParaRPr lang="en-US" sz="1000" dirty="0"/>
+            <a:endParaRPr lang="en-SG" sz="1000" dirty="0" smtClean="0"/>
           </a:p>
         </p:txBody>
       </p:sp>
@@ -5127,8 +5112,8 @@
         </p:nvSpPr>
         <p:spPr>
           <a:xfrm>
-            <a:off x="2879574" y="954616"/>
-            <a:ext cx="2850460" cy="1015663"/>
+            <a:off x="2334863" y="1526802"/>
+            <a:ext cx="1643399" cy="1323439"/>
           </a:xfrm>
           <a:prstGeom prst="rect">
             <a:avLst/>
@@ -5166,67 +5151,66 @@
           </a:p>
           <a:p>
             <a:r>
+              <a:rPr lang="en-SG" sz="1000" dirty="0" err="1" smtClean="0"/>
+              <a:t>XName</a:t>
+            </a:r>
+            <a:endParaRPr lang="en-SG" sz="1000" dirty="0" smtClean="0"/>
+          </a:p>
+          <a:p>
+            <a:r>
+              <a:rPr lang="en-SG" sz="1000" dirty="0" err="1" smtClean="0"/>
+              <a:t>XUnit</a:t>
+            </a:r>
+            <a:endParaRPr lang="en-SG" sz="1000" dirty="0" smtClean="0"/>
+          </a:p>
+          <a:p>
+            <a:r>
               <a:rPr lang="en-SG" sz="1000" dirty="0"/>
-              <a:t>void </a:t>
-            </a:r>
-            <a:r>
-              <a:rPr lang="en-SG" sz="1000" b="1" dirty="0" err="1" smtClean="0"/>
-              <a:t>renderer_RenderingRequested</a:t>
+              <a:t>crosshair</a:t>
+            </a:r>
+            <a:endParaRPr lang="it-IT" sz="1000" dirty="0" smtClean="0"/>
+          </a:p>
+          <a:p>
+            <a:endParaRPr lang="it-IT" sz="1000" dirty="0"/>
+          </a:p>
+          <a:p>
+            <a:r>
+              <a:rPr lang="it-IT" sz="1000" b="1" dirty="0" smtClean="0"/>
+              <a:t>PlotArea</a:t>
+            </a:r>
+            <a:r>
+              <a:rPr lang="it-IT" sz="1000" dirty="0" smtClean="0"/>
+              <a:t>(</a:t>
+            </a:r>
+            <a:r>
+              <a:rPr lang="en-SG" sz="1000" dirty="0" err="1" smtClean="0"/>
+              <a:t>xName</a:t>
             </a:r>
             <a:r>
               <a:rPr lang="en-SG" sz="1000" dirty="0" smtClean="0"/>
-              <a:t>(renderer){</a:t>
-            </a:r>
-          </a:p>
-          <a:p>
-            <a:r>
-              <a:rPr lang="en-US" sz="1000" dirty="0"/>
-              <a:t> </a:t>
-            </a:r>
-            <a:r>
-              <a:rPr lang="en-US" sz="1000" dirty="0" smtClean="0"/>
-              <a:t> remove existing Visual of this renderer</a:t>
-            </a:r>
-          </a:p>
-          <a:p>
-            <a:r>
-              <a:rPr lang="en-US" sz="1000" dirty="0" smtClean="0"/>
-              <a:t>  </a:t>
-            </a:r>
-            <a:r>
-              <a:rPr lang="en-SG" sz="1000" dirty="0" err="1"/>
-              <a:t>renderer.CreateVisual</a:t>
+              <a:t>, </a:t>
+            </a:r>
+            <a:r>
+              <a:rPr lang="en-SG" sz="1000" dirty="0" err="1" smtClean="0"/>
+              <a:t>xUnit</a:t>
+            </a:r>
+            <a:r>
+              <a:rPr lang="en-SG" sz="1000" dirty="0" smtClean="0"/>
+              <a:t>){</a:t>
+            </a:r>
+          </a:p>
+          <a:p>
+            <a:r>
+              <a:rPr lang="en-SG" sz="1000" dirty="0" smtClean="0"/>
+              <a:t>  crosshair </a:t>
             </a:r>
             <a:r>
               <a:rPr lang="en-SG" sz="1000" dirty="0"/>
-              <a:t>(</a:t>
-            </a:r>
-            <a:r>
-              <a:rPr lang="en-SG" sz="1000" dirty="0" err="1"/>
-              <a:t>ActualWidth</a:t>
-            </a:r>
-            <a:r>
-              <a:rPr lang="en-SG" sz="1000" dirty="0"/>
-              <a:t>, </a:t>
-            </a:r>
-            <a:r>
-              <a:rPr lang="en-SG" sz="1000" dirty="0" err="1"/>
-              <a:t>ActualHeight</a:t>
-            </a:r>
-            <a:r>
-              <a:rPr lang="en-SG" sz="1000" dirty="0"/>
-              <a:t>)</a:t>
-            </a:r>
-            <a:endParaRPr lang="en-US" sz="1000" dirty="0" smtClean="0"/>
-          </a:p>
-          <a:p>
-            <a:r>
-              <a:rPr lang="en-US" sz="1000" dirty="0"/>
-              <a:t> </a:t>
-            </a:r>
-            <a:r>
-              <a:rPr lang="en-US" sz="1000" dirty="0" smtClean="0"/>
-              <a:t> add new Visual of this renderer</a:t>
+              <a:t>= new Crosshair</a:t>
+            </a:r>
+            <a:r>
+              <a:rPr lang="en-SG" sz="1000" dirty="0" smtClean="0"/>
+              <a:t>()</a:t>
             </a:r>
           </a:p>
           <a:p>
@@ -5234,7 +5218,7 @@
               <a:rPr lang="en-US" sz="1000" dirty="0"/>
               <a:t>}</a:t>
             </a:r>
-            <a:endParaRPr lang="en-SG" sz="1000" dirty="0" smtClean="0"/>
+            <a:endParaRPr lang="en-US" sz="1000" dirty="0" smtClean="0"/>
           </a:p>
         </p:txBody>
       </p:sp>
@@ -5246,8 +5230,8 @@
         </p:nvSpPr>
         <p:spPr>
           <a:xfrm>
-            <a:off x="6855175" y="2770926"/>
-            <a:ext cx="1880643" cy="1477328"/>
+            <a:off x="5577937" y="1568348"/>
+            <a:ext cx="787395" cy="400110"/>
           </a:xfrm>
           <a:prstGeom prst="rect">
             <a:avLst/>
@@ -5278,98 +5262,21 @@
           <a:lstStyle/>
           <a:p>
             <a:r>
-              <a:rPr lang="en-SG" sz="1000" b="1" dirty="0"/>
-              <a:t>Legend</a:t>
-            </a:r>
-            <a:endParaRPr lang="en-US" sz="1000" b="1" dirty="0" smtClean="0"/>
-          </a:p>
-          <a:p>
-            <a:r>
-              <a:rPr lang="en-SG" sz="1000" dirty="0"/>
-              <a:t>e</a:t>
+              <a:rPr lang="en-SG" sz="1000" b="1" dirty="0" err="1" smtClean="0"/>
+              <a:t>LegendX</a:t>
+            </a:r>
+            <a:endParaRPr lang="en-SG" sz="1000" b="1" dirty="0" smtClean="0"/>
+          </a:p>
+          <a:p>
+            <a:r>
+              <a:rPr lang="en-SG" sz="1000" b="1" dirty="0" err="1" smtClean="0"/>
+              <a:t>LegendX</a:t>
             </a:r>
             <a:r>
               <a:rPr lang="en-SG" sz="1000" dirty="0" smtClean="0"/>
-              <a:t>vent</a:t>
-            </a:r>
-            <a:r>
-              <a:rPr lang="en-SG" sz="1000" i="1" dirty="0" smtClean="0"/>
-              <a:t> </a:t>
-            </a:r>
-            <a:r>
-              <a:rPr lang="en-SG" sz="1000" b="1" dirty="0" err="1"/>
-              <a:t>DisplayValueChanged</a:t>
-            </a:r>
-            <a:endParaRPr lang="en-SG" sz="1000" b="1" dirty="0"/>
-          </a:p>
-          <a:p>
+              <a:t>(){}</a:t>
+            </a:r>
             <a:endParaRPr lang="en-US" sz="1000" dirty="0" smtClean="0"/>
-          </a:p>
-          <a:p>
-            <a:r>
-              <a:rPr lang="en-SG" sz="1000" dirty="0"/>
-              <a:t>void </a:t>
-            </a:r>
-            <a:r>
-              <a:rPr lang="en-SG" sz="1000" dirty="0" err="1" smtClean="0"/>
-              <a:t>OnRenderContent</a:t>
-            </a:r>
-            <a:r>
-              <a:rPr lang="en-SG" sz="1000" dirty="0" smtClean="0"/>
-              <a:t>(…) {</a:t>
-            </a:r>
-          </a:p>
-          <a:p>
-            <a:r>
-              <a:rPr lang="en-US" sz="1000" dirty="0" smtClean="0"/>
-              <a:t>  If (</a:t>
-            </a:r>
-            <a:r>
-              <a:rPr lang="en-SG" sz="1000" dirty="0" err="1" smtClean="0"/>
-              <a:t>haveDisplayValuesChanged</a:t>
-            </a:r>
-            <a:r>
-              <a:rPr lang="en-SG" sz="1000" dirty="0" smtClean="0"/>
-              <a:t>){</a:t>
-            </a:r>
-          </a:p>
-          <a:p>
-            <a:r>
-              <a:rPr lang="en-US" sz="1000" dirty="0"/>
-              <a:t> </a:t>
-            </a:r>
-            <a:r>
-              <a:rPr lang="en-US" sz="1000" dirty="0" smtClean="0"/>
-              <a:t>   create and write labels</a:t>
-            </a:r>
-          </a:p>
-          <a:p>
-            <a:r>
-              <a:rPr lang="en-US" sz="1000" dirty="0" smtClean="0"/>
-              <a:t>    </a:t>
-            </a:r>
-            <a:r>
-              <a:rPr lang="en-SG" sz="1000" b="1" dirty="0" err="1" smtClean="0"/>
-              <a:t>DisplayValueChanged</a:t>
-            </a:r>
-            <a:r>
-              <a:rPr lang="en-SG" sz="1000" dirty="0" smtClean="0"/>
-              <a:t>(this)</a:t>
-            </a:r>
-          </a:p>
-          <a:p>
-            <a:r>
-              <a:rPr lang="en-US" sz="1000" dirty="0" smtClean="0"/>
-              <a:t>  }</a:t>
-            </a:r>
-            <a:endParaRPr lang="en-SG" sz="1000" dirty="0" smtClean="0"/>
-          </a:p>
-          <a:p>
-            <a:r>
-              <a:rPr lang="en-US" sz="1000" dirty="0"/>
-              <a:t>}</a:t>
-            </a:r>
-            <a:endParaRPr lang="en-SG" sz="1000" b="1" dirty="0" smtClean="0"/>
           </a:p>
         </p:txBody>
       </p:sp>
@@ -5381,8 +5288,8 @@
         </p:nvSpPr>
         <p:spPr>
           <a:xfrm>
-            <a:off x="6714472" y="1075605"/>
-            <a:ext cx="2055371" cy="1477328"/>
+            <a:off x="4297165" y="1568348"/>
+            <a:ext cx="1045479" cy="400110"/>
           </a:xfrm>
           <a:prstGeom prst="rect">
             <a:avLst/>
@@ -5413,10 +5320,7154 @@
           <a:lstStyle/>
           <a:p>
             <a:r>
+              <a:rPr lang="en-US" sz="1000" b="1" dirty="0" err="1" smtClean="0"/>
+              <a:t>LegendXDate</a:t>
+            </a:r>
+            <a:endParaRPr lang="en-US" sz="1000" b="1" dirty="0" smtClean="0"/>
+          </a:p>
+          <a:p>
+            <a:r>
+              <a:rPr lang="en-US" sz="1000" b="1" dirty="0" err="1" smtClean="0"/>
+              <a:t>LegendXDate</a:t>
+            </a:r>
+            <a:r>
+              <a:rPr lang="en-US" sz="1000" dirty="0" smtClean="0"/>
+              <a:t>(){}</a:t>
+            </a:r>
+            <a:endParaRPr lang="en-US" sz="1000" b="1" dirty="0" smtClean="0"/>
+          </a:p>
+        </p:txBody>
+      </p:sp>
+      <p:sp>
+        <p:nvSpPr>
+          <p:cNvPr id="16" name="TextBox 15"/>
+          <p:cNvSpPr txBox="1"/>
+          <p:nvPr/>
+        </p:nvSpPr>
+        <p:spPr>
+          <a:xfrm>
+            <a:off x="4547624" y="3301598"/>
+            <a:ext cx="1425390" cy="1477328"/>
+          </a:xfrm>
+          <a:prstGeom prst="rect">
+            <a:avLst/>
+          </a:prstGeom>
+          <a:solidFill>
+            <a:schemeClr val="bg1"/>
+          </a:solidFill>
+          <a:ln>
+            <a:solidFill>
+              <a:schemeClr val="tx1">
+                <a:lumMod val="75000"/>
+                <a:lumOff val="25000"/>
+              </a:schemeClr>
+            </a:solidFill>
+          </a:ln>
+          <a:effectLst>
+            <a:outerShdw blurRad="50800" dist="38100" dir="2700000" algn="tl" rotWithShape="0">
+              <a:prstClr val="black">
+                <a:alpha val="40000"/>
+              </a:prstClr>
+            </a:outerShdw>
+          </a:effectLst>
+        </p:spPr>
+        <p:txBody>
+          <a:bodyPr wrap="none" rtlCol="0">
+            <a:spAutoFit/>
+          </a:bodyPr>
+          <a:lstStyle/>
+          <a:p>
+            <a:r>
+              <a:rPr lang="en-SG" sz="1000" b="1" dirty="0" err="1" smtClean="0"/>
+              <a:t>LegendScroller</a:t>
+            </a:r>
+            <a:endParaRPr lang="en-SG" sz="1000" b="1" dirty="0" smtClean="0"/>
+          </a:p>
+          <a:p>
+            <a:r>
+              <a:rPr lang="en-US" sz="1000" dirty="0" smtClean="0"/>
+              <a:t>Legend</a:t>
+            </a:r>
+          </a:p>
+          <a:p>
+            <a:r>
+              <a:rPr lang="en-SG" sz="1000" dirty="0" err="1"/>
+              <a:t>ScrollBar</a:t>
+            </a:r>
+            <a:endParaRPr lang="en-US" sz="1000" dirty="0" smtClean="0"/>
+          </a:p>
+          <a:p>
+            <a:r>
+              <a:rPr lang="en-SG" sz="1000" dirty="0" err="1" smtClean="0"/>
+              <a:t>ZoomInButton</a:t>
+            </a:r>
+            <a:endParaRPr lang="en-SG" sz="1000" dirty="0" smtClean="0"/>
+          </a:p>
+          <a:p>
+            <a:r>
+              <a:rPr lang="en-SG" sz="1000" dirty="0" err="1" smtClean="0"/>
+              <a:t>ZoomOutButton</a:t>
+            </a:r>
+            <a:endParaRPr lang="en-SG" sz="1000" dirty="0" smtClean="0"/>
+          </a:p>
+          <a:p>
+            <a:endParaRPr lang="en-SG" sz="1000" dirty="0" smtClean="0"/>
+          </a:p>
+          <a:p>
+            <a:r>
+              <a:rPr lang="en-SG" sz="1000" b="1" dirty="0" err="1" smtClean="0"/>
+              <a:t>LegendScroller</a:t>
+            </a:r>
+            <a:r>
+              <a:rPr lang="en-SG" sz="1000" dirty="0" smtClean="0"/>
+              <a:t>(legend)</a:t>
+            </a:r>
+            <a:r>
+              <a:rPr lang="en-US" sz="1000" dirty="0" smtClean="0"/>
+              <a:t>{</a:t>
+            </a:r>
+          </a:p>
+          <a:p>
+            <a:r>
+              <a:rPr lang="en-US" sz="1000" dirty="0" smtClean="0"/>
+              <a:t>  Create zoom </a:t>
+            </a:r>
+            <a:r>
+              <a:rPr lang="en-US" sz="1000" dirty="0"/>
+              <a:t>buttons</a:t>
+            </a:r>
+          </a:p>
+          <a:p>
+            <a:r>
+              <a:rPr lang="en-US" sz="1000" dirty="0" smtClean="0"/>
+              <a:t>}</a:t>
+            </a:r>
+            <a:endParaRPr lang="en-SG" sz="1000" dirty="0" smtClean="0"/>
+          </a:p>
+        </p:txBody>
+      </p:sp>
+      <p:sp>
+        <p:nvSpPr>
+          <p:cNvPr id="17" name="TextBox 16"/>
+          <p:cNvSpPr txBox="1"/>
+          <p:nvPr/>
+        </p:nvSpPr>
+        <p:spPr>
+          <a:xfrm>
+            <a:off x="4121037" y="2373187"/>
+            <a:ext cx="1989647" cy="553998"/>
+          </a:xfrm>
+          <a:prstGeom prst="rect">
+            <a:avLst/>
+          </a:prstGeom>
+          <a:solidFill>
+            <a:schemeClr val="bg1"/>
+          </a:solidFill>
+          <a:ln>
+            <a:solidFill>
+              <a:schemeClr val="tx1">
+                <a:lumMod val="75000"/>
+                <a:lumOff val="25000"/>
+              </a:schemeClr>
+            </a:solidFill>
+          </a:ln>
+          <a:effectLst>
+            <a:outerShdw blurRad="50800" dist="38100" dir="2700000" algn="tl" rotWithShape="0">
+              <a:prstClr val="black">
+                <a:alpha val="40000"/>
+              </a:prstClr>
+            </a:outerShdw>
+          </a:effectLst>
+        </p:spPr>
+        <p:txBody>
+          <a:bodyPr wrap="none" rtlCol="0">
+            <a:spAutoFit/>
+          </a:bodyPr>
+          <a:lstStyle/>
+          <a:p>
+            <a:r>
+              <a:rPr lang="en-SG" sz="1000" b="1" dirty="0" err="1" smtClean="0"/>
+              <a:t>LegendScrollerX</a:t>
+            </a:r>
+            <a:r>
+              <a:rPr lang="en-SG" sz="1000" b="1" dirty="0" smtClean="0"/>
+              <a:t> </a:t>
+            </a:r>
+            <a:endParaRPr lang="en-SG" sz="1000" dirty="0"/>
+          </a:p>
+          <a:p>
+            <a:r>
+              <a:rPr lang="en-SG" sz="1000" b="1" dirty="0" err="1"/>
+              <a:t>LegendScrollerX</a:t>
+            </a:r>
+            <a:r>
+              <a:rPr lang="en-SG" sz="1000" dirty="0"/>
+              <a:t>(</a:t>
+            </a:r>
+            <a:r>
+              <a:rPr lang="en-SG" sz="1000" dirty="0" err="1"/>
+              <a:t>LegendX</a:t>
+            </a:r>
+            <a:r>
+              <a:rPr lang="en-SG" sz="1000" dirty="0"/>
+              <a:t> legend): </a:t>
+            </a:r>
+            <a:endParaRPr lang="en-SG" sz="1000" dirty="0" smtClean="0"/>
+          </a:p>
+          <a:p>
+            <a:r>
+              <a:rPr lang="en-SG" sz="1000" dirty="0"/>
+              <a:t> </a:t>
+            </a:r>
+            <a:r>
+              <a:rPr lang="en-SG" sz="1000" dirty="0" smtClean="0"/>
+              <a:t> base(legend</a:t>
+            </a:r>
+            <a:r>
+              <a:rPr lang="en-SG" sz="1000" dirty="0"/>
+              <a:t>) </a:t>
+            </a:r>
+            <a:r>
+              <a:rPr lang="en-SG" sz="1000" dirty="0" smtClean="0"/>
+              <a:t>{}</a:t>
+            </a:r>
+            <a:endParaRPr lang="en-SG" sz="1000" b="1" dirty="0" smtClean="0"/>
+          </a:p>
+        </p:txBody>
+      </p:sp>
+      <p:sp>
+        <p:nvSpPr>
+          <p:cNvPr id="25" name="TextBox 24"/>
+          <p:cNvSpPr txBox="1"/>
+          <p:nvPr/>
+        </p:nvSpPr>
+        <p:spPr>
+          <a:xfrm>
+            <a:off x="209467" y="3042511"/>
+            <a:ext cx="1443024" cy="2246769"/>
+          </a:xfrm>
+          <a:prstGeom prst="rect">
+            <a:avLst/>
+          </a:prstGeom>
+          <a:solidFill>
+            <a:schemeClr val="bg1"/>
+          </a:solidFill>
+          <a:ln>
+            <a:solidFill>
+              <a:schemeClr val="tx1">
+                <a:lumMod val="75000"/>
+                <a:lumOff val="25000"/>
+              </a:schemeClr>
+            </a:solidFill>
+          </a:ln>
+          <a:effectLst>
+            <a:outerShdw blurRad="50800" dist="38100" dir="2700000" algn="tl" rotWithShape="0">
+              <a:prstClr val="black">
+                <a:alpha val="40000"/>
+              </a:prstClr>
+            </a:outerShdw>
+          </a:effectLst>
+        </p:spPr>
+        <p:txBody>
+          <a:bodyPr wrap="none" rtlCol="0">
+            <a:spAutoFit/>
+          </a:bodyPr>
+          <a:lstStyle/>
+          <a:p>
+            <a:r>
+              <a:rPr lang="en-SG" sz="1000" b="1" dirty="0" smtClean="0"/>
+              <a:t>Chart1Plot1X1YLegend</a:t>
+            </a:r>
+          </a:p>
+          <a:p>
+            <a:r>
+              <a:rPr lang="en-SG" sz="1000" dirty="0" err="1" smtClean="0"/>
+              <a:t>PlotArea</a:t>
+            </a:r>
+            <a:endParaRPr lang="en-SG" sz="1000" dirty="0" smtClean="0"/>
+          </a:p>
+          <a:p>
+            <a:r>
+              <a:rPr lang="en-SG" sz="1000" dirty="0" err="1" smtClean="0"/>
+              <a:t>LegendScrollerY</a:t>
+            </a:r>
+            <a:endParaRPr lang="en-SG" sz="1000" dirty="0" smtClean="0"/>
+          </a:p>
+          <a:p>
+            <a:r>
+              <a:rPr lang="en-SG" sz="1000" dirty="0" err="1" smtClean="0"/>
+              <a:t>LegendScrollerX</a:t>
+            </a:r>
+            <a:endParaRPr lang="en-SG" sz="1000" dirty="0" smtClean="0"/>
+          </a:p>
+          <a:p>
+            <a:endParaRPr lang="en-SG" sz="1000" dirty="0" smtClean="0"/>
+          </a:p>
+          <a:p>
+            <a:r>
+              <a:rPr lang="en-SG" sz="1000" b="1" dirty="0" smtClean="0"/>
+              <a:t>Chart1Plot1X1YLegend</a:t>
+            </a:r>
+            <a:r>
+              <a:rPr lang="en-SG" sz="1000" dirty="0" smtClean="0"/>
+              <a:t>(</a:t>
+            </a:r>
+          </a:p>
+          <a:p>
+            <a:r>
+              <a:rPr lang="en-SG" sz="1000" dirty="0" smtClean="0"/>
+              <a:t>  </a:t>
+            </a:r>
+            <a:r>
+              <a:rPr lang="en-SG" sz="1000" dirty="0" err="1" smtClean="0"/>
+              <a:t>plotArea</a:t>
+            </a:r>
+            <a:r>
+              <a:rPr lang="en-SG" sz="1000" dirty="0"/>
+              <a:t>, </a:t>
+            </a:r>
+            <a:endParaRPr lang="en-SG" sz="1000" dirty="0" smtClean="0"/>
+          </a:p>
+          <a:p>
+            <a:r>
+              <a:rPr lang="en-SG" sz="1000" dirty="0" smtClean="0"/>
+              <a:t>  </a:t>
+            </a:r>
+            <a:r>
+              <a:rPr lang="en-SG" sz="1000" dirty="0" err="1" smtClean="0"/>
+              <a:t>legendScrollerX</a:t>
+            </a:r>
+            <a:r>
+              <a:rPr lang="en-SG" sz="1000" dirty="0"/>
+              <a:t>, </a:t>
+            </a:r>
+          </a:p>
+          <a:p>
+            <a:r>
+              <a:rPr lang="en-SG" sz="1000" dirty="0" smtClean="0"/>
+              <a:t>  </a:t>
+            </a:r>
+            <a:r>
+              <a:rPr lang="en-SG" sz="1000" dirty="0" err="1" smtClean="0"/>
+              <a:t>legendScrollerY</a:t>
+            </a:r>
+            <a:r>
+              <a:rPr lang="en-SG" sz="1000" dirty="0" smtClean="0"/>
+              <a:t>)</a:t>
+            </a:r>
+          </a:p>
+          <a:p>
+            <a:r>
+              <a:rPr lang="en-SG" sz="1000" dirty="0" smtClean="0"/>
+              <a:t>{</a:t>
+            </a:r>
+          </a:p>
+          <a:p>
+            <a:r>
+              <a:rPr lang="en-US" sz="1000" dirty="0" smtClean="0"/>
+              <a:t>  </a:t>
+            </a:r>
+            <a:r>
+              <a:rPr lang="en-SG" sz="1000" dirty="0" smtClean="0"/>
+              <a:t>Add(</a:t>
+            </a:r>
+            <a:r>
+              <a:rPr lang="en-SG" sz="1000" dirty="0" err="1" smtClean="0"/>
+              <a:t>plotArea</a:t>
+            </a:r>
+            <a:r>
+              <a:rPr lang="en-SG" sz="1000" dirty="0" smtClean="0"/>
+              <a:t>)</a:t>
+            </a:r>
+          </a:p>
+          <a:p>
+            <a:r>
+              <a:rPr lang="en-US" sz="1000" dirty="0"/>
+              <a:t> </a:t>
+            </a:r>
+            <a:r>
+              <a:rPr lang="en-US" sz="1000" dirty="0" smtClean="0"/>
+              <a:t> </a:t>
+            </a:r>
+            <a:r>
+              <a:rPr lang="en-SG" sz="1000" dirty="0" smtClean="0"/>
+              <a:t>Add(</a:t>
+            </a:r>
+            <a:r>
+              <a:rPr lang="en-SG" sz="1000" dirty="0" err="1" smtClean="0"/>
+              <a:t>legendScrollerX</a:t>
+            </a:r>
+            <a:r>
+              <a:rPr lang="en-SG" sz="1000" dirty="0" smtClean="0"/>
+              <a:t>)</a:t>
+            </a:r>
+          </a:p>
+          <a:p>
+            <a:r>
+              <a:rPr lang="en-SG" sz="1000" dirty="0" smtClean="0"/>
+              <a:t>  Add(</a:t>
+            </a:r>
+            <a:r>
+              <a:rPr lang="en-SG" sz="1000" dirty="0" err="1"/>
+              <a:t>l</a:t>
+            </a:r>
+            <a:r>
+              <a:rPr lang="en-SG" sz="1000" dirty="0" err="1" smtClean="0"/>
+              <a:t>egendScrollerY</a:t>
+            </a:r>
+            <a:r>
+              <a:rPr lang="en-SG" sz="1000" dirty="0" smtClean="0"/>
+              <a:t>)</a:t>
+            </a:r>
+          </a:p>
+          <a:p>
+            <a:r>
+              <a:rPr lang="en-SG" sz="1000" dirty="0" smtClean="0"/>
+              <a:t>}</a:t>
+            </a:r>
+          </a:p>
+        </p:txBody>
+      </p:sp>
+      <p:sp>
+        <p:nvSpPr>
+          <p:cNvPr id="26" name="TextBox 25"/>
+          <p:cNvSpPr txBox="1"/>
+          <p:nvPr/>
+        </p:nvSpPr>
+        <p:spPr>
+          <a:xfrm>
+            <a:off x="862347" y="582593"/>
+            <a:ext cx="6543779" cy="553998"/>
+          </a:xfrm>
+          <a:prstGeom prst="rect">
+            <a:avLst/>
+          </a:prstGeom>
+          <a:solidFill>
+            <a:schemeClr val="bg1"/>
+          </a:solidFill>
+          <a:ln>
+            <a:solidFill>
+              <a:schemeClr val="tx1">
+                <a:lumMod val="75000"/>
+                <a:lumOff val="25000"/>
+              </a:schemeClr>
+            </a:solidFill>
+          </a:ln>
+          <a:effectLst>
+            <a:outerShdw blurRad="50800" dist="38100" dir="2700000" algn="tl" rotWithShape="0">
+              <a:prstClr val="black">
+                <a:alpha val="40000"/>
+              </a:prstClr>
+            </a:outerShdw>
+          </a:effectLst>
+        </p:spPr>
+        <p:txBody>
+          <a:bodyPr wrap="none" rtlCol="0">
+            <a:spAutoFit/>
+          </a:bodyPr>
+          <a:lstStyle/>
+          <a:p>
+            <a:r>
+              <a:rPr lang="en-SG" sz="1000" b="1" dirty="0" err="1" smtClean="0"/>
+              <a:t>WindowsXyz</a:t>
+            </a:r>
+            <a:endParaRPr lang="en-SG" sz="1000" b="1" dirty="0" smtClean="0"/>
+          </a:p>
+          <a:p>
+            <a:r>
+              <a:rPr lang="en-US" sz="1000" i="1" dirty="0" smtClean="0"/>
+              <a:t>Hosts </a:t>
+            </a:r>
+            <a:r>
+              <a:rPr lang="en-SG" sz="1000" i="1" dirty="0" smtClean="0"/>
+              <a:t>the Chart</a:t>
+            </a:r>
+          </a:p>
+          <a:p>
+            <a:r>
+              <a:rPr lang="en-US" sz="1000" dirty="0" err="1"/>
+              <a:t>var</a:t>
+            </a:r>
+            <a:r>
+              <a:rPr lang="en-US" sz="1000" dirty="0"/>
+              <a:t> chart = new Chart1Plot1X1YLegend(new </a:t>
+            </a:r>
+            <a:r>
+              <a:rPr lang="en-US" sz="1000" dirty="0" err="1"/>
+              <a:t>PlotArea</a:t>
+            </a:r>
+            <a:r>
+              <a:rPr lang="en-US" sz="1000" dirty="0"/>
+              <a:t>(), new </a:t>
+            </a:r>
+            <a:r>
+              <a:rPr lang="en-US" sz="1000" dirty="0" err="1"/>
+              <a:t>LegendScrollerX</a:t>
+            </a:r>
+            <a:r>
+              <a:rPr lang="en-US" sz="1000" dirty="0"/>
+              <a:t>(new </a:t>
+            </a:r>
+            <a:r>
+              <a:rPr lang="en-US" sz="1000" dirty="0" err="1"/>
+              <a:t>LegendXDate</a:t>
+            </a:r>
+            <a:r>
+              <a:rPr lang="en-US" sz="1000" dirty="0"/>
+              <a:t>()), new </a:t>
+            </a:r>
+            <a:r>
+              <a:rPr lang="en-US" sz="1000" dirty="0" err="1"/>
+              <a:t>LegendScrollerY</a:t>
+            </a:r>
+            <a:r>
+              <a:rPr lang="en-US" sz="1000" dirty="0" smtClean="0"/>
+              <a:t>())</a:t>
+            </a:r>
+            <a:endParaRPr lang="en-SG" sz="1000" dirty="0" smtClean="0"/>
+          </a:p>
+        </p:txBody>
+      </p:sp>
+      <p:cxnSp>
+        <p:nvCxnSpPr>
+          <p:cNvPr id="27" name="Straight Arrow Connector 26"/>
+          <p:cNvCxnSpPr/>
+          <p:nvPr/>
+        </p:nvCxnSpPr>
+        <p:spPr>
+          <a:xfrm flipV="1">
+            <a:off x="250892" y="6358890"/>
+            <a:ext cx="552450" cy="1"/>
+          </a:xfrm>
+          <a:prstGeom prst="straightConnector1">
+            <a:avLst/>
+          </a:prstGeom>
+          <a:ln>
+            <a:tailEnd type="arrow"/>
+          </a:ln>
+        </p:spPr>
+        <p:style>
+          <a:lnRef idx="1">
+            <a:schemeClr val="accent1"/>
+          </a:lnRef>
+          <a:fillRef idx="0">
+            <a:schemeClr val="accent1"/>
+          </a:fillRef>
+          <a:effectRef idx="0">
+            <a:schemeClr val="accent1"/>
+          </a:effectRef>
+          <a:fontRef idx="minor">
+            <a:schemeClr val="tx1"/>
+          </a:fontRef>
+        </p:style>
+      </p:cxnSp>
+      <p:sp>
+        <p:nvSpPr>
+          <p:cNvPr id="28" name="Rectangle 27"/>
+          <p:cNvSpPr/>
+          <p:nvPr/>
+        </p:nvSpPr>
+        <p:spPr>
+          <a:xfrm>
+            <a:off x="845820" y="6225782"/>
+            <a:ext cx="691215" cy="246221"/>
+          </a:xfrm>
+          <a:prstGeom prst="rect">
+            <a:avLst/>
+          </a:prstGeom>
+        </p:spPr>
+        <p:txBody>
+          <a:bodyPr wrap="none">
+            <a:spAutoFit/>
+          </a:bodyPr>
+          <a:lstStyle/>
+          <a:p>
+            <a:r>
+              <a:rPr lang="en-SG" sz="1000" dirty="0" smtClean="0"/>
+              <a:t>reference</a:t>
+            </a:r>
+            <a:endParaRPr lang="en-SG" sz="1000" dirty="0"/>
+          </a:p>
+        </p:txBody>
+      </p:sp>
+      <p:cxnSp>
+        <p:nvCxnSpPr>
+          <p:cNvPr id="30" name="Straight Arrow Connector 29"/>
+          <p:cNvCxnSpPr/>
+          <p:nvPr/>
+        </p:nvCxnSpPr>
+        <p:spPr>
+          <a:xfrm flipV="1">
+            <a:off x="262322" y="6572250"/>
+            <a:ext cx="552450" cy="1"/>
+          </a:xfrm>
+          <a:prstGeom prst="straightConnector1">
+            <a:avLst/>
+          </a:prstGeom>
+          <a:ln w="19050">
+            <a:solidFill>
+              <a:srgbClr val="00B050"/>
+            </a:solidFill>
+            <a:tailEnd type="arrow"/>
+          </a:ln>
+        </p:spPr>
+        <p:style>
+          <a:lnRef idx="1">
+            <a:schemeClr val="accent1"/>
+          </a:lnRef>
+          <a:fillRef idx="0">
+            <a:schemeClr val="accent1"/>
+          </a:fillRef>
+          <a:effectRef idx="0">
+            <a:schemeClr val="accent1"/>
+          </a:effectRef>
+          <a:fontRef idx="minor">
+            <a:schemeClr val="tx1"/>
+          </a:fontRef>
+        </p:style>
+      </p:cxnSp>
+      <p:sp>
+        <p:nvSpPr>
+          <p:cNvPr id="31" name="Rectangle 30"/>
+          <p:cNvSpPr/>
+          <p:nvPr/>
+        </p:nvSpPr>
+        <p:spPr>
+          <a:xfrm>
+            <a:off x="857250" y="6439142"/>
+            <a:ext cx="776175" cy="246221"/>
+          </a:xfrm>
+          <a:prstGeom prst="rect">
+            <a:avLst/>
+          </a:prstGeom>
+        </p:spPr>
+        <p:txBody>
+          <a:bodyPr wrap="none">
+            <a:spAutoFit/>
+          </a:bodyPr>
+          <a:lstStyle/>
+          <a:p>
+            <a:r>
+              <a:rPr lang="en-SG" sz="1000" dirty="0" smtClean="0"/>
+              <a:t>inheritance</a:t>
+            </a:r>
+            <a:endParaRPr lang="en-SG" sz="1000" dirty="0"/>
+          </a:p>
+        </p:txBody>
+      </p:sp>
+      <p:cxnSp>
+        <p:nvCxnSpPr>
+          <p:cNvPr id="32" name="Straight Arrow Connector 31"/>
+          <p:cNvCxnSpPr/>
+          <p:nvPr/>
+        </p:nvCxnSpPr>
+        <p:spPr>
+          <a:xfrm flipH="1" flipV="1">
+            <a:off x="1669754" y="3141540"/>
+            <a:ext cx="234916" cy="1"/>
+          </a:xfrm>
+          <a:prstGeom prst="straightConnector1">
+            <a:avLst/>
+          </a:prstGeom>
+          <a:ln w="19050">
+            <a:solidFill>
+              <a:srgbClr val="00B050"/>
+            </a:solidFill>
+            <a:tailEnd type="arrow"/>
+          </a:ln>
+        </p:spPr>
+        <p:style>
+          <a:lnRef idx="1">
+            <a:schemeClr val="accent1"/>
+          </a:lnRef>
+          <a:fillRef idx="0">
+            <a:schemeClr val="accent1"/>
+          </a:fillRef>
+          <a:effectRef idx="0">
+            <a:schemeClr val="accent1"/>
+          </a:effectRef>
+          <a:fontRef idx="minor">
+            <a:schemeClr val="tx1"/>
+          </a:fontRef>
+        </p:style>
+      </p:cxnSp>
+      <p:cxnSp>
+        <p:nvCxnSpPr>
+          <p:cNvPr id="34" name="Straight Arrow Connector 33"/>
+          <p:cNvCxnSpPr/>
+          <p:nvPr/>
+        </p:nvCxnSpPr>
+        <p:spPr>
+          <a:xfrm flipV="1">
+            <a:off x="257804" y="6151034"/>
+            <a:ext cx="552450" cy="1"/>
+          </a:xfrm>
+          <a:prstGeom prst="straightConnector1">
+            <a:avLst/>
+          </a:prstGeom>
+          <a:ln>
+            <a:solidFill>
+              <a:schemeClr val="tx1"/>
+            </a:solidFill>
+            <a:tailEnd type="arrow"/>
+          </a:ln>
+        </p:spPr>
+        <p:style>
+          <a:lnRef idx="1">
+            <a:schemeClr val="accent1"/>
+          </a:lnRef>
+          <a:fillRef idx="0">
+            <a:schemeClr val="accent1"/>
+          </a:fillRef>
+          <a:effectRef idx="0">
+            <a:schemeClr val="accent1"/>
+          </a:effectRef>
+          <a:fontRef idx="minor">
+            <a:schemeClr val="tx1"/>
+          </a:fontRef>
+        </p:style>
+      </p:cxnSp>
+      <p:sp>
+        <p:nvSpPr>
+          <p:cNvPr id="35" name="Rectangle 34"/>
+          <p:cNvSpPr/>
+          <p:nvPr/>
+        </p:nvSpPr>
+        <p:spPr>
+          <a:xfrm>
+            <a:off x="842340" y="6031782"/>
+            <a:ext cx="917239" cy="246221"/>
+          </a:xfrm>
+          <a:prstGeom prst="rect">
+            <a:avLst/>
+          </a:prstGeom>
+        </p:spPr>
+        <p:txBody>
+          <a:bodyPr wrap="none">
+            <a:spAutoFit/>
+          </a:bodyPr>
+          <a:lstStyle/>
+          <a:p>
+            <a:r>
+              <a:rPr lang="en-SG" sz="1000" dirty="0" smtClean="0"/>
+              <a:t>program flow </a:t>
+            </a:r>
+            <a:endParaRPr lang="en-SG" sz="1000" dirty="0"/>
+          </a:p>
+        </p:txBody>
+      </p:sp>
+      <p:cxnSp>
+        <p:nvCxnSpPr>
+          <p:cNvPr id="36" name="Straight Arrow Connector 35"/>
+          <p:cNvCxnSpPr/>
+          <p:nvPr/>
+        </p:nvCxnSpPr>
+        <p:spPr>
+          <a:xfrm flipH="1">
+            <a:off x="1304345" y="1097973"/>
+            <a:ext cx="1151342" cy="2767170"/>
+          </a:xfrm>
+          <a:prstGeom prst="straightConnector1">
+            <a:avLst/>
+          </a:prstGeom>
+          <a:ln>
+            <a:solidFill>
+              <a:schemeClr val="tx1"/>
+            </a:solidFill>
+            <a:tailEnd type="arrow"/>
+          </a:ln>
+        </p:spPr>
+        <p:style>
+          <a:lnRef idx="1">
+            <a:schemeClr val="accent1"/>
+          </a:lnRef>
+          <a:fillRef idx="0">
+            <a:schemeClr val="accent1"/>
+          </a:fillRef>
+          <a:effectRef idx="0">
+            <a:schemeClr val="accent1"/>
+          </a:effectRef>
+          <a:fontRef idx="minor">
+            <a:schemeClr val="tx1"/>
+          </a:fontRef>
+        </p:style>
+      </p:cxnSp>
+      <p:cxnSp>
+        <p:nvCxnSpPr>
+          <p:cNvPr id="39" name="Straight Arrow Connector 38"/>
+          <p:cNvCxnSpPr/>
+          <p:nvPr/>
+        </p:nvCxnSpPr>
+        <p:spPr>
+          <a:xfrm flipH="1">
+            <a:off x="3020257" y="1097973"/>
+            <a:ext cx="183572" cy="1220780"/>
+          </a:xfrm>
+          <a:prstGeom prst="straightConnector1">
+            <a:avLst/>
+          </a:prstGeom>
+          <a:ln>
+            <a:solidFill>
+              <a:schemeClr val="tx1"/>
+            </a:solidFill>
+            <a:tailEnd type="arrow"/>
+          </a:ln>
+        </p:spPr>
+        <p:style>
+          <a:lnRef idx="1">
+            <a:schemeClr val="accent1"/>
+          </a:lnRef>
+          <a:fillRef idx="0">
+            <a:schemeClr val="accent1"/>
+          </a:fillRef>
+          <a:effectRef idx="0">
+            <a:schemeClr val="accent1"/>
+          </a:effectRef>
+          <a:fontRef idx="minor">
+            <a:schemeClr val="tx1"/>
+          </a:fontRef>
+        </p:style>
+      </p:cxnSp>
+      <p:cxnSp>
+        <p:nvCxnSpPr>
+          <p:cNvPr id="43" name="Straight Arrow Connector 42"/>
+          <p:cNvCxnSpPr/>
+          <p:nvPr/>
+        </p:nvCxnSpPr>
+        <p:spPr>
+          <a:xfrm flipH="1">
+            <a:off x="5364718" y="1655793"/>
+            <a:ext cx="213219" cy="0"/>
+          </a:xfrm>
+          <a:prstGeom prst="straightConnector1">
+            <a:avLst/>
+          </a:prstGeom>
+          <a:ln w="19050">
+            <a:solidFill>
+              <a:srgbClr val="00B050"/>
+            </a:solidFill>
+            <a:tailEnd type="arrow"/>
+          </a:ln>
+        </p:spPr>
+        <p:style>
+          <a:lnRef idx="1">
+            <a:schemeClr val="accent1"/>
+          </a:lnRef>
+          <a:fillRef idx="0">
+            <a:schemeClr val="accent1"/>
+          </a:fillRef>
+          <a:effectRef idx="0">
+            <a:schemeClr val="accent1"/>
+          </a:effectRef>
+          <a:fontRef idx="minor">
+            <a:schemeClr val="tx1"/>
+          </a:fontRef>
+        </p:style>
+      </p:cxnSp>
+      <p:sp>
+        <p:nvSpPr>
+          <p:cNvPr id="44" name="TextBox 43"/>
+          <p:cNvSpPr txBox="1"/>
+          <p:nvPr/>
+        </p:nvSpPr>
+        <p:spPr>
+          <a:xfrm>
+            <a:off x="6708347" y="1568348"/>
+            <a:ext cx="736099" cy="400110"/>
+          </a:xfrm>
+          <a:prstGeom prst="rect">
+            <a:avLst/>
+          </a:prstGeom>
+          <a:solidFill>
+            <a:schemeClr val="bg1"/>
+          </a:solidFill>
+          <a:ln>
+            <a:solidFill>
+              <a:schemeClr val="tx1">
+                <a:lumMod val="75000"/>
+                <a:lumOff val="25000"/>
+              </a:schemeClr>
+            </a:solidFill>
+          </a:ln>
+          <a:effectLst>
+            <a:outerShdw blurRad="50800" dist="38100" dir="2700000" algn="tl" rotWithShape="0">
+              <a:prstClr val="black">
+                <a:alpha val="40000"/>
+              </a:prstClr>
+            </a:outerShdw>
+          </a:effectLst>
+        </p:spPr>
+        <p:txBody>
+          <a:bodyPr wrap="none" rtlCol="0">
+            <a:spAutoFit/>
+          </a:bodyPr>
+          <a:lstStyle/>
+          <a:p>
+            <a:r>
+              <a:rPr lang="en-SG" sz="1000" b="1" dirty="0" smtClean="0"/>
+              <a:t>Legend</a:t>
+            </a:r>
+          </a:p>
+          <a:p>
+            <a:r>
+              <a:rPr lang="en-US" sz="1000" b="1" dirty="0" smtClean="0"/>
+              <a:t>Legend</a:t>
+            </a:r>
+            <a:r>
+              <a:rPr lang="en-US" sz="1000" dirty="0" smtClean="0"/>
+              <a:t>(){}</a:t>
+            </a:r>
+            <a:endParaRPr lang="en-US" sz="1000" dirty="0" smtClean="0"/>
+          </a:p>
+        </p:txBody>
+      </p:sp>
+      <p:cxnSp>
+        <p:nvCxnSpPr>
+          <p:cNvPr id="45" name="Straight Arrow Connector 44"/>
+          <p:cNvCxnSpPr/>
+          <p:nvPr/>
+        </p:nvCxnSpPr>
+        <p:spPr>
+          <a:xfrm flipH="1">
+            <a:off x="6365332" y="1631373"/>
+            <a:ext cx="343016" cy="0"/>
+          </a:xfrm>
+          <a:prstGeom prst="straightConnector1">
+            <a:avLst/>
+          </a:prstGeom>
+          <a:ln w="19050">
+            <a:solidFill>
+              <a:srgbClr val="00B050"/>
+            </a:solidFill>
+            <a:tailEnd type="arrow"/>
+          </a:ln>
+        </p:spPr>
+        <p:style>
+          <a:lnRef idx="1">
+            <a:schemeClr val="accent1"/>
+          </a:lnRef>
+          <a:fillRef idx="0">
+            <a:schemeClr val="accent1"/>
+          </a:fillRef>
+          <a:effectRef idx="0">
+            <a:schemeClr val="accent1"/>
+          </a:effectRef>
+          <a:fontRef idx="minor">
+            <a:schemeClr val="tx1"/>
+          </a:fontRef>
+        </p:style>
+      </p:cxnSp>
+      <p:cxnSp>
+        <p:nvCxnSpPr>
+          <p:cNvPr id="49" name="Straight Arrow Connector 48"/>
+          <p:cNvCxnSpPr/>
+          <p:nvPr/>
+        </p:nvCxnSpPr>
+        <p:spPr>
+          <a:xfrm>
+            <a:off x="1573746" y="3939271"/>
+            <a:ext cx="409147" cy="317350"/>
+          </a:xfrm>
+          <a:prstGeom prst="straightConnector1">
+            <a:avLst/>
+          </a:prstGeom>
+          <a:ln>
+            <a:solidFill>
+              <a:schemeClr val="tx1"/>
+            </a:solidFill>
+            <a:tailEnd type="arrow"/>
+          </a:ln>
+        </p:spPr>
+        <p:style>
+          <a:lnRef idx="1">
+            <a:schemeClr val="accent1"/>
+          </a:lnRef>
+          <a:fillRef idx="0">
+            <a:schemeClr val="accent1"/>
+          </a:fillRef>
+          <a:effectRef idx="0">
+            <a:schemeClr val="accent1"/>
+          </a:effectRef>
+          <a:fontRef idx="minor">
+            <a:schemeClr val="tx1"/>
+          </a:fontRef>
+        </p:style>
+      </p:cxnSp>
+      <p:cxnSp>
+        <p:nvCxnSpPr>
+          <p:cNvPr id="52" name="Straight Arrow Connector 51"/>
+          <p:cNvCxnSpPr/>
+          <p:nvPr/>
+        </p:nvCxnSpPr>
+        <p:spPr>
+          <a:xfrm>
+            <a:off x="5247013" y="1860492"/>
+            <a:ext cx="385621" cy="0"/>
+          </a:xfrm>
+          <a:prstGeom prst="straightConnector1">
+            <a:avLst/>
+          </a:prstGeom>
+          <a:ln>
+            <a:solidFill>
+              <a:schemeClr val="tx1"/>
+            </a:solidFill>
+            <a:tailEnd type="arrow"/>
+          </a:ln>
+        </p:spPr>
+        <p:style>
+          <a:lnRef idx="1">
+            <a:schemeClr val="accent1"/>
+          </a:lnRef>
+          <a:fillRef idx="0">
+            <a:schemeClr val="accent1"/>
+          </a:fillRef>
+          <a:effectRef idx="0">
+            <a:schemeClr val="accent1"/>
+          </a:effectRef>
+          <a:fontRef idx="minor">
+            <a:schemeClr val="tx1"/>
+          </a:fontRef>
+        </p:style>
+      </p:cxnSp>
+      <p:cxnSp>
+        <p:nvCxnSpPr>
+          <p:cNvPr id="54" name="Straight Arrow Connector 53"/>
+          <p:cNvCxnSpPr/>
+          <p:nvPr/>
+        </p:nvCxnSpPr>
+        <p:spPr>
+          <a:xfrm>
+            <a:off x="6314535" y="1884737"/>
+            <a:ext cx="385621" cy="0"/>
+          </a:xfrm>
+          <a:prstGeom prst="straightConnector1">
+            <a:avLst/>
+          </a:prstGeom>
+          <a:ln>
+            <a:solidFill>
+              <a:schemeClr val="tx1"/>
+            </a:solidFill>
+            <a:tailEnd type="arrow"/>
+          </a:ln>
+        </p:spPr>
+        <p:style>
+          <a:lnRef idx="1">
+            <a:schemeClr val="accent1"/>
+          </a:lnRef>
+          <a:fillRef idx="0">
+            <a:schemeClr val="accent1"/>
+          </a:fillRef>
+          <a:effectRef idx="0">
+            <a:schemeClr val="accent1"/>
+          </a:effectRef>
+          <a:fontRef idx="minor">
+            <a:schemeClr val="tx1"/>
+          </a:fontRef>
+        </p:style>
+      </p:cxnSp>
+      <p:cxnSp>
+        <p:nvCxnSpPr>
+          <p:cNvPr id="56" name="Straight Arrow Connector 55"/>
+          <p:cNvCxnSpPr/>
+          <p:nvPr/>
+        </p:nvCxnSpPr>
+        <p:spPr>
+          <a:xfrm flipH="1">
+            <a:off x="5174638" y="1136591"/>
+            <a:ext cx="427557" cy="678354"/>
+          </a:xfrm>
+          <a:prstGeom prst="straightConnector1">
+            <a:avLst/>
+          </a:prstGeom>
+          <a:ln>
+            <a:solidFill>
+              <a:schemeClr val="tx1"/>
+            </a:solidFill>
+            <a:tailEnd type="arrow"/>
+          </a:ln>
+        </p:spPr>
+        <p:style>
+          <a:lnRef idx="1">
+            <a:schemeClr val="accent1"/>
+          </a:lnRef>
+          <a:fillRef idx="0">
+            <a:schemeClr val="accent1"/>
+          </a:fillRef>
+          <a:effectRef idx="0">
+            <a:schemeClr val="accent1"/>
+          </a:effectRef>
+          <a:fontRef idx="minor">
+            <a:schemeClr val="tx1"/>
+          </a:fontRef>
+        </p:style>
+      </p:cxnSp>
+      <p:cxnSp>
+        <p:nvCxnSpPr>
+          <p:cNvPr id="60" name="Straight Arrow Connector 59"/>
+          <p:cNvCxnSpPr/>
+          <p:nvPr/>
+        </p:nvCxnSpPr>
+        <p:spPr>
+          <a:xfrm>
+            <a:off x="4107839" y="1031666"/>
+            <a:ext cx="26397" cy="1586843"/>
+          </a:xfrm>
+          <a:prstGeom prst="straightConnector1">
+            <a:avLst/>
+          </a:prstGeom>
+          <a:ln>
+            <a:solidFill>
+              <a:schemeClr val="tx1"/>
+            </a:solidFill>
+            <a:tailEnd type="arrow"/>
+          </a:ln>
+        </p:spPr>
+        <p:style>
+          <a:lnRef idx="1">
+            <a:schemeClr val="accent1"/>
+          </a:lnRef>
+          <a:fillRef idx="0">
+            <a:schemeClr val="accent1"/>
+          </a:fillRef>
+          <a:effectRef idx="0">
+            <a:schemeClr val="accent1"/>
+          </a:effectRef>
+          <a:fontRef idx="minor">
+            <a:schemeClr val="tx1"/>
+          </a:fontRef>
+        </p:style>
+      </p:cxnSp>
+      <p:cxnSp>
+        <p:nvCxnSpPr>
+          <p:cNvPr id="64" name="Straight Arrow Connector 63"/>
+          <p:cNvCxnSpPr/>
+          <p:nvPr/>
+        </p:nvCxnSpPr>
+        <p:spPr>
+          <a:xfrm flipV="1">
+            <a:off x="5877756" y="1968458"/>
+            <a:ext cx="1004455" cy="2374942"/>
+          </a:xfrm>
+          <a:prstGeom prst="straightConnector1">
+            <a:avLst/>
+          </a:prstGeom>
+          <a:ln>
+            <a:tailEnd type="arrow"/>
+          </a:ln>
+        </p:spPr>
+        <p:style>
+          <a:lnRef idx="1">
+            <a:schemeClr val="accent1"/>
+          </a:lnRef>
+          <a:fillRef idx="0">
+            <a:schemeClr val="accent1"/>
+          </a:fillRef>
+          <a:effectRef idx="0">
+            <a:schemeClr val="accent1"/>
+          </a:effectRef>
+          <a:fontRef idx="minor">
+            <a:schemeClr val="tx1"/>
+          </a:fontRef>
+        </p:style>
+      </p:cxnSp>
+      <p:cxnSp>
+        <p:nvCxnSpPr>
+          <p:cNvPr id="66" name="Straight Arrow Connector 65"/>
+          <p:cNvCxnSpPr/>
+          <p:nvPr/>
+        </p:nvCxnSpPr>
+        <p:spPr>
+          <a:xfrm>
+            <a:off x="4315882" y="2850241"/>
+            <a:ext cx="321893" cy="1451595"/>
+          </a:xfrm>
+          <a:prstGeom prst="straightConnector1">
+            <a:avLst/>
+          </a:prstGeom>
+          <a:ln>
+            <a:solidFill>
+              <a:schemeClr val="tx1"/>
+            </a:solidFill>
+            <a:tailEnd type="arrow"/>
+          </a:ln>
+        </p:spPr>
+        <p:style>
+          <a:lnRef idx="1">
+            <a:schemeClr val="accent1"/>
+          </a:lnRef>
+          <a:fillRef idx="0">
+            <a:schemeClr val="accent1"/>
+          </a:fillRef>
+          <a:effectRef idx="0">
+            <a:schemeClr val="accent1"/>
+          </a:effectRef>
+          <a:fontRef idx="minor">
+            <a:schemeClr val="tx1"/>
+          </a:fontRef>
+        </p:style>
+      </p:cxnSp>
+      <p:sp>
+        <p:nvSpPr>
+          <p:cNvPr id="68" name="TextBox 67"/>
+          <p:cNvSpPr txBox="1"/>
+          <p:nvPr/>
+        </p:nvSpPr>
+        <p:spPr>
+          <a:xfrm>
+            <a:off x="6458513" y="4509833"/>
+            <a:ext cx="1439818" cy="553998"/>
+          </a:xfrm>
+          <a:prstGeom prst="rect">
+            <a:avLst/>
+          </a:prstGeom>
+          <a:solidFill>
+            <a:schemeClr val="bg1"/>
+          </a:solidFill>
+          <a:ln>
+            <a:solidFill>
+              <a:schemeClr val="tx1">
+                <a:lumMod val="75000"/>
+                <a:lumOff val="25000"/>
+              </a:schemeClr>
+            </a:solidFill>
+          </a:ln>
+          <a:effectLst>
+            <a:outerShdw blurRad="50800" dist="38100" dir="2700000" algn="tl" rotWithShape="0">
+              <a:prstClr val="black">
+                <a:alpha val="40000"/>
+              </a:prstClr>
+            </a:outerShdw>
+          </a:effectLst>
+        </p:spPr>
+        <p:txBody>
+          <a:bodyPr wrap="none" rtlCol="0">
+            <a:spAutoFit/>
+          </a:bodyPr>
+          <a:lstStyle/>
+          <a:p>
+            <a:r>
+              <a:rPr lang="en-SG" sz="1000" b="1" dirty="0" err="1"/>
+              <a:t>LegendScrollerY</a:t>
+            </a:r>
+            <a:endParaRPr lang="en-SG" sz="1000" b="1" dirty="0"/>
+          </a:p>
+          <a:p>
+            <a:r>
+              <a:rPr lang="en-SG" sz="1000" dirty="0" err="1" smtClean="0"/>
+              <a:t>LegendScrollerY</a:t>
+            </a:r>
+            <a:r>
+              <a:rPr lang="en-SG" sz="1000" dirty="0" smtClean="0"/>
+              <a:t>(): </a:t>
+            </a:r>
+          </a:p>
+          <a:p>
+            <a:r>
+              <a:rPr lang="en-SG" sz="1000" dirty="0"/>
+              <a:t> </a:t>
+            </a:r>
+            <a:r>
+              <a:rPr lang="en-SG" sz="1000" dirty="0" smtClean="0"/>
+              <a:t> base(</a:t>
+            </a:r>
+            <a:r>
+              <a:rPr lang="en-SG" sz="1000" dirty="0"/>
+              <a:t>new </a:t>
+            </a:r>
+            <a:r>
+              <a:rPr lang="en-SG" sz="1000" dirty="0" err="1"/>
+              <a:t>LegendY</a:t>
+            </a:r>
+            <a:r>
+              <a:rPr lang="en-SG" sz="1000" dirty="0" smtClean="0"/>
+              <a:t>()) {}</a:t>
+            </a:r>
+            <a:endParaRPr lang="en-SG" sz="1000" b="1" dirty="0" smtClean="0"/>
+          </a:p>
+        </p:txBody>
+      </p:sp>
+      <p:sp>
+        <p:nvSpPr>
+          <p:cNvPr id="69" name="TextBox 68"/>
+          <p:cNvSpPr txBox="1"/>
+          <p:nvPr/>
+        </p:nvSpPr>
+        <p:spPr>
+          <a:xfrm>
+            <a:off x="6712549" y="3090316"/>
+            <a:ext cx="790601" cy="400110"/>
+          </a:xfrm>
+          <a:prstGeom prst="rect">
+            <a:avLst/>
+          </a:prstGeom>
+          <a:solidFill>
+            <a:schemeClr val="bg1"/>
+          </a:solidFill>
+          <a:ln>
+            <a:solidFill>
+              <a:schemeClr val="tx1">
+                <a:lumMod val="75000"/>
+                <a:lumOff val="25000"/>
+              </a:schemeClr>
+            </a:solidFill>
+          </a:ln>
+          <a:effectLst>
+            <a:outerShdw blurRad="50800" dist="38100" dir="2700000" algn="tl" rotWithShape="0">
+              <a:prstClr val="black">
+                <a:alpha val="40000"/>
+              </a:prstClr>
+            </a:outerShdw>
+          </a:effectLst>
+        </p:spPr>
+        <p:txBody>
+          <a:bodyPr wrap="none" rtlCol="0">
+            <a:spAutoFit/>
+          </a:bodyPr>
+          <a:lstStyle/>
+          <a:p>
+            <a:r>
+              <a:rPr lang="en-SG" sz="1000" b="1" dirty="0" err="1" smtClean="0"/>
+              <a:t>LegendY</a:t>
+            </a:r>
+            <a:endParaRPr lang="en-SG" sz="1000" b="1" dirty="0" smtClean="0"/>
+          </a:p>
+          <a:p>
+            <a:r>
+              <a:rPr lang="en-SG" sz="1000" b="1" dirty="0" err="1" smtClean="0"/>
+              <a:t>LegendY</a:t>
+            </a:r>
+            <a:r>
+              <a:rPr lang="en-SG" sz="1000" dirty="0" smtClean="0"/>
+              <a:t>(){}</a:t>
+            </a:r>
+            <a:endParaRPr lang="en-US" sz="1000" dirty="0" smtClean="0"/>
+          </a:p>
+        </p:txBody>
+      </p:sp>
+      <p:cxnSp>
+        <p:nvCxnSpPr>
+          <p:cNvPr id="70" name="Straight Arrow Connector 69"/>
+          <p:cNvCxnSpPr>
+            <a:endCxn id="69" idx="0"/>
+          </p:cNvCxnSpPr>
+          <p:nvPr/>
+        </p:nvCxnSpPr>
+        <p:spPr>
+          <a:xfrm>
+            <a:off x="6979019" y="1998445"/>
+            <a:ext cx="128831" cy="1091871"/>
+          </a:xfrm>
+          <a:prstGeom prst="straightConnector1">
+            <a:avLst/>
+          </a:prstGeom>
+          <a:ln w="19050">
+            <a:solidFill>
+              <a:srgbClr val="00B050"/>
+            </a:solidFill>
+            <a:tailEnd type="arrow"/>
+          </a:ln>
+        </p:spPr>
+        <p:style>
+          <a:lnRef idx="1">
+            <a:schemeClr val="accent1"/>
+          </a:lnRef>
+          <a:fillRef idx="0">
+            <a:schemeClr val="accent1"/>
+          </a:fillRef>
+          <a:effectRef idx="0">
+            <a:schemeClr val="accent1"/>
+          </a:effectRef>
+          <a:fontRef idx="minor">
+            <a:schemeClr val="tx1"/>
+          </a:fontRef>
+        </p:style>
+      </p:cxnSp>
+      <p:cxnSp>
+        <p:nvCxnSpPr>
+          <p:cNvPr id="71" name="Straight Arrow Connector 70"/>
+          <p:cNvCxnSpPr/>
+          <p:nvPr/>
+        </p:nvCxnSpPr>
+        <p:spPr>
+          <a:xfrm flipH="1" flipV="1">
+            <a:off x="7406126" y="3529445"/>
+            <a:ext cx="97024" cy="1358641"/>
+          </a:xfrm>
+          <a:prstGeom prst="straightConnector1">
+            <a:avLst/>
+          </a:prstGeom>
+          <a:ln>
+            <a:solidFill>
+              <a:schemeClr val="tx1"/>
+            </a:solidFill>
+            <a:tailEnd type="arrow"/>
+          </a:ln>
+        </p:spPr>
+        <p:style>
+          <a:lnRef idx="1">
+            <a:schemeClr val="accent1"/>
+          </a:lnRef>
+          <a:fillRef idx="0">
+            <a:schemeClr val="accent1"/>
+          </a:fillRef>
+          <a:effectRef idx="0">
+            <a:schemeClr val="accent1"/>
+          </a:effectRef>
+          <a:fontRef idx="minor">
+            <a:schemeClr val="tx1"/>
+          </a:fontRef>
+        </p:style>
+      </p:cxnSp>
+      <p:cxnSp>
+        <p:nvCxnSpPr>
+          <p:cNvPr id="74" name="Straight Arrow Connector 73"/>
+          <p:cNvCxnSpPr/>
+          <p:nvPr/>
+        </p:nvCxnSpPr>
+        <p:spPr>
+          <a:xfrm flipH="1">
+            <a:off x="6507345" y="1070264"/>
+            <a:ext cx="29495" cy="3577936"/>
+          </a:xfrm>
+          <a:prstGeom prst="straightConnector1">
+            <a:avLst/>
+          </a:prstGeom>
+          <a:ln>
+            <a:solidFill>
+              <a:schemeClr val="tx1"/>
+            </a:solidFill>
+            <a:tailEnd type="arrow"/>
+          </a:ln>
+        </p:spPr>
+        <p:style>
+          <a:lnRef idx="1">
+            <a:schemeClr val="accent1"/>
+          </a:lnRef>
+          <a:fillRef idx="0">
+            <a:schemeClr val="accent1"/>
+          </a:fillRef>
+          <a:effectRef idx="0">
+            <a:schemeClr val="accent1"/>
+          </a:effectRef>
+          <a:fontRef idx="minor">
+            <a:schemeClr val="tx1"/>
+          </a:fontRef>
+        </p:style>
+      </p:cxnSp>
+      <p:cxnSp>
+        <p:nvCxnSpPr>
+          <p:cNvPr id="80" name="Straight Arrow Connector 79"/>
+          <p:cNvCxnSpPr/>
+          <p:nvPr/>
+        </p:nvCxnSpPr>
+        <p:spPr>
+          <a:xfrm flipH="1" flipV="1">
+            <a:off x="5832729" y="4407307"/>
+            <a:ext cx="758537" cy="542229"/>
+          </a:xfrm>
+          <a:prstGeom prst="straightConnector1">
+            <a:avLst/>
+          </a:prstGeom>
+          <a:ln>
+            <a:solidFill>
+              <a:schemeClr val="tx1"/>
+            </a:solidFill>
+            <a:tailEnd type="arrow"/>
+          </a:ln>
+        </p:spPr>
+        <p:style>
+          <a:lnRef idx="1">
+            <a:schemeClr val="accent1"/>
+          </a:lnRef>
+          <a:fillRef idx="0">
+            <a:schemeClr val="accent1"/>
+          </a:fillRef>
+          <a:effectRef idx="0">
+            <a:schemeClr val="accent1"/>
+          </a:effectRef>
+          <a:fontRef idx="minor">
+            <a:schemeClr val="tx1"/>
+          </a:fontRef>
+        </p:style>
+      </p:cxnSp>
+      <p:cxnSp>
+        <p:nvCxnSpPr>
+          <p:cNvPr id="83" name="Straight Arrow Connector 82"/>
+          <p:cNvCxnSpPr>
+            <a:stCxn id="16" idx="0"/>
+          </p:cNvCxnSpPr>
+          <p:nvPr/>
+        </p:nvCxnSpPr>
+        <p:spPr>
+          <a:xfrm flipV="1">
+            <a:off x="5260319" y="2933700"/>
+            <a:ext cx="0" cy="367898"/>
+          </a:xfrm>
+          <a:prstGeom prst="straightConnector1">
+            <a:avLst/>
+          </a:prstGeom>
+          <a:ln w="19050">
+            <a:solidFill>
+              <a:srgbClr val="00B050"/>
+            </a:solidFill>
+            <a:tailEnd type="arrow"/>
+          </a:ln>
+        </p:spPr>
+        <p:style>
+          <a:lnRef idx="1">
+            <a:schemeClr val="accent1"/>
+          </a:lnRef>
+          <a:fillRef idx="0">
+            <a:schemeClr val="accent1"/>
+          </a:fillRef>
+          <a:effectRef idx="0">
+            <a:schemeClr val="accent1"/>
+          </a:effectRef>
+          <a:fontRef idx="minor">
+            <a:schemeClr val="tx1"/>
+          </a:fontRef>
+        </p:style>
+      </p:cxnSp>
+      <p:cxnSp>
+        <p:nvCxnSpPr>
+          <p:cNvPr id="96" name="Straight Arrow Connector 95"/>
+          <p:cNvCxnSpPr>
+            <a:endCxn id="68" idx="1"/>
+          </p:cNvCxnSpPr>
+          <p:nvPr/>
+        </p:nvCxnSpPr>
+        <p:spPr>
+          <a:xfrm>
+            <a:off x="6002448" y="4343400"/>
+            <a:ext cx="456065" cy="443432"/>
+          </a:xfrm>
+          <a:prstGeom prst="straightConnector1">
+            <a:avLst/>
+          </a:prstGeom>
+          <a:ln w="19050">
+            <a:solidFill>
+              <a:srgbClr val="00B050"/>
+            </a:solidFill>
+            <a:tailEnd type="arrow"/>
+          </a:ln>
+        </p:spPr>
+        <p:style>
+          <a:lnRef idx="1">
+            <a:schemeClr val="accent1"/>
+          </a:lnRef>
+          <a:fillRef idx="0">
+            <a:schemeClr val="accent1"/>
+          </a:fillRef>
+          <a:effectRef idx="0">
+            <a:schemeClr val="accent1"/>
+          </a:effectRef>
+          <a:fontRef idx="minor">
+            <a:schemeClr val="tx1"/>
+          </a:fontRef>
+        </p:style>
+      </p:cxnSp>
+      <p:sp>
+        <p:nvSpPr>
+          <p:cNvPr id="108" name="Oval 107"/>
+          <p:cNvSpPr/>
+          <p:nvPr/>
+        </p:nvSpPr>
+        <p:spPr>
+          <a:xfrm>
+            <a:off x="2855365" y="1175830"/>
+            <a:ext cx="207992" cy="207992"/>
+          </a:xfrm>
+          <a:prstGeom prst="ellipse">
+            <a:avLst/>
+          </a:prstGeom>
+        </p:spPr>
+        <p:style>
+          <a:lnRef idx="1">
+            <a:schemeClr val="accent3"/>
+          </a:lnRef>
+          <a:fillRef idx="2">
+            <a:schemeClr val="accent3"/>
+          </a:fillRef>
+          <a:effectRef idx="1">
+            <a:schemeClr val="accent3"/>
+          </a:effectRef>
+          <a:fontRef idx="minor">
+            <a:schemeClr val="dk1"/>
+          </a:fontRef>
+        </p:style>
+        <p:txBody>
+          <a:bodyPr rtlCol="0" anchor="ctr"/>
+          <a:lstStyle/>
+          <a:p>
+            <a:pPr algn="ctr"/>
+            <a:r>
+              <a:rPr lang="en-US" sz="1100" dirty="0" smtClean="0"/>
+              <a:t>1</a:t>
+            </a:r>
+            <a:endParaRPr lang="en-SG" sz="1100" dirty="0"/>
+          </a:p>
+        </p:txBody>
+      </p:sp>
+      <p:sp>
+        <p:nvSpPr>
+          <p:cNvPr id="109" name="Oval 108"/>
+          <p:cNvSpPr/>
+          <p:nvPr/>
+        </p:nvSpPr>
+        <p:spPr>
+          <a:xfrm>
+            <a:off x="5217582" y="1175830"/>
+            <a:ext cx="207992" cy="207992"/>
+          </a:xfrm>
+          <a:prstGeom prst="ellipse">
+            <a:avLst/>
+          </a:prstGeom>
+        </p:spPr>
+        <p:style>
+          <a:lnRef idx="1">
+            <a:schemeClr val="accent3"/>
+          </a:lnRef>
+          <a:fillRef idx="2">
+            <a:schemeClr val="accent3"/>
+          </a:fillRef>
+          <a:effectRef idx="1">
+            <a:schemeClr val="accent3"/>
+          </a:effectRef>
+          <a:fontRef idx="minor">
+            <a:schemeClr val="dk1"/>
+          </a:fontRef>
+        </p:style>
+        <p:txBody>
+          <a:bodyPr rtlCol="0" anchor="ctr"/>
+          <a:lstStyle/>
+          <a:p>
+            <a:pPr algn="ctr"/>
+            <a:r>
+              <a:rPr lang="en-US" sz="1100" dirty="0" smtClean="0"/>
+              <a:t>2</a:t>
+            </a:r>
+            <a:endParaRPr lang="en-SG" sz="1100" dirty="0"/>
+          </a:p>
+        </p:txBody>
+      </p:sp>
+      <p:sp>
+        <p:nvSpPr>
+          <p:cNvPr id="110" name="Oval 109"/>
+          <p:cNvSpPr/>
+          <p:nvPr/>
+        </p:nvSpPr>
+        <p:spPr>
+          <a:xfrm>
+            <a:off x="5356128" y="1894449"/>
+            <a:ext cx="207992" cy="207992"/>
+          </a:xfrm>
+          <a:prstGeom prst="ellipse">
+            <a:avLst/>
+          </a:prstGeom>
+        </p:spPr>
+        <p:style>
+          <a:lnRef idx="1">
+            <a:schemeClr val="accent3"/>
+          </a:lnRef>
+          <a:fillRef idx="2">
+            <a:schemeClr val="accent3"/>
+          </a:fillRef>
+          <a:effectRef idx="1">
+            <a:schemeClr val="accent3"/>
+          </a:effectRef>
+          <a:fontRef idx="minor">
+            <a:schemeClr val="dk1"/>
+          </a:fontRef>
+        </p:style>
+        <p:txBody>
+          <a:bodyPr rtlCol="0" anchor="ctr"/>
+          <a:lstStyle/>
+          <a:p>
+            <a:pPr algn="ctr"/>
+            <a:r>
+              <a:rPr lang="en-US" sz="1100" dirty="0" smtClean="0"/>
+              <a:t>3</a:t>
+            </a:r>
+            <a:endParaRPr lang="en-SG" sz="1100" dirty="0"/>
+          </a:p>
+        </p:txBody>
+      </p:sp>
+      <p:sp>
+        <p:nvSpPr>
+          <p:cNvPr id="111" name="Oval 110"/>
+          <p:cNvSpPr/>
+          <p:nvPr/>
+        </p:nvSpPr>
+        <p:spPr>
+          <a:xfrm>
+            <a:off x="6424729" y="1934276"/>
+            <a:ext cx="207992" cy="207992"/>
+          </a:xfrm>
+          <a:prstGeom prst="ellipse">
+            <a:avLst/>
+          </a:prstGeom>
+        </p:spPr>
+        <p:style>
+          <a:lnRef idx="1">
+            <a:schemeClr val="accent3"/>
+          </a:lnRef>
+          <a:fillRef idx="2">
+            <a:schemeClr val="accent3"/>
+          </a:fillRef>
+          <a:effectRef idx="1">
+            <a:schemeClr val="accent3"/>
+          </a:effectRef>
+          <a:fontRef idx="minor">
+            <a:schemeClr val="dk1"/>
+          </a:fontRef>
+        </p:style>
+        <p:txBody>
+          <a:bodyPr rtlCol="0" anchor="ctr"/>
+          <a:lstStyle/>
+          <a:p>
+            <a:pPr algn="ctr"/>
+            <a:r>
+              <a:rPr lang="en-US" sz="1100" dirty="0" smtClean="0"/>
+              <a:t>4</a:t>
+            </a:r>
+            <a:endParaRPr lang="en-SG" sz="1100" dirty="0"/>
+          </a:p>
+        </p:txBody>
+      </p:sp>
+      <p:sp>
+        <p:nvSpPr>
+          <p:cNvPr id="112" name="Oval 111"/>
+          <p:cNvSpPr/>
+          <p:nvPr/>
+        </p:nvSpPr>
+        <p:spPr>
+          <a:xfrm>
+            <a:off x="4211886" y="1175830"/>
+            <a:ext cx="207992" cy="207992"/>
+          </a:xfrm>
+          <a:prstGeom prst="ellipse">
+            <a:avLst/>
+          </a:prstGeom>
+        </p:spPr>
+        <p:style>
+          <a:lnRef idx="1">
+            <a:schemeClr val="accent3"/>
+          </a:lnRef>
+          <a:fillRef idx="2">
+            <a:schemeClr val="accent3"/>
+          </a:fillRef>
+          <a:effectRef idx="1">
+            <a:schemeClr val="accent3"/>
+          </a:effectRef>
+          <a:fontRef idx="minor">
+            <a:schemeClr val="dk1"/>
+          </a:fontRef>
+        </p:style>
+        <p:txBody>
+          <a:bodyPr rtlCol="0" anchor="ctr"/>
+          <a:lstStyle/>
+          <a:p>
+            <a:pPr algn="ctr"/>
+            <a:r>
+              <a:rPr lang="en-US" sz="1100" dirty="0" smtClean="0"/>
+              <a:t>5</a:t>
+            </a:r>
+            <a:endParaRPr lang="en-SG" sz="1100" dirty="0"/>
+          </a:p>
+        </p:txBody>
+      </p:sp>
+      <p:sp>
+        <p:nvSpPr>
+          <p:cNvPr id="113" name="Oval 112"/>
+          <p:cNvSpPr/>
+          <p:nvPr/>
+        </p:nvSpPr>
+        <p:spPr>
+          <a:xfrm>
+            <a:off x="4429783" y="2986320"/>
+            <a:ext cx="207992" cy="207992"/>
+          </a:xfrm>
+          <a:prstGeom prst="ellipse">
+            <a:avLst/>
+          </a:prstGeom>
+        </p:spPr>
+        <p:style>
+          <a:lnRef idx="1">
+            <a:schemeClr val="accent3"/>
+          </a:lnRef>
+          <a:fillRef idx="2">
+            <a:schemeClr val="accent3"/>
+          </a:fillRef>
+          <a:effectRef idx="1">
+            <a:schemeClr val="accent3"/>
+          </a:effectRef>
+          <a:fontRef idx="minor">
+            <a:schemeClr val="dk1"/>
+          </a:fontRef>
+        </p:style>
+        <p:txBody>
+          <a:bodyPr rtlCol="0" anchor="ctr"/>
+          <a:lstStyle/>
+          <a:p>
+            <a:pPr algn="ctr"/>
+            <a:r>
+              <a:rPr lang="en-US" sz="1100" dirty="0" smtClean="0"/>
+              <a:t>6</a:t>
+            </a:r>
+            <a:endParaRPr lang="en-SG" sz="1100" dirty="0"/>
+          </a:p>
+        </p:txBody>
+      </p:sp>
+      <p:sp>
+        <p:nvSpPr>
+          <p:cNvPr id="114" name="Oval 113"/>
+          <p:cNvSpPr/>
+          <p:nvPr/>
+        </p:nvSpPr>
+        <p:spPr>
+          <a:xfrm>
+            <a:off x="7302130" y="1175830"/>
+            <a:ext cx="207992" cy="207992"/>
+          </a:xfrm>
+          <a:prstGeom prst="ellipse">
+            <a:avLst/>
+          </a:prstGeom>
+        </p:spPr>
+        <p:style>
+          <a:lnRef idx="1">
+            <a:schemeClr val="accent3"/>
+          </a:lnRef>
+          <a:fillRef idx="2">
+            <a:schemeClr val="accent3"/>
+          </a:fillRef>
+          <a:effectRef idx="1">
+            <a:schemeClr val="accent3"/>
+          </a:effectRef>
+          <a:fontRef idx="minor">
+            <a:schemeClr val="dk1"/>
+          </a:fontRef>
+        </p:style>
+        <p:txBody>
+          <a:bodyPr rtlCol="0" anchor="ctr"/>
+          <a:lstStyle/>
+          <a:p>
+            <a:pPr algn="ctr"/>
+            <a:r>
+              <a:rPr lang="en-US" sz="1100" dirty="0" smtClean="0"/>
+              <a:t>7</a:t>
+            </a:r>
+            <a:endParaRPr lang="en-SG" sz="1100" dirty="0"/>
+          </a:p>
+        </p:txBody>
+      </p:sp>
+      <p:sp>
+        <p:nvSpPr>
+          <p:cNvPr id="115" name="Oval 114"/>
+          <p:cNvSpPr/>
+          <p:nvPr/>
+        </p:nvSpPr>
+        <p:spPr>
+          <a:xfrm>
+            <a:off x="7614363" y="4135408"/>
+            <a:ext cx="207992" cy="207992"/>
+          </a:xfrm>
+          <a:prstGeom prst="ellipse">
+            <a:avLst/>
+          </a:prstGeom>
+        </p:spPr>
+        <p:style>
+          <a:lnRef idx="1">
+            <a:schemeClr val="accent3"/>
+          </a:lnRef>
+          <a:fillRef idx="2">
+            <a:schemeClr val="accent3"/>
+          </a:fillRef>
+          <a:effectRef idx="1">
+            <a:schemeClr val="accent3"/>
+          </a:effectRef>
+          <a:fontRef idx="minor">
+            <a:schemeClr val="dk1"/>
+          </a:fontRef>
+        </p:style>
+        <p:txBody>
+          <a:bodyPr rtlCol="0" anchor="ctr"/>
+          <a:lstStyle/>
+          <a:p>
+            <a:pPr algn="ctr"/>
+            <a:r>
+              <a:rPr lang="en-US" sz="1100" dirty="0" smtClean="0"/>
+              <a:t>8</a:t>
+            </a:r>
+            <a:endParaRPr lang="en-SG" sz="1100" dirty="0"/>
+          </a:p>
+        </p:txBody>
+      </p:sp>
+      <p:sp>
+        <p:nvSpPr>
+          <p:cNvPr id="116" name="Oval 115"/>
+          <p:cNvSpPr/>
+          <p:nvPr/>
+        </p:nvSpPr>
+        <p:spPr>
+          <a:xfrm>
+            <a:off x="7302130" y="2767226"/>
+            <a:ext cx="207992" cy="207992"/>
+          </a:xfrm>
+          <a:prstGeom prst="ellipse">
+            <a:avLst/>
+          </a:prstGeom>
+        </p:spPr>
+        <p:style>
+          <a:lnRef idx="1">
+            <a:schemeClr val="accent3"/>
+          </a:lnRef>
+          <a:fillRef idx="2">
+            <a:schemeClr val="accent3"/>
+          </a:fillRef>
+          <a:effectRef idx="1">
+            <a:schemeClr val="accent3"/>
+          </a:effectRef>
+          <a:fontRef idx="minor">
+            <a:schemeClr val="dk1"/>
+          </a:fontRef>
+        </p:style>
+        <p:txBody>
+          <a:bodyPr rtlCol="0" anchor="ctr"/>
+          <a:lstStyle/>
+          <a:p>
+            <a:pPr algn="ctr"/>
+            <a:r>
+              <a:rPr lang="en-US" sz="1100" dirty="0" smtClean="0"/>
+              <a:t>9</a:t>
+            </a:r>
+            <a:endParaRPr lang="en-SG" sz="1100" dirty="0"/>
+          </a:p>
+        </p:txBody>
+      </p:sp>
+      <p:sp>
+        <p:nvSpPr>
+          <p:cNvPr id="117" name="Oval 116"/>
+          <p:cNvSpPr/>
+          <p:nvPr/>
+        </p:nvSpPr>
+        <p:spPr>
+          <a:xfrm>
+            <a:off x="1642439" y="1175830"/>
+            <a:ext cx="493339" cy="207992"/>
+          </a:xfrm>
+          <a:prstGeom prst="ellipse">
+            <a:avLst/>
+          </a:prstGeom>
+        </p:spPr>
+        <p:style>
+          <a:lnRef idx="1">
+            <a:schemeClr val="accent3"/>
+          </a:lnRef>
+          <a:fillRef idx="2">
+            <a:schemeClr val="accent3"/>
+          </a:fillRef>
+          <a:effectRef idx="1">
+            <a:schemeClr val="accent3"/>
+          </a:effectRef>
+          <a:fontRef idx="minor">
+            <a:schemeClr val="dk1"/>
+          </a:fontRef>
+        </p:style>
+        <p:txBody>
+          <a:bodyPr rtlCol="0" anchor="ctr"/>
+          <a:lstStyle/>
+          <a:p>
+            <a:pPr algn="ctr"/>
+            <a:r>
+              <a:rPr lang="en-US" sz="1100" dirty="0" smtClean="0"/>
+              <a:t>11</a:t>
+            </a:r>
+            <a:endParaRPr lang="en-SG" sz="1100" dirty="0"/>
+          </a:p>
+        </p:txBody>
+      </p:sp>
+      <p:sp>
+        <p:nvSpPr>
+          <p:cNvPr id="118" name="Oval 117"/>
+          <p:cNvSpPr/>
+          <p:nvPr/>
+        </p:nvSpPr>
+        <p:spPr>
+          <a:xfrm>
+            <a:off x="1514509" y="3646572"/>
+            <a:ext cx="493339" cy="207992"/>
+          </a:xfrm>
+          <a:prstGeom prst="ellipse">
+            <a:avLst/>
+          </a:prstGeom>
+        </p:spPr>
+        <p:style>
+          <a:lnRef idx="1">
+            <a:schemeClr val="accent3"/>
+          </a:lnRef>
+          <a:fillRef idx="2">
+            <a:schemeClr val="accent3"/>
+          </a:fillRef>
+          <a:effectRef idx="1">
+            <a:schemeClr val="accent3"/>
+          </a:effectRef>
+          <a:fontRef idx="minor">
+            <a:schemeClr val="dk1"/>
+          </a:fontRef>
+        </p:style>
+        <p:txBody>
+          <a:bodyPr rtlCol="0" anchor="ctr"/>
+          <a:lstStyle/>
+          <a:p>
+            <a:pPr algn="ctr"/>
+            <a:r>
+              <a:rPr lang="en-US" sz="1100" dirty="0" smtClean="0"/>
+              <a:t>12</a:t>
+            </a:r>
+            <a:endParaRPr lang="en-SG" sz="1100" dirty="0"/>
+          </a:p>
+        </p:txBody>
+      </p:sp>
+      <p:cxnSp>
+        <p:nvCxnSpPr>
+          <p:cNvPr id="119" name="Straight Arrow Connector 118"/>
+          <p:cNvCxnSpPr>
+            <a:endCxn id="44" idx="2"/>
+          </p:cNvCxnSpPr>
+          <p:nvPr/>
+        </p:nvCxnSpPr>
+        <p:spPr>
+          <a:xfrm flipH="1" flipV="1">
+            <a:off x="7076397" y="1968458"/>
+            <a:ext cx="252623" cy="1321913"/>
+          </a:xfrm>
+          <a:prstGeom prst="straightConnector1">
+            <a:avLst/>
+          </a:prstGeom>
+          <a:ln>
+            <a:solidFill>
+              <a:schemeClr val="tx1"/>
+            </a:solidFill>
+            <a:tailEnd type="arrow"/>
+          </a:ln>
+        </p:spPr>
+        <p:style>
+          <a:lnRef idx="1">
+            <a:schemeClr val="accent1"/>
+          </a:lnRef>
+          <a:fillRef idx="0">
+            <a:schemeClr val="accent1"/>
+          </a:fillRef>
+          <a:effectRef idx="0">
+            <a:schemeClr val="accent1"/>
+          </a:effectRef>
+          <a:fontRef idx="minor">
+            <a:schemeClr val="tx1"/>
+          </a:fontRef>
+        </p:style>
+      </p:cxnSp>
+      <p:sp>
+        <p:nvSpPr>
+          <p:cNvPr id="121" name="Oval 120"/>
+          <p:cNvSpPr/>
+          <p:nvPr/>
+        </p:nvSpPr>
+        <p:spPr>
+          <a:xfrm>
+            <a:off x="5877756" y="4784090"/>
+            <a:ext cx="493339" cy="207992"/>
+          </a:xfrm>
+          <a:prstGeom prst="ellipse">
+            <a:avLst/>
+          </a:prstGeom>
+        </p:spPr>
+        <p:style>
+          <a:lnRef idx="1">
+            <a:schemeClr val="accent3"/>
+          </a:lnRef>
+          <a:fillRef idx="2">
+            <a:schemeClr val="accent3"/>
+          </a:fillRef>
+          <a:effectRef idx="1">
+            <a:schemeClr val="accent3"/>
+          </a:effectRef>
+          <a:fontRef idx="minor">
+            <a:schemeClr val="dk1"/>
+          </a:fontRef>
+        </p:style>
+        <p:txBody>
+          <a:bodyPr rtlCol="0" anchor="ctr"/>
+          <a:lstStyle/>
+          <a:p>
+            <a:pPr algn="ctr"/>
+            <a:r>
+              <a:rPr lang="en-US" sz="1100" dirty="0" smtClean="0"/>
+              <a:t>10</a:t>
+            </a:r>
+            <a:endParaRPr lang="en-SG" sz="1100" dirty="0"/>
+          </a:p>
+        </p:txBody>
+      </p:sp>
+      <p:sp>
+        <p:nvSpPr>
+          <p:cNvPr id="126" name="Oval 125"/>
+          <p:cNvSpPr/>
+          <p:nvPr/>
+        </p:nvSpPr>
+        <p:spPr>
+          <a:xfrm>
+            <a:off x="434551" y="5818694"/>
+            <a:ext cx="207992" cy="207992"/>
+          </a:xfrm>
+          <a:prstGeom prst="ellipse">
+            <a:avLst/>
+          </a:prstGeom>
+        </p:spPr>
+        <p:style>
+          <a:lnRef idx="1">
+            <a:schemeClr val="accent3"/>
+          </a:lnRef>
+          <a:fillRef idx="2">
+            <a:schemeClr val="accent3"/>
+          </a:fillRef>
+          <a:effectRef idx="1">
+            <a:schemeClr val="accent3"/>
+          </a:effectRef>
+          <a:fontRef idx="minor">
+            <a:schemeClr val="dk1"/>
+          </a:fontRef>
+        </p:style>
+        <p:txBody>
+          <a:bodyPr rtlCol="0" anchor="ctr"/>
+          <a:lstStyle/>
+          <a:p>
+            <a:pPr algn="ctr"/>
+            <a:r>
+              <a:rPr lang="en-US" sz="1100" dirty="0" smtClean="0"/>
+              <a:t>1</a:t>
+            </a:r>
+            <a:endParaRPr lang="en-SG" sz="1100" dirty="0"/>
+          </a:p>
+        </p:txBody>
+      </p:sp>
+      <p:sp>
+        <p:nvSpPr>
+          <p:cNvPr id="127" name="Rectangle 126"/>
+          <p:cNvSpPr/>
+          <p:nvPr/>
+        </p:nvSpPr>
+        <p:spPr>
+          <a:xfrm>
+            <a:off x="849252" y="5806606"/>
+            <a:ext cx="1225015" cy="246221"/>
+          </a:xfrm>
+          <a:prstGeom prst="rect">
+            <a:avLst/>
+          </a:prstGeom>
+        </p:spPr>
+        <p:txBody>
+          <a:bodyPr wrap="none">
+            <a:spAutoFit/>
+          </a:bodyPr>
+          <a:lstStyle/>
+          <a:p>
+            <a:r>
+              <a:rPr lang="en-SG" sz="1000" dirty="0"/>
+              <a:t>e</a:t>
+            </a:r>
+            <a:r>
+              <a:rPr lang="en-SG" sz="1000" dirty="0" smtClean="0"/>
+              <a:t>xecution sequence</a:t>
+            </a:r>
+            <a:endParaRPr lang="en-SG" sz="1000" dirty="0"/>
+          </a:p>
+        </p:txBody>
+      </p:sp>
+      <p:cxnSp>
+        <p:nvCxnSpPr>
+          <p:cNvPr id="144" name="Straight Arrow Connector 143"/>
+          <p:cNvCxnSpPr/>
+          <p:nvPr/>
+        </p:nvCxnSpPr>
+        <p:spPr>
+          <a:xfrm flipV="1">
+            <a:off x="1179329" y="4680891"/>
+            <a:ext cx="775855" cy="1"/>
+          </a:xfrm>
+          <a:prstGeom prst="straightConnector1">
+            <a:avLst/>
+          </a:prstGeom>
+          <a:ln>
+            <a:solidFill>
+              <a:schemeClr val="tx1"/>
+            </a:solidFill>
+            <a:tailEnd type="arrow"/>
+          </a:ln>
+        </p:spPr>
+        <p:style>
+          <a:lnRef idx="1">
+            <a:schemeClr val="accent1"/>
+          </a:lnRef>
+          <a:fillRef idx="0">
+            <a:schemeClr val="accent1"/>
+          </a:fillRef>
+          <a:effectRef idx="0">
+            <a:schemeClr val="accent1"/>
+          </a:effectRef>
+          <a:fontRef idx="minor">
+            <a:schemeClr val="tx1"/>
+          </a:fontRef>
+        </p:style>
+      </p:cxnSp>
+      <p:cxnSp>
+        <p:nvCxnSpPr>
+          <p:cNvPr id="150" name="Straight Arrow Connector 149"/>
+          <p:cNvCxnSpPr/>
+          <p:nvPr/>
+        </p:nvCxnSpPr>
+        <p:spPr>
+          <a:xfrm>
+            <a:off x="1498088" y="4841884"/>
+            <a:ext cx="457096" cy="315282"/>
+          </a:xfrm>
+          <a:prstGeom prst="straightConnector1">
+            <a:avLst/>
+          </a:prstGeom>
+          <a:ln>
+            <a:solidFill>
+              <a:schemeClr val="tx1"/>
+            </a:solidFill>
+            <a:tailEnd type="arrow"/>
+          </a:ln>
+        </p:spPr>
+        <p:style>
+          <a:lnRef idx="1">
+            <a:schemeClr val="accent1"/>
+          </a:lnRef>
+          <a:fillRef idx="0">
+            <a:schemeClr val="accent1"/>
+          </a:fillRef>
+          <a:effectRef idx="0">
+            <a:schemeClr val="accent1"/>
+          </a:effectRef>
+          <a:fontRef idx="minor">
+            <a:schemeClr val="tx1"/>
+          </a:fontRef>
+        </p:style>
+      </p:cxnSp>
+      <p:cxnSp>
+        <p:nvCxnSpPr>
+          <p:cNvPr id="153" name="Straight Arrow Connector 152"/>
+          <p:cNvCxnSpPr/>
+          <p:nvPr/>
+        </p:nvCxnSpPr>
+        <p:spPr>
+          <a:xfrm>
+            <a:off x="1447574" y="4973998"/>
+            <a:ext cx="507610" cy="157641"/>
+          </a:xfrm>
+          <a:prstGeom prst="straightConnector1">
+            <a:avLst/>
+          </a:prstGeom>
+          <a:ln>
+            <a:solidFill>
+              <a:schemeClr val="tx1"/>
+            </a:solidFill>
+            <a:tailEnd type="arrow"/>
+          </a:ln>
+        </p:spPr>
+        <p:style>
+          <a:lnRef idx="1">
+            <a:schemeClr val="accent1"/>
+          </a:lnRef>
+          <a:fillRef idx="0">
+            <a:schemeClr val="accent1"/>
+          </a:fillRef>
+          <a:effectRef idx="0">
+            <a:schemeClr val="accent1"/>
+          </a:effectRef>
+          <a:fontRef idx="minor">
+            <a:schemeClr val="tx1"/>
+          </a:fontRef>
+        </p:style>
+      </p:cxnSp>
+      <p:sp>
+        <p:nvSpPr>
+          <p:cNvPr id="155" name="Oval 154"/>
+          <p:cNvSpPr/>
+          <p:nvPr/>
+        </p:nvSpPr>
+        <p:spPr>
+          <a:xfrm>
+            <a:off x="1451006" y="4386149"/>
+            <a:ext cx="493339" cy="207992"/>
+          </a:xfrm>
+          <a:prstGeom prst="ellipse">
+            <a:avLst/>
+          </a:prstGeom>
+        </p:spPr>
+        <p:style>
+          <a:lnRef idx="1">
+            <a:schemeClr val="accent3"/>
+          </a:lnRef>
+          <a:fillRef idx="2">
+            <a:schemeClr val="accent3"/>
+          </a:fillRef>
+          <a:effectRef idx="1">
+            <a:schemeClr val="accent3"/>
+          </a:effectRef>
+          <a:fontRef idx="minor">
+            <a:schemeClr val="dk1"/>
+          </a:fontRef>
+        </p:style>
+        <p:txBody>
+          <a:bodyPr rtlCol="0" anchor="ctr"/>
+          <a:lstStyle/>
+          <a:p>
+            <a:pPr algn="ctr"/>
+            <a:r>
+              <a:rPr lang="en-US" sz="1100" dirty="0" smtClean="0"/>
+              <a:t>13</a:t>
+            </a:r>
+            <a:endParaRPr lang="en-SG" sz="1100" dirty="0"/>
+          </a:p>
+        </p:txBody>
+      </p:sp>
+      <p:sp>
+        <p:nvSpPr>
+          <p:cNvPr id="156" name="Oval 155"/>
+          <p:cNvSpPr/>
+          <p:nvPr/>
+        </p:nvSpPr>
+        <p:spPr>
+          <a:xfrm>
+            <a:off x="1482627" y="5147174"/>
+            <a:ext cx="493339" cy="207992"/>
+          </a:xfrm>
+          <a:prstGeom prst="ellipse">
+            <a:avLst/>
+          </a:prstGeom>
+        </p:spPr>
+        <p:style>
+          <a:lnRef idx="1">
+            <a:schemeClr val="accent3"/>
+          </a:lnRef>
+          <a:fillRef idx="2">
+            <a:schemeClr val="accent3"/>
+          </a:fillRef>
+          <a:effectRef idx="1">
+            <a:schemeClr val="accent3"/>
+          </a:effectRef>
+          <a:fontRef idx="minor">
+            <a:schemeClr val="dk1"/>
+          </a:fontRef>
+        </p:style>
+        <p:txBody>
+          <a:bodyPr rtlCol="0" anchor="ctr"/>
+          <a:lstStyle/>
+          <a:p>
+            <a:pPr algn="ctr"/>
+            <a:r>
+              <a:rPr lang="en-US" sz="1100" dirty="0" smtClean="0"/>
+              <a:t>14</a:t>
+            </a:r>
+            <a:endParaRPr lang="en-SG" sz="1100" dirty="0"/>
+          </a:p>
+        </p:txBody>
+      </p:sp>
+    </p:spTree>
+    <p:extLst>
+      <p:ext uri="{BB962C8B-B14F-4D97-AF65-F5344CB8AC3E}">
+        <p14:creationId xmlns:p14="http://schemas.microsoft.com/office/powerpoint/2010/main" val="2169489054"/>
+      </p:ext>
+    </p:extLst>
+  </p:cSld>
+  <p:clrMapOvr>
+    <a:masterClrMapping/>
+  </p:clrMapOvr>
+</p:sld>
+</file>
+
+<file path=ppt/slides/slide12.xml><?xml version="1.0" encoding="utf-8"?>
+<p:sld xmlns:a="http://schemas.openxmlformats.org/drawingml/2006/main" xmlns:r="http://schemas.openxmlformats.org/officeDocument/2006/relationships" xmlns:p="http://schemas.openxmlformats.org/presentationml/2006/main">
+  <p:cSld>
+    <p:bg>
+      <p:bgPr>
+        <a:solidFill>
+          <a:schemeClr val="bg1">
+            <a:lumMod val="95000"/>
+          </a:schemeClr>
+        </a:solidFill>
+        <a:effectLst/>
+      </p:bgPr>
+    </p:bg>
+    <p:spTree>
+      <p:nvGrpSpPr>
+        <p:cNvPr id="1" name=""/>
+        <p:cNvGrpSpPr/>
+        <p:nvPr/>
+      </p:nvGrpSpPr>
+      <p:grpSpPr>
+        <a:xfrm>
+          <a:off x="0" y="0"/>
+          <a:ext cx="0" cy="0"/>
+          <a:chOff x="0" y="0"/>
+          <a:chExt cx="0" cy="0"/>
+        </a:xfrm>
+      </p:grpSpPr>
+      <p:sp>
+        <p:nvSpPr>
+          <p:cNvPr id="25" name="TextBox 24"/>
+          <p:cNvSpPr txBox="1"/>
+          <p:nvPr/>
+        </p:nvSpPr>
+        <p:spPr>
+          <a:xfrm>
+            <a:off x="443517" y="1599665"/>
+            <a:ext cx="6370655" cy="3631763"/>
+          </a:xfrm>
+          <a:prstGeom prst="rect">
+            <a:avLst/>
+          </a:prstGeom>
+          <a:solidFill>
+            <a:schemeClr val="bg1"/>
+          </a:solidFill>
+          <a:ln>
+            <a:solidFill>
+              <a:schemeClr val="tx1">
+                <a:lumMod val="75000"/>
+                <a:lumOff val="25000"/>
+              </a:schemeClr>
+            </a:solidFill>
+          </a:ln>
+          <a:effectLst>
+            <a:outerShdw blurRad="50800" dist="38100" dir="2700000" algn="tl" rotWithShape="0">
+              <a:prstClr val="black">
+                <a:alpha val="40000"/>
+              </a:prstClr>
+            </a:outerShdw>
+          </a:effectLst>
+        </p:spPr>
+        <p:txBody>
+          <a:bodyPr wrap="none" rtlCol="0">
+            <a:spAutoFit/>
+          </a:bodyPr>
+          <a:lstStyle/>
+          <a:p>
+            <a:r>
+              <a:rPr lang="en-SG" sz="1000" b="1" dirty="0" smtClean="0"/>
+              <a:t>Chart1Plot1X1YLegend</a:t>
+            </a:r>
+          </a:p>
+          <a:p>
+            <a:r>
+              <a:rPr lang="en-SG" sz="1000" dirty="0" err="1" smtClean="0"/>
+              <a:t>PlotArea</a:t>
+            </a:r>
+            <a:endParaRPr lang="en-SG" sz="1000" dirty="0" smtClean="0"/>
+          </a:p>
+          <a:p>
+            <a:r>
+              <a:rPr lang="en-SG" sz="1000" dirty="0" err="1" smtClean="0"/>
+              <a:t>LegendScrollerY</a:t>
+            </a:r>
+            <a:endParaRPr lang="en-SG" sz="1000" dirty="0" smtClean="0"/>
+          </a:p>
+          <a:p>
+            <a:r>
+              <a:rPr lang="en-SG" sz="1000" dirty="0" err="1" smtClean="0"/>
+              <a:t>LegendScrollerX</a:t>
+            </a:r>
+            <a:endParaRPr lang="en-SG" sz="1000" dirty="0" smtClean="0"/>
+          </a:p>
+          <a:p>
+            <a:endParaRPr lang="en-SG" sz="1000" dirty="0" smtClean="0"/>
+          </a:p>
+          <a:p>
+            <a:r>
+              <a:rPr lang="en-SG" sz="1000" dirty="0" smtClean="0"/>
+              <a:t>void </a:t>
+            </a:r>
+            <a:r>
+              <a:rPr lang="en-SG" sz="1000" dirty="0" err="1"/>
+              <a:t>FillData</a:t>
+            </a:r>
+            <a:r>
+              <a:rPr lang="en-SG" sz="1000" dirty="0"/>
+              <a:t>&lt;</a:t>
+            </a:r>
+            <a:r>
+              <a:rPr lang="en-SG" sz="1000" dirty="0" err="1"/>
+              <a:t>TRecord</a:t>
+            </a:r>
+            <a:r>
+              <a:rPr lang="en-SG" sz="1000" dirty="0" smtClean="0"/>
+              <a:t>&gt;(records, </a:t>
+            </a:r>
+            <a:r>
+              <a:rPr lang="en-SG" sz="1000" dirty="0" err="1" smtClean="0"/>
+              <a:t>serieSettings</a:t>
+            </a:r>
+            <a:r>
+              <a:rPr lang="en-SG" sz="1000" dirty="0" smtClean="0"/>
+              <a:t>)</a:t>
+            </a:r>
+            <a:r>
+              <a:rPr lang="en-US" sz="1000" dirty="0" smtClean="0"/>
+              <a:t>{</a:t>
+            </a:r>
+          </a:p>
+          <a:p>
+            <a:r>
+              <a:rPr lang="en-SG" sz="1000" dirty="0" smtClean="0"/>
+              <a:t>  </a:t>
+            </a:r>
+            <a:r>
+              <a:rPr lang="en-SG" sz="1000" dirty="0" err="1" smtClean="0"/>
+              <a:t>plotArea.ClearRenderers</a:t>
+            </a:r>
+            <a:r>
+              <a:rPr lang="en-SG" sz="1000" dirty="0" smtClean="0"/>
+              <a:t>()</a:t>
+            </a:r>
+            <a:endParaRPr lang="en-SG" sz="1000" dirty="0"/>
+          </a:p>
+          <a:p>
+            <a:r>
+              <a:rPr lang="en-SG" sz="1000" dirty="0" smtClean="0"/>
+              <a:t>  </a:t>
+            </a:r>
+            <a:r>
+              <a:rPr lang="en-SG" sz="1000" dirty="0" err="1" smtClean="0"/>
+              <a:t>legendScrollerX.Reset</a:t>
+            </a:r>
+            <a:r>
+              <a:rPr lang="en-SG" sz="1000" dirty="0" smtClean="0"/>
+              <a:t>()</a:t>
+            </a:r>
+            <a:endParaRPr lang="en-SG" sz="1000" dirty="0"/>
+          </a:p>
+          <a:p>
+            <a:r>
+              <a:rPr lang="en-SG" sz="1000" dirty="0" smtClean="0"/>
+              <a:t>  </a:t>
+            </a:r>
+            <a:r>
+              <a:rPr lang="en-SG" sz="1000" dirty="0" err="1" smtClean="0"/>
+              <a:t>legendScrollerY.Reset</a:t>
+            </a:r>
+            <a:r>
+              <a:rPr lang="en-SG" sz="1000" dirty="0" smtClean="0"/>
+              <a:t>()</a:t>
+            </a:r>
+          </a:p>
+          <a:p>
+            <a:r>
+              <a:rPr lang="en-SG" sz="1000" dirty="0" smtClean="0"/>
+              <a:t>  </a:t>
+            </a:r>
+            <a:r>
+              <a:rPr lang="en-SG" sz="1000" dirty="0" err="1" smtClean="0"/>
+              <a:t>base.FillData</a:t>
+            </a:r>
+            <a:r>
+              <a:rPr lang="en-SG" sz="1000" dirty="0" smtClean="0"/>
+              <a:t>&lt;</a:t>
+            </a:r>
+            <a:r>
+              <a:rPr lang="en-SG" sz="1000" dirty="0" err="1" smtClean="0"/>
+              <a:t>TRecord</a:t>
+            </a:r>
+            <a:r>
+              <a:rPr lang="en-SG" sz="1000" dirty="0"/>
+              <a:t>&gt;(records, </a:t>
+            </a:r>
+            <a:r>
+              <a:rPr lang="en-SG" sz="1000" dirty="0" err="1" smtClean="0"/>
+              <a:t>serieSettings</a:t>
+            </a:r>
+            <a:r>
+              <a:rPr lang="en-SG" sz="1000" dirty="0" smtClean="0"/>
+              <a:t>)</a:t>
+            </a:r>
+            <a:endParaRPr lang="en-SG" sz="1000" dirty="0"/>
+          </a:p>
+          <a:p>
+            <a:endParaRPr lang="en-SG" sz="1000" dirty="0"/>
+          </a:p>
+          <a:p>
+            <a:r>
+              <a:rPr lang="en-SG" sz="1000" dirty="0"/>
+              <a:t>      for (</a:t>
+            </a:r>
+            <a:r>
+              <a:rPr lang="en-SG" sz="1000" dirty="0" err="1"/>
+              <a:t>int</a:t>
+            </a:r>
+            <a:r>
+              <a:rPr lang="en-SG" sz="1000" dirty="0"/>
+              <a:t> </a:t>
+            </a:r>
+            <a:r>
+              <a:rPr lang="en-SG" sz="1000" dirty="0" err="1"/>
+              <a:t>serieIndex</a:t>
+            </a:r>
+            <a:r>
+              <a:rPr lang="en-SG" sz="1000" dirty="0"/>
+              <a:t> = 0; </a:t>
+            </a:r>
+            <a:r>
+              <a:rPr lang="en-SG" sz="1000" dirty="0" err="1"/>
+              <a:t>serieIndex</a:t>
+            </a:r>
+            <a:r>
+              <a:rPr lang="en-SG" sz="1000" dirty="0"/>
+              <a:t>&lt;</a:t>
+            </a:r>
+            <a:r>
+              <a:rPr lang="en-SG" sz="1000" dirty="0" err="1"/>
+              <a:t>serieSettings</a:t>
+            </a:r>
+            <a:r>
+              <a:rPr lang="en-SG" sz="1000" dirty="0"/>
+              <a:t>!.Length; </a:t>
+            </a:r>
+            <a:r>
+              <a:rPr lang="en-SG" sz="1000" dirty="0" err="1"/>
+              <a:t>serieIndex</a:t>
+            </a:r>
+            <a:r>
+              <a:rPr lang="en-SG" sz="1000" dirty="0"/>
+              <a:t>++) {</a:t>
+            </a:r>
+          </a:p>
+          <a:p>
+            <a:r>
+              <a:rPr lang="en-SG" sz="1000" dirty="0"/>
+              <a:t>        Renderer? renderer = </a:t>
+            </a:r>
+            <a:r>
+              <a:rPr lang="en-SG" sz="1000" dirty="0" err="1"/>
+              <a:t>CreateGraphRenderer</a:t>
+            </a:r>
+            <a:r>
+              <a:rPr lang="en-SG" sz="1000" dirty="0"/>
+              <a:t>(</a:t>
+            </a:r>
+            <a:r>
+              <a:rPr lang="en-SG" sz="1000" dirty="0" err="1"/>
+              <a:t>serieIndex</a:t>
+            </a:r>
+            <a:r>
+              <a:rPr lang="en-SG" sz="1000" dirty="0"/>
+              <a:t>, </a:t>
+            </a:r>
+            <a:r>
+              <a:rPr lang="en-SG" sz="1000" dirty="0" err="1"/>
+              <a:t>serieSettings</a:t>
+            </a:r>
+            <a:r>
+              <a:rPr lang="en-SG" sz="1000" dirty="0"/>
+              <a:t>[</a:t>
+            </a:r>
+            <a:r>
+              <a:rPr lang="en-SG" sz="1000" dirty="0" err="1"/>
+              <a:t>serieIndex</a:t>
+            </a:r>
+            <a:r>
+              <a:rPr lang="en-SG" sz="1000" dirty="0"/>
+              <a:t>]);</a:t>
+            </a:r>
+          </a:p>
+          <a:p>
+            <a:r>
+              <a:rPr lang="en-SG" sz="1000" dirty="0"/>
+              <a:t>        if (renderer!=null) {</a:t>
+            </a:r>
+          </a:p>
+          <a:p>
+            <a:r>
+              <a:rPr lang="en-SG" sz="1000" dirty="0"/>
+              <a:t>          if (</a:t>
+            </a:r>
+            <a:r>
+              <a:rPr lang="en-SG" sz="1000" dirty="0" err="1"/>
+              <a:t>serieSettings</a:t>
+            </a:r>
+            <a:r>
+              <a:rPr lang="en-SG" sz="1000" dirty="0"/>
+              <a:t>[</a:t>
+            </a:r>
+            <a:r>
+              <a:rPr lang="en-SG" sz="1000" dirty="0" err="1"/>
+              <a:t>serieIndex</a:t>
+            </a:r>
+            <a:r>
+              <a:rPr lang="en-SG" sz="1000" dirty="0"/>
+              <a:t>].Group==0) {</a:t>
+            </a:r>
+          </a:p>
+          <a:p>
+            <a:r>
+              <a:rPr lang="en-SG" sz="1000" dirty="0"/>
+              <a:t>            </a:t>
+            </a:r>
+            <a:r>
+              <a:rPr lang="en-SG" sz="1000" dirty="0" err="1"/>
+              <a:t>AddRenderer</a:t>
+            </a:r>
+            <a:r>
+              <a:rPr lang="en-SG" sz="1000" dirty="0"/>
+              <a:t>(renderer, </a:t>
+            </a:r>
+            <a:r>
+              <a:rPr lang="en-SG" sz="1000" dirty="0" err="1"/>
+              <a:t>plotArea</a:t>
+            </a:r>
+            <a:r>
+              <a:rPr lang="en-SG" sz="1000" dirty="0"/>
+              <a:t>, </a:t>
+            </a:r>
+            <a:r>
+              <a:rPr lang="en-SG" sz="1000" dirty="0" err="1"/>
+              <a:t>legendScrollerX</a:t>
+            </a:r>
+            <a:r>
+              <a:rPr lang="en-SG" sz="1000" dirty="0"/>
+              <a:t>, </a:t>
+            </a:r>
+            <a:r>
+              <a:rPr lang="en-SG" sz="1000" dirty="0" err="1"/>
+              <a:t>legendScrollerY</a:t>
+            </a:r>
+            <a:r>
+              <a:rPr lang="en-SG" sz="1000" dirty="0"/>
+              <a:t>);</a:t>
+            </a:r>
+          </a:p>
+          <a:p>
+            <a:r>
+              <a:rPr lang="en-SG" sz="1000" dirty="0"/>
+              <a:t>          } else {</a:t>
+            </a:r>
+          </a:p>
+          <a:p>
+            <a:r>
+              <a:rPr lang="en-US" sz="1000" dirty="0"/>
+              <a:t>            throw new Exception("Only group 0 is supported. </a:t>
+            </a:r>
+            <a:r>
+              <a:rPr lang="en-US" sz="1000" dirty="0" err="1"/>
+              <a:t>SerieSettings</a:t>
+            </a:r>
+            <a:r>
+              <a:rPr lang="en-US" sz="1000" dirty="0"/>
+              <a:t>[" + </a:t>
+            </a:r>
+            <a:r>
+              <a:rPr lang="en-US" sz="1000" dirty="0" err="1"/>
+              <a:t>serieIndex</a:t>
+            </a:r>
+            <a:r>
+              <a:rPr lang="en-US" sz="1000" dirty="0"/>
+              <a:t> + "]: " + </a:t>
+            </a:r>
+            <a:r>
+              <a:rPr lang="en-US" sz="1000" dirty="0" err="1"/>
+              <a:t>serieSettings</a:t>
+            </a:r>
+            <a:r>
+              <a:rPr lang="en-US" sz="1000" dirty="0"/>
+              <a:t>[</a:t>
+            </a:r>
+            <a:r>
+              <a:rPr lang="en-US" sz="1000" dirty="0" err="1"/>
+              <a:t>serieIndex</a:t>
+            </a:r>
+            <a:r>
+              <a:rPr lang="en-US" sz="1000" dirty="0"/>
+              <a:t>]);</a:t>
+            </a:r>
+          </a:p>
+          <a:p>
+            <a:r>
+              <a:rPr lang="en-SG" sz="1000" dirty="0"/>
+              <a:t>          }</a:t>
+            </a:r>
+          </a:p>
+          <a:p>
+            <a:r>
+              <a:rPr lang="en-SG" sz="1000" dirty="0"/>
+              <a:t>        }</a:t>
+            </a:r>
+          </a:p>
+          <a:p>
+            <a:r>
+              <a:rPr lang="en-SG" sz="1000" dirty="0"/>
+              <a:t>      }</a:t>
+            </a:r>
+          </a:p>
+          <a:p>
+            <a:r>
+              <a:rPr lang="en-SG" sz="1000" dirty="0"/>
+              <a:t>    }</a:t>
+            </a:r>
+            <a:endParaRPr lang="en-US" sz="1000" dirty="0" smtClean="0"/>
+          </a:p>
+          <a:p>
+            <a:endParaRPr lang="en-SG" sz="1000" dirty="0" smtClean="0"/>
+          </a:p>
+        </p:txBody>
+      </p:sp>
+      <p:sp>
+        <p:nvSpPr>
+          <p:cNvPr id="4" name="TextBox 3"/>
+          <p:cNvSpPr txBox="1"/>
+          <p:nvPr/>
+        </p:nvSpPr>
+        <p:spPr>
+          <a:xfrm>
+            <a:off x="50835" y="66110"/>
+            <a:ext cx="4530407" cy="507831"/>
+          </a:xfrm>
+          <a:prstGeom prst="rect">
+            <a:avLst/>
+          </a:prstGeom>
+          <a:noFill/>
+        </p:spPr>
+        <p:txBody>
+          <a:bodyPr wrap="none" rtlCol="0">
+            <a:spAutoFit/>
+          </a:bodyPr>
+          <a:lstStyle/>
+          <a:p>
+            <a:r>
+              <a:rPr lang="en-US" sz="1600" b="1" dirty="0" smtClean="0"/>
+              <a:t>Program Flow </a:t>
+            </a:r>
+            <a:r>
+              <a:rPr lang="en-US" sz="1600" b="1" dirty="0" err="1" smtClean="0"/>
+              <a:t>FillData</a:t>
+            </a:r>
+            <a:endParaRPr lang="en-US" sz="1600" b="1" dirty="0" smtClean="0"/>
+          </a:p>
+          <a:p>
+            <a:r>
+              <a:rPr lang="en-US" sz="1100" dirty="0" smtClean="0"/>
+              <a:t>Example used is </a:t>
+            </a:r>
+            <a:r>
+              <a:rPr lang="en-SG" sz="1100" dirty="0" smtClean="0"/>
+              <a:t>Chart1Plot1X1YLegend. It also applies for other chart types</a:t>
+            </a:r>
+            <a:r>
+              <a:rPr lang="en-US" sz="1100" dirty="0" smtClean="0"/>
+              <a:t>.</a:t>
+            </a:r>
+            <a:endParaRPr lang="en-SG" sz="1100" dirty="0"/>
+          </a:p>
+        </p:txBody>
+      </p:sp>
+      <p:sp>
+        <p:nvSpPr>
+          <p:cNvPr id="5" name="TextBox 4"/>
+          <p:cNvSpPr txBox="1"/>
+          <p:nvPr/>
+        </p:nvSpPr>
+        <p:spPr>
+          <a:xfrm>
+            <a:off x="9425453" y="-219828"/>
+            <a:ext cx="1584088" cy="1323439"/>
+          </a:xfrm>
+          <a:prstGeom prst="rect">
+            <a:avLst/>
+          </a:prstGeom>
+          <a:solidFill>
+            <a:schemeClr val="bg1"/>
+          </a:solidFill>
+          <a:ln>
+            <a:solidFill>
+              <a:schemeClr val="tx1">
+                <a:lumMod val="75000"/>
+                <a:lumOff val="25000"/>
+              </a:schemeClr>
+            </a:solidFill>
+          </a:ln>
+          <a:effectLst>
+            <a:outerShdw blurRad="50800" dist="38100" dir="2700000" algn="tl" rotWithShape="0">
+              <a:prstClr val="black">
+                <a:alpha val="40000"/>
+              </a:prstClr>
+            </a:outerShdw>
+          </a:effectLst>
+        </p:spPr>
+        <p:txBody>
+          <a:bodyPr wrap="none" rtlCol="0">
+            <a:spAutoFit/>
+          </a:bodyPr>
+          <a:lstStyle/>
+          <a:p>
+            <a:r>
+              <a:rPr lang="en-US" sz="1000" b="1" dirty="0" smtClean="0"/>
+              <a:t>Chart</a:t>
+            </a:r>
+            <a:endParaRPr lang="en-US" sz="1000" dirty="0" smtClean="0"/>
+          </a:p>
+          <a:p>
+            <a:r>
+              <a:rPr lang="en-SG" sz="1000" dirty="0" err="1" smtClean="0"/>
+              <a:t>TotalZoomInButton</a:t>
+            </a:r>
+            <a:endParaRPr lang="en-SG" sz="1000" dirty="0" smtClean="0"/>
+          </a:p>
+          <a:p>
+            <a:r>
+              <a:rPr lang="en-SG" sz="1000" dirty="0" err="1" smtClean="0"/>
+              <a:t>TotalZoomOutButton</a:t>
+            </a:r>
+            <a:endParaRPr lang="en-SG" sz="1000" dirty="0" smtClean="0"/>
+          </a:p>
+          <a:p>
+            <a:r>
+              <a:rPr lang="en-SG" sz="1000" dirty="0" smtClean="0"/>
+              <a:t>TotalZoom100Button</a:t>
+            </a:r>
+          </a:p>
+          <a:p>
+            <a:endParaRPr lang="en-US" sz="1000" dirty="0"/>
+          </a:p>
+          <a:p>
+            <a:r>
+              <a:rPr lang="en-US" sz="1000" b="1" dirty="0" smtClean="0"/>
+              <a:t>Chart</a:t>
+            </a:r>
+            <a:r>
+              <a:rPr lang="en-US" sz="1000" dirty="0" smtClean="0"/>
+              <a:t>(){</a:t>
+            </a:r>
+          </a:p>
+          <a:p>
+            <a:r>
+              <a:rPr lang="en-US" sz="1000" dirty="0"/>
+              <a:t> Create total zoom buttons</a:t>
+            </a:r>
+            <a:endParaRPr lang="en-US" sz="1000" dirty="0" smtClean="0"/>
+          </a:p>
+          <a:p>
+            <a:r>
+              <a:rPr lang="en-US" sz="1000" dirty="0" smtClean="0"/>
+              <a:t>}</a:t>
+            </a:r>
+            <a:endParaRPr lang="en-SG" sz="1000" dirty="0" smtClean="0"/>
+          </a:p>
+        </p:txBody>
+      </p:sp>
+      <p:sp>
+        <p:nvSpPr>
+          <p:cNvPr id="6" name="TextBox 5"/>
+          <p:cNvSpPr txBox="1"/>
+          <p:nvPr/>
+        </p:nvSpPr>
+        <p:spPr>
+          <a:xfrm>
+            <a:off x="9425453" y="1207607"/>
+            <a:ext cx="1643399" cy="1323439"/>
+          </a:xfrm>
+          <a:prstGeom prst="rect">
+            <a:avLst/>
+          </a:prstGeom>
+          <a:solidFill>
+            <a:schemeClr val="bg1"/>
+          </a:solidFill>
+          <a:ln>
+            <a:solidFill>
+              <a:schemeClr val="tx1">
+                <a:lumMod val="75000"/>
+                <a:lumOff val="25000"/>
+              </a:schemeClr>
+            </a:solidFill>
+          </a:ln>
+          <a:effectLst>
+            <a:outerShdw blurRad="50800" dist="38100" dir="2700000" algn="tl" rotWithShape="0">
+              <a:prstClr val="black">
+                <a:alpha val="40000"/>
+              </a:prstClr>
+            </a:outerShdw>
+          </a:effectLst>
+        </p:spPr>
+        <p:txBody>
+          <a:bodyPr wrap="none" rtlCol="0">
+            <a:spAutoFit/>
+          </a:bodyPr>
+          <a:lstStyle/>
+          <a:p>
+            <a:r>
+              <a:rPr lang="en-US" sz="1000" b="1" dirty="0" err="1" smtClean="0"/>
+              <a:t>PlotArea</a:t>
+            </a:r>
+            <a:endParaRPr lang="en-US" sz="1000" b="1" dirty="0" smtClean="0"/>
+          </a:p>
+          <a:p>
+            <a:r>
+              <a:rPr lang="en-SG" sz="1000" dirty="0" err="1" smtClean="0"/>
+              <a:t>XName</a:t>
+            </a:r>
+            <a:endParaRPr lang="en-SG" sz="1000" dirty="0" smtClean="0"/>
+          </a:p>
+          <a:p>
+            <a:r>
+              <a:rPr lang="en-SG" sz="1000" dirty="0" err="1" smtClean="0"/>
+              <a:t>XUnit</a:t>
+            </a:r>
+            <a:endParaRPr lang="en-SG" sz="1000" dirty="0" smtClean="0"/>
+          </a:p>
+          <a:p>
+            <a:r>
+              <a:rPr lang="en-SG" sz="1000" dirty="0"/>
+              <a:t>crosshair</a:t>
+            </a:r>
+            <a:endParaRPr lang="it-IT" sz="1000" dirty="0" smtClean="0"/>
+          </a:p>
+          <a:p>
+            <a:endParaRPr lang="it-IT" sz="1000" dirty="0"/>
+          </a:p>
+          <a:p>
+            <a:r>
+              <a:rPr lang="it-IT" sz="1000" b="1" dirty="0" smtClean="0"/>
+              <a:t>PlotArea</a:t>
+            </a:r>
+            <a:r>
+              <a:rPr lang="it-IT" sz="1000" dirty="0" smtClean="0"/>
+              <a:t>(</a:t>
+            </a:r>
+            <a:r>
+              <a:rPr lang="en-SG" sz="1000" dirty="0" err="1" smtClean="0"/>
+              <a:t>xName</a:t>
+            </a:r>
+            <a:r>
+              <a:rPr lang="en-SG" sz="1000" dirty="0" smtClean="0"/>
+              <a:t>, </a:t>
+            </a:r>
+            <a:r>
+              <a:rPr lang="en-SG" sz="1000" dirty="0" err="1" smtClean="0"/>
+              <a:t>xUnit</a:t>
+            </a:r>
+            <a:r>
+              <a:rPr lang="en-SG" sz="1000" dirty="0" smtClean="0"/>
+              <a:t>){</a:t>
+            </a:r>
+          </a:p>
+          <a:p>
+            <a:r>
+              <a:rPr lang="en-SG" sz="1000" dirty="0" smtClean="0"/>
+              <a:t>  crosshair </a:t>
+            </a:r>
+            <a:r>
+              <a:rPr lang="en-SG" sz="1000" dirty="0"/>
+              <a:t>= new Crosshair</a:t>
+            </a:r>
+            <a:r>
+              <a:rPr lang="en-SG" sz="1000" dirty="0" smtClean="0"/>
+              <a:t>()</a:t>
+            </a:r>
+          </a:p>
+          <a:p>
+            <a:r>
+              <a:rPr lang="en-US" sz="1000" dirty="0"/>
+              <a:t>}</a:t>
+            </a:r>
+            <a:endParaRPr lang="en-US" sz="1000" dirty="0" smtClean="0"/>
+          </a:p>
+        </p:txBody>
+      </p:sp>
+      <p:sp>
+        <p:nvSpPr>
+          <p:cNvPr id="7" name="TextBox 6"/>
+          <p:cNvSpPr txBox="1"/>
+          <p:nvPr/>
+        </p:nvSpPr>
+        <p:spPr>
+          <a:xfrm>
+            <a:off x="9500481" y="4814453"/>
+            <a:ext cx="787395" cy="400110"/>
+          </a:xfrm>
+          <a:prstGeom prst="rect">
+            <a:avLst/>
+          </a:prstGeom>
+          <a:solidFill>
+            <a:schemeClr val="bg1"/>
+          </a:solidFill>
+          <a:ln>
+            <a:solidFill>
+              <a:schemeClr val="tx1">
+                <a:lumMod val="75000"/>
+                <a:lumOff val="25000"/>
+              </a:schemeClr>
+            </a:solidFill>
+          </a:ln>
+          <a:effectLst>
+            <a:outerShdw blurRad="50800" dist="38100" dir="2700000" algn="tl" rotWithShape="0">
+              <a:prstClr val="black">
+                <a:alpha val="40000"/>
+              </a:prstClr>
+            </a:outerShdw>
+          </a:effectLst>
+        </p:spPr>
+        <p:txBody>
+          <a:bodyPr wrap="none" rtlCol="0">
+            <a:spAutoFit/>
+          </a:bodyPr>
+          <a:lstStyle/>
+          <a:p>
+            <a:r>
+              <a:rPr lang="en-SG" sz="1000" b="1" dirty="0" err="1" smtClean="0"/>
+              <a:t>LegendX</a:t>
+            </a:r>
+            <a:endParaRPr lang="en-SG" sz="1000" b="1" dirty="0" smtClean="0"/>
+          </a:p>
+          <a:p>
+            <a:r>
+              <a:rPr lang="en-SG" sz="1000" b="1" dirty="0" err="1" smtClean="0"/>
+              <a:t>LegendX</a:t>
+            </a:r>
+            <a:r>
+              <a:rPr lang="en-SG" sz="1000" dirty="0" smtClean="0"/>
+              <a:t>(){}</a:t>
+            </a:r>
+            <a:endParaRPr lang="en-US" sz="1000" dirty="0" smtClean="0"/>
+          </a:p>
+        </p:txBody>
+      </p:sp>
+      <p:sp>
+        <p:nvSpPr>
+          <p:cNvPr id="8" name="TextBox 7"/>
+          <p:cNvSpPr txBox="1"/>
+          <p:nvPr/>
+        </p:nvSpPr>
+        <p:spPr>
+          <a:xfrm>
+            <a:off x="9500481" y="5294225"/>
+            <a:ext cx="1045479" cy="400110"/>
+          </a:xfrm>
+          <a:prstGeom prst="rect">
+            <a:avLst/>
+          </a:prstGeom>
+          <a:solidFill>
+            <a:schemeClr val="bg1"/>
+          </a:solidFill>
+          <a:ln>
+            <a:solidFill>
+              <a:schemeClr val="tx1">
+                <a:lumMod val="75000"/>
+                <a:lumOff val="25000"/>
+              </a:schemeClr>
+            </a:solidFill>
+          </a:ln>
+          <a:effectLst>
+            <a:outerShdw blurRad="50800" dist="38100" dir="2700000" algn="tl" rotWithShape="0">
+              <a:prstClr val="black">
+                <a:alpha val="40000"/>
+              </a:prstClr>
+            </a:outerShdw>
+          </a:effectLst>
+        </p:spPr>
+        <p:txBody>
+          <a:bodyPr wrap="none" rtlCol="0">
+            <a:spAutoFit/>
+          </a:bodyPr>
+          <a:lstStyle/>
+          <a:p>
+            <a:r>
+              <a:rPr lang="en-US" sz="1000" b="1" dirty="0" err="1" smtClean="0"/>
+              <a:t>LegendXDate</a:t>
+            </a:r>
+            <a:endParaRPr lang="en-US" sz="1000" b="1" dirty="0" smtClean="0"/>
+          </a:p>
+          <a:p>
+            <a:r>
+              <a:rPr lang="en-US" sz="1000" b="1" dirty="0" err="1" smtClean="0"/>
+              <a:t>LegendXDate</a:t>
+            </a:r>
+            <a:r>
+              <a:rPr lang="en-US" sz="1000" dirty="0" smtClean="0"/>
+              <a:t>(){}</a:t>
+            </a:r>
+            <a:endParaRPr lang="en-US" sz="1000" b="1" dirty="0" smtClean="0"/>
+          </a:p>
+        </p:txBody>
+      </p:sp>
+      <p:sp>
+        <p:nvSpPr>
+          <p:cNvPr id="16" name="TextBox 15"/>
+          <p:cNvSpPr txBox="1"/>
+          <p:nvPr/>
+        </p:nvSpPr>
+        <p:spPr>
+          <a:xfrm>
+            <a:off x="9470498" y="2630050"/>
+            <a:ext cx="1425390" cy="1477328"/>
+          </a:xfrm>
+          <a:prstGeom prst="rect">
+            <a:avLst/>
+          </a:prstGeom>
+          <a:solidFill>
+            <a:schemeClr val="bg1"/>
+          </a:solidFill>
+          <a:ln>
+            <a:solidFill>
+              <a:schemeClr val="tx1">
+                <a:lumMod val="75000"/>
+                <a:lumOff val="25000"/>
+              </a:schemeClr>
+            </a:solidFill>
+          </a:ln>
+          <a:effectLst>
+            <a:outerShdw blurRad="50800" dist="38100" dir="2700000" algn="tl" rotWithShape="0">
+              <a:prstClr val="black">
+                <a:alpha val="40000"/>
+              </a:prstClr>
+            </a:outerShdw>
+          </a:effectLst>
+        </p:spPr>
+        <p:txBody>
+          <a:bodyPr wrap="none" rtlCol="0">
+            <a:spAutoFit/>
+          </a:bodyPr>
+          <a:lstStyle/>
+          <a:p>
+            <a:r>
+              <a:rPr lang="en-SG" sz="1000" b="1" dirty="0" err="1" smtClean="0"/>
+              <a:t>LegendScroller</a:t>
+            </a:r>
+            <a:endParaRPr lang="en-SG" sz="1000" b="1" dirty="0" smtClean="0"/>
+          </a:p>
+          <a:p>
+            <a:r>
+              <a:rPr lang="en-US" sz="1000" dirty="0" smtClean="0"/>
+              <a:t>Legend</a:t>
+            </a:r>
+          </a:p>
+          <a:p>
+            <a:r>
+              <a:rPr lang="en-SG" sz="1000" dirty="0" err="1"/>
+              <a:t>ScrollBar</a:t>
+            </a:r>
+            <a:endParaRPr lang="en-US" sz="1000" dirty="0" smtClean="0"/>
+          </a:p>
+          <a:p>
+            <a:r>
+              <a:rPr lang="en-SG" sz="1000" dirty="0" err="1" smtClean="0"/>
+              <a:t>ZoomInButton</a:t>
+            </a:r>
+            <a:endParaRPr lang="en-SG" sz="1000" dirty="0" smtClean="0"/>
+          </a:p>
+          <a:p>
+            <a:r>
+              <a:rPr lang="en-SG" sz="1000" dirty="0" err="1" smtClean="0"/>
+              <a:t>ZoomOutButton</a:t>
+            </a:r>
+            <a:endParaRPr lang="en-SG" sz="1000" dirty="0" smtClean="0"/>
+          </a:p>
+          <a:p>
+            <a:endParaRPr lang="en-SG" sz="1000" dirty="0" smtClean="0"/>
+          </a:p>
+          <a:p>
+            <a:r>
+              <a:rPr lang="en-SG" sz="1000" b="1" dirty="0" err="1" smtClean="0"/>
+              <a:t>LegendScroller</a:t>
+            </a:r>
+            <a:r>
+              <a:rPr lang="en-SG" sz="1000" dirty="0" smtClean="0"/>
+              <a:t>(legend)</a:t>
+            </a:r>
+            <a:r>
+              <a:rPr lang="en-US" sz="1000" dirty="0" smtClean="0"/>
+              <a:t>{</a:t>
+            </a:r>
+          </a:p>
+          <a:p>
+            <a:r>
+              <a:rPr lang="en-US" sz="1000" dirty="0" smtClean="0"/>
+              <a:t>  Create zoom </a:t>
+            </a:r>
+            <a:r>
+              <a:rPr lang="en-US" sz="1000" dirty="0"/>
+              <a:t>buttons</a:t>
+            </a:r>
+          </a:p>
+          <a:p>
+            <a:r>
+              <a:rPr lang="en-US" sz="1000" dirty="0" smtClean="0"/>
+              <a:t>}</a:t>
+            </a:r>
+            <a:endParaRPr lang="en-SG" sz="1000" dirty="0" smtClean="0"/>
+          </a:p>
+        </p:txBody>
+      </p:sp>
+      <p:sp>
+        <p:nvSpPr>
+          <p:cNvPr id="17" name="TextBox 16"/>
+          <p:cNvSpPr txBox="1"/>
+          <p:nvPr/>
+        </p:nvSpPr>
+        <p:spPr>
+          <a:xfrm>
+            <a:off x="9293052" y="3830379"/>
+            <a:ext cx="1989647" cy="553998"/>
+          </a:xfrm>
+          <a:prstGeom prst="rect">
+            <a:avLst/>
+          </a:prstGeom>
+          <a:solidFill>
+            <a:schemeClr val="bg1"/>
+          </a:solidFill>
+          <a:ln>
+            <a:solidFill>
+              <a:schemeClr val="tx1">
+                <a:lumMod val="75000"/>
+                <a:lumOff val="25000"/>
+              </a:schemeClr>
+            </a:solidFill>
+          </a:ln>
+          <a:effectLst>
+            <a:outerShdw blurRad="50800" dist="38100" dir="2700000" algn="tl" rotWithShape="0">
+              <a:prstClr val="black">
+                <a:alpha val="40000"/>
+              </a:prstClr>
+            </a:outerShdw>
+          </a:effectLst>
+        </p:spPr>
+        <p:txBody>
+          <a:bodyPr wrap="none" rtlCol="0">
+            <a:spAutoFit/>
+          </a:bodyPr>
+          <a:lstStyle/>
+          <a:p>
+            <a:r>
+              <a:rPr lang="en-SG" sz="1000" b="1" dirty="0" err="1" smtClean="0"/>
+              <a:t>LegendScrollerX</a:t>
+            </a:r>
+            <a:r>
+              <a:rPr lang="en-SG" sz="1000" b="1" dirty="0" smtClean="0"/>
+              <a:t> </a:t>
+            </a:r>
+            <a:endParaRPr lang="en-SG" sz="1000" dirty="0"/>
+          </a:p>
+          <a:p>
+            <a:r>
+              <a:rPr lang="en-SG" sz="1000" b="1" dirty="0" err="1"/>
+              <a:t>LegendScrollerX</a:t>
+            </a:r>
+            <a:r>
+              <a:rPr lang="en-SG" sz="1000" dirty="0"/>
+              <a:t>(</a:t>
+            </a:r>
+            <a:r>
+              <a:rPr lang="en-SG" sz="1000" dirty="0" err="1"/>
+              <a:t>LegendX</a:t>
+            </a:r>
+            <a:r>
+              <a:rPr lang="en-SG" sz="1000" dirty="0"/>
+              <a:t> legend): </a:t>
+            </a:r>
+            <a:endParaRPr lang="en-SG" sz="1000" dirty="0" smtClean="0"/>
+          </a:p>
+          <a:p>
+            <a:r>
+              <a:rPr lang="en-SG" sz="1000" dirty="0"/>
+              <a:t> </a:t>
+            </a:r>
+            <a:r>
+              <a:rPr lang="en-SG" sz="1000" dirty="0" smtClean="0"/>
+              <a:t> base(legend</a:t>
+            </a:r>
+            <a:r>
+              <a:rPr lang="en-SG" sz="1000" dirty="0"/>
+              <a:t>) </a:t>
+            </a:r>
+            <a:r>
+              <a:rPr lang="en-SG" sz="1000" dirty="0" smtClean="0"/>
+              <a:t>{}</a:t>
+            </a:r>
+            <a:endParaRPr lang="en-SG" sz="1000" b="1" dirty="0" smtClean="0"/>
+          </a:p>
+        </p:txBody>
+      </p:sp>
+      <p:sp>
+        <p:nvSpPr>
+          <p:cNvPr id="26" name="TextBox 25"/>
+          <p:cNvSpPr txBox="1"/>
+          <p:nvPr/>
+        </p:nvSpPr>
+        <p:spPr>
+          <a:xfrm>
+            <a:off x="1061033" y="718547"/>
+            <a:ext cx="3201517" cy="707886"/>
+          </a:xfrm>
+          <a:prstGeom prst="rect">
+            <a:avLst/>
+          </a:prstGeom>
+          <a:solidFill>
+            <a:schemeClr val="bg1"/>
+          </a:solidFill>
+          <a:ln>
+            <a:solidFill>
+              <a:schemeClr val="tx1">
+                <a:lumMod val="75000"/>
+                <a:lumOff val="25000"/>
+              </a:schemeClr>
+            </a:solidFill>
+          </a:ln>
+          <a:effectLst>
+            <a:outerShdw blurRad="50800" dist="38100" dir="2700000" algn="tl" rotWithShape="0">
+              <a:prstClr val="black">
+                <a:alpha val="40000"/>
+              </a:prstClr>
+            </a:outerShdw>
+          </a:effectLst>
+        </p:spPr>
+        <p:txBody>
+          <a:bodyPr wrap="none" rtlCol="0">
+            <a:spAutoFit/>
+          </a:bodyPr>
+          <a:lstStyle/>
+          <a:p>
+            <a:r>
+              <a:rPr lang="en-SG" sz="1000" b="1" dirty="0" err="1" smtClean="0"/>
+              <a:t>WindowsXyz</a:t>
+            </a:r>
+            <a:endParaRPr lang="en-SG" sz="1000" b="1" dirty="0" smtClean="0"/>
+          </a:p>
+          <a:p>
+            <a:r>
+              <a:rPr lang="en-US" sz="1000" dirty="0"/>
+              <a:t>chart </a:t>
+            </a:r>
+            <a:endParaRPr lang="en-US" sz="1000" dirty="0" smtClean="0"/>
+          </a:p>
+          <a:p>
+            <a:endParaRPr lang="en-US" sz="1000" dirty="0"/>
+          </a:p>
+          <a:p>
+            <a:r>
+              <a:rPr lang="en-US" sz="1000" dirty="0" smtClean="0"/>
+              <a:t>chart.</a:t>
+            </a:r>
+            <a:r>
+              <a:rPr lang="en-SG" sz="1000" dirty="0"/>
+              <a:t> </a:t>
+            </a:r>
+            <a:r>
+              <a:rPr lang="en-SG" sz="1000" dirty="0" err="1"/>
+              <a:t>FillData</a:t>
+            </a:r>
+            <a:r>
+              <a:rPr lang="en-SG" sz="1000" dirty="0"/>
+              <a:t>&lt;</a:t>
+            </a:r>
+            <a:r>
+              <a:rPr lang="en-SG" sz="1000" dirty="0" err="1"/>
+              <a:t>DataRecord</a:t>
+            </a:r>
+            <a:r>
+              <a:rPr lang="en-SG" sz="1000" dirty="0"/>
+              <a:t>&gt;(</a:t>
+            </a:r>
+            <a:r>
+              <a:rPr lang="en-SG" sz="1000" dirty="0" err="1"/>
+              <a:t>dataRecords</a:t>
+            </a:r>
+            <a:r>
+              <a:rPr lang="en-SG" sz="1000" dirty="0"/>
+              <a:t>, </a:t>
+            </a:r>
+            <a:r>
+              <a:rPr lang="en-SG" sz="1000" dirty="0" err="1" smtClean="0"/>
+              <a:t>seriesSettings</a:t>
+            </a:r>
+            <a:r>
+              <a:rPr lang="en-SG" sz="1000" dirty="0" smtClean="0"/>
+              <a:t>)</a:t>
+            </a:r>
+          </a:p>
+        </p:txBody>
+      </p:sp>
+      <p:cxnSp>
+        <p:nvCxnSpPr>
+          <p:cNvPr id="27" name="Straight Arrow Connector 26"/>
+          <p:cNvCxnSpPr/>
+          <p:nvPr/>
+        </p:nvCxnSpPr>
+        <p:spPr>
+          <a:xfrm flipV="1">
+            <a:off x="250892" y="6358890"/>
+            <a:ext cx="552450" cy="1"/>
+          </a:xfrm>
+          <a:prstGeom prst="straightConnector1">
+            <a:avLst/>
+          </a:prstGeom>
+          <a:ln>
+            <a:tailEnd type="arrow"/>
+          </a:ln>
+        </p:spPr>
+        <p:style>
+          <a:lnRef idx="1">
+            <a:schemeClr val="accent1"/>
+          </a:lnRef>
+          <a:fillRef idx="0">
+            <a:schemeClr val="accent1"/>
+          </a:fillRef>
+          <a:effectRef idx="0">
+            <a:schemeClr val="accent1"/>
+          </a:effectRef>
+          <a:fontRef idx="minor">
+            <a:schemeClr val="tx1"/>
+          </a:fontRef>
+        </p:style>
+      </p:cxnSp>
+      <p:sp>
+        <p:nvSpPr>
+          <p:cNvPr id="28" name="Rectangle 27"/>
+          <p:cNvSpPr/>
+          <p:nvPr/>
+        </p:nvSpPr>
+        <p:spPr>
+          <a:xfrm>
+            <a:off x="845820" y="6225782"/>
+            <a:ext cx="691215" cy="246221"/>
+          </a:xfrm>
+          <a:prstGeom prst="rect">
+            <a:avLst/>
+          </a:prstGeom>
+        </p:spPr>
+        <p:txBody>
+          <a:bodyPr wrap="none">
+            <a:spAutoFit/>
+          </a:bodyPr>
+          <a:lstStyle/>
+          <a:p>
+            <a:r>
+              <a:rPr lang="en-SG" sz="1000" dirty="0" smtClean="0"/>
+              <a:t>reference</a:t>
+            </a:r>
+            <a:endParaRPr lang="en-SG" sz="1000" dirty="0"/>
+          </a:p>
+        </p:txBody>
+      </p:sp>
+      <p:cxnSp>
+        <p:nvCxnSpPr>
+          <p:cNvPr id="30" name="Straight Arrow Connector 29"/>
+          <p:cNvCxnSpPr/>
+          <p:nvPr/>
+        </p:nvCxnSpPr>
+        <p:spPr>
+          <a:xfrm flipV="1">
+            <a:off x="262322" y="6572250"/>
+            <a:ext cx="552450" cy="1"/>
+          </a:xfrm>
+          <a:prstGeom prst="straightConnector1">
+            <a:avLst/>
+          </a:prstGeom>
+          <a:ln w="19050">
+            <a:solidFill>
+              <a:srgbClr val="00B050"/>
+            </a:solidFill>
+            <a:tailEnd type="arrow"/>
+          </a:ln>
+        </p:spPr>
+        <p:style>
+          <a:lnRef idx="1">
+            <a:schemeClr val="accent1"/>
+          </a:lnRef>
+          <a:fillRef idx="0">
+            <a:schemeClr val="accent1"/>
+          </a:fillRef>
+          <a:effectRef idx="0">
+            <a:schemeClr val="accent1"/>
+          </a:effectRef>
+          <a:fontRef idx="minor">
+            <a:schemeClr val="tx1"/>
+          </a:fontRef>
+        </p:style>
+      </p:cxnSp>
+      <p:sp>
+        <p:nvSpPr>
+          <p:cNvPr id="31" name="Rectangle 30"/>
+          <p:cNvSpPr/>
+          <p:nvPr/>
+        </p:nvSpPr>
+        <p:spPr>
+          <a:xfrm>
+            <a:off x="857250" y="6439142"/>
+            <a:ext cx="776175" cy="246221"/>
+          </a:xfrm>
+          <a:prstGeom prst="rect">
+            <a:avLst/>
+          </a:prstGeom>
+        </p:spPr>
+        <p:txBody>
+          <a:bodyPr wrap="none">
+            <a:spAutoFit/>
+          </a:bodyPr>
+          <a:lstStyle/>
+          <a:p>
+            <a:r>
+              <a:rPr lang="en-SG" sz="1000" dirty="0" smtClean="0"/>
+              <a:t>inheritance</a:t>
+            </a:r>
+            <a:endParaRPr lang="en-SG" sz="1000" dirty="0"/>
+          </a:p>
+        </p:txBody>
+      </p:sp>
+      <p:cxnSp>
+        <p:nvCxnSpPr>
+          <p:cNvPr id="32" name="Straight Arrow Connector 31"/>
+          <p:cNvCxnSpPr/>
+          <p:nvPr/>
+        </p:nvCxnSpPr>
+        <p:spPr>
+          <a:xfrm flipH="1" flipV="1">
+            <a:off x="-1889529" y="2539385"/>
+            <a:ext cx="234916" cy="1"/>
+          </a:xfrm>
+          <a:prstGeom prst="straightConnector1">
+            <a:avLst/>
+          </a:prstGeom>
+          <a:ln w="19050">
+            <a:solidFill>
+              <a:srgbClr val="00B050"/>
+            </a:solidFill>
+            <a:tailEnd type="arrow"/>
+          </a:ln>
+        </p:spPr>
+        <p:style>
+          <a:lnRef idx="1">
+            <a:schemeClr val="accent1"/>
+          </a:lnRef>
+          <a:fillRef idx="0">
+            <a:schemeClr val="accent1"/>
+          </a:fillRef>
+          <a:effectRef idx="0">
+            <a:schemeClr val="accent1"/>
+          </a:effectRef>
+          <a:fontRef idx="minor">
+            <a:schemeClr val="tx1"/>
+          </a:fontRef>
+        </p:style>
+      </p:cxnSp>
+      <p:cxnSp>
+        <p:nvCxnSpPr>
+          <p:cNvPr id="34" name="Straight Arrow Connector 33"/>
+          <p:cNvCxnSpPr/>
+          <p:nvPr/>
+        </p:nvCxnSpPr>
+        <p:spPr>
+          <a:xfrm flipV="1">
+            <a:off x="257804" y="6151034"/>
+            <a:ext cx="552450" cy="1"/>
+          </a:xfrm>
+          <a:prstGeom prst="straightConnector1">
+            <a:avLst/>
+          </a:prstGeom>
+          <a:ln>
+            <a:solidFill>
+              <a:schemeClr val="tx1"/>
+            </a:solidFill>
+            <a:tailEnd type="arrow"/>
+          </a:ln>
+        </p:spPr>
+        <p:style>
+          <a:lnRef idx="1">
+            <a:schemeClr val="accent1"/>
+          </a:lnRef>
+          <a:fillRef idx="0">
+            <a:schemeClr val="accent1"/>
+          </a:fillRef>
+          <a:effectRef idx="0">
+            <a:schemeClr val="accent1"/>
+          </a:effectRef>
+          <a:fontRef idx="minor">
+            <a:schemeClr val="tx1"/>
+          </a:fontRef>
+        </p:style>
+      </p:cxnSp>
+      <p:sp>
+        <p:nvSpPr>
+          <p:cNvPr id="35" name="Rectangle 34"/>
+          <p:cNvSpPr/>
+          <p:nvPr/>
+        </p:nvSpPr>
+        <p:spPr>
+          <a:xfrm>
+            <a:off x="842340" y="6031782"/>
+            <a:ext cx="917239" cy="246221"/>
+          </a:xfrm>
+          <a:prstGeom prst="rect">
+            <a:avLst/>
+          </a:prstGeom>
+        </p:spPr>
+        <p:txBody>
+          <a:bodyPr wrap="none">
+            <a:spAutoFit/>
+          </a:bodyPr>
+          <a:lstStyle/>
+          <a:p>
+            <a:r>
+              <a:rPr lang="en-SG" sz="1000" dirty="0" smtClean="0"/>
+              <a:t>program flow </a:t>
+            </a:r>
+            <a:endParaRPr lang="en-SG" sz="1000" dirty="0"/>
+          </a:p>
+        </p:txBody>
+      </p:sp>
+      <p:cxnSp>
+        <p:nvCxnSpPr>
+          <p:cNvPr id="36" name="Straight Arrow Connector 35"/>
+          <p:cNvCxnSpPr/>
+          <p:nvPr/>
+        </p:nvCxnSpPr>
+        <p:spPr>
+          <a:xfrm flipH="1">
+            <a:off x="-1958334" y="2973374"/>
+            <a:ext cx="1593339" cy="2767170"/>
+          </a:xfrm>
+          <a:prstGeom prst="straightConnector1">
+            <a:avLst/>
+          </a:prstGeom>
+          <a:ln>
+            <a:solidFill>
+              <a:schemeClr val="tx1"/>
+            </a:solidFill>
+            <a:tailEnd type="arrow"/>
+          </a:ln>
+        </p:spPr>
+        <p:style>
+          <a:lnRef idx="1">
+            <a:schemeClr val="accent1"/>
+          </a:lnRef>
+          <a:fillRef idx="0">
+            <a:schemeClr val="accent1"/>
+          </a:fillRef>
+          <a:effectRef idx="0">
+            <a:schemeClr val="accent1"/>
+          </a:effectRef>
+          <a:fontRef idx="minor">
+            <a:schemeClr val="tx1"/>
+          </a:fontRef>
+        </p:style>
+      </p:cxnSp>
+      <p:cxnSp>
+        <p:nvCxnSpPr>
+          <p:cNvPr id="39" name="Straight Arrow Connector 38"/>
+          <p:cNvCxnSpPr/>
+          <p:nvPr/>
+        </p:nvCxnSpPr>
+        <p:spPr>
+          <a:xfrm flipH="1">
+            <a:off x="-1955643" y="4281881"/>
+            <a:ext cx="183572" cy="1220780"/>
+          </a:xfrm>
+          <a:prstGeom prst="straightConnector1">
+            <a:avLst/>
+          </a:prstGeom>
+          <a:ln>
+            <a:solidFill>
+              <a:schemeClr val="tx1"/>
+            </a:solidFill>
+            <a:tailEnd type="arrow"/>
+          </a:ln>
+        </p:spPr>
+        <p:style>
+          <a:lnRef idx="1">
+            <a:schemeClr val="accent1"/>
+          </a:lnRef>
+          <a:fillRef idx="0">
+            <a:schemeClr val="accent1"/>
+          </a:fillRef>
+          <a:effectRef idx="0">
+            <a:schemeClr val="accent1"/>
+          </a:effectRef>
+          <a:fontRef idx="minor">
+            <a:schemeClr val="tx1"/>
+          </a:fontRef>
+        </p:style>
+      </p:cxnSp>
+      <p:cxnSp>
+        <p:nvCxnSpPr>
+          <p:cNvPr id="43" name="Straight Arrow Connector 42"/>
+          <p:cNvCxnSpPr/>
+          <p:nvPr/>
+        </p:nvCxnSpPr>
+        <p:spPr>
+          <a:xfrm flipH="1">
+            <a:off x="-497473" y="2683157"/>
+            <a:ext cx="213219" cy="0"/>
+          </a:xfrm>
+          <a:prstGeom prst="straightConnector1">
+            <a:avLst/>
+          </a:prstGeom>
+          <a:ln w="19050">
+            <a:solidFill>
+              <a:srgbClr val="00B050"/>
+            </a:solidFill>
+            <a:tailEnd type="arrow"/>
+          </a:ln>
+        </p:spPr>
+        <p:style>
+          <a:lnRef idx="1">
+            <a:schemeClr val="accent1"/>
+          </a:lnRef>
+          <a:fillRef idx="0">
+            <a:schemeClr val="accent1"/>
+          </a:fillRef>
+          <a:effectRef idx="0">
+            <a:schemeClr val="accent1"/>
+          </a:effectRef>
+          <a:fontRef idx="minor">
+            <a:schemeClr val="tx1"/>
+          </a:fontRef>
+        </p:style>
+      </p:cxnSp>
+      <p:sp>
+        <p:nvSpPr>
+          <p:cNvPr id="44" name="TextBox 43"/>
+          <p:cNvSpPr txBox="1"/>
+          <p:nvPr/>
+        </p:nvSpPr>
+        <p:spPr>
+          <a:xfrm>
+            <a:off x="9500481" y="4303160"/>
+            <a:ext cx="736099" cy="400110"/>
+          </a:xfrm>
+          <a:prstGeom prst="rect">
+            <a:avLst/>
+          </a:prstGeom>
+          <a:solidFill>
+            <a:schemeClr val="bg1"/>
+          </a:solidFill>
+          <a:ln>
+            <a:solidFill>
+              <a:schemeClr val="tx1">
+                <a:lumMod val="75000"/>
+                <a:lumOff val="25000"/>
+              </a:schemeClr>
+            </a:solidFill>
+          </a:ln>
+          <a:effectLst>
+            <a:outerShdw blurRad="50800" dist="38100" dir="2700000" algn="tl" rotWithShape="0">
+              <a:prstClr val="black">
+                <a:alpha val="40000"/>
+              </a:prstClr>
+            </a:outerShdw>
+          </a:effectLst>
+        </p:spPr>
+        <p:txBody>
+          <a:bodyPr wrap="none" rtlCol="0">
+            <a:spAutoFit/>
+          </a:bodyPr>
+          <a:lstStyle/>
+          <a:p>
+            <a:r>
+              <a:rPr lang="en-SG" sz="1000" b="1" dirty="0" smtClean="0"/>
+              <a:t>Legend</a:t>
+            </a:r>
+          </a:p>
+          <a:p>
+            <a:r>
+              <a:rPr lang="en-US" sz="1000" b="1" dirty="0" smtClean="0"/>
+              <a:t>Legend</a:t>
+            </a:r>
+            <a:r>
+              <a:rPr lang="en-US" sz="1000" dirty="0" smtClean="0"/>
+              <a:t>(){}</a:t>
+            </a:r>
+            <a:endParaRPr lang="en-US" sz="1000" dirty="0" smtClean="0"/>
+          </a:p>
+        </p:txBody>
+      </p:sp>
+      <p:cxnSp>
+        <p:nvCxnSpPr>
+          <p:cNvPr id="45" name="Straight Arrow Connector 44"/>
+          <p:cNvCxnSpPr/>
+          <p:nvPr/>
+        </p:nvCxnSpPr>
+        <p:spPr>
+          <a:xfrm flipH="1">
+            <a:off x="-661709" y="2473909"/>
+            <a:ext cx="343016" cy="0"/>
+          </a:xfrm>
+          <a:prstGeom prst="straightConnector1">
+            <a:avLst/>
+          </a:prstGeom>
+          <a:ln w="19050">
+            <a:solidFill>
+              <a:srgbClr val="00B050"/>
+            </a:solidFill>
+            <a:tailEnd type="arrow"/>
+          </a:ln>
+        </p:spPr>
+        <p:style>
+          <a:lnRef idx="1">
+            <a:schemeClr val="accent1"/>
+          </a:lnRef>
+          <a:fillRef idx="0">
+            <a:schemeClr val="accent1"/>
+          </a:fillRef>
+          <a:effectRef idx="0">
+            <a:schemeClr val="accent1"/>
+          </a:effectRef>
+          <a:fontRef idx="minor">
+            <a:schemeClr val="tx1"/>
+          </a:fontRef>
+        </p:style>
+      </p:cxnSp>
+      <p:cxnSp>
+        <p:nvCxnSpPr>
+          <p:cNvPr id="49" name="Straight Arrow Connector 48"/>
+          <p:cNvCxnSpPr/>
+          <p:nvPr/>
+        </p:nvCxnSpPr>
+        <p:spPr>
+          <a:xfrm>
+            <a:off x="1511019" y="5256513"/>
+            <a:ext cx="385621" cy="0"/>
+          </a:xfrm>
+          <a:prstGeom prst="straightConnector1">
+            <a:avLst/>
+          </a:prstGeom>
+          <a:ln>
+            <a:solidFill>
+              <a:schemeClr val="tx1"/>
+            </a:solidFill>
+            <a:tailEnd type="arrow"/>
+          </a:ln>
+        </p:spPr>
+        <p:style>
+          <a:lnRef idx="1">
+            <a:schemeClr val="accent1"/>
+          </a:lnRef>
+          <a:fillRef idx="0">
+            <a:schemeClr val="accent1"/>
+          </a:fillRef>
+          <a:effectRef idx="0">
+            <a:schemeClr val="accent1"/>
+          </a:effectRef>
+          <a:fontRef idx="minor">
+            <a:schemeClr val="tx1"/>
+          </a:fontRef>
+        </p:style>
+      </p:cxnSp>
+      <p:cxnSp>
+        <p:nvCxnSpPr>
+          <p:cNvPr id="52" name="Straight Arrow Connector 51"/>
+          <p:cNvCxnSpPr/>
+          <p:nvPr/>
+        </p:nvCxnSpPr>
+        <p:spPr>
+          <a:xfrm>
+            <a:off x="-1772071" y="5702118"/>
+            <a:ext cx="385621" cy="0"/>
+          </a:xfrm>
+          <a:prstGeom prst="straightConnector1">
+            <a:avLst/>
+          </a:prstGeom>
+          <a:ln>
+            <a:solidFill>
+              <a:schemeClr val="tx1"/>
+            </a:solidFill>
+            <a:tailEnd type="arrow"/>
+          </a:ln>
+        </p:spPr>
+        <p:style>
+          <a:lnRef idx="1">
+            <a:schemeClr val="accent1"/>
+          </a:lnRef>
+          <a:fillRef idx="0">
+            <a:schemeClr val="accent1"/>
+          </a:fillRef>
+          <a:effectRef idx="0">
+            <a:schemeClr val="accent1"/>
+          </a:effectRef>
+          <a:fontRef idx="minor">
+            <a:schemeClr val="tx1"/>
+          </a:fontRef>
+        </p:style>
+      </p:cxnSp>
+      <p:cxnSp>
+        <p:nvCxnSpPr>
+          <p:cNvPr id="54" name="Straight Arrow Connector 53"/>
+          <p:cNvCxnSpPr/>
+          <p:nvPr/>
+        </p:nvCxnSpPr>
+        <p:spPr>
+          <a:xfrm>
+            <a:off x="-1719471" y="5605555"/>
+            <a:ext cx="385621" cy="0"/>
+          </a:xfrm>
+          <a:prstGeom prst="straightConnector1">
+            <a:avLst/>
+          </a:prstGeom>
+          <a:ln>
+            <a:solidFill>
+              <a:schemeClr val="tx1"/>
+            </a:solidFill>
+            <a:tailEnd type="arrow"/>
+          </a:ln>
+        </p:spPr>
+        <p:style>
+          <a:lnRef idx="1">
+            <a:schemeClr val="accent1"/>
+          </a:lnRef>
+          <a:fillRef idx="0">
+            <a:schemeClr val="accent1"/>
+          </a:fillRef>
+          <a:effectRef idx="0">
+            <a:schemeClr val="accent1"/>
+          </a:effectRef>
+          <a:fontRef idx="minor">
+            <a:schemeClr val="tx1"/>
+          </a:fontRef>
+        </p:style>
+      </p:cxnSp>
+      <p:cxnSp>
+        <p:nvCxnSpPr>
+          <p:cNvPr id="56" name="Straight Arrow Connector 55"/>
+          <p:cNvCxnSpPr/>
+          <p:nvPr/>
+        </p:nvCxnSpPr>
+        <p:spPr>
+          <a:xfrm flipH="1">
+            <a:off x="-877656" y="3121608"/>
+            <a:ext cx="427557" cy="678354"/>
+          </a:xfrm>
+          <a:prstGeom prst="straightConnector1">
+            <a:avLst/>
+          </a:prstGeom>
+          <a:ln>
+            <a:solidFill>
+              <a:schemeClr val="tx1"/>
+            </a:solidFill>
+            <a:tailEnd type="arrow"/>
+          </a:ln>
+        </p:spPr>
+        <p:style>
+          <a:lnRef idx="1">
+            <a:schemeClr val="accent1"/>
+          </a:lnRef>
+          <a:fillRef idx="0">
+            <a:schemeClr val="accent1"/>
+          </a:fillRef>
+          <a:effectRef idx="0">
+            <a:schemeClr val="accent1"/>
+          </a:effectRef>
+          <a:fontRef idx="minor">
+            <a:schemeClr val="tx1"/>
+          </a:fontRef>
+        </p:style>
+      </p:cxnSp>
+      <p:cxnSp>
+        <p:nvCxnSpPr>
+          <p:cNvPr id="60" name="Straight Arrow Connector 59"/>
+          <p:cNvCxnSpPr/>
+          <p:nvPr/>
+        </p:nvCxnSpPr>
+        <p:spPr>
+          <a:xfrm>
+            <a:off x="-1587013" y="3098464"/>
+            <a:ext cx="329045" cy="2269179"/>
+          </a:xfrm>
+          <a:prstGeom prst="straightConnector1">
+            <a:avLst/>
+          </a:prstGeom>
+          <a:ln>
+            <a:solidFill>
+              <a:schemeClr val="tx1"/>
+            </a:solidFill>
+            <a:tailEnd type="arrow"/>
+          </a:ln>
+        </p:spPr>
+        <p:style>
+          <a:lnRef idx="1">
+            <a:schemeClr val="accent1"/>
+          </a:lnRef>
+          <a:fillRef idx="0">
+            <a:schemeClr val="accent1"/>
+          </a:fillRef>
+          <a:effectRef idx="0">
+            <a:schemeClr val="accent1"/>
+          </a:effectRef>
+          <a:fontRef idx="minor">
+            <a:schemeClr val="tx1"/>
+          </a:fontRef>
+        </p:style>
+      </p:cxnSp>
+      <p:cxnSp>
+        <p:nvCxnSpPr>
+          <p:cNvPr id="64" name="Straight Arrow Connector 63"/>
+          <p:cNvCxnSpPr/>
+          <p:nvPr/>
+        </p:nvCxnSpPr>
+        <p:spPr>
+          <a:xfrm flipV="1">
+            <a:off x="-914994" y="5417019"/>
+            <a:ext cx="714131" cy="1401178"/>
+          </a:xfrm>
+          <a:prstGeom prst="straightConnector1">
+            <a:avLst/>
+          </a:prstGeom>
+          <a:ln>
+            <a:tailEnd type="arrow"/>
+          </a:ln>
+        </p:spPr>
+        <p:style>
+          <a:lnRef idx="1">
+            <a:schemeClr val="accent1"/>
+          </a:lnRef>
+          <a:fillRef idx="0">
+            <a:schemeClr val="accent1"/>
+          </a:fillRef>
+          <a:effectRef idx="0">
+            <a:schemeClr val="accent1"/>
+          </a:effectRef>
+          <a:fontRef idx="minor">
+            <a:schemeClr val="tx1"/>
+          </a:fontRef>
+        </p:style>
+      </p:cxnSp>
+      <p:cxnSp>
+        <p:nvCxnSpPr>
+          <p:cNvPr id="66" name="Straight Arrow Connector 65"/>
+          <p:cNvCxnSpPr/>
+          <p:nvPr/>
+        </p:nvCxnSpPr>
+        <p:spPr>
+          <a:xfrm>
+            <a:off x="-1787549" y="4165908"/>
+            <a:ext cx="1403802" cy="585748"/>
+          </a:xfrm>
+          <a:prstGeom prst="straightConnector1">
+            <a:avLst/>
+          </a:prstGeom>
+          <a:ln>
+            <a:solidFill>
+              <a:schemeClr val="tx1"/>
+            </a:solidFill>
+            <a:tailEnd type="arrow"/>
+          </a:ln>
+        </p:spPr>
+        <p:style>
+          <a:lnRef idx="1">
+            <a:schemeClr val="accent1"/>
+          </a:lnRef>
+          <a:fillRef idx="0">
+            <a:schemeClr val="accent1"/>
+          </a:fillRef>
+          <a:effectRef idx="0">
+            <a:schemeClr val="accent1"/>
+          </a:effectRef>
+          <a:fontRef idx="minor">
+            <a:schemeClr val="tx1"/>
+          </a:fontRef>
+        </p:style>
+      </p:cxnSp>
+      <p:sp>
+        <p:nvSpPr>
+          <p:cNvPr id="68" name="TextBox 67"/>
+          <p:cNvSpPr txBox="1"/>
+          <p:nvPr/>
+        </p:nvSpPr>
+        <p:spPr>
+          <a:xfrm>
+            <a:off x="9425453" y="6285253"/>
+            <a:ext cx="1439818" cy="553998"/>
+          </a:xfrm>
+          <a:prstGeom prst="rect">
+            <a:avLst/>
+          </a:prstGeom>
+          <a:solidFill>
+            <a:schemeClr val="bg1"/>
+          </a:solidFill>
+          <a:ln>
+            <a:solidFill>
+              <a:schemeClr val="tx1">
+                <a:lumMod val="75000"/>
+                <a:lumOff val="25000"/>
+              </a:schemeClr>
+            </a:solidFill>
+          </a:ln>
+          <a:effectLst>
+            <a:outerShdw blurRad="50800" dist="38100" dir="2700000" algn="tl" rotWithShape="0">
+              <a:prstClr val="black">
+                <a:alpha val="40000"/>
+              </a:prstClr>
+            </a:outerShdw>
+          </a:effectLst>
+        </p:spPr>
+        <p:txBody>
+          <a:bodyPr wrap="none" rtlCol="0">
+            <a:spAutoFit/>
+          </a:bodyPr>
+          <a:lstStyle/>
+          <a:p>
+            <a:r>
+              <a:rPr lang="en-SG" sz="1000" b="1" dirty="0" err="1"/>
+              <a:t>LegendScrollerY</a:t>
+            </a:r>
+            <a:endParaRPr lang="en-SG" sz="1000" b="1" dirty="0"/>
+          </a:p>
+          <a:p>
+            <a:r>
+              <a:rPr lang="en-SG" sz="1000" dirty="0" err="1" smtClean="0"/>
+              <a:t>LegendScrollerY</a:t>
+            </a:r>
+            <a:r>
+              <a:rPr lang="en-SG" sz="1000" dirty="0" smtClean="0"/>
+              <a:t>(): </a:t>
+            </a:r>
+          </a:p>
+          <a:p>
+            <a:r>
+              <a:rPr lang="en-SG" sz="1000" dirty="0"/>
+              <a:t> </a:t>
+            </a:r>
+            <a:r>
+              <a:rPr lang="en-SG" sz="1000" dirty="0" smtClean="0"/>
+              <a:t> base(</a:t>
+            </a:r>
+            <a:r>
+              <a:rPr lang="en-SG" sz="1000" dirty="0"/>
+              <a:t>new </a:t>
+            </a:r>
+            <a:r>
+              <a:rPr lang="en-SG" sz="1000" dirty="0" err="1"/>
+              <a:t>LegendY</a:t>
+            </a:r>
+            <a:r>
+              <a:rPr lang="en-SG" sz="1000" dirty="0" smtClean="0"/>
+              <a:t>()) {}</a:t>
+            </a:r>
+            <a:endParaRPr lang="en-SG" sz="1000" b="1" dirty="0" smtClean="0"/>
+          </a:p>
+        </p:txBody>
+      </p:sp>
+      <p:sp>
+        <p:nvSpPr>
+          <p:cNvPr id="69" name="TextBox 68"/>
+          <p:cNvSpPr txBox="1"/>
+          <p:nvPr/>
+        </p:nvSpPr>
+        <p:spPr>
+          <a:xfrm>
+            <a:off x="9523236" y="5773817"/>
+            <a:ext cx="790601" cy="400110"/>
+          </a:xfrm>
+          <a:prstGeom prst="rect">
+            <a:avLst/>
+          </a:prstGeom>
+          <a:solidFill>
+            <a:schemeClr val="bg1"/>
+          </a:solidFill>
+          <a:ln>
+            <a:solidFill>
+              <a:schemeClr val="tx1">
+                <a:lumMod val="75000"/>
+                <a:lumOff val="25000"/>
+              </a:schemeClr>
+            </a:solidFill>
+          </a:ln>
+          <a:effectLst>
+            <a:outerShdw blurRad="50800" dist="38100" dir="2700000" algn="tl" rotWithShape="0">
+              <a:prstClr val="black">
+                <a:alpha val="40000"/>
+              </a:prstClr>
+            </a:outerShdw>
+          </a:effectLst>
+        </p:spPr>
+        <p:txBody>
+          <a:bodyPr wrap="none" rtlCol="0">
+            <a:spAutoFit/>
+          </a:bodyPr>
+          <a:lstStyle/>
+          <a:p>
+            <a:r>
+              <a:rPr lang="en-SG" sz="1000" b="1" dirty="0" err="1" smtClean="0"/>
+              <a:t>LegendY</a:t>
+            </a:r>
+            <a:endParaRPr lang="en-SG" sz="1000" b="1" dirty="0" smtClean="0"/>
+          </a:p>
+          <a:p>
+            <a:r>
+              <a:rPr lang="en-SG" sz="1000" b="1" dirty="0" err="1" smtClean="0"/>
+              <a:t>LegendY</a:t>
+            </a:r>
+            <a:r>
+              <a:rPr lang="en-SG" sz="1000" dirty="0" smtClean="0"/>
+              <a:t>(){}</a:t>
+            </a:r>
+            <a:endParaRPr lang="en-US" sz="1000" dirty="0" smtClean="0"/>
+          </a:p>
+        </p:txBody>
+      </p:sp>
+      <p:cxnSp>
+        <p:nvCxnSpPr>
+          <p:cNvPr id="70" name="Straight Arrow Connector 69"/>
+          <p:cNvCxnSpPr/>
+          <p:nvPr/>
+        </p:nvCxnSpPr>
+        <p:spPr>
+          <a:xfrm>
+            <a:off x="-1385554" y="2524717"/>
+            <a:ext cx="480539" cy="700587"/>
+          </a:xfrm>
+          <a:prstGeom prst="straightConnector1">
+            <a:avLst/>
+          </a:prstGeom>
+          <a:ln w="19050">
+            <a:solidFill>
+              <a:srgbClr val="00B050"/>
+            </a:solidFill>
+            <a:tailEnd type="arrow"/>
+          </a:ln>
+        </p:spPr>
+        <p:style>
+          <a:lnRef idx="1">
+            <a:schemeClr val="accent1"/>
+          </a:lnRef>
+          <a:fillRef idx="0">
+            <a:schemeClr val="accent1"/>
+          </a:fillRef>
+          <a:effectRef idx="0">
+            <a:schemeClr val="accent1"/>
+          </a:effectRef>
+          <a:fontRef idx="minor">
+            <a:schemeClr val="tx1"/>
+          </a:fontRef>
+        </p:style>
+      </p:cxnSp>
+      <p:cxnSp>
+        <p:nvCxnSpPr>
+          <p:cNvPr id="71" name="Straight Arrow Connector 70"/>
+          <p:cNvCxnSpPr/>
+          <p:nvPr/>
+        </p:nvCxnSpPr>
+        <p:spPr>
+          <a:xfrm flipV="1">
+            <a:off x="-826664" y="4029081"/>
+            <a:ext cx="160011" cy="2058382"/>
+          </a:xfrm>
+          <a:prstGeom prst="straightConnector1">
+            <a:avLst/>
+          </a:prstGeom>
+          <a:ln>
+            <a:solidFill>
+              <a:schemeClr val="tx1"/>
+            </a:solidFill>
+            <a:tailEnd type="arrow"/>
+          </a:ln>
+        </p:spPr>
+        <p:style>
+          <a:lnRef idx="1">
+            <a:schemeClr val="accent1"/>
+          </a:lnRef>
+          <a:fillRef idx="0">
+            <a:schemeClr val="accent1"/>
+          </a:fillRef>
+          <a:effectRef idx="0">
+            <a:schemeClr val="accent1"/>
+          </a:effectRef>
+          <a:fontRef idx="minor">
+            <a:schemeClr val="tx1"/>
+          </a:fontRef>
+        </p:style>
+      </p:cxnSp>
+      <p:cxnSp>
+        <p:nvCxnSpPr>
+          <p:cNvPr id="74" name="Straight Arrow Connector 73"/>
+          <p:cNvCxnSpPr/>
+          <p:nvPr/>
+        </p:nvCxnSpPr>
+        <p:spPr>
+          <a:xfrm>
+            <a:off x="-1965228" y="2363118"/>
+            <a:ext cx="803564" cy="3754490"/>
+          </a:xfrm>
+          <a:prstGeom prst="straightConnector1">
+            <a:avLst/>
+          </a:prstGeom>
+          <a:ln>
+            <a:solidFill>
+              <a:schemeClr val="tx1"/>
+            </a:solidFill>
+            <a:tailEnd type="arrow"/>
+          </a:ln>
+        </p:spPr>
+        <p:style>
+          <a:lnRef idx="1">
+            <a:schemeClr val="accent1"/>
+          </a:lnRef>
+          <a:fillRef idx="0">
+            <a:schemeClr val="accent1"/>
+          </a:fillRef>
+          <a:effectRef idx="0">
+            <a:schemeClr val="accent1"/>
+          </a:effectRef>
+          <a:fontRef idx="minor">
+            <a:schemeClr val="tx1"/>
+          </a:fontRef>
+        </p:style>
+      </p:cxnSp>
+      <p:cxnSp>
+        <p:nvCxnSpPr>
+          <p:cNvPr id="80" name="Straight Arrow Connector 79"/>
+          <p:cNvCxnSpPr/>
+          <p:nvPr/>
+        </p:nvCxnSpPr>
+        <p:spPr>
+          <a:xfrm flipH="1" flipV="1">
+            <a:off x="-881507" y="3982507"/>
+            <a:ext cx="269696" cy="952550"/>
+          </a:xfrm>
+          <a:prstGeom prst="straightConnector1">
+            <a:avLst/>
+          </a:prstGeom>
+          <a:ln>
+            <a:solidFill>
+              <a:schemeClr val="tx1"/>
+            </a:solidFill>
+            <a:tailEnd type="arrow"/>
+          </a:ln>
+        </p:spPr>
+        <p:style>
+          <a:lnRef idx="1">
+            <a:schemeClr val="accent1"/>
+          </a:lnRef>
+          <a:fillRef idx="0">
+            <a:schemeClr val="accent1"/>
+          </a:fillRef>
+          <a:effectRef idx="0">
+            <a:schemeClr val="accent1"/>
+          </a:effectRef>
+          <a:fontRef idx="minor">
+            <a:schemeClr val="tx1"/>
+          </a:fontRef>
+        </p:style>
+      </p:cxnSp>
+      <p:cxnSp>
+        <p:nvCxnSpPr>
+          <p:cNvPr id="83" name="Straight Arrow Connector 82"/>
+          <p:cNvCxnSpPr/>
+          <p:nvPr/>
+        </p:nvCxnSpPr>
+        <p:spPr>
+          <a:xfrm flipH="1">
+            <a:off x="-1143336" y="2307864"/>
+            <a:ext cx="244217" cy="0"/>
+          </a:xfrm>
+          <a:prstGeom prst="straightConnector1">
+            <a:avLst/>
+          </a:prstGeom>
+          <a:ln w="19050">
+            <a:solidFill>
+              <a:srgbClr val="00B050"/>
+            </a:solidFill>
+            <a:tailEnd type="arrow"/>
+          </a:ln>
+        </p:spPr>
+        <p:style>
+          <a:lnRef idx="1">
+            <a:schemeClr val="accent1"/>
+          </a:lnRef>
+          <a:fillRef idx="0">
+            <a:schemeClr val="accent1"/>
+          </a:fillRef>
+          <a:effectRef idx="0">
+            <a:schemeClr val="accent1"/>
+          </a:effectRef>
+          <a:fontRef idx="minor">
+            <a:schemeClr val="tx1"/>
+          </a:fontRef>
+        </p:style>
+      </p:cxnSp>
+      <p:cxnSp>
+        <p:nvCxnSpPr>
+          <p:cNvPr id="96" name="Straight Arrow Connector 95"/>
+          <p:cNvCxnSpPr/>
+          <p:nvPr/>
+        </p:nvCxnSpPr>
+        <p:spPr>
+          <a:xfrm>
+            <a:off x="-912833" y="2524717"/>
+            <a:ext cx="109043" cy="316881"/>
+          </a:xfrm>
+          <a:prstGeom prst="straightConnector1">
+            <a:avLst/>
+          </a:prstGeom>
+          <a:ln w="19050">
+            <a:solidFill>
+              <a:srgbClr val="00B050"/>
+            </a:solidFill>
+            <a:tailEnd type="arrow"/>
+          </a:ln>
+        </p:spPr>
+        <p:style>
+          <a:lnRef idx="1">
+            <a:schemeClr val="accent1"/>
+          </a:lnRef>
+          <a:fillRef idx="0">
+            <a:schemeClr val="accent1"/>
+          </a:fillRef>
+          <a:effectRef idx="0">
+            <a:schemeClr val="accent1"/>
+          </a:effectRef>
+          <a:fontRef idx="minor">
+            <a:schemeClr val="tx1"/>
+          </a:fontRef>
+        </p:style>
+      </p:cxnSp>
+      <p:sp>
+        <p:nvSpPr>
+          <p:cNvPr id="108" name="Oval 107"/>
+          <p:cNvSpPr/>
+          <p:nvPr/>
+        </p:nvSpPr>
+        <p:spPr>
+          <a:xfrm>
+            <a:off x="-1700664" y="1064715"/>
+            <a:ext cx="207992" cy="207992"/>
+          </a:xfrm>
+          <a:prstGeom prst="ellipse">
+            <a:avLst/>
+          </a:prstGeom>
+        </p:spPr>
+        <p:style>
+          <a:lnRef idx="1">
+            <a:schemeClr val="accent3"/>
+          </a:lnRef>
+          <a:fillRef idx="2">
+            <a:schemeClr val="accent3"/>
+          </a:fillRef>
+          <a:effectRef idx="1">
+            <a:schemeClr val="accent3"/>
+          </a:effectRef>
+          <a:fontRef idx="minor">
+            <a:schemeClr val="dk1"/>
+          </a:fontRef>
+        </p:style>
+        <p:txBody>
+          <a:bodyPr rtlCol="0" anchor="ctr"/>
+          <a:lstStyle/>
+          <a:p>
+            <a:pPr algn="ctr"/>
+            <a:r>
+              <a:rPr lang="en-US" sz="1100" dirty="0" smtClean="0"/>
+              <a:t>1</a:t>
+            </a:r>
+            <a:endParaRPr lang="en-SG" sz="1100" dirty="0"/>
+          </a:p>
+        </p:txBody>
+      </p:sp>
+      <p:sp>
+        <p:nvSpPr>
+          <p:cNvPr id="109" name="Oval 108"/>
+          <p:cNvSpPr/>
+          <p:nvPr/>
+        </p:nvSpPr>
+        <p:spPr>
+          <a:xfrm>
+            <a:off x="-1385554" y="1064715"/>
+            <a:ext cx="207992" cy="207992"/>
+          </a:xfrm>
+          <a:prstGeom prst="ellipse">
+            <a:avLst/>
+          </a:prstGeom>
+        </p:spPr>
+        <p:style>
+          <a:lnRef idx="1">
+            <a:schemeClr val="accent3"/>
+          </a:lnRef>
+          <a:fillRef idx="2">
+            <a:schemeClr val="accent3"/>
+          </a:fillRef>
+          <a:effectRef idx="1">
+            <a:schemeClr val="accent3"/>
+          </a:effectRef>
+          <a:fontRef idx="minor">
+            <a:schemeClr val="dk1"/>
+          </a:fontRef>
+        </p:style>
+        <p:txBody>
+          <a:bodyPr rtlCol="0" anchor="ctr"/>
+          <a:lstStyle/>
+          <a:p>
+            <a:pPr algn="ctr"/>
+            <a:r>
+              <a:rPr lang="en-US" sz="1100" dirty="0" smtClean="0"/>
+              <a:t>2</a:t>
+            </a:r>
+            <a:endParaRPr lang="en-SG" sz="1100" dirty="0"/>
+          </a:p>
+        </p:txBody>
+      </p:sp>
+      <p:sp>
+        <p:nvSpPr>
+          <p:cNvPr id="110" name="Oval 109"/>
+          <p:cNvSpPr/>
+          <p:nvPr/>
+        </p:nvSpPr>
+        <p:spPr>
+          <a:xfrm>
+            <a:off x="-1085648" y="1083767"/>
+            <a:ext cx="207992" cy="207992"/>
+          </a:xfrm>
+          <a:prstGeom prst="ellipse">
+            <a:avLst/>
+          </a:prstGeom>
+        </p:spPr>
+        <p:style>
+          <a:lnRef idx="1">
+            <a:schemeClr val="accent3"/>
+          </a:lnRef>
+          <a:fillRef idx="2">
+            <a:schemeClr val="accent3"/>
+          </a:fillRef>
+          <a:effectRef idx="1">
+            <a:schemeClr val="accent3"/>
+          </a:effectRef>
+          <a:fontRef idx="minor">
+            <a:schemeClr val="dk1"/>
+          </a:fontRef>
+        </p:style>
+        <p:txBody>
+          <a:bodyPr rtlCol="0" anchor="ctr"/>
+          <a:lstStyle/>
+          <a:p>
+            <a:pPr algn="ctr"/>
+            <a:r>
+              <a:rPr lang="en-US" sz="1100" dirty="0" smtClean="0"/>
+              <a:t>3</a:t>
+            </a:r>
+            <a:endParaRPr lang="en-SG" sz="1100" dirty="0"/>
+          </a:p>
+        </p:txBody>
+      </p:sp>
+      <p:sp>
+        <p:nvSpPr>
+          <p:cNvPr id="111" name="Oval 110"/>
+          <p:cNvSpPr/>
+          <p:nvPr/>
+        </p:nvSpPr>
+        <p:spPr>
+          <a:xfrm>
+            <a:off x="-809461" y="1103611"/>
+            <a:ext cx="207992" cy="207992"/>
+          </a:xfrm>
+          <a:prstGeom prst="ellipse">
+            <a:avLst/>
+          </a:prstGeom>
+        </p:spPr>
+        <p:style>
+          <a:lnRef idx="1">
+            <a:schemeClr val="accent3"/>
+          </a:lnRef>
+          <a:fillRef idx="2">
+            <a:schemeClr val="accent3"/>
+          </a:fillRef>
+          <a:effectRef idx="1">
+            <a:schemeClr val="accent3"/>
+          </a:effectRef>
+          <a:fontRef idx="minor">
+            <a:schemeClr val="dk1"/>
+          </a:fontRef>
+        </p:style>
+        <p:txBody>
+          <a:bodyPr rtlCol="0" anchor="ctr"/>
+          <a:lstStyle/>
+          <a:p>
+            <a:pPr algn="ctr"/>
+            <a:r>
+              <a:rPr lang="en-US" sz="1100" dirty="0" smtClean="0"/>
+              <a:t>4</a:t>
+            </a:r>
+            <a:endParaRPr lang="en-SG" sz="1100" dirty="0"/>
+          </a:p>
+        </p:txBody>
+      </p:sp>
+      <p:sp>
+        <p:nvSpPr>
+          <p:cNvPr id="112" name="Oval 111"/>
+          <p:cNvSpPr/>
+          <p:nvPr/>
+        </p:nvSpPr>
+        <p:spPr>
+          <a:xfrm>
+            <a:off x="-1683216" y="1372710"/>
+            <a:ext cx="207992" cy="207992"/>
+          </a:xfrm>
+          <a:prstGeom prst="ellipse">
+            <a:avLst/>
+          </a:prstGeom>
+        </p:spPr>
+        <p:style>
+          <a:lnRef idx="1">
+            <a:schemeClr val="accent3"/>
+          </a:lnRef>
+          <a:fillRef idx="2">
+            <a:schemeClr val="accent3"/>
+          </a:fillRef>
+          <a:effectRef idx="1">
+            <a:schemeClr val="accent3"/>
+          </a:effectRef>
+          <a:fontRef idx="minor">
+            <a:schemeClr val="dk1"/>
+          </a:fontRef>
+        </p:style>
+        <p:txBody>
+          <a:bodyPr rtlCol="0" anchor="ctr"/>
+          <a:lstStyle/>
+          <a:p>
+            <a:pPr algn="ctr"/>
+            <a:r>
+              <a:rPr lang="en-US" sz="1100" dirty="0" smtClean="0"/>
+              <a:t>5</a:t>
+            </a:r>
+            <a:endParaRPr lang="en-SG" sz="1100" dirty="0"/>
+          </a:p>
+        </p:txBody>
+      </p:sp>
+      <p:sp>
+        <p:nvSpPr>
+          <p:cNvPr id="113" name="Oval 112"/>
+          <p:cNvSpPr/>
+          <p:nvPr/>
+        </p:nvSpPr>
+        <p:spPr>
+          <a:xfrm>
+            <a:off x="-1358630" y="1424332"/>
+            <a:ext cx="207992" cy="207992"/>
+          </a:xfrm>
+          <a:prstGeom prst="ellipse">
+            <a:avLst/>
+          </a:prstGeom>
+        </p:spPr>
+        <p:style>
+          <a:lnRef idx="1">
+            <a:schemeClr val="accent3"/>
+          </a:lnRef>
+          <a:fillRef idx="2">
+            <a:schemeClr val="accent3"/>
+          </a:fillRef>
+          <a:effectRef idx="1">
+            <a:schemeClr val="accent3"/>
+          </a:effectRef>
+          <a:fontRef idx="minor">
+            <a:schemeClr val="dk1"/>
+          </a:fontRef>
+        </p:style>
+        <p:txBody>
+          <a:bodyPr rtlCol="0" anchor="ctr"/>
+          <a:lstStyle/>
+          <a:p>
+            <a:pPr algn="ctr"/>
+            <a:r>
+              <a:rPr lang="en-US" sz="1100" dirty="0" smtClean="0"/>
+              <a:t>6</a:t>
+            </a:r>
+            <a:endParaRPr lang="en-SG" sz="1100" dirty="0"/>
+          </a:p>
+        </p:txBody>
+      </p:sp>
+      <p:sp>
+        <p:nvSpPr>
+          <p:cNvPr id="114" name="Oval 113"/>
+          <p:cNvSpPr/>
+          <p:nvPr/>
+        </p:nvSpPr>
+        <p:spPr>
+          <a:xfrm>
+            <a:off x="-1018990" y="1396195"/>
+            <a:ext cx="207992" cy="207992"/>
+          </a:xfrm>
+          <a:prstGeom prst="ellipse">
+            <a:avLst/>
+          </a:prstGeom>
+        </p:spPr>
+        <p:style>
+          <a:lnRef idx="1">
+            <a:schemeClr val="accent3"/>
+          </a:lnRef>
+          <a:fillRef idx="2">
+            <a:schemeClr val="accent3"/>
+          </a:fillRef>
+          <a:effectRef idx="1">
+            <a:schemeClr val="accent3"/>
+          </a:effectRef>
+          <a:fontRef idx="minor">
+            <a:schemeClr val="dk1"/>
+          </a:fontRef>
+        </p:style>
+        <p:txBody>
+          <a:bodyPr rtlCol="0" anchor="ctr"/>
+          <a:lstStyle/>
+          <a:p>
+            <a:pPr algn="ctr"/>
+            <a:r>
+              <a:rPr lang="en-US" sz="1100" dirty="0" smtClean="0"/>
+              <a:t>7</a:t>
+            </a:r>
+            <a:endParaRPr lang="en-SG" sz="1100" dirty="0"/>
+          </a:p>
+        </p:txBody>
+      </p:sp>
+      <p:sp>
+        <p:nvSpPr>
+          <p:cNvPr id="115" name="Oval 114"/>
+          <p:cNvSpPr/>
+          <p:nvPr/>
+        </p:nvSpPr>
+        <p:spPr>
+          <a:xfrm>
+            <a:off x="-705465" y="1428698"/>
+            <a:ext cx="207992" cy="207992"/>
+          </a:xfrm>
+          <a:prstGeom prst="ellipse">
+            <a:avLst/>
+          </a:prstGeom>
+        </p:spPr>
+        <p:style>
+          <a:lnRef idx="1">
+            <a:schemeClr val="accent3"/>
+          </a:lnRef>
+          <a:fillRef idx="2">
+            <a:schemeClr val="accent3"/>
+          </a:fillRef>
+          <a:effectRef idx="1">
+            <a:schemeClr val="accent3"/>
+          </a:effectRef>
+          <a:fontRef idx="minor">
+            <a:schemeClr val="dk1"/>
+          </a:fontRef>
+        </p:style>
+        <p:txBody>
+          <a:bodyPr rtlCol="0" anchor="ctr"/>
+          <a:lstStyle/>
+          <a:p>
+            <a:pPr algn="ctr"/>
+            <a:r>
+              <a:rPr lang="en-US" sz="1100" dirty="0" smtClean="0"/>
+              <a:t>8</a:t>
+            </a:r>
+            <a:endParaRPr lang="en-SG" sz="1100" dirty="0"/>
+          </a:p>
+        </p:txBody>
+      </p:sp>
+      <p:sp>
+        <p:nvSpPr>
+          <p:cNvPr id="116" name="Oval 115"/>
+          <p:cNvSpPr/>
+          <p:nvPr/>
+        </p:nvSpPr>
+        <p:spPr>
+          <a:xfrm>
+            <a:off x="-1682983" y="1689673"/>
+            <a:ext cx="207992" cy="207992"/>
+          </a:xfrm>
+          <a:prstGeom prst="ellipse">
+            <a:avLst/>
+          </a:prstGeom>
+        </p:spPr>
+        <p:style>
+          <a:lnRef idx="1">
+            <a:schemeClr val="accent3"/>
+          </a:lnRef>
+          <a:fillRef idx="2">
+            <a:schemeClr val="accent3"/>
+          </a:fillRef>
+          <a:effectRef idx="1">
+            <a:schemeClr val="accent3"/>
+          </a:effectRef>
+          <a:fontRef idx="minor">
+            <a:schemeClr val="dk1"/>
+          </a:fontRef>
+        </p:style>
+        <p:txBody>
+          <a:bodyPr rtlCol="0" anchor="ctr"/>
+          <a:lstStyle/>
+          <a:p>
+            <a:pPr algn="ctr"/>
+            <a:r>
+              <a:rPr lang="en-US" sz="1100" dirty="0" smtClean="0"/>
+              <a:t>9</a:t>
+            </a:r>
+            <a:endParaRPr lang="en-SG" sz="1100" dirty="0"/>
+          </a:p>
+        </p:txBody>
+      </p:sp>
+      <p:sp>
+        <p:nvSpPr>
+          <p:cNvPr id="117" name="Oval 116"/>
+          <p:cNvSpPr/>
+          <p:nvPr/>
+        </p:nvSpPr>
+        <p:spPr>
+          <a:xfrm>
+            <a:off x="-773548" y="1818663"/>
+            <a:ext cx="493339" cy="207992"/>
+          </a:xfrm>
+          <a:prstGeom prst="ellipse">
+            <a:avLst/>
+          </a:prstGeom>
+        </p:spPr>
+        <p:style>
+          <a:lnRef idx="1">
+            <a:schemeClr val="accent3"/>
+          </a:lnRef>
+          <a:fillRef idx="2">
+            <a:schemeClr val="accent3"/>
+          </a:fillRef>
+          <a:effectRef idx="1">
+            <a:schemeClr val="accent3"/>
+          </a:effectRef>
+          <a:fontRef idx="minor">
+            <a:schemeClr val="dk1"/>
+          </a:fontRef>
+        </p:style>
+        <p:txBody>
+          <a:bodyPr rtlCol="0" anchor="ctr"/>
+          <a:lstStyle/>
+          <a:p>
+            <a:pPr algn="ctr"/>
+            <a:r>
+              <a:rPr lang="en-US" sz="1100" dirty="0" smtClean="0"/>
+              <a:t>11</a:t>
+            </a:r>
+            <a:endParaRPr lang="en-SG" sz="1100" dirty="0"/>
+          </a:p>
+        </p:txBody>
+      </p:sp>
+      <p:sp>
+        <p:nvSpPr>
+          <p:cNvPr id="118" name="Oval 117"/>
+          <p:cNvSpPr/>
+          <p:nvPr/>
+        </p:nvSpPr>
+        <p:spPr>
+          <a:xfrm>
+            <a:off x="-1739342" y="2026655"/>
+            <a:ext cx="493339" cy="207992"/>
+          </a:xfrm>
+          <a:prstGeom prst="ellipse">
+            <a:avLst/>
+          </a:prstGeom>
+        </p:spPr>
+        <p:style>
+          <a:lnRef idx="1">
+            <a:schemeClr val="accent3"/>
+          </a:lnRef>
+          <a:fillRef idx="2">
+            <a:schemeClr val="accent3"/>
+          </a:fillRef>
+          <a:effectRef idx="1">
+            <a:schemeClr val="accent3"/>
+          </a:effectRef>
+          <a:fontRef idx="minor">
+            <a:schemeClr val="dk1"/>
+          </a:fontRef>
+        </p:style>
+        <p:txBody>
+          <a:bodyPr rtlCol="0" anchor="ctr"/>
+          <a:lstStyle/>
+          <a:p>
+            <a:pPr algn="ctr"/>
+            <a:r>
+              <a:rPr lang="en-US" sz="1100" dirty="0" smtClean="0"/>
+              <a:t>12</a:t>
+            </a:r>
+            <a:endParaRPr lang="en-SG" sz="1100" dirty="0"/>
+          </a:p>
+        </p:txBody>
+      </p:sp>
+      <p:cxnSp>
+        <p:nvCxnSpPr>
+          <p:cNvPr id="119" name="Straight Arrow Connector 118"/>
+          <p:cNvCxnSpPr/>
+          <p:nvPr/>
+        </p:nvCxnSpPr>
+        <p:spPr>
+          <a:xfrm flipH="1" flipV="1">
+            <a:off x="-1145285" y="3628412"/>
+            <a:ext cx="826592" cy="957933"/>
+          </a:xfrm>
+          <a:prstGeom prst="straightConnector1">
+            <a:avLst/>
+          </a:prstGeom>
+          <a:ln>
+            <a:solidFill>
+              <a:schemeClr val="tx1"/>
+            </a:solidFill>
+            <a:tailEnd type="arrow"/>
+          </a:ln>
+        </p:spPr>
+        <p:style>
+          <a:lnRef idx="1">
+            <a:schemeClr val="accent1"/>
+          </a:lnRef>
+          <a:fillRef idx="0">
+            <a:schemeClr val="accent1"/>
+          </a:fillRef>
+          <a:effectRef idx="0">
+            <a:schemeClr val="accent1"/>
+          </a:effectRef>
+          <a:fontRef idx="minor">
+            <a:schemeClr val="tx1"/>
+          </a:fontRef>
+        </p:style>
+      </p:cxnSp>
+      <p:sp>
+        <p:nvSpPr>
+          <p:cNvPr id="121" name="Oval 120"/>
+          <p:cNvSpPr/>
+          <p:nvPr/>
+        </p:nvSpPr>
+        <p:spPr>
+          <a:xfrm>
+            <a:off x="-1408333" y="1793669"/>
+            <a:ext cx="493339" cy="207992"/>
+          </a:xfrm>
+          <a:prstGeom prst="ellipse">
+            <a:avLst/>
+          </a:prstGeom>
+        </p:spPr>
+        <p:style>
+          <a:lnRef idx="1">
+            <a:schemeClr val="accent3"/>
+          </a:lnRef>
+          <a:fillRef idx="2">
+            <a:schemeClr val="accent3"/>
+          </a:fillRef>
+          <a:effectRef idx="1">
+            <a:schemeClr val="accent3"/>
+          </a:effectRef>
+          <a:fontRef idx="minor">
+            <a:schemeClr val="dk1"/>
+          </a:fontRef>
+        </p:style>
+        <p:txBody>
+          <a:bodyPr rtlCol="0" anchor="ctr"/>
+          <a:lstStyle/>
+          <a:p>
+            <a:pPr algn="ctr"/>
+            <a:r>
+              <a:rPr lang="en-US" sz="1100" dirty="0" smtClean="0"/>
+              <a:t>10</a:t>
+            </a:r>
+            <a:endParaRPr lang="en-SG" sz="1100" dirty="0"/>
+          </a:p>
+        </p:txBody>
+      </p:sp>
+      <p:sp>
+        <p:nvSpPr>
+          <p:cNvPr id="126" name="Oval 125"/>
+          <p:cNvSpPr/>
+          <p:nvPr/>
+        </p:nvSpPr>
+        <p:spPr>
+          <a:xfrm>
+            <a:off x="434551" y="5818694"/>
+            <a:ext cx="207992" cy="207992"/>
+          </a:xfrm>
+          <a:prstGeom prst="ellipse">
+            <a:avLst/>
+          </a:prstGeom>
+        </p:spPr>
+        <p:style>
+          <a:lnRef idx="1">
+            <a:schemeClr val="accent3"/>
+          </a:lnRef>
+          <a:fillRef idx="2">
+            <a:schemeClr val="accent3"/>
+          </a:fillRef>
+          <a:effectRef idx="1">
+            <a:schemeClr val="accent3"/>
+          </a:effectRef>
+          <a:fontRef idx="minor">
+            <a:schemeClr val="dk1"/>
+          </a:fontRef>
+        </p:style>
+        <p:txBody>
+          <a:bodyPr rtlCol="0" anchor="ctr"/>
+          <a:lstStyle/>
+          <a:p>
+            <a:pPr algn="ctr"/>
+            <a:r>
+              <a:rPr lang="en-US" sz="1100" dirty="0" smtClean="0"/>
+              <a:t>1</a:t>
+            </a:r>
+            <a:endParaRPr lang="en-SG" sz="1100" dirty="0"/>
+          </a:p>
+        </p:txBody>
+      </p:sp>
+      <p:sp>
+        <p:nvSpPr>
+          <p:cNvPr id="127" name="Rectangle 126"/>
+          <p:cNvSpPr/>
+          <p:nvPr/>
+        </p:nvSpPr>
+        <p:spPr>
+          <a:xfrm>
+            <a:off x="849252" y="5806606"/>
+            <a:ext cx="1225015" cy="246221"/>
+          </a:xfrm>
+          <a:prstGeom prst="rect">
+            <a:avLst/>
+          </a:prstGeom>
+        </p:spPr>
+        <p:txBody>
+          <a:bodyPr wrap="none">
+            <a:spAutoFit/>
+          </a:bodyPr>
+          <a:lstStyle/>
+          <a:p>
+            <a:r>
+              <a:rPr lang="en-SG" sz="1000" dirty="0"/>
+              <a:t>e</a:t>
+            </a:r>
+            <a:r>
+              <a:rPr lang="en-SG" sz="1000" dirty="0" smtClean="0"/>
+              <a:t>xecution sequence</a:t>
+            </a:r>
+            <a:endParaRPr lang="en-SG" sz="1000" dirty="0"/>
+          </a:p>
+        </p:txBody>
+      </p:sp>
+    </p:spTree>
+    <p:extLst>
+      <p:ext uri="{BB962C8B-B14F-4D97-AF65-F5344CB8AC3E}">
+        <p14:creationId xmlns:p14="http://schemas.microsoft.com/office/powerpoint/2010/main" val="183592024"/>
+      </p:ext>
+    </p:extLst>
+  </p:cSld>
+  <p:clrMapOvr>
+    <a:masterClrMapping/>
+  </p:clrMapOvr>
+</p:sld>
+</file>
+
+<file path=ppt/slides/slide13.xml><?xml version="1.0" encoding="utf-8"?>
+<p:sld xmlns:a="http://schemas.openxmlformats.org/drawingml/2006/main" xmlns:r="http://schemas.openxmlformats.org/officeDocument/2006/relationships" xmlns:p="http://schemas.openxmlformats.org/presentationml/2006/main">
+  <p:cSld>
+    <p:bg>
+      <p:bgPr>
+        <a:solidFill>
+          <a:schemeClr val="bg1">
+            <a:lumMod val="95000"/>
+          </a:schemeClr>
+        </a:solidFill>
+        <a:effectLst/>
+      </p:bgPr>
+    </p:bg>
+    <p:spTree>
+      <p:nvGrpSpPr>
+        <p:cNvPr id="1" name=""/>
+        <p:cNvGrpSpPr/>
+        <p:nvPr/>
+      </p:nvGrpSpPr>
+      <p:grpSpPr>
+        <a:xfrm>
+          <a:off x="0" y="0"/>
+          <a:ext cx="0" cy="0"/>
+          <a:chOff x="0" y="0"/>
+          <a:chExt cx="0" cy="0"/>
+        </a:xfrm>
+      </p:grpSpPr>
+      <p:sp>
+        <p:nvSpPr>
+          <p:cNvPr id="4" name="TextBox 3"/>
+          <p:cNvSpPr txBox="1"/>
+          <p:nvPr/>
+        </p:nvSpPr>
+        <p:spPr>
+          <a:xfrm>
+            <a:off x="50835" y="66110"/>
+            <a:ext cx="6138219" cy="507831"/>
+          </a:xfrm>
+          <a:prstGeom prst="rect">
+            <a:avLst/>
+          </a:prstGeom>
+          <a:noFill/>
+        </p:spPr>
+        <p:txBody>
+          <a:bodyPr wrap="none" rtlCol="0">
+            <a:spAutoFit/>
+          </a:bodyPr>
+          <a:lstStyle/>
+          <a:p>
+            <a:r>
+              <a:rPr lang="en-US" sz="1600" b="1" dirty="0" err="1" smtClean="0"/>
+              <a:t>FillData</a:t>
+            </a:r>
+            <a:r>
+              <a:rPr lang="en-US" sz="1600" b="1" dirty="0" smtClean="0"/>
+              <a:t>() Control Interaction</a:t>
+            </a:r>
+          </a:p>
+          <a:p>
+            <a:r>
+              <a:rPr lang="en-US" sz="1100" dirty="0" smtClean="0"/>
+              <a:t>When user scrolls or zooms, those controls have to instruct the other controls what they need to display.</a:t>
+            </a:r>
+            <a:endParaRPr lang="en-SG" sz="1100" dirty="0"/>
+          </a:p>
+        </p:txBody>
+      </p:sp>
+      <p:sp>
+        <p:nvSpPr>
+          <p:cNvPr id="5" name="TextBox 4"/>
+          <p:cNvSpPr txBox="1"/>
+          <p:nvPr/>
+        </p:nvSpPr>
+        <p:spPr>
+          <a:xfrm>
+            <a:off x="162197" y="857250"/>
+            <a:ext cx="2251642" cy="3293209"/>
+          </a:xfrm>
+          <a:prstGeom prst="rect">
+            <a:avLst/>
+          </a:prstGeom>
+          <a:solidFill>
+            <a:schemeClr val="bg1"/>
+          </a:solidFill>
+          <a:ln>
+            <a:solidFill>
+              <a:schemeClr val="tx1">
+                <a:lumMod val="75000"/>
+                <a:lumOff val="25000"/>
+              </a:schemeClr>
+            </a:solidFill>
+          </a:ln>
+          <a:effectLst>
+            <a:outerShdw blurRad="50800" dist="38100" dir="2700000" algn="tl" rotWithShape="0">
+              <a:prstClr val="black">
+                <a:alpha val="40000"/>
+              </a:prstClr>
+            </a:outerShdw>
+          </a:effectLst>
+        </p:spPr>
+        <p:txBody>
+          <a:bodyPr wrap="none" rtlCol="0">
+            <a:spAutoFit/>
+          </a:bodyPr>
+          <a:lstStyle/>
+          <a:p>
+            <a:r>
+              <a:rPr lang="en-US" sz="1000" b="1" dirty="0" smtClean="0"/>
+              <a:t>Chart</a:t>
+            </a:r>
+            <a:endParaRPr lang="en-US" sz="1000" dirty="0" smtClean="0"/>
+          </a:p>
+          <a:p>
+            <a:endParaRPr lang="en-US" sz="1000" dirty="0"/>
+          </a:p>
+          <a:p>
+            <a:r>
+              <a:rPr lang="en-US" sz="1000" dirty="0" err="1" smtClean="0"/>
+              <a:t>ZoomButtonClick</a:t>
+            </a:r>
+            <a:r>
+              <a:rPr lang="en-US" sz="1000" dirty="0" smtClean="0"/>
+              <a:t>(){</a:t>
+            </a:r>
+          </a:p>
+          <a:p>
+            <a:r>
+              <a:rPr lang="en-US" sz="1000" i="1" dirty="0" smtClean="0"/>
+              <a:t>  </a:t>
+            </a:r>
+            <a:r>
+              <a:rPr lang="en-US" sz="1000" dirty="0" smtClean="0"/>
+              <a:t>update </a:t>
+            </a:r>
+            <a:r>
+              <a:rPr lang="en-US" sz="1000" dirty="0" err="1" smtClean="0"/>
+              <a:t>Zoomers</a:t>
+            </a:r>
+            <a:r>
+              <a:rPr lang="en-US" sz="1000" dirty="0" smtClean="0"/>
+              <a:t> </a:t>
+            </a:r>
+            <a:r>
+              <a:rPr lang="en-US" sz="1000" dirty="0" err="1" smtClean="0"/>
+              <a:t>DisplayRange</a:t>
+            </a:r>
+            <a:endParaRPr lang="en-US" sz="1000" dirty="0"/>
+          </a:p>
+          <a:p>
+            <a:r>
+              <a:rPr lang="en-US" sz="1000" dirty="0" smtClean="0"/>
+              <a:t>}</a:t>
+            </a:r>
+            <a:endParaRPr lang="en-US" sz="1000" dirty="0"/>
+          </a:p>
+          <a:p>
+            <a:endParaRPr lang="en-US" sz="1000" dirty="0" smtClean="0"/>
+          </a:p>
+          <a:p>
+            <a:r>
+              <a:rPr lang="en-US" sz="1000" dirty="0"/>
+              <a:t>void </a:t>
+            </a:r>
+            <a:r>
+              <a:rPr lang="en-SG" sz="1000" b="1" dirty="0" err="1"/>
+              <a:t>UpdateZoomState</a:t>
+            </a:r>
+            <a:r>
+              <a:rPr lang="en-US" sz="1000" dirty="0" smtClean="0"/>
+              <a:t>(){</a:t>
+            </a:r>
+            <a:endParaRPr lang="en-US" sz="1000" dirty="0" smtClean="0"/>
+          </a:p>
+          <a:p>
+            <a:r>
+              <a:rPr lang="en-US" sz="1000" dirty="0"/>
+              <a:t> </a:t>
+            </a:r>
+            <a:r>
+              <a:rPr lang="en-US" sz="1000" dirty="0" smtClean="0"/>
+              <a:t> loop through all </a:t>
+            </a:r>
+            <a:r>
+              <a:rPr lang="en-US" sz="1000" dirty="0" err="1" smtClean="0"/>
+              <a:t>Zoomers</a:t>
+            </a:r>
+            <a:r>
+              <a:rPr lang="en-US" sz="1000" dirty="0" smtClean="0"/>
+              <a:t> and </a:t>
+            </a:r>
+          </a:p>
+          <a:p>
+            <a:r>
+              <a:rPr lang="en-US" sz="1000" dirty="0"/>
+              <a:t> </a:t>
+            </a:r>
+            <a:r>
+              <a:rPr lang="en-US" sz="1000" dirty="0" smtClean="0"/>
+              <a:t> enable/disable the total zoom buttons</a:t>
+            </a:r>
+          </a:p>
+          <a:p>
+            <a:r>
+              <a:rPr lang="en-US" sz="1000" dirty="0"/>
+              <a:t> </a:t>
+            </a:r>
+            <a:r>
+              <a:rPr lang="en-US" sz="1000" dirty="0" smtClean="0"/>
+              <a:t> depending on the </a:t>
+            </a:r>
+            <a:r>
+              <a:rPr lang="en-US" sz="1000" dirty="0" err="1" smtClean="0"/>
+              <a:t>Zoomers</a:t>
+            </a:r>
+            <a:r>
+              <a:rPr lang="en-US" sz="1000" dirty="0" smtClean="0"/>
+              <a:t> state</a:t>
+            </a:r>
+          </a:p>
+          <a:p>
+            <a:r>
+              <a:rPr lang="en-US" sz="1000" dirty="0" smtClean="0"/>
+              <a:t>}</a:t>
+            </a:r>
+          </a:p>
+          <a:p>
+            <a:endParaRPr lang="en-US" sz="1000" dirty="0"/>
+          </a:p>
+          <a:p>
+            <a:r>
+              <a:rPr lang="en-SG" sz="1000" dirty="0"/>
+              <a:t>Size </a:t>
+            </a:r>
+            <a:r>
+              <a:rPr lang="en-SG" sz="1000" dirty="0" err="1" smtClean="0"/>
+              <a:t>ArrangeOverride</a:t>
+            </a:r>
+            <a:r>
+              <a:rPr lang="en-SG" sz="1000" dirty="0" smtClean="0"/>
+              <a:t>(</a:t>
+            </a:r>
+            <a:r>
+              <a:rPr lang="en-SG" sz="1000" dirty="0" err="1" smtClean="0"/>
+              <a:t>arrangeRect</a:t>
+            </a:r>
+            <a:r>
+              <a:rPr lang="en-SG" sz="1000" dirty="0"/>
+              <a:t>) </a:t>
+            </a:r>
+            <a:r>
+              <a:rPr lang="en-SG" sz="1000" dirty="0" smtClean="0"/>
+              <a:t>{</a:t>
+            </a:r>
+          </a:p>
+          <a:p>
+            <a:r>
+              <a:rPr lang="en-SG" sz="1000" dirty="0"/>
+              <a:t> </a:t>
+            </a:r>
+            <a:r>
+              <a:rPr lang="en-SG" sz="1000" dirty="0" err="1"/>
+              <a:t>plotArea.Arrange</a:t>
+            </a:r>
+            <a:r>
+              <a:rPr lang="en-SG" sz="1000" dirty="0"/>
+              <a:t> </a:t>
+            </a:r>
+            <a:r>
+              <a:rPr lang="en-SG" sz="1000" dirty="0" smtClean="0"/>
+              <a:t>(…)</a:t>
+            </a:r>
+          </a:p>
+          <a:p>
+            <a:r>
+              <a:rPr lang="en-SG" sz="1000" dirty="0" smtClean="0"/>
+              <a:t> </a:t>
+            </a:r>
+            <a:r>
+              <a:rPr lang="en-SG" sz="1000" dirty="0" err="1" smtClean="0"/>
+              <a:t>legendScrollerY.Arrange</a:t>
+            </a:r>
+            <a:r>
+              <a:rPr lang="en-SG" sz="1000" dirty="0" smtClean="0"/>
+              <a:t>(…)</a:t>
+            </a:r>
+            <a:endParaRPr lang="en-SG" sz="1000" dirty="0"/>
+          </a:p>
+          <a:p>
+            <a:r>
+              <a:rPr lang="en-SG" sz="1000" dirty="0" smtClean="0"/>
+              <a:t> </a:t>
+            </a:r>
+            <a:r>
+              <a:rPr lang="en-SG" sz="1000" dirty="0" err="1" smtClean="0"/>
+              <a:t>legendScrollerX.Arrange</a:t>
+            </a:r>
+            <a:r>
+              <a:rPr lang="en-SG" sz="1000" dirty="0" smtClean="0"/>
+              <a:t> (…)</a:t>
+            </a:r>
+          </a:p>
+          <a:p>
+            <a:r>
+              <a:rPr lang="en-US" sz="1000" dirty="0" smtClean="0"/>
+              <a:t>}</a:t>
+            </a:r>
+            <a:endParaRPr lang="en-US" sz="1000" dirty="0"/>
+          </a:p>
+          <a:p>
+            <a:endParaRPr lang="en-US" sz="1000" dirty="0" smtClean="0"/>
+          </a:p>
+          <a:p>
+            <a:endParaRPr lang="en-US" sz="1000" dirty="0"/>
+          </a:p>
+          <a:p>
+            <a:endParaRPr lang="en-US" sz="1000" dirty="0"/>
+          </a:p>
+        </p:txBody>
+      </p:sp>
+      <p:sp>
+        <p:nvSpPr>
+          <p:cNvPr id="6" name="TextBox 5"/>
+          <p:cNvSpPr txBox="1"/>
+          <p:nvPr/>
+        </p:nvSpPr>
+        <p:spPr>
+          <a:xfrm>
+            <a:off x="2879574" y="954616"/>
+            <a:ext cx="2850460" cy="1015663"/>
+          </a:xfrm>
+          <a:prstGeom prst="rect">
+            <a:avLst/>
+          </a:prstGeom>
+          <a:solidFill>
+            <a:schemeClr val="bg1"/>
+          </a:solidFill>
+          <a:ln>
+            <a:solidFill>
+              <a:schemeClr val="tx1">
+                <a:lumMod val="75000"/>
+                <a:lumOff val="25000"/>
+              </a:schemeClr>
+            </a:solidFill>
+          </a:ln>
+          <a:effectLst>
+            <a:outerShdw blurRad="50800" dist="38100" dir="2700000" algn="tl" rotWithShape="0">
+              <a:prstClr val="black">
+                <a:alpha val="40000"/>
+              </a:prstClr>
+            </a:outerShdw>
+          </a:effectLst>
+        </p:spPr>
+        <p:txBody>
+          <a:bodyPr wrap="none" rtlCol="0">
+            <a:spAutoFit/>
+          </a:bodyPr>
+          <a:lstStyle/>
+          <a:p>
+            <a:r>
+              <a:rPr lang="en-US" sz="1000" b="1" dirty="0" err="1" smtClean="0"/>
+              <a:t>PlotArea</a:t>
+            </a:r>
+            <a:endParaRPr lang="en-US" sz="1000" b="1" dirty="0" smtClean="0"/>
+          </a:p>
+          <a:p>
+            <a:r>
+              <a:rPr lang="en-SG" sz="1000" dirty="0"/>
+              <a:t>void </a:t>
+            </a:r>
+            <a:r>
+              <a:rPr lang="en-SG" sz="1000" b="1" dirty="0" err="1" smtClean="0"/>
+              <a:t>UpdateVisual</a:t>
+            </a:r>
+            <a:r>
+              <a:rPr lang="en-SG" sz="1000" dirty="0" smtClean="0"/>
+              <a:t>(</a:t>
+            </a:r>
+            <a:r>
+              <a:rPr lang="en-SG" sz="1000" dirty="0" smtClean="0"/>
+              <a:t>renderer</a:t>
+            </a:r>
+            <a:r>
+              <a:rPr lang="en-SG" sz="1000" dirty="0" smtClean="0"/>
+              <a:t>){</a:t>
+            </a:r>
+          </a:p>
+          <a:p>
+            <a:r>
+              <a:rPr lang="en-US" sz="1000" dirty="0"/>
+              <a:t> </a:t>
+            </a:r>
+            <a:r>
+              <a:rPr lang="en-US" sz="1000" dirty="0" smtClean="0"/>
+              <a:t> remove existing Visual of this renderer</a:t>
+            </a:r>
+          </a:p>
+          <a:p>
+            <a:r>
+              <a:rPr lang="en-US" sz="1000" dirty="0" smtClean="0"/>
+              <a:t>  </a:t>
+            </a:r>
+            <a:r>
+              <a:rPr lang="en-SG" sz="1000" dirty="0" err="1"/>
+              <a:t>renderer.CreateVisual</a:t>
+            </a:r>
+            <a:r>
+              <a:rPr lang="en-SG" sz="1000" dirty="0"/>
+              <a:t>(</a:t>
+            </a:r>
+            <a:r>
+              <a:rPr lang="en-SG" sz="1000" dirty="0" err="1"/>
+              <a:t>ActualWidth</a:t>
+            </a:r>
+            <a:r>
+              <a:rPr lang="en-SG" sz="1000" dirty="0"/>
+              <a:t>, </a:t>
+            </a:r>
+            <a:r>
+              <a:rPr lang="en-SG" sz="1000" dirty="0" err="1"/>
+              <a:t>ActualHeight</a:t>
+            </a:r>
+            <a:r>
+              <a:rPr lang="en-SG" sz="1000" dirty="0"/>
+              <a:t>)</a:t>
+            </a:r>
+            <a:endParaRPr lang="en-US" sz="1000" dirty="0" smtClean="0"/>
+          </a:p>
+          <a:p>
+            <a:r>
+              <a:rPr lang="en-US" sz="1000" dirty="0"/>
+              <a:t> </a:t>
+            </a:r>
+            <a:r>
+              <a:rPr lang="en-US" sz="1000" dirty="0" smtClean="0"/>
+              <a:t> add new Visual of this renderer</a:t>
+            </a:r>
+          </a:p>
+          <a:p>
+            <a:r>
+              <a:rPr lang="en-US" sz="1000" dirty="0"/>
+              <a:t>}</a:t>
+            </a:r>
+            <a:endParaRPr lang="en-SG" sz="1000" dirty="0" smtClean="0"/>
+          </a:p>
+        </p:txBody>
+      </p:sp>
+      <p:sp>
+        <p:nvSpPr>
+          <p:cNvPr id="7" name="TextBox 6"/>
+          <p:cNvSpPr txBox="1"/>
+          <p:nvPr/>
+        </p:nvSpPr>
+        <p:spPr>
+          <a:xfrm>
+            <a:off x="6530126" y="2770926"/>
+            <a:ext cx="2270173" cy="1785104"/>
+          </a:xfrm>
+          <a:prstGeom prst="rect">
+            <a:avLst/>
+          </a:prstGeom>
+          <a:solidFill>
+            <a:schemeClr val="bg1"/>
+          </a:solidFill>
+          <a:ln>
+            <a:solidFill>
+              <a:schemeClr val="tx1">
+                <a:lumMod val="75000"/>
+                <a:lumOff val="25000"/>
+              </a:schemeClr>
+            </a:solidFill>
+          </a:ln>
+          <a:effectLst>
+            <a:outerShdw blurRad="50800" dist="38100" dir="2700000" algn="tl" rotWithShape="0">
+              <a:prstClr val="black">
+                <a:alpha val="40000"/>
+              </a:prstClr>
+            </a:outerShdw>
+          </a:effectLst>
+        </p:spPr>
+        <p:txBody>
+          <a:bodyPr wrap="none" rtlCol="0">
+            <a:spAutoFit/>
+          </a:bodyPr>
+          <a:lstStyle/>
+          <a:p>
+            <a:r>
+              <a:rPr lang="en-SG" sz="1000" b="1" dirty="0"/>
+              <a:t>Legend</a:t>
+            </a:r>
+            <a:endParaRPr lang="en-US" sz="1000" b="1" dirty="0" smtClean="0"/>
+          </a:p>
+          <a:p>
+            <a:r>
+              <a:rPr lang="en-US" sz="1000" dirty="0" smtClean="0"/>
+              <a:t>renderers</a:t>
+            </a:r>
+          </a:p>
+          <a:p>
+            <a:endParaRPr lang="en-US" sz="1000" dirty="0" smtClean="0"/>
+          </a:p>
+          <a:p>
+            <a:r>
+              <a:rPr lang="en-SG" sz="1000" dirty="0"/>
+              <a:t>void </a:t>
+            </a:r>
+            <a:r>
+              <a:rPr lang="en-SG" sz="1000" dirty="0" err="1" smtClean="0"/>
+              <a:t>OnRenderContent</a:t>
+            </a:r>
+            <a:r>
+              <a:rPr lang="en-SG" sz="1000" dirty="0" smtClean="0"/>
+              <a:t>(…) {</a:t>
+            </a:r>
+          </a:p>
+          <a:p>
+            <a:r>
+              <a:rPr lang="en-US" sz="1000" dirty="0" smtClean="0"/>
+              <a:t>  If (</a:t>
+            </a:r>
+            <a:r>
+              <a:rPr lang="en-SG" sz="1000" dirty="0" err="1" smtClean="0"/>
+              <a:t>haveDisplayValuesChanged</a:t>
+            </a:r>
+            <a:r>
+              <a:rPr lang="en-SG" sz="1000" dirty="0" smtClean="0"/>
+              <a:t>){</a:t>
+            </a:r>
+          </a:p>
+          <a:p>
+            <a:r>
+              <a:rPr lang="en-US" sz="1000" dirty="0"/>
+              <a:t> </a:t>
+            </a:r>
+            <a:r>
+              <a:rPr lang="en-US" sz="1000" dirty="0" smtClean="0"/>
+              <a:t>   create and write </a:t>
+            </a:r>
+            <a:r>
+              <a:rPr lang="en-US" sz="1000" dirty="0" smtClean="0"/>
+              <a:t>labels</a:t>
+            </a:r>
+          </a:p>
+          <a:p>
+            <a:r>
+              <a:rPr lang="en-US" sz="1000" dirty="0" smtClean="0"/>
+              <a:t>    </a:t>
+            </a:r>
+            <a:r>
+              <a:rPr lang="en-US" sz="1000" dirty="0" err="1" smtClean="0"/>
+              <a:t>foreach</a:t>
+            </a:r>
+            <a:r>
+              <a:rPr lang="en-US" sz="1000" dirty="0" smtClean="0"/>
+              <a:t> (renderer in renderers){</a:t>
+            </a:r>
+            <a:endParaRPr lang="en-US" sz="1000" dirty="0" smtClean="0"/>
+          </a:p>
+          <a:p>
+            <a:r>
+              <a:rPr lang="en-US" sz="1000" dirty="0" smtClean="0"/>
+              <a:t>    </a:t>
+            </a:r>
+            <a:r>
+              <a:rPr lang="en-US" sz="1000" dirty="0" smtClean="0"/>
+              <a:t>  renderer.</a:t>
+            </a:r>
+            <a:r>
+              <a:rPr lang="en-SG" sz="1000" b="1" dirty="0" err="1" smtClean="0"/>
+              <a:t>DisplayValueChanged</a:t>
+            </a:r>
+            <a:r>
+              <a:rPr lang="en-SG" sz="1000" dirty="0" smtClean="0"/>
+              <a:t>(this</a:t>
+            </a:r>
+            <a:r>
+              <a:rPr lang="en-SG" sz="1000" dirty="0" smtClean="0"/>
+              <a:t>)</a:t>
+            </a:r>
+          </a:p>
+          <a:p>
+            <a:r>
+              <a:rPr lang="en-US" sz="1000" dirty="0" smtClean="0"/>
+              <a:t>  </a:t>
+            </a:r>
+            <a:r>
+              <a:rPr lang="en-US" sz="1000" dirty="0" smtClean="0"/>
+              <a:t>  }</a:t>
+            </a:r>
+          </a:p>
+          <a:p>
+            <a:r>
+              <a:rPr lang="en-US" sz="1000" dirty="0"/>
+              <a:t> </a:t>
+            </a:r>
+            <a:r>
+              <a:rPr lang="en-US" sz="1000" dirty="0" smtClean="0"/>
+              <a:t> }</a:t>
+            </a:r>
+            <a:endParaRPr lang="en-SG" sz="1000" dirty="0" smtClean="0"/>
+          </a:p>
+          <a:p>
+            <a:r>
+              <a:rPr lang="en-US" sz="1000" dirty="0"/>
+              <a:t>}</a:t>
+            </a:r>
+            <a:endParaRPr lang="en-SG" sz="1000" b="1" dirty="0" smtClean="0"/>
+          </a:p>
+        </p:txBody>
+      </p:sp>
+      <p:sp>
+        <p:nvSpPr>
+          <p:cNvPr id="8" name="TextBox 7"/>
+          <p:cNvSpPr txBox="1"/>
+          <p:nvPr/>
+        </p:nvSpPr>
+        <p:spPr>
+          <a:xfrm>
+            <a:off x="6714472" y="1075605"/>
+            <a:ext cx="2085827" cy="1477328"/>
+          </a:xfrm>
+          <a:prstGeom prst="rect">
+            <a:avLst/>
+          </a:prstGeom>
+          <a:solidFill>
+            <a:schemeClr val="bg1"/>
+          </a:solidFill>
+          <a:ln>
+            <a:solidFill>
+              <a:schemeClr val="tx1">
+                <a:lumMod val="75000"/>
+                <a:lumOff val="25000"/>
+              </a:schemeClr>
+            </a:solidFill>
+          </a:ln>
+          <a:effectLst>
+            <a:outerShdw blurRad="50800" dist="38100" dir="2700000" algn="tl" rotWithShape="0">
+              <a:prstClr val="black">
+                <a:alpha val="40000"/>
+              </a:prstClr>
+            </a:outerShdw>
+          </a:effectLst>
+        </p:spPr>
+        <p:txBody>
+          <a:bodyPr wrap="none" rtlCol="0">
+            <a:spAutoFit/>
+          </a:bodyPr>
+          <a:lstStyle/>
+          <a:p>
+            <a:r>
               <a:rPr lang="en-US" sz="1000" b="1" dirty="0" smtClean="0"/>
               <a:t>Renderer</a:t>
             </a:r>
+          </a:p>
+          <a:p>
+            <a:r>
+              <a:rPr lang="en-US" sz="1000" dirty="0" err="1" smtClean="0"/>
+              <a:t>plotArea</a:t>
+            </a:r>
+            <a:endParaRPr lang="en-SG" sz="1000" b="1" dirty="0" smtClean="0"/>
+          </a:p>
+          <a:p>
+            <a:endParaRPr lang="en-SG" sz="1000" dirty="0"/>
+          </a:p>
+          <a:p>
+            <a:endParaRPr lang="en-SG" sz="1000" dirty="0" smtClean="0"/>
+          </a:p>
+          <a:p>
+            <a:r>
+              <a:rPr lang="en-SG" sz="1000" dirty="0" smtClean="0"/>
+              <a:t>void </a:t>
+            </a:r>
+            <a:r>
+              <a:rPr lang="en-SG" sz="1000" b="1" dirty="0" err="1" smtClean="0"/>
+              <a:t>DisplayValueChanged</a:t>
+            </a:r>
+            <a:r>
+              <a:rPr lang="en-SG" sz="1000" dirty="0" smtClean="0"/>
+              <a:t>(legend</a:t>
+            </a:r>
+            <a:r>
+              <a:rPr lang="en-SG" sz="1000" dirty="0"/>
+              <a:t>) {</a:t>
+            </a:r>
+          </a:p>
+          <a:p>
+            <a:r>
+              <a:rPr lang="en-SG" sz="1000" dirty="0" smtClean="0"/>
+              <a:t>  if (Min or Max value changed){</a:t>
+            </a:r>
+          </a:p>
+          <a:p>
+            <a:r>
+              <a:rPr lang="en-US" sz="1000" b="1" dirty="0"/>
+              <a:t> </a:t>
+            </a:r>
+            <a:r>
+              <a:rPr lang="en-US" sz="1000" b="1" dirty="0" smtClean="0"/>
+              <a:t>   </a:t>
+            </a:r>
+            <a:r>
+              <a:rPr lang="en-SG" sz="1000" dirty="0" err="1" smtClean="0"/>
+              <a:t>PlotArea.</a:t>
+            </a:r>
+            <a:r>
+              <a:rPr lang="en-SG" sz="1000" b="1" dirty="0" err="1" smtClean="0"/>
+              <a:t>UpdateVisual</a:t>
+            </a:r>
+            <a:r>
+              <a:rPr lang="en-SG" sz="1000" dirty="0" smtClean="0"/>
+              <a:t>(this</a:t>
+            </a:r>
+            <a:r>
+              <a:rPr lang="en-SG" sz="1000" dirty="0" smtClean="0"/>
+              <a:t>);</a:t>
+            </a:r>
+            <a:endParaRPr lang="en-SG" sz="1000" dirty="0"/>
+          </a:p>
+          <a:p>
+            <a:r>
+              <a:rPr lang="en-SG" sz="1000" dirty="0"/>
+              <a:t>  </a:t>
+            </a:r>
+            <a:r>
+              <a:rPr lang="en-SG" sz="1000" dirty="0" smtClean="0"/>
+              <a:t>}</a:t>
+            </a:r>
+          </a:p>
+          <a:p>
+            <a:r>
+              <a:rPr lang="en-US" sz="1000" dirty="0"/>
+              <a:t>}</a:t>
+            </a:r>
+            <a:endParaRPr lang="en-SG" sz="1000" dirty="0" smtClean="0"/>
+          </a:p>
+        </p:txBody>
+      </p:sp>
+      <p:cxnSp>
+        <p:nvCxnSpPr>
+          <p:cNvPr id="3" name="Straight Arrow Connector 2"/>
+          <p:cNvCxnSpPr/>
+          <p:nvPr/>
+        </p:nvCxnSpPr>
+        <p:spPr>
+          <a:xfrm flipV="1">
+            <a:off x="8489919" y="1876927"/>
+            <a:ext cx="85315" cy="1986304"/>
+          </a:xfrm>
+          <a:prstGeom prst="straightConnector1">
+            <a:avLst/>
+          </a:prstGeom>
+          <a:ln>
+            <a:tailEnd type="arrow"/>
+          </a:ln>
+        </p:spPr>
+        <p:style>
+          <a:lnRef idx="1">
+            <a:schemeClr val="accent1"/>
+          </a:lnRef>
+          <a:fillRef idx="0">
+            <a:schemeClr val="accent1"/>
+          </a:fillRef>
+          <a:effectRef idx="0">
+            <a:schemeClr val="accent1"/>
+          </a:effectRef>
+          <a:fontRef idx="minor">
+            <a:schemeClr val="tx1"/>
+          </a:fontRef>
+        </p:style>
+      </p:cxnSp>
+      <p:cxnSp>
+        <p:nvCxnSpPr>
+          <p:cNvPr id="10" name="Straight Arrow Connector 9"/>
+          <p:cNvCxnSpPr/>
+          <p:nvPr/>
+        </p:nvCxnSpPr>
+        <p:spPr>
+          <a:xfrm flipH="1" flipV="1">
+            <a:off x="5422902" y="1253067"/>
+            <a:ext cx="1432273" cy="825500"/>
+          </a:xfrm>
+          <a:prstGeom prst="straightConnector1">
+            <a:avLst/>
+          </a:prstGeom>
+          <a:ln>
+            <a:tailEnd type="arrow"/>
+          </a:ln>
+        </p:spPr>
+        <p:style>
+          <a:lnRef idx="1">
+            <a:schemeClr val="accent1"/>
+          </a:lnRef>
+          <a:fillRef idx="0">
+            <a:schemeClr val="accent1"/>
+          </a:fillRef>
+          <a:effectRef idx="0">
+            <a:schemeClr val="accent1"/>
+          </a:effectRef>
+          <a:fontRef idx="minor">
+            <a:schemeClr val="tx1"/>
+          </a:fontRef>
+        </p:style>
+      </p:cxnSp>
+      <p:sp>
+        <p:nvSpPr>
+          <p:cNvPr id="16" name="TextBox 15"/>
+          <p:cNvSpPr txBox="1"/>
+          <p:nvPr/>
+        </p:nvSpPr>
+        <p:spPr>
+          <a:xfrm>
+            <a:off x="2879574" y="2376094"/>
+            <a:ext cx="3368230" cy="2554545"/>
+          </a:xfrm>
+          <a:prstGeom prst="rect">
+            <a:avLst/>
+          </a:prstGeom>
+          <a:solidFill>
+            <a:schemeClr val="bg1"/>
+          </a:solidFill>
+          <a:ln>
+            <a:solidFill>
+              <a:schemeClr val="tx1">
+                <a:lumMod val="75000"/>
+                <a:lumOff val="25000"/>
+              </a:schemeClr>
+            </a:solidFill>
+          </a:ln>
+          <a:effectLst>
+            <a:outerShdw blurRad="50800" dist="38100" dir="2700000" algn="tl" rotWithShape="0">
+              <a:prstClr val="black">
+                <a:alpha val="40000"/>
+              </a:prstClr>
+            </a:outerShdw>
+          </a:effectLst>
+        </p:spPr>
+        <p:txBody>
+          <a:bodyPr wrap="none" rtlCol="0">
+            <a:spAutoFit/>
+          </a:bodyPr>
+          <a:lstStyle/>
+          <a:p>
+            <a:r>
+              <a:rPr lang="en-SG" sz="1000" b="1" dirty="0" err="1" smtClean="0"/>
+              <a:t>LegendScroller</a:t>
+            </a:r>
+            <a:endParaRPr lang="en-SG" sz="1000" b="1" dirty="0" smtClean="0"/>
+          </a:p>
+          <a:p>
+            <a:r>
+              <a:rPr lang="en-US" sz="1000" dirty="0" smtClean="0"/>
+              <a:t>chart</a:t>
+            </a:r>
+            <a:endParaRPr lang="en-SG" sz="1000" b="1" dirty="0"/>
+          </a:p>
+          <a:p>
+            <a:endParaRPr lang="en-US" sz="1000" dirty="0" smtClean="0"/>
+          </a:p>
+          <a:p>
+            <a:r>
+              <a:rPr lang="en-SG" sz="1000" dirty="0"/>
+              <a:t>void </a:t>
+            </a:r>
+            <a:r>
+              <a:rPr lang="en-SG" sz="1000" b="1" dirty="0" err="1"/>
+              <a:t>CalculateScrollBarValues</a:t>
+            </a:r>
+            <a:r>
+              <a:rPr lang="en-SG" sz="1000" dirty="0"/>
+              <a:t>() </a:t>
+            </a:r>
+            <a:r>
+              <a:rPr lang="en-SG" sz="1000" dirty="0" smtClean="0"/>
+              <a:t>{</a:t>
+            </a:r>
+          </a:p>
+          <a:p>
+            <a:r>
+              <a:rPr lang="en-US" sz="1000" dirty="0" smtClean="0"/>
+              <a:t>  calculate min, display, range and max values</a:t>
+            </a:r>
+          </a:p>
+          <a:p>
+            <a:r>
+              <a:rPr lang="en-US" sz="1000" dirty="0"/>
+              <a:t> </a:t>
+            </a:r>
+            <a:r>
+              <a:rPr lang="en-US" sz="1000" dirty="0" smtClean="0"/>
+              <a:t> if (</a:t>
+            </a:r>
+            <a:r>
+              <a:rPr lang="en-US" sz="1000" dirty="0" err="1" smtClean="0"/>
+              <a:t>canZoomIn</a:t>
+            </a:r>
+            <a:r>
+              <a:rPr lang="en-US" sz="1000" dirty="0" smtClean="0"/>
+              <a:t> or </a:t>
+            </a:r>
+            <a:r>
+              <a:rPr lang="en-US" sz="1000" dirty="0" err="1" smtClean="0"/>
+              <a:t>canZoomOut</a:t>
+            </a:r>
+            <a:r>
+              <a:rPr lang="en-US" sz="1000" dirty="0" smtClean="0"/>
+              <a:t> changed){</a:t>
+            </a:r>
+          </a:p>
+          <a:p>
+            <a:r>
+              <a:rPr lang="en-US" sz="1000" dirty="0"/>
+              <a:t> </a:t>
+            </a:r>
+            <a:r>
+              <a:rPr lang="en-US" sz="1000" dirty="0" smtClean="0"/>
+              <a:t>  chart.</a:t>
+            </a:r>
+            <a:r>
+              <a:rPr lang="en-SG" sz="1000" b="1" dirty="0" err="1" smtClean="0"/>
+              <a:t>UpdateZoomState</a:t>
+            </a:r>
+            <a:r>
+              <a:rPr lang="en-SG" sz="1000" dirty="0" smtClean="0"/>
+              <a:t>()</a:t>
+            </a:r>
+            <a:endParaRPr lang="en-SG" sz="1000" dirty="0" smtClean="0"/>
+          </a:p>
+          <a:p>
+            <a:r>
+              <a:rPr lang="en-US" sz="1000" dirty="0" smtClean="0"/>
+              <a:t>  }</a:t>
+            </a:r>
+          </a:p>
+          <a:p>
+            <a:r>
+              <a:rPr lang="en-US" sz="1000" dirty="0"/>
+              <a:t> </a:t>
+            </a:r>
+            <a:r>
+              <a:rPr lang="en-US" sz="1000" dirty="0" smtClean="0"/>
+              <a:t> if (values changed){</a:t>
+            </a:r>
+          </a:p>
+          <a:p>
+            <a:r>
+              <a:rPr lang="en-US" sz="1000" dirty="0"/>
+              <a:t> </a:t>
+            </a:r>
+            <a:r>
+              <a:rPr lang="en-US" sz="1000" dirty="0" smtClean="0"/>
+              <a:t>   </a:t>
+            </a:r>
+            <a:r>
+              <a:rPr lang="en-US" sz="1000" i="1" dirty="0" smtClean="0"/>
+              <a:t>changing the legend’s properties forces rendering of legend</a:t>
+            </a:r>
+          </a:p>
+          <a:p>
+            <a:r>
+              <a:rPr lang="en-SG" sz="1000" dirty="0" smtClean="0"/>
+              <a:t>    </a:t>
+            </a:r>
+            <a:r>
+              <a:rPr lang="en-SG" sz="1000" dirty="0" err="1" smtClean="0"/>
+              <a:t>legend.MinValue</a:t>
+            </a:r>
+            <a:r>
+              <a:rPr lang="en-SG" sz="1000" dirty="0" smtClean="0"/>
+              <a:t> </a:t>
+            </a:r>
+            <a:r>
+              <a:rPr lang="en-SG" sz="1000" dirty="0"/>
+              <a:t>= </a:t>
+            </a:r>
+            <a:r>
+              <a:rPr lang="en-SG" sz="1000" dirty="0" err="1"/>
+              <a:t>minValueTracked</a:t>
+            </a:r>
+            <a:r>
+              <a:rPr lang="en-SG" sz="1000" dirty="0"/>
+              <a:t>;</a:t>
+            </a:r>
+          </a:p>
+          <a:p>
+            <a:r>
+              <a:rPr lang="en-SG" sz="1000" dirty="0"/>
+              <a:t>    </a:t>
+            </a:r>
+            <a:r>
+              <a:rPr lang="en-SG" sz="1000" dirty="0" err="1" smtClean="0"/>
+              <a:t>legend.DisplayValue</a:t>
+            </a:r>
+            <a:r>
+              <a:rPr lang="en-SG" sz="1000" dirty="0" smtClean="0"/>
+              <a:t> </a:t>
+            </a:r>
+            <a:r>
+              <a:rPr lang="en-SG" sz="1000" dirty="0"/>
+              <a:t>= </a:t>
+            </a:r>
+            <a:r>
+              <a:rPr lang="en-SG" sz="1000" dirty="0" err="1"/>
+              <a:t>displayValueTracked</a:t>
+            </a:r>
+            <a:r>
+              <a:rPr lang="en-SG" sz="1000" dirty="0"/>
+              <a:t>;</a:t>
+            </a:r>
+          </a:p>
+          <a:p>
+            <a:r>
+              <a:rPr lang="en-SG" sz="1000" dirty="0"/>
+              <a:t>    </a:t>
+            </a:r>
+            <a:r>
+              <a:rPr lang="en-SG" sz="1000" dirty="0" err="1" smtClean="0"/>
+              <a:t>legend.DisplayValueRange</a:t>
+            </a:r>
+            <a:r>
+              <a:rPr lang="en-SG" sz="1000" dirty="0" smtClean="0"/>
+              <a:t> </a:t>
+            </a:r>
+            <a:r>
+              <a:rPr lang="en-SG" sz="1000" dirty="0"/>
+              <a:t>= </a:t>
+            </a:r>
+            <a:r>
+              <a:rPr lang="en-SG" sz="1000" dirty="0" err="1"/>
+              <a:t>displayValueRangeTracked</a:t>
+            </a:r>
+            <a:r>
+              <a:rPr lang="en-SG" sz="1000" dirty="0"/>
+              <a:t>;</a:t>
+            </a:r>
+          </a:p>
+          <a:p>
+            <a:r>
+              <a:rPr lang="en-SG" sz="1000" dirty="0"/>
+              <a:t>    </a:t>
+            </a:r>
+            <a:r>
+              <a:rPr lang="en-SG" sz="1000" dirty="0" err="1" smtClean="0"/>
+              <a:t>legend.MaxValue</a:t>
+            </a:r>
+            <a:r>
+              <a:rPr lang="en-SG" sz="1000" dirty="0" smtClean="0"/>
+              <a:t> </a:t>
+            </a:r>
+            <a:r>
+              <a:rPr lang="en-SG" sz="1000" dirty="0"/>
+              <a:t>= </a:t>
+            </a:r>
+            <a:r>
+              <a:rPr lang="en-SG" sz="1000" dirty="0" err="1"/>
+              <a:t>maxValueTracked</a:t>
+            </a:r>
+            <a:r>
+              <a:rPr lang="en-SG" sz="1000" dirty="0"/>
+              <a:t>;</a:t>
+            </a:r>
+            <a:endParaRPr lang="en-US" sz="1000" dirty="0" smtClean="0"/>
+          </a:p>
+          <a:p>
+            <a:r>
+              <a:rPr lang="en-US" sz="1000" dirty="0"/>
+              <a:t> </a:t>
+            </a:r>
+            <a:r>
+              <a:rPr lang="en-US" sz="1000" dirty="0" smtClean="0"/>
+              <a:t> }</a:t>
+            </a:r>
+          </a:p>
+          <a:p>
+            <a:r>
+              <a:rPr lang="en-US" sz="1000" dirty="0" smtClean="0"/>
+              <a:t>}</a:t>
+            </a:r>
+            <a:endParaRPr lang="en-SG" sz="1000" dirty="0" smtClean="0"/>
+          </a:p>
+        </p:txBody>
+      </p:sp>
+      <p:sp>
+        <p:nvSpPr>
+          <p:cNvPr id="17" name="TextBox 16"/>
+          <p:cNvSpPr txBox="1"/>
+          <p:nvPr/>
+        </p:nvSpPr>
+        <p:spPr>
+          <a:xfrm>
+            <a:off x="476385" y="4677971"/>
+            <a:ext cx="2071401" cy="707886"/>
+          </a:xfrm>
+          <a:prstGeom prst="rect">
+            <a:avLst/>
+          </a:prstGeom>
+          <a:solidFill>
+            <a:schemeClr val="bg1"/>
+          </a:solidFill>
+          <a:ln>
+            <a:solidFill>
+              <a:schemeClr val="tx1">
+                <a:lumMod val="75000"/>
+                <a:lumOff val="25000"/>
+              </a:schemeClr>
+            </a:solidFill>
+          </a:ln>
+          <a:effectLst>
+            <a:outerShdw blurRad="50800" dist="38100" dir="2700000" algn="tl" rotWithShape="0">
+              <a:prstClr val="black">
+                <a:alpha val="40000"/>
+              </a:prstClr>
+            </a:outerShdw>
+          </a:effectLst>
+        </p:spPr>
+        <p:txBody>
+          <a:bodyPr wrap="none" rtlCol="0">
+            <a:spAutoFit/>
+          </a:bodyPr>
+          <a:lstStyle/>
+          <a:p>
+            <a:r>
+              <a:rPr lang="en-SG" sz="1000" b="1" dirty="0" err="1" smtClean="0"/>
+              <a:t>LegendScrollerX</a:t>
+            </a:r>
+            <a:r>
+              <a:rPr lang="en-SG" sz="1000" b="1" dirty="0" smtClean="0"/>
+              <a:t> </a:t>
+            </a:r>
+            <a:r>
+              <a:rPr lang="en-SG" sz="1000" dirty="0" smtClean="0"/>
+              <a:t>or</a:t>
+            </a:r>
+            <a:r>
+              <a:rPr lang="en-SG" sz="1000" b="1" dirty="0" smtClean="0"/>
+              <a:t> Y</a:t>
+            </a:r>
+          </a:p>
+          <a:p>
+            <a:r>
+              <a:rPr lang="en-SG" sz="1000" dirty="0"/>
+              <a:t>Size </a:t>
+            </a:r>
+            <a:r>
+              <a:rPr lang="en-SG" sz="1000" dirty="0" err="1" smtClean="0"/>
+              <a:t>ArrangeOverride</a:t>
+            </a:r>
+            <a:r>
+              <a:rPr lang="en-SG" sz="1000" dirty="0" smtClean="0"/>
+              <a:t>(</a:t>
+            </a:r>
+            <a:r>
+              <a:rPr lang="en-SG" sz="1000" dirty="0" err="1" smtClean="0"/>
+              <a:t>arrangeRect</a:t>
+            </a:r>
+            <a:r>
+              <a:rPr lang="en-SG" sz="1000" dirty="0"/>
+              <a:t>) </a:t>
+            </a:r>
+            <a:r>
+              <a:rPr lang="en-SG" sz="1000" dirty="0" smtClean="0"/>
+              <a:t>{</a:t>
+            </a:r>
+          </a:p>
+          <a:p>
+            <a:r>
+              <a:rPr lang="en-US" sz="1000" dirty="0" smtClean="0"/>
+              <a:t> </a:t>
+            </a:r>
+            <a:r>
+              <a:rPr lang="en-SG" sz="1000" b="1" dirty="0" err="1"/>
+              <a:t>CalculateScrollBarValues</a:t>
+            </a:r>
+            <a:r>
+              <a:rPr lang="en-SG" sz="1000" dirty="0" smtClean="0"/>
+              <a:t>()</a:t>
+            </a:r>
+            <a:endParaRPr lang="en-US" sz="1000" dirty="0" smtClean="0"/>
+          </a:p>
+          <a:p>
+            <a:r>
+              <a:rPr lang="en-US" sz="1000" dirty="0" smtClean="0"/>
+              <a:t>}</a:t>
+            </a:r>
+            <a:endParaRPr lang="en-SG" sz="1000" dirty="0" smtClean="0"/>
+          </a:p>
+        </p:txBody>
+      </p:sp>
+      <p:cxnSp>
+        <p:nvCxnSpPr>
+          <p:cNvPr id="21" name="Straight Arrow Connector 20"/>
+          <p:cNvCxnSpPr/>
+          <p:nvPr/>
+        </p:nvCxnSpPr>
+        <p:spPr>
+          <a:xfrm flipV="1">
+            <a:off x="2078567" y="2963333"/>
+            <a:ext cx="838200" cy="2137903"/>
+          </a:xfrm>
+          <a:prstGeom prst="straightConnector1">
+            <a:avLst/>
+          </a:prstGeom>
+          <a:ln>
+            <a:tailEnd type="arrow"/>
+          </a:ln>
+        </p:spPr>
+        <p:style>
+          <a:lnRef idx="1">
+            <a:schemeClr val="accent1"/>
+          </a:lnRef>
+          <a:fillRef idx="0">
+            <a:schemeClr val="accent1"/>
+          </a:fillRef>
+          <a:effectRef idx="0">
+            <a:schemeClr val="accent1"/>
+          </a:effectRef>
+          <a:fontRef idx="minor">
+            <a:schemeClr val="tx1"/>
+          </a:fontRef>
+        </p:style>
+      </p:cxnSp>
+      <p:cxnSp>
+        <p:nvCxnSpPr>
+          <p:cNvPr id="24" name="Straight Arrow Connector 23"/>
+          <p:cNvCxnSpPr/>
+          <p:nvPr/>
+        </p:nvCxnSpPr>
+        <p:spPr>
+          <a:xfrm flipH="1" flipV="1">
+            <a:off x="2078569" y="2001989"/>
+            <a:ext cx="942761" cy="1386416"/>
+          </a:xfrm>
+          <a:prstGeom prst="straightConnector1">
+            <a:avLst/>
+          </a:prstGeom>
+          <a:ln>
+            <a:tailEnd type="arrow"/>
+          </a:ln>
+        </p:spPr>
+        <p:style>
+          <a:lnRef idx="1">
+            <a:schemeClr val="accent1"/>
+          </a:lnRef>
+          <a:fillRef idx="0">
+            <a:schemeClr val="accent1"/>
+          </a:fillRef>
+          <a:effectRef idx="0">
+            <a:schemeClr val="accent1"/>
+          </a:effectRef>
+          <a:fontRef idx="minor">
+            <a:schemeClr val="tx1"/>
+          </a:fontRef>
+        </p:style>
+      </p:cxnSp>
+      <p:cxnSp>
+        <p:nvCxnSpPr>
+          <p:cNvPr id="29" name="Straight Arrow Connector 28"/>
+          <p:cNvCxnSpPr/>
+          <p:nvPr/>
+        </p:nvCxnSpPr>
+        <p:spPr>
+          <a:xfrm flipV="1">
+            <a:off x="5730034" y="3388405"/>
+            <a:ext cx="800092" cy="474827"/>
+          </a:xfrm>
+          <a:prstGeom prst="straightConnector1">
+            <a:avLst/>
+          </a:prstGeom>
+          <a:ln>
+            <a:tailEnd type="arrow"/>
+          </a:ln>
+        </p:spPr>
+        <p:style>
+          <a:lnRef idx="1">
+            <a:schemeClr val="accent1"/>
+          </a:lnRef>
+          <a:fillRef idx="0">
+            <a:schemeClr val="accent1"/>
+          </a:fillRef>
+          <a:effectRef idx="0">
+            <a:schemeClr val="accent1"/>
+          </a:effectRef>
+          <a:fontRef idx="minor">
+            <a:schemeClr val="tx1"/>
+          </a:fontRef>
+        </p:style>
+      </p:cxnSp>
+      <p:cxnSp>
+        <p:nvCxnSpPr>
+          <p:cNvPr id="38" name="Straight Arrow Connector 37"/>
+          <p:cNvCxnSpPr/>
+          <p:nvPr/>
+        </p:nvCxnSpPr>
+        <p:spPr>
+          <a:xfrm>
+            <a:off x="1926167" y="1462447"/>
+            <a:ext cx="953407" cy="913647"/>
+          </a:xfrm>
+          <a:prstGeom prst="straightConnector1">
+            <a:avLst/>
+          </a:prstGeom>
+          <a:ln>
+            <a:tailEnd type="arrow"/>
+          </a:ln>
+        </p:spPr>
+        <p:style>
+          <a:lnRef idx="1">
+            <a:schemeClr val="accent1"/>
+          </a:lnRef>
+          <a:fillRef idx="0">
+            <a:schemeClr val="accent1"/>
+          </a:fillRef>
+          <a:effectRef idx="0">
+            <a:schemeClr val="accent1"/>
+          </a:effectRef>
+          <a:fontRef idx="minor">
+            <a:schemeClr val="tx1"/>
+          </a:fontRef>
+        </p:style>
+      </p:cxnSp>
+      <p:cxnSp>
+        <p:nvCxnSpPr>
+          <p:cNvPr id="40" name="Straight Arrow Connector 39"/>
+          <p:cNvCxnSpPr/>
+          <p:nvPr/>
+        </p:nvCxnSpPr>
+        <p:spPr>
+          <a:xfrm flipV="1">
+            <a:off x="1354991" y="1253067"/>
+            <a:ext cx="1598377" cy="1710266"/>
+          </a:xfrm>
+          <a:prstGeom prst="straightConnector1">
+            <a:avLst/>
+          </a:prstGeom>
+          <a:ln>
+            <a:tailEnd type="arrow"/>
+          </a:ln>
+        </p:spPr>
+        <p:style>
+          <a:lnRef idx="1">
+            <a:schemeClr val="accent1"/>
+          </a:lnRef>
+          <a:fillRef idx="0">
+            <a:schemeClr val="accent1"/>
+          </a:fillRef>
+          <a:effectRef idx="0">
+            <a:schemeClr val="accent1"/>
+          </a:effectRef>
+          <a:fontRef idx="minor">
+            <a:schemeClr val="tx1"/>
+          </a:fontRef>
+        </p:style>
+      </p:cxnSp>
+      <p:cxnSp>
+        <p:nvCxnSpPr>
+          <p:cNvPr id="51" name="Straight Arrow Connector 50"/>
+          <p:cNvCxnSpPr/>
+          <p:nvPr/>
+        </p:nvCxnSpPr>
+        <p:spPr>
+          <a:xfrm>
+            <a:off x="408623" y="3333750"/>
+            <a:ext cx="161001" cy="1637456"/>
+          </a:xfrm>
+          <a:prstGeom prst="straightConnector1">
+            <a:avLst/>
+          </a:prstGeom>
+          <a:ln>
+            <a:tailEnd type="arrow"/>
+          </a:ln>
+        </p:spPr>
+        <p:style>
+          <a:lnRef idx="1">
+            <a:schemeClr val="accent1"/>
+          </a:lnRef>
+          <a:fillRef idx="0">
+            <a:schemeClr val="accent1"/>
+          </a:fillRef>
+          <a:effectRef idx="0">
+            <a:schemeClr val="accent1"/>
+          </a:effectRef>
+          <a:fontRef idx="minor">
+            <a:schemeClr val="tx1"/>
+          </a:fontRef>
+        </p:style>
+      </p:cxnSp>
+    </p:spTree>
+    <p:extLst>
+      <p:ext uri="{BB962C8B-B14F-4D97-AF65-F5344CB8AC3E}">
+        <p14:creationId xmlns:p14="http://schemas.microsoft.com/office/powerpoint/2010/main" val="1706921591"/>
+      </p:ext>
+    </p:extLst>
+  </p:cSld>
+  <p:clrMapOvr>
+    <a:masterClrMapping/>
+  </p:clrMapOvr>
+</p:sld>
+</file>
+
+<file path=ppt/slides/slide14.xml><?xml version="1.0" encoding="utf-8"?>
+<p:sld xmlns:a="http://schemas.openxmlformats.org/drawingml/2006/main" xmlns:r="http://schemas.openxmlformats.org/officeDocument/2006/relationships" xmlns:p="http://schemas.openxmlformats.org/presentationml/2006/main">
+  <p:cSld>
+    <p:bg>
+      <p:bgPr>
+        <a:solidFill>
+          <a:schemeClr val="bg1">
+            <a:lumMod val="95000"/>
+          </a:schemeClr>
+        </a:solidFill>
+        <a:effectLst/>
+      </p:bgPr>
+    </p:bg>
+    <p:spTree>
+      <p:nvGrpSpPr>
+        <p:cNvPr id="1" name=""/>
+        <p:cNvGrpSpPr/>
+        <p:nvPr/>
+      </p:nvGrpSpPr>
+      <p:grpSpPr>
+        <a:xfrm>
+          <a:off x="0" y="0"/>
+          <a:ext cx="0" cy="0"/>
+          <a:chOff x="0" y="0"/>
+          <a:chExt cx="0" cy="0"/>
+        </a:xfrm>
+      </p:grpSpPr>
+      <p:sp>
+        <p:nvSpPr>
+          <p:cNvPr id="4" name="TextBox 3"/>
+          <p:cNvSpPr txBox="1"/>
+          <p:nvPr/>
+        </p:nvSpPr>
+        <p:spPr>
+          <a:xfrm>
+            <a:off x="50835" y="66110"/>
+            <a:ext cx="6138219" cy="507831"/>
+          </a:xfrm>
+          <a:prstGeom prst="rect">
+            <a:avLst/>
+          </a:prstGeom>
+          <a:noFill/>
+        </p:spPr>
+        <p:txBody>
+          <a:bodyPr wrap="none" rtlCol="0">
+            <a:spAutoFit/>
+          </a:bodyPr>
+          <a:lstStyle/>
+          <a:p>
+            <a:r>
+              <a:rPr lang="en-US" sz="1600" b="1" dirty="0" err="1" smtClean="0"/>
+              <a:t>FillData</a:t>
+            </a:r>
+            <a:r>
+              <a:rPr lang="en-US" sz="1600" b="1" dirty="0" smtClean="0"/>
+              <a:t>() Control Interaction</a:t>
+            </a:r>
+          </a:p>
+          <a:p>
+            <a:r>
+              <a:rPr lang="en-US" sz="1100" dirty="0" smtClean="0"/>
+              <a:t>When user scrolls or zooms, those controls have to instruct the other controls what they need to display.</a:t>
+            </a:r>
+            <a:endParaRPr lang="en-SG" sz="1100" dirty="0"/>
+          </a:p>
+        </p:txBody>
+      </p:sp>
+      <p:sp>
+        <p:nvSpPr>
+          <p:cNvPr id="5" name="TextBox 4"/>
+          <p:cNvSpPr txBox="1"/>
+          <p:nvPr/>
+        </p:nvSpPr>
+        <p:spPr>
+          <a:xfrm>
+            <a:off x="162197" y="857250"/>
+            <a:ext cx="2385589" cy="3170099"/>
+          </a:xfrm>
+          <a:prstGeom prst="rect">
+            <a:avLst/>
+          </a:prstGeom>
+          <a:solidFill>
+            <a:schemeClr val="bg1"/>
+          </a:solidFill>
+          <a:ln>
+            <a:solidFill>
+              <a:schemeClr val="tx1">
+                <a:lumMod val="75000"/>
+                <a:lumOff val="25000"/>
+              </a:schemeClr>
+            </a:solidFill>
+          </a:ln>
+          <a:effectLst>
+            <a:outerShdw blurRad="50800" dist="38100" dir="2700000" algn="tl" rotWithShape="0">
+              <a:prstClr val="black">
+                <a:alpha val="40000"/>
+              </a:prstClr>
+            </a:outerShdw>
+          </a:effectLst>
+        </p:spPr>
+        <p:txBody>
+          <a:bodyPr wrap="none" rtlCol="0">
+            <a:spAutoFit/>
+          </a:bodyPr>
+          <a:lstStyle/>
+          <a:p>
+            <a:r>
+              <a:rPr lang="en-US" sz="1000" b="1" dirty="0" smtClean="0"/>
+              <a:t>Chart</a:t>
+            </a:r>
+            <a:endParaRPr lang="en-US" sz="1000" dirty="0" smtClean="0"/>
+          </a:p>
+          <a:p>
+            <a:endParaRPr lang="en-US" sz="1000" dirty="0"/>
+          </a:p>
+          <a:p>
+            <a:r>
+              <a:rPr lang="en-US" sz="1000" dirty="0" err="1" smtClean="0"/>
+              <a:t>ZoomButtonClick</a:t>
+            </a:r>
+            <a:r>
+              <a:rPr lang="en-US" sz="1000" dirty="0" smtClean="0"/>
+              <a:t>(){</a:t>
+            </a:r>
+          </a:p>
+          <a:p>
+            <a:r>
+              <a:rPr lang="en-US" sz="1000" i="1" dirty="0" smtClean="0"/>
+              <a:t>  </a:t>
+            </a:r>
+            <a:r>
+              <a:rPr lang="en-US" sz="1000" dirty="0" smtClean="0"/>
+              <a:t>update </a:t>
+            </a:r>
+            <a:r>
+              <a:rPr lang="en-US" sz="1000" dirty="0" err="1" smtClean="0"/>
+              <a:t>Zoomers</a:t>
+            </a:r>
+            <a:r>
+              <a:rPr lang="en-US" sz="1000" dirty="0" smtClean="0"/>
+              <a:t> </a:t>
+            </a:r>
+            <a:r>
+              <a:rPr lang="en-US" sz="1000" dirty="0" err="1" smtClean="0"/>
+              <a:t>DisplayRange</a:t>
+            </a:r>
+            <a:endParaRPr lang="en-US" sz="1000" dirty="0"/>
+          </a:p>
+          <a:p>
+            <a:r>
+              <a:rPr lang="en-US" sz="1000" dirty="0" smtClean="0"/>
+              <a:t>}</a:t>
+            </a:r>
+            <a:endParaRPr lang="en-US" sz="1000" dirty="0"/>
+          </a:p>
+          <a:p>
+            <a:endParaRPr lang="en-US" sz="1000" dirty="0" smtClean="0"/>
+          </a:p>
+          <a:p>
+            <a:r>
+              <a:rPr lang="en-US" sz="1000" dirty="0"/>
+              <a:t>void </a:t>
+            </a:r>
+            <a:r>
+              <a:rPr lang="en-US" sz="1000" dirty="0" err="1"/>
+              <a:t>legendScroller_</a:t>
+            </a:r>
+            <a:r>
+              <a:rPr lang="en-US" sz="1000" b="1" dirty="0" err="1"/>
+              <a:t>ZoomStateChanged</a:t>
+            </a:r>
+            <a:r>
+              <a:rPr lang="en-US" sz="1000" dirty="0" smtClean="0"/>
+              <a:t>(){</a:t>
+            </a:r>
+          </a:p>
+          <a:p>
+            <a:r>
+              <a:rPr lang="en-US" sz="1000" dirty="0"/>
+              <a:t> </a:t>
+            </a:r>
+            <a:r>
+              <a:rPr lang="en-US" sz="1000" dirty="0" smtClean="0"/>
+              <a:t> loop through all </a:t>
+            </a:r>
+            <a:r>
+              <a:rPr lang="en-US" sz="1000" dirty="0" err="1" smtClean="0"/>
+              <a:t>Zoomers</a:t>
+            </a:r>
+            <a:r>
+              <a:rPr lang="en-US" sz="1000" dirty="0" smtClean="0"/>
+              <a:t> and </a:t>
+            </a:r>
+          </a:p>
+          <a:p>
+            <a:r>
+              <a:rPr lang="en-US" sz="1000" dirty="0"/>
+              <a:t> </a:t>
+            </a:r>
+            <a:r>
+              <a:rPr lang="en-US" sz="1000" dirty="0" smtClean="0"/>
+              <a:t> enable/disable the total zoom buttons</a:t>
+            </a:r>
+          </a:p>
+          <a:p>
+            <a:r>
+              <a:rPr lang="en-US" sz="1000" dirty="0"/>
+              <a:t> </a:t>
+            </a:r>
+            <a:r>
+              <a:rPr lang="en-US" sz="1000" dirty="0" smtClean="0"/>
+              <a:t> depending on the </a:t>
+            </a:r>
+            <a:r>
+              <a:rPr lang="en-US" sz="1000" dirty="0" err="1" smtClean="0"/>
+              <a:t>Zoomers</a:t>
+            </a:r>
+            <a:r>
+              <a:rPr lang="en-US" sz="1000" dirty="0" smtClean="0"/>
+              <a:t> state</a:t>
+            </a:r>
+          </a:p>
+          <a:p>
+            <a:r>
+              <a:rPr lang="en-US" sz="1000" dirty="0" smtClean="0"/>
+              <a:t>}</a:t>
+            </a:r>
+          </a:p>
+          <a:p>
+            <a:endParaRPr lang="en-US" sz="1000" dirty="0"/>
+          </a:p>
+          <a:p>
+            <a:r>
+              <a:rPr lang="en-SG" sz="1000" dirty="0"/>
+              <a:t>Size </a:t>
+            </a:r>
+            <a:r>
+              <a:rPr lang="en-SG" sz="1000" dirty="0" err="1" smtClean="0"/>
+              <a:t>ArrangeOverride</a:t>
+            </a:r>
+            <a:r>
+              <a:rPr lang="en-SG" sz="1000" dirty="0" smtClean="0"/>
+              <a:t>(</a:t>
+            </a:r>
+            <a:r>
+              <a:rPr lang="en-SG" sz="1000" dirty="0" err="1" smtClean="0"/>
+              <a:t>arrangeRect</a:t>
+            </a:r>
+            <a:r>
+              <a:rPr lang="en-SG" sz="1000" dirty="0"/>
+              <a:t>) </a:t>
+            </a:r>
+            <a:r>
+              <a:rPr lang="en-SG" sz="1000" dirty="0" smtClean="0"/>
+              <a:t>{</a:t>
+            </a:r>
+          </a:p>
+          <a:p>
+            <a:r>
+              <a:rPr lang="en-SG" sz="1000" dirty="0"/>
+              <a:t> </a:t>
+            </a:r>
+            <a:r>
+              <a:rPr lang="en-SG" sz="1000" dirty="0" err="1"/>
+              <a:t>plotArea.Arrange</a:t>
+            </a:r>
+            <a:r>
+              <a:rPr lang="en-SG" sz="1000" dirty="0"/>
+              <a:t> </a:t>
+            </a:r>
+            <a:r>
+              <a:rPr lang="en-SG" sz="1000" dirty="0" smtClean="0"/>
+              <a:t>(…)</a:t>
+            </a:r>
+          </a:p>
+          <a:p>
+            <a:r>
+              <a:rPr lang="en-SG" sz="1000" dirty="0" smtClean="0"/>
+              <a:t> </a:t>
+            </a:r>
+            <a:r>
+              <a:rPr lang="en-SG" sz="1000" dirty="0" err="1" smtClean="0"/>
+              <a:t>legendScrollerY.Arrange</a:t>
+            </a:r>
+            <a:r>
+              <a:rPr lang="en-SG" sz="1000" dirty="0" smtClean="0"/>
+              <a:t>(…)</a:t>
+            </a:r>
+            <a:endParaRPr lang="en-SG" sz="1000" dirty="0"/>
+          </a:p>
+          <a:p>
+            <a:r>
+              <a:rPr lang="en-SG" sz="1000" dirty="0" smtClean="0"/>
+              <a:t> </a:t>
+            </a:r>
+            <a:r>
+              <a:rPr lang="en-SG" sz="1000" dirty="0" err="1" smtClean="0"/>
+              <a:t>legendScrollerX.Arrange</a:t>
+            </a:r>
+            <a:r>
+              <a:rPr lang="en-SG" sz="1000" dirty="0" smtClean="0"/>
+              <a:t> (…)</a:t>
+            </a:r>
+          </a:p>
+          <a:p>
+            <a:r>
+              <a:rPr lang="en-US" sz="1000" dirty="0" smtClean="0"/>
+              <a:t>}</a:t>
+            </a:r>
+            <a:endParaRPr lang="en-US" sz="1000" dirty="0"/>
+          </a:p>
+          <a:p>
+            <a:endParaRPr lang="en-US" sz="1000" dirty="0" smtClean="0"/>
+          </a:p>
+          <a:p>
+            <a:endParaRPr lang="en-US" sz="1000" dirty="0"/>
+          </a:p>
+          <a:p>
+            <a:endParaRPr lang="en-US" sz="1000" dirty="0"/>
+          </a:p>
+        </p:txBody>
+      </p:sp>
+      <p:sp>
+        <p:nvSpPr>
+          <p:cNvPr id="6" name="TextBox 5"/>
+          <p:cNvSpPr txBox="1"/>
+          <p:nvPr/>
+        </p:nvSpPr>
+        <p:spPr>
+          <a:xfrm>
+            <a:off x="2879574" y="954616"/>
+            <a:ext cx="2850460" cy="1015663"/>
+          </a:xfrm>
+          <a:prstGeom prst="rect">
+            <a:avLst/>
+          </a:prstGeom>
+          <a:solidFill>
+            <a:schemeClr val="bg1"/>
+          </a:solidFill>
+          <a:ln>
+            <a:solidFill>
+              <a:schemeClr val="tx1">
+                <a:lumMod val="75000"/>
+                <a:lumOff val="25000"/>
+              </a:schemeClr>
+            </a:solidFill>
+          </a:ln>
+          <a:effectLst>
+            <a:outerShdw blurRad="50800" dist="38100" dir="2700000" algn="tl" rotWithShape="0">
+              <a:prstClr val="black">
+                <a:alpha val="40000"/>
+              </a:prstClr>
+            </a:outerShdw>
+          </a:effectLst>
+        </p:spPr>
+        <p:txBody>
+          <a:bodyPr wrap="none" rtlCol="0">
+            <a:spAutoFit/>
+          </a:bodyPr>
+          <a:lstStyle/>
+          <a:p>
+            <a:r>
+              <a:rPr lang="en-US" sz="1000" b="1" dirty="0" err="1" smtClean="0"/>
+              <a:t>PlotArea</a:t>
+            </a:r>
             <a:endParaRPr lang="en-US" sz="1000" b="1" dirty="0" smtClean="0"/>
+          </a:p>
+          <a:p>
+            <a:r>
+              <a:rPr lang="en-SG" sz="1000" dirty="0"/>
+              <a:t>void </a:t>
+            </a:r>
+            <a:r>
+              <a:rPr lang="en-SG" sz="1000" b="1" dirty="0" err="1" smtClean="0"/>
+              <a:t>renderer_RenderingRequested</a:t>
+            </a:r>
+            <a:r>
+              <a:rPr lang="en-SG" sz="1000" dirty="0" smtClean="0"/>
+              <a:t>(renderer){</a:t>
+            </a:r>
+          </a:p>
+          <a:p>
+            <a:r>
+              <a:rPr lang="en-US" sz="1000" dirty="0"/>
+              <a:t> </a:t>
+            </a:r>
+            <a:r>
+              <a:rPr lang="en-US" sz="1000" dirty="0" smtClean="0"/>
+              <a:t> remove existing Visual of this renderer</a:t>
+            </a:r>
+          </a:p>
+          <a:p>
+            <a:r>
+              <a:rPr lang="en-US" sz="1000" dirty="0" smtClean="0"/>
+              <a:t>  </a:t>
+            </a:r>
+            <a:r>
+              <a:rPr lang="en-SG" sz="1000" dirty="0" err="1"/>
+              <a:t>renderer.CreateVisual</a:t>
+            </a:r>
+            <a:r>
+              <a:rPr lang="en-SG" sz="1000" dirty="0"/>
+              <a:t>(</a:t>
+            </a:r>
+            <a:r>
+              <a:rPr lang="en-SG" sz="1000" dirty="0" err="1"/>
+              <a:t>ActualWidth</a:t>
+            </a:r>
+            <a:r>
+              <a:rPr lang="en-SG" sz="1000" dirty="0"/>
+              <a:t>, </a:t>
+            </a:r>
+            <a:r>
+              <a:rPr lang="en-SG" sz="1000" dirty="0" err="1"/>
+              <a:t>ActualHeight</a:t>
+            </a:r>
+            <a:r>
+              <a:rPr lang="en-SG" sz="1000" dirty="0"/>
+              <a:t>)</a:t>
+            </a:r>
+            <a:endParaRPr lang="en-US" sz="1000" dirty="0" smtClean="0"/>
+          </a:p>
+          <a:p>
+            <a:r>
+              <a:rPr lang="en-US" sz="1000" dirty="0"/>
+              <a:t> </a:t>
+            </a:r>
+            <a:r>
+              <a:rPr lang="en-US" sz="1000" dirty="0" smtClean="0"/>
+              <a:t> add new Visual of this renderer</a:t>
+            </a:r>
+          </a:p>
+          <a:p>
+            <a:r>
+              <a:rPr lang="en-US" sz="1000" dirty="0"/>
+              <a:t>}</a:t>
+            </a:r>
+            <a:endParaRPr lang="en-SG" sz="1000" dirty="0" smtClean="0"/>
+          </a:p>
+        </p:txBody>
+      </p:sp>
+      <p:sp>
+        <p:nvSpPr>
+          <p:cNvPr id="7" name="TextBox 6"/>
+          <p:cNvSpPr txBox="1"/>
+          <p:nvPr/>
+        </p:nvSpPr>
+        <p:spPr>
+          <a:xfrm>
+            <a:off x="6855175" y="2770926"/>
+            <a:ext cx="1880643" cy="1477328"/>
+          </a:xfrm>
+          <a:prstGeom prst="rect">
+            <a:avLst/>
+          </a:prstGeom>
+          <a:solidFill>
+            <a:schemeClr val="bg1"/>
+          </a:solidFill>
+          <a:ln>
+            <a:solidFill>
+              <a:schemeClr val="tx1">
+                <a:lumMod val="75000"/>
+                <a:lumOff val="25000"/>
+              </a:schemeClr>
+            </a:solidFill>
+          </a:ln>
+          <a:effectLst>
+            <a:outerShdw blurRad="50800" dist="38100" dir="2700000" algn="tl" rotWithShape="0">
+              <a:prstClr val="black">
+                <a:alpha val="40000"/>
+              </a:prstClr>
+            </a:outerShdw>
+          </a:effectLst>
+        </p:spPr>
+        <p:txBody>
+          <a:bodyPr wrap="none" rtlCol="0">
+            <a:spAutoFit/>
+          </a:bodyPr>
+          <a:lstStyle/>
+          <a:p>
+            <a:r>
+              <a:rPr lang="en-SG" sz="1000" b="1" dirty="0"/>
+              <a:t>Legend</a:t>
+            </a:r>
+            <a:endParaRPr lang="en-US" sz="1000" b="1" dirty="0" smtClean="0"/>
+          </a:p>
+          <a:p>
+            <a:r>
+              <a:rPr lang="en-SG" sz="1000" dirty="0"/>
+              <a:t>e</a:t>
+            </a:r>
+            <a:r>
+              <a:rPr lang="en-SG" sz="1000" dirty="0" smtClean="0"/>
+              <a:t>vent</a:t>
+            </a:r>
+            <a:r>
+              <a:rPr lang="en-SG" sz="1000" i="1" dirty="0" smtClean="0"/>
+              <a:t> </a:t>
+            </a:r>
+            <a:r>
+              <a:rPr lang="en-SG" sz="1000" b="1" dirty="0" err="1"/>
+              <a:t>DisplayValueChanged</a:t>
+            </a:r>
+            <a:endParaRPr lang="en-SG" sz="1000" b="1" dirty="0"/>
+          </a:p>
+          <a:p>
+            <a:endParaRPr lang="en-US" sz="1000" dirty="0" smtClean="0"/>
+          </a:p>
+          <a:p>
+            <a:r>
+              <a:rPr lang="en-SG" sz="1000" dirty="0"/>
+              <a:t>void </a:t>
+            </a:r>
+            <a:r>
+              <a:rPr lang="en-SG" sz="1000" dirty="0" err="1" smtClean="0"/>
+              <a:t>OnRenderContent</a:t>
+            </a:r>
+            <a:r>
+              <a:rPr lang="en-SG" sz="1000" dirty="0" smtClean="0"/>
+              <a:t>(…) {</a:t>
+            </a:r>
+          </a:p>
+          <a:p>
+            <a:r>
+              <a:rPr lang="en-US" sz="1000" dirty="0" smtClean="0"/>
+              <a:t>  If (</a:t>
+            </a:r>
+            <a:r>
+              <a:rPr lang="en-SG" sz="1000" dirty="0" err="1" smtClean="0"/>
+              <a:t>haveDisplayValuesChanged</a:t>
+            </a:r>
+            <a:r>
+              <a:rPr lang="en-SG" sz="1000" dirty="0" smtClean="0"/>
+              <a:t>){</a:t>
+            </a:r>
+          </a:p>
+          <a:p>
+            <a:r>
+              <a:rPr lang="en-US" sz="1000" dirty="0"/>
+              <a:t> </a:t>
+            </a:r>
+            <a:r>
+              <a:rPr lang="en-US" sz="1000" dirty="0" smtClean="0"/>
+              <a:t>   create and write labels</a:t>
+            </a:r>
+          </a:p>
+          <a:p>
+            <a:r>
+              <a:rPr lang="en-US" sz="1000" dirty="0" smtClean="0"/>
+              <a:t>    </a:t>
+            </a:r>
+            <a:r>
+              <a:rPr lang="en-SG" sz="1000" b="1" dirty="0" err="1" smtClean="0"/>
+              <a:t>DisplayValueChanged</a:t>
+            </a:r>
+            <a:r>
+              <a:rPr lang="en-SG" sz="1000" dirty="0" smtClean="0"/>
+              <a:t>(this)</a:t>
+            </a:r>
+          </a:p>
+          <a:p>
+            <a:r>
+              <a:rPr lang="en-US" sz="1000" dirty="0" smtClean="0"/>
+              <a:t>  }</a:t>
+            </a:r>
+            <a:endParaRPr lang="en-SG" sz="1000" dirty="0" smtClean="0"/>
+          </a:p>
+          <a:p>
+            <a:r>
+              <a:rPr lang="en-US" sz="1000" dirty="0"/>
+              <a:t>}</a:t>
+            </a:r>
+            <a:endParaRPr lang="en-SG" sz="1000" b="1" dirty="0" smtClean="0"/>
+          </a:p>
+        </p:txBody>
+      </p:sp>
+      <p:sp>
+        <p:nvSpPr>
+          <p:cNvPr id="8" name="TextBox 7"/>
+          <p:cNvSpPr txBox="1"/>
+          <p:nvPr/>
+        </p:nvSpPr>
+        <p:spPr>
+          <a:xfrm>
+            <a:off x="6714472" y="1075605"/>
+            <a:ext cx="2055371" cy="1477328"/>
+          </a:xfrm>
+          <a:prstGeom prst="rect">
+            <a:avLst/>
+          </a:prstGeom>
+          <a:solidFill>
+            <a:schemeClr val="bg1"/>
+          </a:solidFill>
+          <a:ln>
+            <a:solidFill>
+              <a:schemeClr val="tx1">
+                <a:lumMod val="75000"/>
+                <a:lumOff val="25000"/>
+              </a:schemeClr>
+            </a:solidFill>
+          </a:ln>
+          <a:effectLst>
+            <a:outerShdw blurRad="50800" dist="38100" dir="2700000" algn="tl" rotWithShape="0">
+              <a:prstClr val="black">
+                <a:alpha val="40000"/>
+              </a:prstClr>
+            </a:outerShdw>
+          </a:effectLst>
+        </p:spPr>
+        <p:txBody>
+          <a:bodyPr wrap="none" rtlCol="0">
+            <a:spAutoFit/>
+          </a:bodyPr>
+          <a:lstStyle/>
+          <a:p>
+            <a:r>
+              <a:rPr lang="en-US" sz="1000" b="1" dirty="0" smtClean="0"/>
+              <a:t>Renderer</a:t>
+            </a:r>
           </a:p>
           <a:p>
             <a:r>
@@ -6429,10 +13480,55 @@
           </a:fontRef>
         </p:style>
       </p:cxnSp>
+      <p:sp>
+        <p:nvSpPr>
+          <p:cNvPr id="2" name="Rectangle 1"/>
+          <p:cNvSpPr/>
+          <p:nvPr/>
+        </p:nvSpPr>
+        <p:spPr>
+          <a:xfrm>
+            <a:off x="300990" y="266700"/>
+            <a:ext cx="2891790" cy="5360670"/>
+          </a:xfrm>
+          <a:prstGeom prst="rect">
+            <a:avLst/>
+          </a:prstGeom>
+          <a:solidFill>
+            <a:srgbClr val="FB1127">
+              <a:alpha val="21961"/>
+            </a:srgbClr>
+          </a:solidFill>
+        </p:spPr>
+        <p:style>
+          <a:lnRef idx="2">
+            <a:schemeClr val="accent1">
+              <a:shade val="50000"/>
+            </a:schemeClr>
+          </a:lnRef>
+          <a:fillRef idx="1">
+            <a:schemeClr val="accent1"/>
+          </a:fillRef>
+          <a:effectRef idx="0">
+            <a:schemeClr val="accent1"/>
+          </a:effectRef>
+          <a:fontRef idx="minor">
+            <a:schemeClr val="lt1"/>
+          </a:fontRef>
+        </p:style>
+        <p:txBody>
+          <a:bodyPr rtlCol="0" anchor="ctr"/>
+          <a:lstStyle/>
+          <a:p>
+            <a:pPr algn="ctr"/>
+            <a:endParaRPr lang="en-SG"/>
+          </a:p>
+        </p:txBody>
+      </p:sp>
     </p:spTree>
     <p:extLst>
       <p:ext uri="{BB962C8B-B14F-4D97-AF65-F5344CB8AC3E}">
-        <p14:creationId xmlns:p14="http://schemas.microsoft.com/office/powerpoint/2010/main" val="2169489054"/>
+        <p14:creationId xmlns:p14="http://schemas.microsoft.com/office/powerpoint/2010/main" val="4091291846"/>
       </p:ext>
     </p:extLst>
   </p:cSld>
@@ -6442,7 +13538,7 @@
 </p:sld>
 </file>
 
-<file path=ppt/slides/slide12.xml><?xml version="1.0" encoding="utf-8"?>
+<file path=ppt/slides/slide15.xml><?xml version="1.0" encoding="utf-8"?>
 <p:sld xmlns:a="http://schemas.openxmlformats.org/drawingml/2006/main" xmlns:r="http://schemas.openxmlformats.org/officeDocument/2006/relationships" xmlns:p="http://schemas.openxmlformats.org/presentationml/2006/main">
   <p:cSld>
     <p:spTree>
@@ -8961,7 +16057,7 @@
 </p:sld>
 </file>
 
-<file path=ppt/slides/slide13.xml><?xml version="1.0" encoding="utf-8"?>
+<file path=ppt/slides/slide16.xml><?xml version="1.0" encoding="utf-8"?>
 <p:sld xmlns:a="http://schemas.openxmlformats.org/drawingml/2006/main" xmlns:r="http://schemas.openxmlformats.org/officeDocument/2006/relationships" xmlns:p="http://schemas.openxmlformats.org/presentationml/2006/main">
   <p:cSld>
     <p:spTree>
@@ -11621,11 +18717,7 @@
             </a:r>
             <a:r>
               <a:rPr lang="en-US" sz="1100" dirty="0" smtClean="0"/>
-              <a:t>: </a:t>
-            </a:r>
-            <a:r>
-              <a:rPr lang="en-US" sz="1100" dirty="0" smtClean="0"/>
-              <a:t>lines connecting the </a:t>
+              <a:t>: lines connecting the </a:t>
             </a:r>
             <a:r>
               <a:rPr lang="en-US" sz="1100" dirty="0" err="1" smtClean="0"/>
@@ -14326,7 +21418,7 @@
         <p:spPr>
           <a:xfrm>
             <a:off x="2074817" y="1409670"/>
-            <a:ext cx="1754006" cy="1169551"/>
+            <a:ext cx="1754006" cy="1323439"/>
           </a:xfrm>
           <a:prstGeom prst="rect">
             <a:avLst/>
@@ -14408,6 +21500,9 @@
               <a:rPr lang="en-SG" sz="1000" dirty="0" err="1" smtClean="0"/>
               <a:t>ScaleY</a:t>
             </a:r>
+            <a:endParaRPr lang="en-SG" sz="1000" dirty="0" smtClean="0"/>
+          </a:p>
+          <a:p>
             <a:endParaRPr lang="en-SG" sz="1000" dirty="0" smtClean="0"/>
           </a:p>
           <a:p>
@@ -15573,7 +22668,6 @@
               <a:rPr lang="en-SG" sz="1000" dirty="0" smtClean="0"/>
               <a:t>)</a:t>
             </a:r>
-            <a:endParaRPr lang="en-SG" sz="1000" dirty="0" smtClean="0"/>
           </a:p>
           <a:p>
             <a:r>
@@ -16270,11 +23364,7 @@
           <a:p>
             <a:r>
               <a:rPr lang="en-US" sz="1600" b="1" dirty="0" smtClean="0"/>
-              <a:t>Adding Renderers </a:t>
-            </a:r>
-            <a:r>
-              <a:rPr lang="en-US" sz="1600" b="1" dirty="0" smtClean="0"/>
-              <a:t>to Chart</a:t>
+              <a:t>Adding Renderers to Chart</a:t>
             </a:r>
           </a:p>
           <a:p>
@@ -17302,40 +24392,36 @@
           <a:p>
             <a:r>
               <a:rPr lang="en-US" sz="1000" i="1" dirty="0"/>
-              <a:t> </a:t>
-            </a:r>
+              <a:t>  </a:t>
+            </a:r>
+            <a:r>
+              <a:rPr lang="en-US" sz="1000" i="1" dirty="0" smtClean="0"/>
+              <a:t>creates a </a:t>
+            </a:r>
+            <a:r>
+              <a:rPr lang="en-US" sz="1000" i="1" dirty="0"/>
+              <a:t>new renderer </a:t>
+            </a:r>
+            <a:r>
+              <a:rPr lang="en-US" sz="1000" i="1" dirty="0" smtClean="0"/>
+              <a:t>displaying the x data for one </a:t>
+            </a:r>
+            <a:r>
+              <a:rPr lang="en-US" sz="1000" i="1" dirty="0"/>
+              <a:t>y</a:t>
+            </a:r>
+            <a:r>
+              <a:rPr lang="en-US" sz="1000" i="1" dirty="0" smtClean="0"/>
+              <a:t> value on</a:t>
+            </a:r>
+          </a:p>
+          <a:p>
             <a:r>
               <a:rPr lang="en-US" sz="1000" i="1" dirty="0"/>
               <a:t> </a:t>
             </a:r>
             <a:r>
               <a:rPr lang="en-US" sz="1000" i="1" dirty="0" smtClean="0"/>
-              <a:t>creates a </a:t>
-            </a:r>
-            <a:r>
-              <a:rPr lang="en-US" sz="1000" i="1" dirty="0"/>
-              <a:t>new renderer </a:t>
-            </a:r>
-            <a:r>
-              <a:rPr lang="en-US" sz="1000" i="1" dirty="0" smtClean="0"/>
-              <a:t>displaying the x data for one </a:t>
-            </a:r>
-            <a:r>
-              <a:rPr lang="en-US" sz="1000" i="1" dirty="0"/>
-              <a:t>y</a:t>
-            </a:r>
-            <a:r>
-              <a:rPr lang="en-US" sz="1000" i="1" dirty="0" smtClean="0"/>
-              <a:t> value on</a:t>
-            </a:r>
-          </a:p>
-          <a:p>
-            <a:r>
-              <a:rPr lang="en-US" sz="1000" i="1" dirty="0"/>
-              <a:t> </a:t>
-            </a:r>
-            <a:r>
-              <a:rPr lang="en-US" sz="1000" i="1" dirty="0" smtClean="0"/>
               <a:t> based </a:t>
             </a:r>
             <a:r>
@@ -17527,7 +24613,6 @@
               <a:rPr lang="en-US" sz="1000" dirty="0" smtClean="0"/>
               <a:t>}</a:t>
             </a:r>
-            <a:endParaRPr lang="en-US" sz="1000" dirty="0" smtClean="0"/>
           </a:p>
         </p:txBody>
       </p:sp>
@@ -17799,15 +24884,15 @@
           </a:p>
           <a:p>
             <a:r>
-              <a:rPr lang="en-SG" sz="1000" dirty="0" err="1"/>
+              <a:rPr lang="en-SG" sz="1000" dirty="0" err="1" smtClean="0"/>
+              <a:t>LegendScrollerXs</a:t>
+            </a:r>
+            <a:endParaRPr lang="en-US" sz="1000" dirty="0" smtClean="0"/>
+          </a:p>
+          <a:p>
+            <a:r>
+              <a:rPr lang="en-SG" sz="1000" dirty="0" err="1" smtClean="0"/>
               <a:t>LegendScrollerYs</a:t>
-            </a:r>
-            <a:endParaRPr lang="en-US" sz="1000" dirty="0" smtClean="0"/>
-          </a:p>
-          <a:p>
-            <a:r>
-              <a:rPr lang="en-SG" sz="1000" dirty="0" err="1"/>
-              <a:t>LegendScrollerXs</a:t>
             </a:r>
             <a:endParaRPr lang="en-US" sz="1000" dirty="0" smtClean="0"/>
           </a:p>
@@ -17929,8 +25014,8 @@
         </p:nvSpPr>
         <p:spPr>
           <a:xfrm>
-            <a:off x="5913120" y="1983660"/>
-            <a:ext cx="1244251" cy="1169551"/>
+            <a:off x="5890513" y="991355"/>
+            <a:ext cx="1244251" cy="1323439"/>
           </a:xfrm>
           <a:prstGeom prst="rect">
             <a:avLst/>
@@ -17982,6 +25067,13 @@
           </a:p>
           <a:p>
             <a:r>
+              <a:rPr lang="en-SG" sz="1000" dirty="0" err="1"/>
+              <a:t>IsDimensionSorted</a:t>
+            </a:r>
+            <a:endParaRPr lang="en-SG" sz="1000" dirty="0" smtClean="0"/>
+          </a:p>
+          <a:p>
+            <a:r>
               <a:rPr lang="en-SG" sz="1000" dirty="0" err="1" smtClean="0"/>
               <a:t>DataSeries</a:t>
             </a:r>
@@ -18015,7 +25107,7 @@
         <p:spPr>
           <a:xfrm>
             <a:off x="2474961" y="2874570"/>
-            <a:ext cx="1236236" cy="1938992"/>
+            <a:ext cx="1172116" cy="1785104"/>
           </a:xfrm>
           <a:prstGeom prst="rect">
             <a:avLst/>
@@ -18053,18 +25145,7 @@
           </a:p>
           <a:p>
             <a:r>
-              <a:rPr lang="en-SG" sz="1000" i="1" dirty="0" err="1" smtClean="0"/>
-              <a:t>LegendScrollerX</a:t>
-            </a:r>
-            <a:r>
-              <a:rPr lang="en-SG" sz="1000" i="1" dirty="0" smtClean="0"/>
-              <a:t> or Y</a:t>
-            </a:r>
-            <a:endParaRPr lang="en-US" sz="1000" b="1" i="1" dirty="0" smtClean="0"/>
-          </a:p>
-          <a:p>
-            <a:r>
-              <a:rPr lang="en-SG" sz="1000" dirty="0" err="1"/>
+              <a:rPr lang="en-SG" sz="1000" dirty="0" err="1" smtClean="0"/>
               <a:t>MinValue</a:t>
             </a:r>
             <a:endParaRPr lang="en-SG" sz="1000" dirty="0" smtClean="0"/>
@@ -18125,6 +25206,10 @@
             <a:endParaRPr lang="en-SG" sz="1000" dirty="0"/>
           </a:p>
           <a:p>
+            <a:r>
+              <a:rPr lang="en-US" sz="1000" dirty="0" smtClean="0"/>
+              <a:t>Chart</a:t>
+            </a:r>
             <a:endParaRPr lang="en-SG" sz="1000" dirty="0" smtClean="0"/>
           </a:p>
         </p:txBody>
@@ -18137,7 +25222,7 @@
         </p:nvSpPr>
         <p:spPr>
           <a:xfrm>
-            <a:off x="4492277" y="3288030"/>
+            <a:off x="4549427" y="4719955"/>
             <a:ext cx="1172116" cy="1169551"/>
           </a:xfrm>
           <a:prstGeom prst="rect">
@@ -18259,7 +25344,7 @@
         <p:spPr>
           <a:xfrm>
             <a:off x="1173480" y="1459230"/>
-            <a:ext cx="1267837" cy="1511476"/>
+            <a:ext cx="3014345" cy="1463258"/>
           </a:xfrm>
           <a:prstGeom prst="straightConnector1">
             <a:avLst/>
@@ -18292,7 +25377,7 @@
         <p:spPr>
           <a:xfrm>
             <a:off x="1135380" y="1600200"/>
-            <a:ext cx="1305937" cy="1405507"/>
+            <a:ext cx="3150870" cy="1876425"/>
           </a:xfrm>
           <a:prstGeom prst="straightConnector1">
             <a:avLst/>
@@ -18356,9 +25441,9 @@
           <p:nvPr/>
         </p:nvCxnSpPr>
         <p:spPr>
-          <a:xfrm flipV="1">
-            <a:off x="3059430" y="3448288"/>
-            <a:ext cx="1512570" cy="645676"/>
+          <a:xfrm>
+            <a:off x="3022547" y="3914775"/>
+            <a:ext cx="1526880" cy="805180"/>
           </a:xfrm>
           <a:prstGeom prst="straightConnector1">
             <a:avLst/>
@@ -18390,8 +25475,8 @@
         </p:nvCxnSpPr>
         <p:spPr>
           <a:xfrm>
-            <a:off x="3615690" y="1815675"/>
-            <a:ext cx="2297430" cy="241904"/>
+            <a:off x="3601338" y="1812925"/>
+            <a:ext cx="2289175" cy="412639"/>
           </a:xfrm>
           <a:prstGeom prst="straightConnector1">
             <a:avLst/>
@@ -18457,7 +25542,7 @@
         <p:spPr>
           <a:xfrm>
             <a:off x="4214469" y="722798"/>
-            <a:ext cx="1377300" cy="1015663"/>
+            <a:ext cx="1125629" cy="1169551"/>
           </a:xfrm>
           <a:prstGeom prst="rect">
             <a:avLst/>
@@ -18491,39 +25576,50 @@
               <a:rPr lang="en-US" sz="1000" b="1" dirty="0" smtClean="0"/>
               <a:t>Renderer</a:t>
             </a:r>
-            <a:endParaRPr lang="en-US" sz="1000" b="1" dirty="0" smtClean="0"/>
-          </a:p>
-          <a:p>
-            <a:r>
-              <a:rPr lang="en-SG" sz="1000" i="1" dirty="0" smtClean="0"/>
-              <a:t>Holds all renderers</a:t>
-            </a:r>
-          </a:p>
-          <a:p>
+          </a:p>
+          <a:p>
+            <a:r>
+              <a:rPr lang="en-SG" sz="1000" dirty="0" err="1"/>
+              <a:t>RendererId</a:t>
+            </a:r>
             <a:r>
               <a:rPr lang="en-SG" sz="1000" dirty="0"/>
-              <a:t>renderers</a:t>
-            </a:r>
-            <a:endParaRPr lang="en-SG" sz="1000" i="1" dirty="0" smtClean="0"/>
-          </a:p>
-          <a:p>
-            <a:r>
-              <a:rPr lang="en-US" sz="1000" i="1" dirty="0"/>
-              <a:t>Needed for crosshair:</a:t>
-            </a:r>
-            <a:endParaRPr lang="en-SG" sz="1000" i="1" dirty="0"/>
+              <a:t> </a:t>
+            </a:r>
+            <a:endParaRPr lang="en-SG" sz="1000" dirty="0" smtClean="0"/>
           </a:p>
           <a:p>
             <a:r>
               <a:rPr lang="en-SG" sz="1000" dirty="0" err="1" smtClean="0"/>
-              <a:t>rendererDataSeriesList</a:t>
+              <a:t>MinDisplayValues</a:t>
             </a:r>
             <a:endParaRPr lang="en-SG" sz="1000" dirty="0" smtClean="0"/>
           </a:p>
           <a:p>
             <a:r>
               <a:rPr lang="en-SG" sz="1000" dirty="0" err="1" smtClean="0"/>
-              <a:t>legendScrollerX</a:t>
+              <a:t>MaxDisplayValues</a:t>
+            </a:r>
+            <a:endParaRPr lang="en-SG" sz="1000" dirty="0" smtClean="0"/>
+          </a:p>
+          <a:p>
+            <a:r>
+              <a:rPr lang="en-SG" sz="1000" dirty="0" err="1" smtClean="0"/>
+              <a:t>ScaleX</a:t>
+            </a:r>
+            <a:endParaRPr lang="en-SG" sz="1000" dirty="0" smtClean="0"/>
+          </a:p>
+          <a:p>
+            <a:r>
+              <a:rPr lang="en-SG" sz="1000" dirty="0" err="1" smtClean="0"/>
+              <a:t>ScaleY</a:t>
+            </a:r>
+            <a:endParaRPr lang="en-SG" sz="1000" dirty="0" smtClean="0"/>
+          </a:p>
+          <a:p>
+            <a:r>
+              <a:rPr lang="en-SG" sz="1000" dirty="0" err="1"/>
+              <a:t>plotArea</a:t>
             </a:r>
             <a:endParaRPr lang="en-SG" sz="1000" dirty="0" smtClean="0"/>
           </a:p>
@@ -18618,11 +25714,7 @@
           <a:p>
             <a:r>
               <a:rPr lang="en-SG" sz="1000" dirty="0" smtClean="0"/>
-              <a:t>r</a:t>
-            </a:r>
-            <a:r>
-              <a:rPr lang="en-SG" sz="1000" dirty="0" smtClean="0"/>
-              <a:t>eference</a:t>
+              <a:t>reference</a:t>
             </a:r>
             <a:endParaRPr lang="en-SG" sz="1000" dirty="0"/>
           </a:p>
@@ -18701,8 +25793,8 @@
         </p:nvCxnSpPr>
         <p:spPr>
           <a:xfrm>
-            <a:off x="5636895" y="857251"/>
-            <a:ext cx="781405" cy="1126409"/>
+            <a:off x="5382895" y="991355"/>
+            <a:ext cx="507618" cy="97670"/>
           </a:xfrm>
           <a:prstGeom prst="straightConnector1">
             <a:avLst/>
@@ -18711,6 +25803,504 @@
             <a:solidFill>
               <a:srgbClr val="00B050"/>
             </a:solidFill>
+            <a:tailEnd type="arrow"/>
+          </a:ln>
+        </p:spPr>
+        <p:style>
+          <a:lnRef idx="1">
+            <a:schemeClr val="accent1"/>
+          </a:lnRef>
+          <a:fillRef idx="0">
+            <a:schemeClr val="accent1"/>
+          </a:fillRef>
+          <a:effectRef idx="0">
+            <a:schemeClr val="accent1"/>
+          </a:effectRef>
+          <a:fontRef idx="minor">
+            <a:schemeClr val="tx1"/>
+          </a:fontRef>
+        </p:style>
+      </p:cxnSp>
+      <p:cxnSp>
+        <p:nvCxnSpPr>
+          <p:cNvPr id="3" name="Straight Arrow Connector 2"/>
+          <p:cNvCxnSpPr/>
+          <p:nvPr/>
+        </p:nvCxnSpPr>
+        <p:spPr>
+          <a:xfrm flipH="1" flipV="1">
+            <a:off x="984250" y="2334578"/>
+            <a:ext cx="1581150" cy="2212022"/>
+          </a:xfrm>
+          <a:prstGeom prst="straightConnector1">
+            <a:avLst/>
+          </a:prstGeom>
+          <a:ln>
+            <a:tailEnd type="arrow"/>
+          </a:ln>
+        </p:spPr>
+        <p:style>
+          <a:lnRef idx="1">
+            <a:schemeClr val="accent1"/>
+          </a:lnRef>
+          <a:fillRef idx="0">
+            <a:schemeClr val="accent1"/>
+          </a:fillRef>
+          <a:effectRef idx="0">
+            <a:schemeClr val="accent1"/>
+          </a:effectRef>
+          <a:fontRef idx="minor">
+            <a:schemeClr val="tx1"/>
+          </a:fontRef>
+        </p:style>
+      </p:cxnSp>
+      <p:cxnSp>
+        <p:nvCxnSpPr>
+          <p:cNvPr id="8" name="Straight Arrow Connector 7"/>
+          <p:cNvCxnSpPr>
+            <a:endCxn id="6" idx="3"/>
+          </p:cNvCxnSpPr>
+          <p:nvPr/>
+        </p:nvCxnSpPr>
+        <p:spPr>
+          <a:xfrm flipH="1" flipV="1">
+            <a:off x="3711197" y="1549748"/>
+            <a:ext cx="575053" cy="225077"/>
+          </a:xfrm>
+          <a:prstGeom prst="straightConnector1">
+            <a:avLst/>
+          </a:prstGeom>
+          <a:ln>
+            <a:tailEnd type="arrow"/>
+          </a:ln>
+        </p:spPr>
+        <p:style>
+          <a:lnRef idx="1">
+            <a:schemeClr val="accent1"/>
+          </a:lnRef>
+          <a:fillRef idx="0">
+            <a:schemeClr val="accent1"/>
+          </a:fillRef>
+          <a:effectRef idx="0">
+            <a:schemeClr val="accent1"/>
+          </a:effectRef>
+          <a:fontRef idx="minor">
+            <a:schemeClr val="tx1"/>
+          </a:fontRef>
+        </p:style>
+      </p:cxnSp>
+      <p:sp>
+        <p:nvSpPr>
+          <p:cNvPr id="28" name="TextBox 27"/>
+          <p:cNvSpPr txBox="1"/>
+          <p:nvPr/>
+        </p:nvSpPr>
+        <p:spPr>
+          <a:xfrm>
+            <a:off x="4037902" y="2922488"/>
+            <a:ext cx="1037463" cy="400110"/>
+          </a:xfrm>
+          <a:prstGeom prst="rect">
+            <a:avLst/>
+          </a:prstGeom>
+          <a:solidFill>
+            <a:schemeClr val="bg1"/>
+          </a:solidFill>
+          <a:ln>
+            <a:solidFill>
+              <a:schemeClr val="tx1">
+                <a:lumMod val="75000"/>
+                <a:lumOff val="25000"/>
+              </a:schemeClr>
+            </a:solidFill>
+          </a:ln>
+          <a:effectLst>
+            <a:outerShdw blurRad="50800" dist="38100" dir="2700000" algn="tl" rotWithShape="0">
+              <a:prstClr val="black">
+                <a:alpha val="40000"/>
+              </a:prstClr>
+            </a:outerShdw>
+          </a:effectLst>
+        </p:spPr>
+        <p:txBody>
+          <a:bodyPr wrap="none" rtlCol="0">
+            <a:spAutoFit/>
+          </a:bodyPr>
+          <a:lstStyle/>
+          <a:p>
+            <a:r>
+              <a:rPr lang="en-SG" sz="1000" b="1" dirty="0" err="1" smtClean="0"/>
+              <a:t>LegendScrollerX</a:t>
+            </a:r>
+            <a:endParaRPr lang="en-US" sz="1000" b="1" dirty="0" smtClean="0"/>
+          </a:p>
+          <a:p>
+            <a:r>
+              <a:rPr lang="en-SG" sz="1000" dirty="0" err="1" smtClean="0"/>
+              <a:t>ScrollBarHeight</a:t>
+            </a:r>
+            <a:endParaRPr lang="en-SG" sz="1000" dirty="0"/>
+          </a:p>
+        </p:txBody>
+      </p:sp>
+      <p:cxnSp>
+        <p:nvCxnSpPr>
+          <p:cNvPr id="30" name="Straight Arrow Connector 29"/>
+          <p:cNvCxnSpPr/>
+          <p:nvPr/>
+        </p:nvCxnSpPr>
+        <p:spPr>
+          <a:xfrm flipV="1">
+            <a:off x="3647077" y="3005708"/>
+            <a:ext cx="390825" cy="23242"/>
+          </a:xfrm>
+          <a:prstGeom prst="straightConnector1">
+            <a:avLst/>
+          </a:prstGeom>
+          <a:ln w="19050">
+            <a:solidFill>
+              <a:srgbClr val="00B050"/>
+            </a:solidFill>
+            <a:tailEnd type="arrow"/>
+          </a:ln>
+        </p:spPr>
+        <p:style>
+          <a:lnRef idx="1">
+            <a:schemeClr val="accent1"/>
+          </a:lnRef>
+          <a:fillRef idx="0">
+            <a:schemeClr val="accent1"/>
+          </a:fillRef>
+          <a:effectRef idx="0">
+            <a:schemeClr val="accent1"/>
+          </a:effectRef>
+          <a:fontRef idx="minor">
+            <a:schemeClr val="tx1"/>
+          </a:fontRef>
+        </p:style>
+      </p:cxnSp>
+      <p:sp>
+        <p:nvSpPr>
+          <p:cNvPr id="34" name="TextBox 33"/>
+          <p:cNvSpPr txBox="1"/>
+          <p:nvPr/>
+        </p:nvSpPr>
+        <p:spPr>
+          <a:xfrm>
+            <a:off x="4037902" y="3507264"/>
+            <a:ext cx="1034257" cy="400110"/>
+          </a:xfrm>
+          <a:prstGeom prst="rect">
+            <a:avLst/>
+          </a:prstGeom>
+          <a:solidFill>
+            <a:schemeClr val="bg1"/>
+          </a:solidFill>
+          <a:ln>
+            <a:solidFill>
+              <a:schemeClr val="tx1">
+                <a:lumMod val="75000"/>
+                <a:lumOff val="25000"/>
+              </a:schemeClr>
+            </a:solidFill>
+          </a:ln>
+          <a:effectLst>
+            <a:outerShdw blurRad="50800" dist="38100" dir="2700000" algn="tl" rotWithShape="0">
+              <a:prstClr val="black">
+                <a:alpha val="40000"/>
+              </a:prstClr>
+            </a:outerShdw>
+          </a:effectLst>
+        </p:spPr>
+        <p:txBody>
+          <a:bodyPr wrap="none" rtlCol="0">
+            <a:spAutoFit/>
+          </a:bodyPr>
+          <a:lstStyle/>
+          <a:p>
+            <a:r>
+              <a:rPr lang="en-SG" sz="1000" b="1" dirty="0" err="1" smtClean="0"/>
+              <a:t>LegendScrollerY</a:t>
+            </a:r>
+            <a:endParaRPr lang="en-US" sz="1000" b="1" dirty="0" smtClean="0"/>
+          </a:p>
+          <a:p>
+            <a:r>
+              <a:rPr lang="en-SG" sz="1000" dirty="0" err="1"/>
+              <a:t>ScrollBarWidth</a:t>
+            </a:r>
+            <a:endParaRPr lang="en-SG" sz="1000" dirty="0"/>
+          </a:p>
+        </p:txBody>
+      </p:sp>
+      <p:cxnSp>
+        <p:nvCxnSpPr>
+          <p:cNvPr id="36" name="Straight Arrow Connector 35"/>
+          <p:cNvCxnSpPr/>
+          <p:nvPr/>
+        </p:nvCxnSpPr>
+        <p:spPr>
+          <a:xfrm flipV="1">
+            <a:off x="3647076" y="3612133"/>
+            <a:ext cx="390825" cy="23242"/>
+          </a:xfrm>
+          <a:prstGeom prst="straightConnector1">
+            <a:avLst/>
+          </a:prstGeom>
+          <a:ln w="19050">
+            <a:solidFill>
+              <a:srgbClr val="00B050"/>
+            </a:solidFill>
+            <a:tailEnd type="arrow"/>
+          </a:ln>
+        </p:spPr>
+        <p:style>
+          <a:lnRef idx="1">
+            <a:schemeClr val="accent1"/>
+          </a:lnRef>
+          <a:fillRef idx="0">
+            <a:schemeClr val="accent1"/>
+          </a:fillRef>
+          <a:effectRef idx="0">
+            <a:schemeClr val="accent1"/>
+          </a:effectRef>
+          <a:fontRef idx="minor">
+            <a:schemeClr val="tx1"/>
+          </a:fontRef>
+        </p:style>
+      </p:cxnSp>
+      <p:sp>
+        <p:nvSpPr>
+          <p:cNvPr id="40" name="TextBox 39"/>
+          <p:cNvSpPr txBox="1"/>
+          <p:nvPr/>
+        </p:nvSpPr>
+        <p:spPr>
+          <a:xfrm>
+            <a:off x="5940206" y="3441668"/>
+            <a:ext cx="1194558" cy="400110"/>
+          </a:xfrm>
+          <a:prstGeom prst="rect">
+            <a:avLst/>
+          </a:prstGeom>
+          <a:solidFill>
+            <a:schemeClr val="bg1"/>
+          </a:solidFill>
+          <a:ln>
+            <a:solidFill>
+              <a:schemeClr val="tx1">
+                <a:lumMod val="75000"/>
+                <a:lumOff val="25000"/>
+              </a:schemeClr>
+            </a:solidFill>
+          </a:ln>
+          <a:effectLst>
+            <a:outerShdw blurRad="50800" dist="38100" dir="2700000" algn="tl" rotWithShape="0">
+              <a:prstClr val="black">
+                <a:alpha val="40000"/>
+              </a:prstClr>
+            </a:outerShdw>
+          </a:effectLst>
+        </p:spPr>
+        <p:txBody>
+          <a:bodyPr wrap="none" rtlCol="0">
+            <a:spAutoFit/>
+          </a:bodyPr>
+          <a:lstStyle/>
+          <a:p>
+            <a:r>
+              <a:rPr lang="en-SG" sz="1000" b="1" dirty="0" err="1"/>
+              <a:t>RendererGridLineX</a:t>
+            </a:r>
+            <a:endParaRPr lang="en-US" sz="1000" b="1" dirty="0" smtClean="0"/>
+          </a:p>
+          <a:p>
+            <a:r>
+              <a:rPr lang="en-SG" sz="1000" dirty="0" err="1"/>
+              <a:t>LegendScrollerY</a:t>
+            </a:r>
+            <a:endParaRPr lang="en-SG" sz="1000" dirty="0"/>
+          </a:p>
+        </p:txBody>
+      </p:sp>
+      <p:cxnSp>
+        <p:nvCxnSpPr>
+          <p:cNvPr id="41" name="Straight Arrow Connector 40"/>
+          <p:cNvCxnSpPr/>
+          <p:nvPr/>
+        </p:nvCxnSpPr>
+        <p:spPr>
+          <a:xfrm>
+            <a:off x="5382895" y="1774825"/>
+            <a:ext cx="557311" cy="1654175"/>
+          </a:xfrm>
+          <a:prstGeom prst="straightConnector1">
+            <a:avLst/>
+          </a:prstGeom>
+          <a:ln w="19050">
+            <a:solidFill>
+              <a:srgbClr val="00B050"/>
+            </a:solidFill>
+            <a:tailEnd type="arrow"/>
+          </a:ln>
+        </p:spPr>
+        <p:style>
+          <a:lnRef idx="1">
+            <a:schemeClr val="accent1"/>
+          </a:lnRef>
+          <a:fillRef idx="0">
+            <a:schemeClr val="accent1"/>
+          </a:fillRef>
+          <a:effectRef idx="0">
+            <a:schemeClr val="accent1"/>
+          </a:effectRef>
+          <a:fontRef idx="minor">
+            <a:schemeClr val="tx1"/>
+          </a:fontRef>
+        </p:style>
+      </p:cxnSp>
+      <p:cxnSp>
+        <p:nvCxnSpPr>
+          <p:cNvPr id="33" name="Straight Arrow Connector 32"/>
+          <p:cNvCxnSpPr>
+            <a:endCxn id="34" idx="3"/>
+          </p:cNvCxnSpPr>
+          <p:nvPr/>
+        </p:nvCxnSpPr>
+        <p:spPr>
+          <a:xfrm flipH="1" flipV="1">
+            <a:off x="5072159" y="3707319"/>
+            <a:ext cx="950816" cy="26481"/>
+          </a:xfrm>
+          <a:prstGeom prst="straightConnector1">
+            <a:avLst/>
+          </a:prstGeom>
+          <a:ln>
+            <a:tailEnd type="arrow"/>
+          </a:ln>
+        </p:spPr>
+        <p:style>
+          <a:lnRef idx="1">
+            <a:schemeClr val="accent1"/>
+          </a:lnRef>
+          <a:fillRef idx="0">
+            <a:schemeClr val="accent1"/>
+          </a:fillRef>
+          <a:effectRef idx="0">
+            <a:schemeClr val="accent1"/>
+          </a:effectRef>
+          <a:fontRef idx="minor">
+            <a:schemeClr val="tx1"/>
+          </a:fontRef>
+        </p:style>
+      </p:cxnSp>
+      <p:sp>
+        <p:nvSpPr>
+          <p:cNvPr id="48" name="TextBox 47"/>
+          <p:cNvSpPr txBox="1"/>
+          <p:nvPr/>
+        </p:nvSpPr>
+        <p:spPr>
+          <a:xfrm>
+            <a:off x="5940206" y="2828895"/>
+            <a:ext cx="1191352" cy="400110"/>
+          </a:xfrm>
+          <a:prstGeom prst="rect">
+            <a:avLst/>
+          </a:prstGeom>
+          <a:solidFill>
+            <a:schemeClr val="bg1"/>
+          </a:solidFill>
+          <a:ln>
+            <a:solidFill>
+              <a:schemeClr val="tx1">
+                <a:lumMod val="75000"/>
+                <a:lumOff val="25000"/>
+              </a:schemeClr>
+            </a:solidFill>
+          </a:ln>
+          <a:effectLst>
+            <a:outerShdw blurRad="50800" dist="38100" dir="2700000" algn="tl" rotWithShape="0">
+              <a:prstClr val="black">
+                <a:alpha val="40000"/>
+              </a:prstClr>
+            </a:outerShdw>
+          </a:effectLst>
+        </p:spPr>
+        <p:txBody>
+          <a:bodyPr wrap="none" rtlCol="0">
+            <a:spAutoFit/>
+          </a:bodyPr>
+          <a:lstStyle/>
+          <a:p>
+            <a:r>
+              <a:rPr lang="en-SG" sz="1000" b="1" dirty="0" err="1" smtClean="0"/>
+              <a:t>RendererGridLineY</a:t>
+            </a:r>
+            <a:endParaRPr lang="en-US" sz="1000" b="1" dirty="0" smtClean="0"/>
+          </a:p>
+          <a:p>
+            <a:r>
+              <a:rPr lang="en-SG" sz="1000" dirty="0" err="1" smtClean="0"/>
+              <a:t>LegendScrollerX</a:t>
+            </a:r>
+            <a:endParaRPr lang="en-SG" sz="1000" dirty="0"/>
+          </a:p>
+        </p:txBody>
+      </p:sp>
+      <p:cxnSp>
+        <p:nvCxnSpPr>
+          <p:cNvPr id="50" name="Straight Arrow Connector 49"/>
+          <p:cNvCxnSpPr/>
+          <p:nvPr/>
+        </p:nvCxnSpPr>
+        <p:spPr>
+          <a:xfrm>
+            <a:off x="5382895" y="1774825"/>
+            <a:ext cx="709711" cy="1054070"/>
+          </a:xfrm>
+          <a:prstGeom prst="straightConnector1">
+            <a:avLst/>
+          </a:prstGeom>
+          <a:ln w="19050">
+            <a:solidFill>
+              <a:srgbClr val="00B050"/>
+            </a:solidFill>
+            <a:tailEnd type="arrow"/>
+          </a:ln>
+        </p:spPr>
+        <p:style>
+          <a:lnRef idx="1">
+            <a:schemeClr val="accent1"/>
+          </a:lnRef>
+          <a:fillRef idx="0">
+            <a:schemeClr val="accent1"/>
+          </a:fillRef>
+          <a:effectRef idx="0">
+            <a:schemeClr val="accent1"/>
+          </a:effectRef>
+          <a:fontRef idx="minor">
+            <a:schemeClr val="tx1"/>
+          </a:fontRef>
+        </p:style>
+      </p:cxnSp>
+      <p:cxnSp>
+        <p:nvCxnSpPr>
+          <p:cNvPr id="44" name="Straight Arrow Connector 43"/>
+          <p:cNvCxnSpPr>
+            <a:endCxn id="28" idx="3"/>
+          </p:cNvCxnSpPr>
+          <p:nvPr/>
+        </p:nvCxnSpPr>
+        <p:spPr>
+          <a:xfrm flipH="1">
+            <a:off x="5075365" y="3122543"/>
+            <a:ext cx="947610" cy="0"/>
+          </a:xfrm>
+          <a:prstGeom prst="straightConnector1">
+            <a:avLst/>
+          </a:prstGeom>
+          <a:ln>
             <a:tailEnd type="arrow"/>
           </a:ln>
         </p:spPr>
